--- a/aspnet5/slides/05_ModelsViews.pptx
+++ b/aspnet5/slides/05_ModelsViews.pptx
@@ -5,10 +5,10 @@
     <p:sldMasterId id="2147483772" r:id="rId1"/>
   </p:sldMasterIdLst>
   <p:notesMasterIdLst>
-    <p:notesMasterId r:id="rId23"/>
+    <p:notesMasterId r:id="rId24"/>
   </p:notesMasterIdLst>
   <p:handoutMasterIdLst>
-    <p:handoutMasterId r:id="rId24"/>
+    <p:handoutMasterId r:id="rId25"/>
   </p:handoutMasterIdLst>
   <p:sldIdLst>
     <p:sldId id="327" r:id="rId2"/>
@@ -18,20 +18,21 @@
     <p:sldId id="331" r:id="rId6"/>
     <p:sldId id="332" r:id="rId7"/>
     <p:sldId id="333" r:id="rId8"/>
-    <p:sldId id="334" r:id="rId9"/>
-    <p:sldId id="335" r:id="rId10"/>
-    <p:sldId id="359" r:id="rId11"/>
-    <p:sldId id="360" r:id="rId12"/>
-    <p:sldId id="361" r:id="rId13"/>
-    <p:sldId id="336" r:id="rId14"/>
-    <p:sldId id="337" r:id="rId15"/>
-    <p:sldId id="338" r:id="rId16"/>
-    <p:sldId id="339" r:id="rId17"/>
-    <p:sldId id="345" r:id="rId18"/>
-    <p:sldId id="347" r:id="rId19"/>
-    <p:sldId id="351" r:id="rId20"/>
-    <p:sldId id="355" r:id="rId21"/>
-    <p:sldId id="358" r:id="rId22"/>
+    <p:sldId id="362" r:id="rId9"/>
+    <p:sldId id="334" r:id="rId10"/>
+    <p:sldId id="335" r:id="rId11"/>
+    <p:sldId id="359" r:id="rId12"/>
+    <p:sldId id="360" r:id="rId13"/>
+    <p:sldId id="361" r:id="rId14"/>
+    <p:sldId id="336" r:id="rId15"/>
+    <p:sldId id="337" r:id="rId16"/>
+    <p:sldId id="338" r:id="rId17"/>
+    <p:sldId id="339" r:id="rId18"/>
+    <p:sldId id="345" r:id="rId19"/>
+    <p:sldId id="347" r:id="rId20"/>
+    <p:sldId id="351" r:id="rId21"/>
+    <p:sldId id="355" r:id="rId22"/>
+    <p:sldId id="358" r:id="rId23"/>
   </p:sldIdLst>
   <p:sldSz cx="9144000" cy="6858000" type="screen4x3"/>
   <p:notesSz cx="7302500" cy="9588500"/>
@@ -172,6 +173,7 @@
             <p14:sldId id="331"/>
             <p14:sldId id="332"/>
             <p14:sldId id="333"/>
+            <p14:sldId id="362"/>
             <p14:sldId id="334"/>
             <p14:sldId id="335"/>
             <p14:sldId id="359"/>
@@ -313,7 +315,7 @@
               <a:pPr>
                 <a:defRPr/>
               </a:pPr>
-              <a:t>9/11/2015</a:t>
+              <a:t>9/12/2015</a:t>
             </a:fld>
             <a:endParaRPr lang="en-US"/>
           </a:p>
@@ -1027,7 +1029,7 @@
               <a:pPr>
                 <a:defRPr/>
               </a:pPr>
-              <a:t>9</a:t>
+              <a:t>10</a:t>
             </a:fld>
             <a:endParaRPr lang="en-US"/>
           </a:p>
@@ -1117,7 +1119,7 @@
               <a:pPr>
                 <a:defRPr/>
               </a:pPr>
-              <a:t>10</a:t>
+              <a:t>11</a:t>
             </a:fld>
             <a:endParaRPr lang="en-US"/>
           </a:p>
@@ -1207,7 +1209,7 @@
               <a:pPr>
                 <a:defRPr/>
               </a:pPr>
-              <a:t>12</a:t>
+              <a:t>13</a:t>
             </a:fld>
             <a:endParaRPr lang="en-US"/>
           </a:p>
@@ -1299,7 +1301,7 @@
               <a:pPr>
                 <a:defRPr/>
               </a:pPr>
-              <a:t>16</a:t>
+              <a:t>17</a:t>
             </a:fld>
             <a:endParaRPr lang="en-US"/>
           </a:p>
@@ -1359,7 +1361,7 @@
             <a:fld id="{6F8E712A-3391-44E3-B8E1-37AE61B13131}" type="slidenum">
               <a:rPr lang="en-US" smtClean="0"/>
               <a:pPr/>
-              <a:t>21</a:t>
+              <a:t>22</a:t>
             </a:fld>
             <a:endParaRPr lang="en-US" smtClean="0"/>
           </a:p>
@@ -3334,6 +3336,869 @@
           <a:lstStyle/>
           <a:p>
             <a:r>
+              <a:rPr lang="en-US" dirty="0" smtClean="0"/>
+              <a:t>Partials</a:t>
+            </a:r>
+            <a:endParaRPr lang="en-US" dirty="0"/>
+          </a:p>
+        </p:txBody>
+      </p:sp>
+      <p:sp>
+        <p:nvSpPr>
+          <p:cNvPr id="3" name="Text Placeholder 2"/>
+          <p:cNvSpPr>
+            <a:spLocks noGrp="1"/>
+          </p:cNvSpPr>
+          <p:nvPr>
+            <p:ph type="body" idx="1"/>
+          </p:nvPr>
+        </p:nvSpPr>
+        <p:spPr/>
+        <p:txBody>
+          <a:bodyPr/>
+          <a:lstStyle/>
+          <a:p>
+            <a:r>
+              <a:rPr lang="en-US" dirty="0" smtClean="0"/>
+              <a:t>Partial views render portions of a page</a:t>
+            </a:r>
+          </a:p>
+          <a:p>
+            <a:pPr lvl="1"/>
+            <a:r>
+              <a:rPr lang="en-US" dirty="0" smtClean="0"/>
+              <a:t>Reuse pieces of a view</a:t>
+            </a:r>
+          </a:p>
+          <a:p>
+            <a:pPr lvl="1"/>
+            <a:endParaRPr lang="en-US" dirty="0"/>
+          </a:p>
+        </p:txBody>
+      </p:sp>
+      <p:sp>
+        <p:nvSpPr>
+          <p:cNvPr id="4" name="Text Placeholder 2"/>
+          <p:cNvSpPr txBox="1">
+            <a:spLocks/>
+          </p:cNvSpPr>
+          <p:nvPr/>
+        </p:nvSpPr>
+        <p:spPr bwMode="auto">
+          <a:xfrm>
+            <a:off x="228600" y="2628900"/>
+            <a:ext cx="8077200" cy="1295400"/>
+          </a:xfrm>
+          <a:prstGeom prst="rect">
+            <a:avLst/>
+          </a:prstGeom>
+          <a:solidFill>
+            <a:schemeClr val="accent2"/>
+          </a:solidFill>
+          <a:ln w="9525">
+            <a:solidFill>
+              <a:schemeClr val="tx1"/>
+            </a:solidFill>
+            <a:miter lim="800000"/>
+            <a:headEnd/>
+            <a:tailEnd/>
+          </a:ln>
+        </p:spPr>
+        <p:txBody>
+          <a:bodyPr vert="horz" wrap="square" lIns="91440" tIns="45720" rIns="91440" bIns="45720" numCol="1" anchor="t" anchorCtr="0" compatLnSpc="1">
+            <a:prstTxWarp prst="textNoShape">
+              <a:avLst/>
+            </a:prstTxWarp>
+          </a:bodyPr>
+          <a:lstStyle/>
+          <a:p>
+            <a:pPr marL="0" marR="0" algn="l">
+              <a:lnSpc>
+                <a:spcPct val="115000"/>
+              </a:lnSpc>
+              <a:spcBef>
+                <a:spcPts val="0"/>
+              </a:spcBef>
+              <a:spcAft>
+                <a:spcPts val="0"/>
+              </a:spcAft>
+            </a:pPr>
+            <a:r>
+              <a:rPr lang="en-US" b="0" dirty="0">
+                <a:latin typeface="Consolas" pitchFamily="49" charset="0"/>
+                <a:cs typeface="Consolas" pitchFamily="49" charset="0"/>
+              </a:rPr>
+              <a:t>@</a:t>
+            </a:r>
+            <a:r>
+              <a:rPr lang="en-US" b="0" dirty="0" err="1">
+                <a:solidFill>
+                  <a:srgbClr val="0000FF"/>
+                </a:solidFill>
+                <a:latin typeface="Consolas" pitchFamily="49" charset="0"/>
+                <a:cs typeface="Consolas" pitchFamily="49" charset="0"/>
+              </a:rPr>
+              <a:t>foreach</a:t>
+            </a:r>
+            <a:r>
+              <a:rPr lang="en-US" b="0" dirty="0">
+                <a:latin typeface="Consolas" pitchFamily="49" charset="0"/>
+                <a:cs typeface="Consolas" pitchFamily="49" charset="0"/>
+              </a:rPr>
+              <a:t> (</a:t>
+            </a:r>
+            <a:r>
+              <a:rPr lang="en-US" b="0" dirty="0" err="1">
+                <a:solidFill>
+                  <a:srgbClr val="0000FF"/>
+                </a:solidFill>
+                <a:latin typeface="Consolas" pitchFamily="49" charset="0"/>
+                <a:cs typeface="Consolas" pitchFamily="49" charset="0"/>
+              </a:rPr>
+              <a:t>var</a:t>
+            </a:r>
+            <a:r>
+              <a:rPr lang="en-US" b="0" dirty="0">
+                <a:latin typeface="Consolas" pitchFamily="49" charset="0"/>
+                <a:cs typeface="Consolas" pitchFamily="49" charset="0"/>
+              </a:rPr>
+              <a:t> item </a:t>
+            </a:r>
+            <a:r>
+              <a:rPr lang="en-US" b="0" dirty="0">
+                <a:solidFill>
+                  <a:srgbClr val="0000FF"/>
+                </a:solidFill>
+                <a:latin typeface="Consolas" pitchFamily="49" charset="0"/>
+                <a:cs typeface="Consolas" pitchFamily="49" charset="0"/>
+              </a:rPr>
+              <a:t>in</a:t>
+            </a:r>
+            <a:r>
+              <a:rPr lang="en-US" b="0" dirty="0">
+                <a:latin typeface="Consolas" pitchFamily="49" charset="0"/>
+                <a:cs typeface="Consolas" pitchFamily="49" charset="0"/>
+              </a:rPr>
+              <a:t> Model)</a:t>
+            </a:r>
+            <a:br>
+              <a:rPr lang="en-US" b="0" dirty="0">
+                <a:latin typeface="Consolas" pitchFamily="49" charset="0"/>
+                <a:cs typeface="Consolas" pitchFamily="49" charset="0"/>
+              </a:rPr>
+            </a:br>
+            <a:r>
+              <a:rPr lang="en-US" b="0" dirty="0">
+                <a:latin typeface="Consolas" pitchFamily="49" charset="0"/>
+                <a:cs typeface="Consolas" pitchFamily="49" charset="0"/>
+              </a:rPr>
+              <a:t>{   </a:t>
+            </a:r>
+            <a:br>
+              <a:rPr lang="en-US" b="0" dirty="0">
+                <a:latin typeface="Consolas" pitchFamily="49" charset="0"/>
+                <a:cs typeface="Consolas" pitchFamily="49" charset="0"/>
+              </a:rPr>
+            </a:br>
+            <a:r>
+              <a:rPr lang="en-US" b="0" dirty="0">
+                <a:latin typeface="Consolas" pitchFamily="49" charset="0"/>
+                <a:cs typeface="Consolas" pitchFamily="49" charset="0"/>
+              </a:rPr>
+              <a:t>    </a:t>
+            </a:r>
+            <a:r>
+              <a:rPr lang="en-US" b="0" dirty="0" smtClean="0">
+                <a:latin typeface="Consolas" pitchFamily="49" charset="0"/>
+                <a:cs typeface="Consolas" pitchFamily="49" charset="0"/>
+              </a:rPr>
+              <a:t>@await </a:t>
+            </a:r>
+            <a:r>
+              <a:rPr lang="en-US" b="0" dirty="0" err="1" smtClean="0">
+                <a:latin typeface="Consolas" pitchFamily="49" charset="0"/>
+                <a:cs typeface="Consolas" pitchFamily="49" charset="0"/>
+              </a:rPr>
+              <a:t>Html.RenderPartialAsync</a:t>
+            </a:r>
+            <a:r>
+              <a:rPr lang="en-US" b="0" dirty="0" smtClean="0">
+                <a:latin typeface="Consolas" pitchFamily="49" charset="0"/>
+                <a:cs typeface="Consolas" pitchFamily="49" charset="0"/>
+              </a:rPr>
+              <a:t>(</a:t>
+            </a:r>
+            <a:r>
+              <a:rPr lang="en-US" b="0" dirty="0" smtClean="0">
+                <a:solidFill>
+                  <a:srgbClr val="A31515"/>
+                </a:solidFill>
+                <a:latin typeface="Consolas" pitchFamily="49" charset="0"/>
+                <a:cs typeface="Consolas" pitchFamily="49" charset="0"/>
+              </a:rPr>
+              <a:t>"_</a:t>
+            </a:r>
+            <a:r>
+              <a:rPr lang="en-US" b="0" dirty="0" err="1">
+                <a:solidFill>
+                  <a:srgbClr val="A31515"/>
+                </a:solidFill>
+                <a:latin typeface="Consolas" pitchFamily="49" charset="0"/>
+                <a:cs typeface="Consolas" pitchFamily="49" charset="0"/>
+              </a:rPr>
+              <a:t>movieRecord</a:t>
+            </a:r>
+            <a:r>
+              <a:rPr lang="en-US" b="0" dirty="0">
+                <a:solidFill>
+                  <a:srgbClr val="A31515"/>
+                </a:solidFill>
+                <a:latin typeface="Consolas" pitchFamily="49" charset="0"/>
+                <a:cs typeface="Consolas" pitchFamily="49" charset="0"/>
+              </a:rPr>
+              <a:t>"</a:t>
+            </a:r>
+            <a:r>
+              <a:rPr lang="en-US" b="0" dirty="0">
+                <a:latin typeface="Consolas" pitchFamily="49" charset="0"/>
+                <a:cs typeface="Consolas" pitchFamily="49" charset="0"/>
+              </a:rPr>
+              <a:t>, item)    </a:t>
+            </a:r>
+            <a:br>
+              <a:rPr lang="en-US" b="0" dirty="0">
+                <a:latin typeface="Consolas" pitchFamily="49" charset="0"/>
+                <a:cs typeface="Consolas" pitchFamily="49" charset="0"/>
+              </a:rPr>
+            </a:br>
+            <a:r>
+              <a:rPr lang="en-US" b="0" dirty="0">
+                <a:latin typeface="Consolas" pitchFamily="49" charset="0"/>
+                <a:cs typeface="Consolas" pitchFamily="49" charset="0"/>
+              </a:rPr>
+              <a:t>}</a:t>
+            </a:r>
+            <a:endParaRPr kumimoji="0" lang="en-US" b="0" i="0" u="none" strike="noStrike" kern="0" cap="none" spc="0" normalizeH="0" baseline="0" noProof="0" dirty="0">
+              <a:ln>
+                <a:noFill/>
+              </a:ln>
+              <a:solidFill>
+                <a:schemeClr val="tx1"/>
+              </a:solidFill>
+              <a:effectLst/>
+              <a:uLnTx/>
+              <a:uFillTx/>
+              <a:latin typeface="Consolas" pitchFamily="49" charset="0"/>
+              <a:cs typeface="Consolas" pitchFamily="49" charset="0"/>
+            </a:endParaRPr>
+          </a:p>
+        </p:txBody>
+      </p:sp>
+      <p:sp>
+        <p:nvSpPr>
+          <p:cNvPr id="5" name="Text Placeholder 2"/>
+          <p:cNvSpPr txBox="1">
+            <a:spLocks/>
+          </p:cNvSpPr>
+          <p:nvPr/>
+        </p:nvSpPr>
+        <p:spPr bwMode="auto">
+          <a:xfrm>
+            <a:off x="2286000" y="4114800"/>
+            <a:ext cx="6477000" cy="2514600"/>
+          </a:xfrm>
+          <a:prstGeom prst="rect">
+            <a:avLst/>
+          </a:prstGeom>
+          <a:solidFill>
+            <a:schemeClr val="accent6"/>
+          </a:solidFill>
+          <a:ln w="9525">
+            <a:solidFill>
+              <a:schemeClr val="tx1"/>
+            </a:solidFill>
+            <a:miter lim="800000"/>
+            <a:headEnd/>
+            <a:tailEnd/>
+          </a:ln>
+        </p:spPr>
+        <p:txBody>
+          <a:bodyPr vert="horz" wrap="square" lIns="91440" tIns="45720" rIns="91440" bIns="45720" numCol="1" anchor="t" anchorCtr="0" compatLnSpc="1">
+            <a:prstTxWarp prst="textNoShape">
+              <a:avLst/>
+            </a:prstTxWarp>
+          </a:bodyPr>
+          <a:lstStyle/>
+          <a:p>
+            <a:pPr marL="0" marR="0" algn="l">
+              <a:lnSpc>
+                <a:spcPct val="115000"/>
+              </a:lnSpc>
+              <a:spcBef>
+                <a:spcPts val="0"/>
+              </a:spcBef>
+              <a:spcAft>
+                <a:spcPts val="0"/>
+              </a:spcAft>
+            </a:pPr>
+            <a:r>
+              <a:rPr lang="en-US" sz="1200" b="0" dirty="0" smtClean="0">
+                <a:latin typeface="Consolas" pitchFamily="49" charset="0"/>
+                <a:ea typeface="Calibri"/>
+                <a:cs typeface="Consolas" pitchFamily="49" charset="0"/>
+              </a:rPr>
+              <a:t> </a:t>
+            </a:r>
+            <a:r>
+              <a:rPr lang="en-US" sz="1200" b="0" dirty="0">
+                <a:latin typeface="Consolas" pitchFamily="49" charset="0"/>
+                <a:cs typeface="Consolas" pitchFamily="49" charset="0"/>
+              </a:rPr>
+              <a:t>@model Movie</a:t>
+            </a:r>
+            <a:br>
+              <a:rPr lang="en-US" sz="1200" b="0" dirty="0">
+                <a:latin typeface="Consolas" pitchFamily="49" charset="0"/>
+                <a:cs typeface="Consolas" pitchFamily="49" charset="0"/>
+              </a:rPr>
+            </a:br>
+            <a:r>
+              <a:rPr lang="en-US" sz="1200" b="0" dirty="0">
+                <a:solidFill>
+                  <a:srgbClr val="0000FF"/>
+                </a:solidFill>
+                <a:latin typeface="Consolas" pitchFamily="49" charset="0"/>
+                <a:cs typeface="Consolas" pitchFamily="49" charset="0"/>
+              </a:rPr>
+              <a:t>&lt;</a:t>
+            </a:r>
+            <a:r>
+              <a:rPr lang="en-US" sz="1200" b="0" dirty="0" err="1">
+                <a:solidFill>
+                  <a:srgbClr val="800000"/>
+                </a:solidFill>
+                <a:latin typeface="Consolas" pitchFamily="49" charset="0"/>
+                <a:cs typeface="Consolas" pitchFamily="49" charset="0"/>
+              </a:rPr>
+              <a:t>tr</a:t>
+            </a:r>
+            <a:r>
+              <a:rPr lang="en-US" sz="1200" b="0" dirty="0">
+                <a:solidFill>
+                  <a:srgbClr val="0000FF"/>
+                </a:solidFill>
+                <a:latin typeface="Consolas" pitchFamily="49" charset="0"/>
+                <a:cs typeface="Consolas" pitchFamily="49" charset="0"/>
+              </a:rPr>
+              <a:t>&gt;</a:t>
+            </a:r>
+            <a:r>
+              <a:rPr lang="en-US" sz="1200" b="0" dirty="0">
+                <a:latin typeface="Consolas" pitchFamily="49" charset="0"/>
+                <a:cs typeface="Consolas" pitchFamily="49" charset="0"/>
+              </a:rPr>
+              <a:t/>
+            </a:r>
+            <a:br>
+              <a:rPr lang="en-US" sz="1200" b="0" dirty="0">
+                <a:latin typeface="Consolas" pitchFamily="49" charset="0"/>
+                <a:cs typeface="Consolas" pitchFamily="49" charset="0"/>
+              </a:rPr>
+            </a:br>
+            <a:r>
+              <a:rPr lang="en-US" sz="1200" b="0" dirty="0">
+                <a:latin typeface="Consolas" pitchFamily="49" charset="0"/>
+                <a:cs typeface="Consolas" pitchFamily="49" charset="0"/>
+              </a:rPr>
+              <a:t>    </a:t>
+            </a:r>
+            <a:r>
+              <a:rPr lang="en-US" sz="1200" b="0" dirty="0">
+                <a:solidFill>
+                  <a:srgbClr val="0000FF"/>
+                </a:solidFill>
+                <a:latin typeface="Consolas" pitchFamily="49" charset="0"/>
+                <a:cs typeface="Consolas" pitchFamily="49" charset="0"/>
+              </a:rPr>
+              <a:t>&lt;</a:t>
+            </a:r>
+            <a:r>
+              <a:rPr lang="en-US" sz="1200" b="0" dirty="0">
+                <a:solidFill>
+                  <a:srgbClr val="800000"/>
+                </a:solidFill>
+                <a:latin typeface="Consolas" pitchFamily="49" charset="0"/>
+                <a:cs typeface="Consolas" pitchFamily="49" charset="0"/>
+              </a:rPr>
+              <a:t>td</a:t>
+            </a:r>
+            <a:r>
+              <a:rPr lang="en-US" sz="1200" b="0" dirty="0">
+                <a:solidFill>
+                  <a:srgbClr val="0000FF"/>
+                </a:solidFill>
+                <a:latin typeface="Consolas" pitchFamily="49" charset="0"/>
+                <a:cs typeface="Consolas" pitchFamily="49" charset="0"/>
+              </a:rPr>
+              <a:t>&gt;</a:t>
+            </a:r>
+            <a:r>
+              <a:rPr lang="en-US" sz="1200" b="0" dirty="0">
+                <a:latin typeface="Consolas" pitchFamily="49" charset="0"/>
+                <a:cs typeface="Consolas" pitchFamily="49" charset="0"/>
+              </a:rPr>
+              <a:t/>
+            </a:r>
+            <a:br>
+              <a:rPr lang="en-US" sz="1200" b="0" dirty="0">
+                <a:latin typeface="Consolas" pitchFamily="49" charset="0"/>
+                <a:cs typeface="Consolas" pitchFamily="49" charset="0"/>
+              </a:rPr>
+            </a:br>
+            <a:r>
+              <a:rPr lang="en-US" sz="1200" b="0" dirty="0">
+                <a:latin typeface="Consolas" pitchFamily="49" charset="0"/>
+                <a:cs typeface="Consolas" pitchFamily="49" charset="0"/>
+              </a:rPr>
+              <a:t>        @</a:t>
+            </a:r>
+            <a:r>
+              <a:rPr lang="en-US" sz="1200" b="0" dirty="0" err="1">
+                <a:latin typeface="Consolas" pitchFamily="49" charset="0"/>
+                <a:cs typeface="Consolas" pitchFamily="49" charset="0"/>
+              </a:rPr>
+              <a:t>Html.ActionLink</a:t>
+            </a:r>
+            <a:r>
+              <a:rPr lang="en-US" sz="1200" b="0" dirty="0">
+                <a:latin typeface="Consolas" pitchFamily="49" charset="0"/>
+                <a:cs typeface="Consolas" pitchFamily="49" charset="0"/>
+              </a:rPr>
+              <a:t>(</a:t>
+            </a:r>
+            <a:r>
+              <a:rPr lang="en-US" sz="1200" b="0" dirty="0">
+                <a:solidFill>
+                  <a:srgbClr val="A31515"/>
+                </a:solidFill>
+                <a:latin typeface="Consolas" pitchFamily="49" charset="0"/>
+                <a:cs typeface="Consolas" pitchFamily="49" charset="0"/>
+              </a:rPr>
+              <a:t>"Edit"</a:t>
+            </a:r>
+            <a:r>
+              <a:rPr lang="en-US" sz="1200" b="0" dirty="0">
+                <a:latin typeface="Consolas" pitchFamily="49" charset="0"/>
+                <a:cs typeface="Consolas" pitchFamily="49" charset="0"/>
+              </a:rPr>
+              <a:t>, </a:t>
+            </a:r>
+            <a:r>
+              <a:rPr lang="en-US" sz="1200" b="0" dirty="0">
+                <a:solidFill>
+                  <a:srgbClr val="A31515"/>
+                </a:solidFill>
+                <a:latin typeface="Consolas" pitchFamily="49" charset="0"/>
+                <a:cs typeface="Consolas" pitchFamily="49" charset="0"/>
+              </a:rPr>
+              <a:t>"Edit"</a:t>
+            </a:r>
+            <a:r>
+              <a:rPr lang="en-US" sz="1200" b="0" dirty="0">
+                <a:latin typeface="Consolas" pitchFamily="49" charset="0"/>
+                <a:cs typeface="Consolas" pitchFamily="49" charset="0"/>
+              </a:rPr>
+              <a:t>, </a:t>
+            </a:r>
+            <a:r>
+              <a:rPr lang="en-US" sz="1200" b="0" dirty="0">
+                <a:solidFill>
+                  <a:srgbClr val="0000FF"/>
+                </a:solidFill>
+                <a:latin typeface="Consolas" pitchFamily="49" charset="0"/>
+                <a:cs typeface="Consolas" pitchFamily="49" charset="0"/>
+              </a:rPr>
+              <a:t>new</a:t>
+            </a:r>
+            <a:r>
+              <a:rPr lang="en-US" sz="1200" b="0" dirty="0">
+                <a:latin typeface="Consolas" pitchFamily="49" charset="0"/>
+                <a:cs typeface="Consolas" pitchFamily="49" charset="0"/>
+              </a:rPr>
+              <a:t> { id = </a:t>
+            </a:r>
+            <a:r>
+              <a:rPr lang="en-US" sz="1200" b="0" dirty="0">
+                <a:solidFill>
+                  <a:srgbClr val="0000FF"/>
+                </a:solidFill>
+                <a:latin typeface="Consolas" pitchFamily="49" charset="0"/>
+                <a:cs typeface="Consolas" pitchFamily="49" charset="0"/>
+              </a:rPr>
+              <a:t>this</a:t>
+            </a:r>
+            <a:r>
+              <a:rPr lang="en-US" sz="1200" b="0" dirty="0">
+                <a:latin typeface="Consolas" pitchFamily="49" charset="0"/>
+                <a:cs typeface="Consolas" pitchFamily="49" charset="0"/>
+              </a:rPr>
+              <a:t>.Model.ID }) |</a:t>
+            </a:r>
+            <a:br>
+              <a:rPr lang="en-US" sz="1200" b="0" dirty="0">
+                <a:latin typeface="Consolas" pitchFamily="49" charset="0"/>
+                <a:cs typeface="Consolas" pitchFamily="49" charset="0"/>
+              </a:rPr>
+            </a:br>
+            <a:r>
+              <a:rPr lang="en-US" sz="1200" b="0" dirty="0">
+                <a:latin typeface="Consolas" pitchFamily="49" charset="0"/>
+                <a:cs typeface="Consolas" pitchFamily="49" charset="0"/>
+              </a:rPr>
+              <a:t>        @</a:t>
+            </a:r>
+            <a:r>
+              <a:rPr lang="en-US" sz="1200" b="0" dirty="0" err="1">
+                <a:latin typeface="Consolas" pitchFamily="49" charset="0"/>
+                <a:cs typeface="Consolas" pitchFamily="49" charset="0"/>
+              </a:rPr>
+              <a:t>Html.ActionLink</a:t>
+            </a:r>
+            <a:r>
+              <a:rPr lang="en-US" sz="1200" b="0" dirty="0">
+                <a:latin typeface="Consolas" pitchFamily="49" charset="0"/>
+                <a:cs typeface="Consolas" pitchFamily="49" charset="0"/>
+              </a:rPr>
+              <a:t>(</a:t>
+            </a:r>
+            <a:r>
+              <a:rPr lang="en-US" sz="1200" b="0" dirty="0">
+                <a:solidFill>
+                  <a:srgbClr val="A31515"/>
+                </a:solidFill>
+                <a:latin typeface="Consolas" pitchFamily="49" charset="0"/>
+                <a:cs typeface="Consolas" pitchFamily="49" charset="0"/>
+              </a:rPr>
+              <a:t>"Details"</a:t>
+            </a:r>
+            <a:r>
+              <a:rPr lang="en-US" sz="1200" b="0" dirty="0">
+                <a:latin typeface="Consolas" pitchFamily="49" charset="0"/>
+                <a:cs typeface="Consolas" pitchFamily="49" charset="0"/>
+              </a:rPr>
+              <a:t>, </a:t>
+            </a:r>
+            <a:r>
+              <a:rPr lang="en-US" sz="1200" b="0" dirty="0">
+                <a:solidFill>
+                  <a:srgbClr val="A31515"/>
+                </a:solidFill>
+                <a:latin typeface="Consolas" pitchFamily="49" charset="0"/>
+                <a:cs typeface="Consolas" pitchFamily="49" charset="0"/>
+              </a:rPr>
+              <a:t>"Details"</a:t>
+            </a:r>
+            <a:r>
+              <a:rPr lang="en-US" sz="1200" b="0" dirty="0">
+                <a:latin typeface="Consolas" pitchFamily="49" charset="0"/>
+                <a:cs typeface="Consolas" pitchFamily="49" charset="0"/>
+              </a:rPr>
+              <a:t>, </a:t>
+            </a:r>
+            <a:r>
+              <a:rPr lang="en-US" sz="1200" b="0" dirty="0">
+                <a:solidFill>
+                  <a:srgbClr val="0000FF"/>
+                </a:solidFill>
+                <a:latin typeface="Consolas" pitchFamily="49" charset="0"/>
+                <a:cs typeface="Consolas" pitchFamily="49" charset="0"/>
+              </a:rPr>
+              <a:t>new</a:t>
+            </a:r>
+            <a:r>
+              <a:rPr lang="en-US" sz="1200" b="0" dirty="0">
+                <a:latin typeface="Consolas" pitchFamily="49" charset="0"/>
+                <a:cs typeface="Consolas" pitchFamily="49" charset="0"/>
+              </a:rPr>
+              <a:t> { id = Model.ID })</a:t>
+            </a:r>
+            <a:br>
+              <a:rPr lang="en-US" sz="1200" b="0" dirty="0">
+                <a:latin typeface="Consolas" pitchFamily="49" charset="0"/>
+                <a:cs typeface="Consolas" pitchFamily="49" charset="0"/>
+              </a:rPr>
+            </a:br>
+            <a:r>
+              <a:rPr lang="en-US" sz="1200" b="0" dirty="0">
+                <a:latin typeface="Consolas" pitchFamily="49" charset="0"/>
+                <a:cs typeface="Consolas" pitchFamily="49" charset="0"/>
+              </a:rPr>
+              <a:t>    </a:t>
+            </a:r>
+            <a:r>
+              <a:rPr lang="en-US" sz="1200" b="0" dirty="0">
+                <a:solidFill>
+                  <a:srgbClr val="0000FF"/>
+                </a:solidFill>
+                <a:latin typeface="Consolas" pitchFamily="49" charset="0"/>
+                <a:cs typeface="Consolas" pitchFamily="49" charset="0"/>
+              </a:rPr>
+              <a:t>&lt;/</a:t>
+            </a:r>
+            <a:r>
+              <a:rPr lang="en-US" sz="1200" b="0" dirty="0">
+                <a:solidFill>
+                  <a:srgbClr val="800000"/>
+                </a:solidFill>
+                <a:latin typeface="Consolas" pitchFamily="49" charset="0"/>
+                <a:cs typeface="Consolas" pitchFamily="49" charset="0"/>
+              </a:rPr>
+              <a:t>td</a:t>
+            </a:r>
+            <a:r>
+              <a:rPr lang="en-US" sz="1200" b="0" dirty="0">
+                <a:solidFill>
+                  <a:srgbClr val="0000FF"/>
+                </a:solidFill>
+                <a:latin typeface="Consolas" pitchFamily="49" charset="0"/>
+                <a:cs typeface="Consolas" pitchFamily="49" charset="0"/>
+              </a:rPr>
+              <a:t>&gt;</a:t>
+            </a:r>
+            <a:r>
+              <a:rPr lang="en-US" sz="1200" b="0" dirty="0">
+                <a:latin typeface="Consolas" pitchFamily="49" charset="0"/>
+                <a:cs typeface="Consolas" pitchFamily="49" charset="0"/>
+              </a:rPr>
+              <a:t/>
+            </a:r>
+            <a:br>
+              <a:rPr lang="en-US" sz="1200" b="0" dirty="0">
+                <a:latin typeface="Consolas" pitchFamily="49" charset="0"/>
+                <a:cs typeface="Consolas" pitchFamily="49" charset="0"/>
+              </a:rPr>
+            </a:br>
+            <a:r>
+              <a:rPr lang="en-US" sz="1200" b="0" dirty="0">
+                <a:latin typeface="Consolas" pitchFamily="49" charset="0"/>
+                <a:cs typeface="Consolas" pitchFamily="49" charset="0"/>
+              </a:rPr>
+              <a:t>    </a:t>
+            </a:r>
+            <a:r>
+              <a:rPr lang="en-US" sz="1200" b="0" dirty="0">
+                <a:solidFill>
+                  <a:srgbClr val="0000FF"/>
+                </a:solidFill>
+                <a:latin typeface="Consolas" pitchFamily="49" charset="0"/>
+                <a:cs typeface="Consolas" pitchFamily="49" charset="0"/>
+              </a:rPr>
+              <a:t>&lt;</a:t>
+            </a:r>
+            <a:r>
+              <a:rPr lang="en-US" sz="1200" b="0" dirty="0">
+                <a:solidFill>
+                  <a:srgbClr val="800000"/>
+                </a:solidFill>
+                <a:latin typeface="Consolas" pitchFamily="49" charset="0"/>
+                <a:cs typeface="Consolas" pitchFamily="49" charset="0"/>
+              </a:rPr>
+              <a:t>td</a:t>
+            </a:r>
+            <a:r>
+              <a:rPr lang="en-US" sz="1200" b="0" dirty="0">
+                <a:solidFill>
+                  <a:srgbClr val="0000FF"/>
+                </a:solidFill>
+                <a:latin typeface="Consolas" pitchFamily="49" charset="0"/>
+                <a:cs typeface="Consolas" pitchFamily="49" charset="0"/>
+              </a:rPr>
+              <a:t>&gt;</a:t>
+            </a:r>
+            <a:r>
+              <a:rPr lang="en-US" sz="1200" b="0" dirty="0">
+                <a:latin typeface="Consolas" pitchFamily="49" charset="0"/>
+                <a:cs typeface="Consolas" pitchFamily="49" charset="0"/>
+              </a:rPr>
+              <a:t/>
+            </a:r>
+            <a:br>
+              <a:rPr lang="en-US" sz="1200" b="0" dirty="0">
+                <a:latin typeface="Consolas" pitchFamily="49" charset="0"/>
+                <a:cs typeface="Consolas" pitchFamily="49" charset="0"/>
+              </a:rPr>
+            </a:br>
+            <a:r>
+              <a:rPr lang="en-US" sz="1200" b="0" dirty="0">
+                <a:latin typeface="Consolas" pitchFamily="49" charset="0"/>
+                <a:cs typeface="Consolas" pitchFamily="49" charset="0"/>
+              </a:rPr>
+              <a:t>        @</a:t>
+            </a:r>
+            <a:r>
+              <a:rPr lang="en-US" sz="1200" b="0" dirty="0" err="1">
+                <a:latin typeface="Consolas" pitchFamily="49" charset="0"/>
+                <a:cs typeface="Consolas" pitchFamily="49" charset="0"/>
+              </a:rPr>
+              <a:t>Model.Title</a:t>
+            </a:r>
+            <a:r>
+              <a:rPr lang="en-US" sz="1200" b="0" dirty="0">
+                <a:latin typeface="Consolas" pitchFamily="49" charset="0"/>
+                <a:cs typeface="Consolas" pitchFamily="49" charset="0"/>
+              </a:rPr>
+              <a:t/>
+            </a:r>
+            <a:br>
+              <a:rPr lang="en-US" sz="1200" b="0" dirty="0">
+                <a:latin typeface="Consolas" pitchFamily="49" charset="0"/>
+                <a:cs typeface="Consolas" pitchFamily="49" charset="0"/>
+              </a:rPr>
+            </a:br>
+            <a:r>
+              <a:rPr lang="en-US" sz="1200" b="0" dirty="0">
+                <a:latin typeface="Consolas" pitchFamily="49" charset="0"/>
+                <a:cs typeface="Consolas" pitchFamily="49" charset="0"/>
+              </a:rPr>
+              <a:t>    </a:t>
+            </a:r>
+            <a:r>
+              <a:rPr lang="en-US" sz="1200" b="0" dirty="0">
+                <a:solidFill>
+                  <a:srgbClr val="0000FF"/>
+                </a:solidFill>
+                <a:latin typeface="Consolas" pitchFamily="49" charset="0"/>
+                <a:cs typeface="Consolas" pitchFamily="49" charset="0"/>
+              </a:rPr>
+              <a:t>&lt;/</a:t>
+            </a:r>
+            <a:r>
+              <a:rPr lang="en-US" sz="1200" b="0" dirty="0">
+                <a:solidFill>
+                  <a:srgbClr val="800000"/>
+                </a:solidFill>
+                <a:latin typeface="Consolas" pitchFamily="49" charset="0"/>
+                <a:cs typeface="Consolas" pitchFamily="49" charset="0"/>
+              </a:rPr>
+              <a:t>td</a:t>
+            </a:r>
+            <a:r>
+              <a:rPr lang="en-US" sz="1200" b="0" dirty="0">
+                <a:solidFill>
+                  <a:srgbClr val="0000FF"/>
+                </a:solidFill>
+                <a:latin typeface="Consolas" pitchFamily="49" charset="0"/>
+                <a:cs typeface="Consolas" pitchFamily="49" charset="0"/>
+              </a:rPr>
+              <a:t>&gt;</a:t>
+            </a:r>
+            <a:r>
+              <a:rPr lang="en-US" sz="1200" b="0" dirty="0">
+                <a:latin typeface="Consolas" pitchFamily="49" charset="0"/>
+                <a:cs typeface="Consolas" pitchFamily="49" charset="0"/>
+              </a:rPr>
+              <a:t/>
+            </a:r>
+            <a:br>
+              <a:rPr lang="en-US" sz="1200" b="0" dirty="0">
+                <a:latin typeface="Consolas" pitchFamily="49" charset="0"/>
+                <a:cs typeface="Consolas" pitchFamily="49" charset="0"/>
+              </a:rPr>
+            </a:br>
+            <a:r>
+              <a:rPr lang="en-US" sz="1200" b="0" dirty="0">
+                <a:solidFill>
+                  <a:srgbClr val="0000FF"/>
+                </a:solidFill>
+                <a:latin typeface="Consolas" pitchFamily="49" charset="0"/>
+                <a:cs typeface="Consolas" pitchFamily="49" charset="0"/>
+              </a:rPr>
+              <a:t>&lt;/</a:t>
+            </a:r>
+            <a:r>
+              <a:rPr lang="en-US" sz="1200" b="0" dirty="0" err="1">
+                <a:solidFill>
+                  <a:srgbClr val="800000"/>
+                </a:solidFill>
+                <a:latin typeface="Consolas" pitchFamily="49" charset="0"/>
+                <a:cs typeface="Consolas" pitchFamily="49" charset="0"/>
+              </a:rPr>
+              <a:t>tr</a:t>
+            </a:r>
+            <a:r>
+              <a:rPr lang="en-US" sz="1200" b="0" dirty="0">
+                <a:solidFill>
+                  <a:srgbClr val="0000FF"/>
+                </a:solidFill>
+                <a:latin typeface="Consolas" pitchFamily="49" charset="0"/>
+                <a:cs typeface="Consolas" pitchFamily="49" charset="0"/>
+              </a:rPr>
+              <a:t>&gt;</a:t>
+            </a:r>
+            <a:endParaRPr lang="en-US" sz="1200" b="0" dirty="0">
+              <a:latin typeface="Consolas" pitchFamily="49" charset="0"/>
+              <a:ea typeface="Calibri"/>
+              <a:cs typeface="Consolas" pitchFamily="49" charset="0"/>
+            </a:endParaRPr>
+          </a:p>
+        </p:txBody>
+      </p:sp>
+    </p:spTree>
+    <p:extLst>
+      <p:ext uri="{BB962C8B-B14F-4D97-AF65-F5344CB8AC3E}">
+        <p14:creationId xmlns:p14="http://schemas.microsoft.com/office/powerpoint/2010/main" val="1376276934"/>
+      </p:ext>
+    </p:extLst>
+  </p:cSld>
+  <p:clrMapOvr>
+    <a:masterClrMapping/>
+  </p:clrMapOvr>
+  <p:transition>
+    <p:fade/>
+  </p:transition>
+  <p:timing>
+    <p:tnLst>
+      <p:par>
+        <p:cTn id="1" dur="indefinite" restart="never" nodeType="tmRoot"/>
+      </p:par>
+    </p:tnLst>
+  </p:timing>
+</p:sld>
+</file>
+
+<file path=ppt/slides/slide11.xml><?xml version="1.0" encoding="utf-8"?>
+<p:sld xmlns:a="http://schemas.openxmlformats.org/drawingml/2006/main" xmlns:r="http://schemas.openxmlformats.org/officeDocument/2006/relationships" xmlns:p="http://schemas.openxmlformats.org/presentationml/2006/main">
+  <p:cSld>
+    <p:spTree>
+      <p:nvGrpSpPr>
+        <p:cNvPr id="1" name=""/>
+        <p:cNvGrpSpPr/>
+        <p:nvPr/>
+      </p:nvGrpSpPr>
+      <p:grpSpPr>
+        <a:xfrm>
+          <a:off x="0" y="0"/>
+          <a:ext cx="0" cy="0"/>
+          <a:chOff x="0" y="0"/>
+          <a:chExt cx="0" cy="0"/>
+        </a:xfrm>
+      </p:grpSpPr>
+      <p:sp>
+        <p:nvSpPr>
+          <p:cNvPr id="2" name="Title 1"/>
+          <p:cNvSpPr>
+            <a:spLocks noGrp="1"/>
+          </p:cNvSpPr>
+          <p:nvPr>
+            <p:ph type="title"/>
+          </p:nvPr>
+        </p:nvSpPr>
+        <p:spPr/>
+        <p:txBody>
+          <a:bodyPr/>
+          <a:lstStyle/>
+          <a:p>
+            <a:r>
               <a:rPr lang="en-US" dirty="0" err="1" smtClean="0"/>
               <a:t>TagHelpers</a:t>
             </a:r>
@@ -3432,7 +4297,7 @@
 </p:sld>
 </file>
 
-<file path=ppt/slides/slide11.xml><?xml version="1.0" encoding="utf-8"?>
+<file path=ppt/slides/slide12.xml><?xml version="1.0" encoding="utf-8"?>
 <p:sld xmlns:a="http://schemas.openxmlformats.org/drawingml/2006/main" xmlns:r="http://schemas.openxmlformats.org/officeDocument/2006/relationships" xmlns:p="http://schemas.openxmlformats.org/presentationml/2006/main">
   <p:cSld>
     <p:spTree>
@@ -3541,7 +4406,7 @@
 </p:sld>
 </file>
 
-<file path=ppt/slides/slide12.xml><?xml version="1.0" encoding="utf-8"?>
+<file path=ppt/slides/slide13.xml><?xml version="1.0" encoding="utf-8"?>
 <p:sld xmlns:a="http://schemas.openxmlformats.org/drawingml/2006/main" xmlns:r="http://schemas.openxmlformats.org/officeDocument/2006/relationships" xmlns:p="http://schemas.openxmlformats.org/presentationml/2006/main">
   <p:cSld>
     <p:spTree>
@@ -3674,7 +4539,7 @@
 </p:sld>
 </file>
 
-<file path=ppt/slides/slide13.xml><?xml version="1.0" encoding="utf-8"?>
+<file path=ppt/slides/slide14.xml><?xml version="1.0" encoding="utf-8"?>
 <p:sld xmlns:a="http://schemas.openxmlformats.org/drawingml/2006/main" xmlns:r="http://schemas.openxmlformats.org/officeDocument/2006/relationships" xmlns:p="http://schemas.openxmlformats.org/presentationml/2006/main">
   <p:cSld>
     <p:spTree>
@@ -4355,7 +5220,7 @@
 </p:sld>
 </file>
 
-<file path=ppt/slides/slide14.xml><?xml version="1.0" encoding="utf-8"?>
+<file path=ppt/slides/slide15.xml><?xml version="1.0" encoding="utf-8"?>
 <p:sld xmlns:a="http://schemas.openxmlformats.org/drawingml/2006/main" xmlns:r="http://schemas.openxmlformats.org/officeDocument/2006/relationships" xmlns:p="http://schemas.openxmlformats.org/presentationml/2006/main">
   <p:cSld>
     <p:spTree>
@@ -5086,7 +5951,7 @@
 </p:sld>
 </file>
 
-<file path=ppt/slides/slide15.xml><?xml version="1.0" encoding="utf-8"?>
+<file path=ppt/slides/slide16.xml><?xml version="1.0" encoding="utf-8"?>
 <p:sld xmlns:a="http://schemas.openxmlformats.org/drawingml/2006/main" xmlns:r="http://schemas.openxmlformats.org/officeDocument/2006/relationships" xmlns:p="http://schemas.openxmlformats.org/presentationml/2006/main">
   <p:cSld>
     <p:spTree>
@@ -5520,7 +6385,7 @@
 </p:sld>
 </file>
 
-<file path=ppt/slides/slide16.xml><?xml version="1.0" encoding="utf-8"?>
+<file path=ppt/slides/slide17.xml><?xml version="1.0" encoding="utf-8"?>
 <p:sld xmlns:a="http://schemas.openxmlformats.org/drawingml/2006/main" xmlns:r="http://schemas.openxmlformats.org/officeDocument/2006/relationships" xmlns:p="http://schemas.openxmlformats.org/presentationml/2006/main">
   <p:cSld>
     <p:spTree>
@@ -5624,13 +6489,8 @@
             </a:r>
             <a:r>
               <a:rPr lang="en-US" dirty="0" smtClean="0"/>
-              <a:t> attribute on controller </a:t>
-            </a:r>
-            <a:r>
-              <a:rPr lang="en-US" dirty="0" smtClean="0"/>
-              <a:t>action</a:t>
-            </a:r>
-            <a:endParaRPr lang="en-US" dirty="0" smtClean="0"/>
+              <a:t> attribute on controller action</a:t>
+            </a:r>
           </a:p>
           <a:p>
             <a:endParaRPr lang="en-US" dirty="0" smtClean="0"/>
@@ -6102,7 +6962,7 @@
 </p:sld>
 </file>
 
-<file path=ppt/slides/slide17.xml><?xml version="1.0" encoding="utf-8"?>
+<file path=ppt/slides/slide18.xml><?xml version="1.0" encoding="utf-8"?>
 <p:sld xmlns:a="http://schemas.openxmlformats.org/drawingml/2006/main" xmlns:r="http://schemas.openxmlformats.org/officeDocument/2006/relationships" xmlns:p="http://schemas.openxmlformats.org/presentationml/2006/main">
   <p:cSld>
     <p:spTree>
@@ -6159,11 +7019,7 @@
           <a:p>
             <a:r>
               <a:rPr lang="en-US" dirty="0" smtClean="0"/>
-              <a:t>Default model binder maps request values to a CLR </a:t>
-            </a:r>
-            <a:r>
-              <a:rPr lang="en-US" dirty="0" smtClean="0"/>
-              <a:t>type</a:t>
+              <a:t>Default model binder maps request values to a CLR type</a:t>
             </a:r>
           </a:p>
           <a:p>
@@ -6204,7 +7060,6 @@
               <a:rPr lang="en-US" dirty="0" smtClean="0"/>
               <a:t>] …</a:t>
             </a:r>
-            <a:endParaRPr lang="en-US" dirty="0" smtClean="0"/>
           </a:p>
         </p:txBody>
       </p:sp>
@@ -6847,7 +7702,7 @@
 </p:sld>
 </file>
 
-<file path=ppt/slides/slide18.xml><?xml version="1.0" encoding="utf-8"?>
+<file path=ppt/slides/slide19.xml><?xml version="1.0" encoding="utf-8"?>
 <p:sld xmlns:a="http://schemas.openxmlformats.org/drawingml/2006/main" xmlns:r="http://schemas.openxmlformats.org/officeDocument/2006/relationships" xmlns:p="http://schemas.openxmlformats.org/presentationml/2006/main">
   <p:cSld>
     <p:spTree>
@@ -6964,659 +7819,6 @@
   <p:transition>
     <p:fade/>
   </p:transition>
-</p:sld>
-</file>
-
-<file path=ppt/slides/slide19.xml><?xml version="1.0" encoding="utf-8"?>
-<p:sld xmlns:a="http://schemas.openxmlformats.org/drawingml/2006/main" xmlns:r="http://schemas.openxmlformats.org/officeDocument/2006/relationships" xmlns:p="http://schemas.openxmlformats.org/presentationml/2006/main">
-  <p:cSld>
-    <p:spTree>
-      <p:nvGrpSpPr>
-        <p:cNvPr id="1" name=""/>
-        <p:cNvGrpSpPr/>
-        <p:nvPr/>
-      </p:nvGrpSpPr>
-      <p:grpSpPr>
-        <a:xfrm>
-          <a:off x="0" y="0"/>
-          <a:ext cx="0" cy="0"/>
-          <a:chOff x="0" y="0"/>
-          <a:chExt cx="0" cy="0"/>
-        </a:xfrm>
-      </p:grpSpPr>
-      <p:sp>
-        <p:nvSpPr>
-          <p:cNvPr id="2" name="Title 1"/>
-          <p:cNvSpPr>
-            <a:spLocks noGrp="1"/>
-          </p:cNvSpPr>
-          <p:nvPr>
-            <p:ph type="title"/>
-          </p:nvPr>
-        </p:nvSpPr>
-        <p:spPr/>
-        <p:txBody>
-          <a:bodyPr/>
-          <a:lstStyle/>
-          <a:p>
-            <a:r>
-              <a:rPr lang="en-US" dirty="0" smtClean="0"/>
-              <a:t>Model Binding State</a:t>
-            </a:r>
-            <a:endParaRPr lang="en-US" dirty="0"/>
-          </a:p>
-        </p:txBody>
-      </p:sp>
-      <p:sp>
-        <p:nvSpPr>
-          <p:cNvPr id="3" name="Text Placeholder 2"/>
-          <p:cNvSpPr>
-            <a:spLocks noGrp="1"/>
-          </p:cNvSpPr>
-          <p:nvPr>
-            <p:ph type="body" idx="1"/>
-          </p:nvPr>
-        </p:nvSpPr>
-        <p:spPr/>
-        <p:txBody>
-          <a:bodyPr/>
-          <a:lstStyle/>
-          <a:p>
-            <a:r>
-              <a:rPr lang="en-US" dirty="0" err="1" smtClean="0"/>
-              <a:t>ModelState</a:t>
-            </a:r>
-            <a:r>
-              <a:rPr lang="en-US" dirty="0"/>
-              <a:t> </a:t>
-            </a:r>
-            <a:r>
-              <a:rPr lang="en-US" dirty="0" smtClean="0"/>
-              <a:t>contains byproducts of model binding</a:t>
-            </a:r>
-          </a:p>
-          <a:p>
-            <a:pPr lvl="1"/>
-            <a:r>
-              <a:rPr lang="en-US" dirty="0" smtClean="0"/>
-              <a:t>Errors and attempted values</a:t>
-            </a:r>
-          </a:p>
-          <a:p>
-            <a:r>
-              <a:rPr lang="en-US" dirty="0" err="1" smtClean="0"/>
-              <a:t>ModelState.IsValid</a:t>
-            </a:r>
-            <a:endParaRPr lang="en-US" dirty="0" smtClean="0"/>
-          </a:p>
-          <a:p>
-            <a:pPr lvl="1"/>
-            <a:r>
-              <a:rPr lang="en-US" dirty="0" smtClean="0"/>
-              <a:t>Did the model bind correctly?</a:t>
-            </a:r>
-          </a:p>
-          <a:p>
-            <a:r>
-              <a:rPr lang="en-US" dirty="0" smtClean="0"/>
-              <a:t>HTML helpers use model state</a:t>
-            </a:r>
-          </a:p>
-          <a:p>
-            <a:pPr lvl="1"/>
-            <a:r>
-              <a:rPr lang="en-US" dirty="0" smtClean="0"/>
-              <a:t>Model state can override view model data</a:t>
-            </a:r>
-          </a:p>
-          <a:p>
-            <a:pPr lvl="1"/>
-            <a:endParaRPr lang="en-US" dirty="0" smtClean="0"/>
-          </a:p>
-          <a:p>
-            <a:endParaRPr lang="en-US" dirty="0"/>
-          </a:p>
-        </p:txBody>
-      </p:sp>
-      <p:sp>
-        <p:nvSpPr>
-          <p:cNvPr id="4" name="Text Placeholder 2"/>
-          <p:cNvSpPr txBox="1">
-            <a:spLocks/>
-          </p:cNvSpPr>
-          <p:nvPr/>
-        </p:nvSpPr>
-        <p:spPr bwMode="auto">
-          <a:xfrm>
-            <a:off x="1676400" y="3733800"/>
-            <a:ext cx="4724400" cy="2514600"/>
-          </a:xfrm>
-          <a:prstGeom prst="rect">
-            <a:avLst/>
-          </a:prstGeom>
-          <a:solidFill>
-            <a:schemeClr val="accent2"/>
-          </a:solidFill>
-          <a:ln w="9525">
-            <a:solidFill>
-              <a:schemeClr val="tx1"/>
-            </a:solidFill>
-            <a:miter lim="800000"/>
-            <a:headEnd/>
-            <a:tailEnd/>
-          </a:ln>
-        </p:spPr>
-        <p:txBody>
-          <a:bodyPr vert="horz" wrap="square" lIns="91440" tIns="45720" rIns="91440" bIns="45720" numCol="1" anchor="t" anchorCtr="0" compatLnSpc="1">
-            <a:prstTxWarp prst="textNoShape">
-              <a:avLst/>
-            </a:prstTxWarp>
-          </a:bodyPr>
-          <a:lstStyle/>
-          <a:p>
-            <a:pPr marL="0" marR="0" algn="l">
-              <a:lnSpc>
-                <a:spcPct val="115000"/>
-              </a:lnSpc>
-              <a:spcBef>
-                <a:spcPts val="0"/>
-              </a:spcBef>
-              <a:spcAft>
-                <a:spcPts val="0"/>
-              </a:spcAft>
-            </a:pPr>
-            <a:r>
-              <a:rPr lang="en-US" sz="1400" b="0" dirty="0">
-                <a:solidFill>
-                  <a:srgbClr val="0000FF"/>
-                </a:solidFill>
-                <a:latin typeface="Consolas" pitchFamily="49" charset="0"/>
-                <a:ea typeface="Calibri"/>
-                <a:cs typeface="Consolas" pitchFamily="49" charset="0"/>
-              </a:rPr>
-              <a:t>public</a:t>
-            </a:r>
-            <a:r>
-              <a:rPr lang="en-US" sz="1400" b="0" dirty="0">
-                <a:latin typeface="Consolas" pitchFamily="49" charset="0"/>
-                <a:ea typeface="Calibri"/>
-                <a:cs typeface="Consolas" pitchFamily="49" charset="0"/>
-              </a:rPr>
-              <a:t> </a:t>
-            </a:r>
-            <a:r>
-              <a:rPr lang="en-US" sz="1400" b="0" dirty="0">
-                <a:solidFill>
-                  <a:srgbClr val="0000FF"/>
-                </a:solidFill>
-                <a:latin typeface="Consolas" pitchFamily="49" charset="0"/>
-                <a:ea typeface="Calibri"/>
-                <a:cs typeface="Consolas" pitchFamily="49" charset="0"/>
-              </a:rPr>
-              <a:t>void</a:t>
-            </a:r>
-            <a:r>
-              <a:rPr lang="en-US" sz="1400" b="0" dirty="0">
-                <a:latin typeface="Consolas" pitchFamily="49" charset="0"/>
-                <a:ea typeface="Calibri"/>
-                <a:cs typeface="Consolas" pitchFamily="49" charset="0"/>
-              </a:rPr>
-              <a:t> </a:t>
-            </a:r>
-            <a:r>
-              <a:rPr lang="en-US" sz="1400" b="0" dirty="0" err="1">
-                <a:latin typeface="Consolas" pitchFamily="49" charset="0"/>
-                <a:ea typeface="Calibri"/>
-                <a:cs typeface="Consolas" pitchFamily="49" charset="0"/>
-              </a:rPr>
-              <a:t>IndexAsync</a:t>
-            </a:r>
-            <a:r>
-              <a:rPr lang="en-US" sz="1400" b="0" dirty="0">
-                <a:latin typeface="Consolas" pitchFamily="49" charset="0"/>
-                <a:ea typeface="Calibri"/>
-                <a:cs typeface="Consolas" pitchFamily="49" charset="0"/>
-              </a:rPr>
-              <a:t>(</a:t>
-            </a:r>
-            <a:r>
-              <a:rPr lang="en-US" sz="1400" b="0" dirty="0">
-                <a:solidFill>
-                  <a:srgbClr val="0000FF"/>
-                </a:solidFill>
-                <a:latin typeface="Consolas" pitchFamily="49" charset="0"/>
-                <a:ea typeface="Calibri"/>
-                <a:cs typeface="Consolas" pitchFamily="49" charset="0"/>
-              </a:rPr>
-              <a:t>string</a:t>
-            </a:r>
-            <a:r>
-              <a:rPr lang="en-US" sz="1400" b="0" dirty="0">
-                <a:latin typeface="Consolas" pitchFamily="49" charset="0"/>
-                <a:ea typeface="Calibri"/>
-                <a:cs typeface="Consolas" pitchFamily="49" charset="0"/>
-              </a:rPr>
-              <a:t> model)</a:t>
-            </a:r>
-            <a:endParaRPr lang="en-US" sz="1200" b="0" dirty="0">
-              <a:latin typeface="Consolas" pitchFamily="49" charset="0"/>
-              <a:ea typeface="Calibri"/>
-              <a:cs typeface="Consolas" pitchFamily="49" charset="0"/>
-            </a:endParaRPr>
-          </a:p>
-          <a:p>
-            <a:pPr marL="0" marR="0" algn="l">
-              <a:lnSpc>
-                <a:spcPct val="115000"/>
-              </a:lnSpc>
-              <a:spcBef>
-                <a:spcPts val="0"/>
-              </a:spcBef>
-              <a:spcAft>
-                <a:spcPts val="0"/>
-              </a:spcAft>
-            </a:pPr>
-            <a:r>
-              <a:rPr lang="en-US" sz="1400" b="0" dirty="0">
-                <a:latin typeface="Consolas" pitchFamily="49" charset="0"/>
-                <a:ea typeface="Calibri"/>
-                <a:cs typeface="Consolas" pitchFamily="49" charset="0"/>
-              </a:rPr>
-              <a:t>{</a:t>
-            </a:r>
-            <a:endParaRPr lang="en-US" sz="1200" b="0" dirty="0">
-              <a:latin typeface="Consolas" pitchFamily="49" charset="0"/>
-              <a:ea typeface="Calibri"/>
-              <a:cs typeface="Consolas" pitchFamily="49" charset="0"/>
-            </a:endParaRPr>
-          </a:p>
-          <a:p>
-            <a:pPr marL="0" marR="0" algn="l">
-              <a:lnSpc>
-                <a:spcPct val="115000"/>
-              </a:lnSpc>
-              <a:spcBef>
-                <a:spcPts val="0"/>
-              </a:spcBef>
-              <a:spcAft>
-                <a:spcPts val="0"/>
-              </a:spcAft>
-            </a:pPr>
-            <a:r>
-              <a:rPr lang="en-US" sz="1400" b="0" dirty="0">
-                <a:latin typeface="Consolas" pitchFamily="49" charset="0"/>
-                <a:ea typeface="Calibri"/>
-                <a:cs typeface="Consolas" pitchFamily="49" charset="0"/>
-              </a:rPr>
-              <a:t>    </a:t>
-            </a:r>
-            <a:r>
-              <a:rPr lang="en-US" sz="1400" b="0" dirty="0">
-                <a:solidFill>
-                  <a:srgbClr val="0000FF"/>
-                </a:solidFill>
-                <a:latin typeface="Consolas" pitchFamily="49" charset="0"/>
-                <a:ea typeface="Calibri"/>
-                <a:cs typeface="Consolas" pitchFamily="49" charset="0"/>
-              </a:rPr>
-              <a:t>if</a:t>
-            </a:r>
-            <a:r>
-              <a:rPr lang="en-US" sz="1400" b="0" dirty="0">
-                <a:latin typeface="Consolas" pitchFamily="49" charset="0"/>
-                <a:ea typeface="Calibri"/>
-                <a:cs typeface="Consolas" pitchFamily="49" charset="0"/>
-              </a:rPr>
-              <a:t> (</a:t>
-            </a:r>
-            <a:r>
-              <a:rPr lang="en-US" sz="1400" b="0" dirty="0" err="1">
-                <a:latin typeface="Consolas" pitchFamily="49" charset="0"/>
-                <a:ea typeface="Calibri"/>
-                <a:cs typeface="Consolas" pitchFamily="49" charset="0"/>
-              </a:rPr>
-              <a:t>ModelState.IsValid</a:t>
-            </a:r>
-            <a:r>
-              <a:rPr lang="en-US" sz="1400" b="0" dirty="0">
-                <a:latin typeface="Consolas" pitchFamily="49" charset="0"/>
-                <a:ea typeface="Calibri"/>
-                <a:cs typeface="Consolas" pitchFamily="49" charset="0"/>
-              </a:rPr>
-              <a:t>)</a:t>
-            </a:r>
-            <a:endParaRPr lang="en-US" sz="1200" b="0" dirty="0">
-              <a:latin typeface="Consolas" pitchFamily="49" charset="0"/>
-              <a:ea typeface="Calibri"/>
-              <a:cs typeface="Consolas" pitchFamily="49" charset="0"/>
-            </a:endParaRPr>
-          </a:p>
-          <a:p>
-            <a:pPr marL="0" marR="0" algn="l">
-              <a:lnSpc>
-                <a:spcPct val="115000"/>
-              </a:lnSpc>
-              <a:spcBef>
-                <a:spcPts val="0"/>
-              </a:spcBef>
-              <a:spcAft>
-                <a:spcPts val="0"/>
-              </a:spcAft>
-            </a:pPr>
-            <a:r>
-              <a:rPr lang="en-US" sz="1400" b="0" dirty="0">
-                <a:latin typeface="Consolas" pitchFamily="49" charset="0"/>
-                <a:ea typeface="Calibri"/>
-                <a:cs typeface="Consolas" pitchFamily="49" charset="0"/>
-              </a:rPr>
-              <a:t>    {</a:t>
-            </a:r>
-            <a:endParaRPr lang="en-US" sz="1200" b="0" dirty="0">
-              <a:latin typeface="Consolas" pitchFamily="49" charset="0"/>
-              <a:ea typeface="Calibri"/>
-              <a:cs typeface="Consolas" pitchFamily="49" charset="0"/>
-            </a:endParaRPr>
-          </a:p>
-          <a:p>
-            <a:pPr marL="0" marR="0" algn="l">
-              <a:lnSpc>
-                <a:spcPct val="115000"/>
-              </a:lnSpc>
-              <a:spcBef>
-                <a:spcPts val="0"/>
-              </a:spcBef>
-              <a:spcAft>
-                <a:spcPts val="0"/>
-              </a:spcAft>
-            </a:pPr>
-            <a:r>
-              <a:rPr lang="en-US" sz="1400" b="0" dirty="0">
-                <a:latin typeface="Consolas" pitchFamily="49" charset="0"/>
-                <a:ea typeface="Calibri"/>
-                <a:cs typeface="Consolas" pitchFamily="49" charset="0"/>
-              </a:rPr>
-              <a:t>        </a:t>
-            </a:r>
-            <a:r>
-              <a:rPr lang="en-US" sz="1400" b="0" dirty="0">
-                <a:solidFill>
-                  <a:srgbClr val="008000"/>
-                </a:solidFill>
-                <a:latin typeface="Consolas" pitchFamily="49" charset="0"/>
-                <a:ea typeface="Calibri"/>
-                <a:cs typeface="Consolas" pitchFamily="49" charset="0"/>
-              </a:rPr>
-              <a:t>// </a:t>
-            </a:r>
-            <a:r>
-              <a:rPr lang="en-US" sz="1400" b="0" dirty="0" smtClean="0">
-                <a:solidFill>
-                  <a:srgbClr val="008000"/>
-                </a:solidFill>
-                <a:latin typeface="Consolas" pitchFamily="49" charset="0"/>
-                <a:ea typeface="Calibri"/>
-                <a:cs typeface="Consolas" pitchFamily="49" charset="0"/>
-              </a:rPr>
-              <a:t>commit...</a:t>
-            </a:r>
-          </a:p>
-          <a:p>
-            <a:pPr marL="0" marR="0" algn="l">
-              <a:lnSpc>
-                <a:spcPct val="115000"/>
-              </a:lnSpc>
-              <a:spcBef>
-                <a:spcPts val="0"/>
-              </a:spcBef>
-              <a:spcAft>
-                <a:spcPts val="0"/>
-              </a:spcAft>
-            </a:pPr>
-            <a:endParaRPr lang="en-US" sz="1200" b="0" dirty="0">
-              <a:latin typeface="Consolas" pitchFamily="49" charset="0"/>
-              <a:ea typeface="Calibri"/>
-              <a:cs typeface="Consolas" pitchFamily="49" charset="0"/>
-            </a:endParaRPr>
-          </a:p>
-          <a:p>
-            <a:pPr marL="0" marR="0" algn="l">
-              <a:lnSpc>
-                <a:spcPct val="115000"/>
-              </a:lnSpc>
-              <a:spcBef>
-                <a:spcPts val="0"/>
-              </a:spcBef>
-              <a:spcAft>
-                <a:spcPts val="0"/>
-              </a:spcAft>
-            </a:pPr>
-            <a:r>
-              <a:rPr lang="en-US" sz="1400" b="0" dirty="0">
-                <a:latin typeface="Consolas" pitchFamily="49" charset="0"/>
-                <a:ea typeface="Calibri"/>
-                <a:cs typeface="Consolas" pitchFamily="49" charset="0"/>
-              </a:rPr>
-              <a:t>        </a:t>
-            </a:r>
-            <a:r>
-              <a:rPr lang="en-US" sz="1400" b="0" dirty="0">
-                <a:solidFill>
-                  <a:srgbClr val="0000FF"/>
-                </a:solidFill>
-                <a:latin typeface="Consolas" pitchFamily="49" charset="0"/>
-                <a:ea typeface="Calibri"/>
-                <a:cs typeface="Consolas" pitchFamily="49" charset="0"/>
-              </a:rPr>
-              <a:t>return</a:t>
-            </a:r>
-            <a:r>
-              <a:rPr lang="en-US" sz="1400" b="0" dirty="0">
-                <a:latin typeface="Consolas" pitchFamily="49" charset="0"/>
-                <a:ea typeface="Calibri"/>
-                <a:cs typeface="Consolas" pitchFamily="49" charset="0"/>
-              </a:rPr>
-              <a:t> </a:t>
-            </a:r>
-            <a:r>
-              <a:rPr lang="en-US" sz="1400" b="0" dirty="0" err="1">
-                <a:latin typeface="Consolas" pitchFamily="49" charset="0"/>
-                <a:ea typeface="Calibri"/>
-                <a:cs typeface="Consolas" pitchFamily="49" charset="0"/>
-              </a:rPr>
-              <a:t>RedirectToAction</a:t>
-            </a:r>
-            <a:r>
-              <a:rPr lang="en-US" sz="1400" b="0" dirty="0">
-                <a:latin typeface="Consolas" pitchFamily="49" charset="0"/>
-                <a:ea typeface="Calibri"/>
-                <a:cs typeface="Consolas" pitchFamily="49" charset="0"/>
-              </a:rPr>
-              <a:t>(</a:t>
-            </a:r>
-            <a:r>
-              <a:rPr lang="en-US" sz="1400" b="0" dirty="0">
-                <a:solidFill>
-                  <a:srgbClr val="A31515"/>
-                </a:solidFill>
-                <a:latin typeface="Consolas" pitchFamily="49" charset="0"/>
-                <a:ea typeface="Calibri"/>
-                <a:cs typeface="Consolas" pitchFamily="49" charset="0"/>
-              </a:rPr>
-              <a:t>"</a:t>
-            </a:r>
-            <a:r>
-              <a:rPr lang="en-US" sz="1400" b="0" dirty="0">
-                <a:solidFill>
-                  <a:srgbClr val="FF0000"/>
-                </a:solidFill>
-                <a:latin typeface="Consolas" pitchFamily="49" charset="0"/>
-                <a:ea typeface="Calibri"/>
-                <a:cs typeface="Consolas" pitchFamily="49" charset="0"/>
-              </a:rPr>
-              <a:t>Index</a:t>
-            </a:r>
-            <a:r>
-              <a:rPr lang="en-US" sz="1400" b="0" dirty="0">
-                <a:solidFill>
-                  <a:srgbClr val="A31515"/>
-                </a:solidFill>
-                <a:latin typeface="Consolas" pitchFamily="49" charset="0"/>
-                <a:ea typeface="Calibri"/>
-                <a:cs typeface="Consolas" pitchFamily="49" charset="0"/>
-              </a:rPr>
-              <a:t>"</a:t>
-            </a:r>
-            <a:r>
-              <a:rPr lang="en-US" sz="1400" b="0" dirty="0">
-                <a:latin typeface="Consolas" pitchFamily="49" charset="0"/>
-                <a:ea typeface="Calibri"/>
-                <a:cs typeface="Consolas" pitchFamily="49" charset="0"/>
-              </a:rPr>
-              <a:t>);</a:t>
-            </a:r>
-            <a:endParaRPr lang="en-US" sz="1200" b="0" dirty="0">
-              <a:latin typeface="Consolas" pitchFamily="49" charset="0"/>
-              <a:ea typeface="Calibri"/>
-              <a:cs typeface="Consolas" pitchFamily="49" charset="0"/>
-            </a:endParaRPr>
-          </a:p>
-          <a:p>
-            <a:pPr marL="0" marR="0" algn="l">
-              <a:lnSpc>
-                <a:spcPct val="115000"/>
-              </a:lnSpc>
-              <a:spcBef>
-                <a:spcPts val="0"/>
-              </a:spcBef>
-              <a:spcAft>
-                <a:spcPts val="0"/>
-              </a:spcAft>
-            </a:pPr>
-            <a:r>
-              <a:rPr lang="en-US" sz="1400" b="0" dirty="0">
-                <a:latin typeface="Consolas" pitchFamily="49" charset="0"/>
-                <a:ea typeface="Calibri"/>
-                <a:cs typeface="Consolas" pitchFamily="49" charset="0"/>
-              </a:rPr>
-              <a:t>    }</a:t>
-            </a:r>
-            <a:endParaRPr lang="en-US" sz="1200" b="0" dirty="0">
-              <a:latin typeface="Consolas" pitchFamily="49" charset="0"/>
-              <a:ea typeface="Calibri"/>
-              <a:cs typeface="Consolas" pitchFamily="49" charset="0"/>
-            </a:endParaRPr>
-          </a:p>
-          <a:p>
-            <a:pPr marL="0" marR="0" algn="l">
-              <a:lnSpc>
-                <a:spcPct val="115000"/>
-              </a:lnSpc>
-              <a:spcBef>
-                <a:spcPts val="0"/>
-              </a:spcBef>
-              <a:spcAft>
-                <a:spcPts val="0"/>
-              </a:spcAft>
-            </a:pPr>
-            <a:r>
-              <a:rPr lang="en-US" sz="1400" b="0" dirty="0">
-                <a:latin typeface="Consolas" pitchFamily="49" charset="0"/>
-                <a:ea typeface="Calibri"/>
-                <a:cs typeface="Consolas" pitchFamily="49" charset="0"/>
-              </a:rPr>
-              <a:t>    </a:t>
-            </a:r>
-            <a:r>
-              <a:rPr lang="en-US" sz="1400" b="0" dirty="0">
-                <a:solidFill>
-                  <a:srgbClr val="0000FF"/>
-                </a:solidFill>
-                <a:latin typeface="Consolas" pitchFamily="49" charset="0"/>
-                <a:ea typeface="Calibri"/>
-                <a:cs typeface="Consolas" pitchFamily="49" charset="0"/>
-              </a:rPr>
-              <a:t>return</a:t>
-            </a:r>
-            <a:r>
-              <a:rPr lang="en-US" sz="1400" b="0" dirty="0">
-                <a:latin typeface="Consolas" pitchFamily="49" charset="0"/>
-                <a:ea typeface="Calibri"/>
-                <a:cs typeface="Consolas" pitchFamily="49" charset="0"/>
-              </a:rPr>
-              <a:t> View(model);</a:t>
-            </a:r>
-            <a:endParaRPr lang="en-US" sz="1200" b="0" dirty="0">
-              <a:latin typeface="Consolas" pitchFamily="49" charset="0"/>
-              <a:ea typeface="Calibri"/>
-              <a:cs typeface="Consolas" pitchFamily="49" charset="0"/>
-            </a:endParaRPr>
-          </a:p>
-          <a:p>
-            <a:pPr marL="0" marR="0" algn="l">
-              <a:lnSpc>
-                <a:spcPct val="115000"/>
-              </a:lnSpc>
-              <a:spcBef>
-                <a:spcPts val="0"/>
-              </a:spcBef>
-              <a:spcAft>
-                <a:spcPts val="0"/>
-              </a:spcAft>
-            </a:pPr>
-            <a:r>
-              <a:rPr lang="en-US" sz="1400" b="0" dirty="0">
-                <a:latin typeface="Consolas" pitchFamily="49" charset="0"/>
-                <a:ea typeface="Calibri"/>
-                <a:cs typeface="Consolas" pitchFamily="49" charset="0"/>
-              </a:rPr>
-              <a:t>}</a:t>
-            </a:r>
-            <a:endParaRPr lang="en-US" sz="1200" b="0" dirty="0">
-              <a:latin typeface="Consolas" pitchFamily="49" charset="0"/>
-              <a:ea typeface="Calibri"/>
-              <a:cs typeface="Consolas" pitchFamily="49" charset="0"/>
-            </a:endParaRPr>
-          </a:p>
-          <a:p>
-            <a:pPr marL="0" marR="0" algn="l">
-              <a:lnSpc>
-                <a:spcPct val="115000"/>
-              </a:lnSpc>
-              <a:spcBef>
-                <a:spcPts val="0"/>
-              </a:spcBef>
-              <a:spcAft>
-                <a:spcPts val="0"/>
-              </a:spcAft>
-            </a:pPr>
-            <a:endParaRPr lang="en-US" sz="1400" b="0" dirty="0">
-              <a:latin typeface="Consolas" pitchFamily="49" charset="0"/>
-              <a:ea typeface="Calibri"/>
-              <a:cs typeface="Consolas" pitchFamily="49" charset="0"/>
-            </a:endParaRPr>
-          </a:p>
-        </p:txBody>
-      </p:sp>
-    </p:spTree>
-    <p:extLst>
-      <p:ext uri="{BB962C8B-B14F-4D97-AF65-F5344CB8AC3E}">
-        <p14:creationId xmlns:p14="http://schemas.microsoft.com/office/powerpoint/2010/main" val="3815728324"/>
-      </p:ext>
-    </p:extLst>
-  </p:cSld>
-  <p:clrMapOvr>
-    <a:masterClrMapping/>
-  </p:clrMapOvr>
-  <p:transition>
-    <p:fade/>
-  </p:transition>
-  <p:timing>
-    <p:tnLst>
-      <p:par>
-        <p:cTn id="1" dur="indefinite" restart="never" nodeType="tmRoot"/>
-      </p:par>
-    </p:tnLst>
-  </p:timing>
 </p:sld>
 </file>
 
@@ -7959,6 +8161,659 @@
           <a:p>
             <a:r>
               <a:rPr lang="en-US" dirty="0" smtClean="0"/>
+              <a:t>Model Binding State</a:t>
+            </a:r>
+            <a:endParaRPr lang="en-US" dirty="0"/>
+          </a:p>
+        </p:txBody>
+      </p:sp>
+      <p:sp>
+        <p:nvSpPr>
+          <p:cNvPr id="3" name="Text Placeholder 2"/>
+          <p:cNvSpPr>
+            <a:spLocks noGrp="1"/>
+          </p:cNvSpPr>
+          <p:nvPr>
+            <p:ph type="body" idx="1"/>
+          </p:nvPr>
+        </p:nvSpPr>
+        <p:spPr/>
+        <p:txBody>
+          <a:bodyPr/>
+          <a:lstStyle/>
+          <a:p>
+            <a:r>
+              <a:rPr lang="en-US" dirty="0" err="1" smtClean="0"/>
+              <a:t>ModelState</a:t>
+            </a:r>
+            <a:r>
+              <a:rPr lang="en-US" dirty="0"/>
+              <a:t> </a:t>
+            </a:r>
+            <a:r>
+              <a:rPr lang="en-US" dirty="0" smtClean="0"/>
+              <a:t>contains byproducts of model binding</a:t>
+            </a:r>
+          </a:p>
+          <a:p>
+            <a:pPr lvl="1"/>
+            <a:r>
+              <a:rPr lang="en-US" dirty="0" smtClean="0"/>
+              <a:t>Errors and attempted values</a:t>
+            </a:r>
+          </a:p>
+          <a:p>
+            <a:r>
+              <a:rPr lang="en-US" dirty="0" err="1" smtClean="0"/>
+              <a:t>ModelState.IsValid</a:t>
+            </a:r>
+            <a:endParaRPr lang="en-US" dirty="0" smtClean="0"/>
+          </a:p>
+          <a:p>
+            <a:pPr lvl="1"/>
+            <a:r>
+              <a:rPr lang="en-US" dirty="0" smtClean="0"/>
+              <a:t>Did the model bind correctly?</a:t>
+            </a:r>
+          </a:p>
+          <a:p>
+            <a:r>
+              <a:rPr lang="en-US" dirty="0" smtClean="0"/>
+              <a:t>HTML helpers use model state</a:t>
+            </a:r>
+          </a:p>
+          <a:p>
+            <a:pPr lvl="1"/>
+            <a:r>
+              <a:rPr lang="en-US" dirty="0" smtClean="0"/>
+              <a:t>Model state can override view model data</a:t>
+            </a:r>
+          </a:p>
+          <a:p>
+            <a:pPr lvl="1"/>
+            <a:endParaRPr lang="en-US" dirty="0" smtClean="0"/>
+          </a:p>
+          <a:p>
+            <a:endParaRPr lang="en-US" dirty="0"/>
+          </a:p>
+        </p:txBody>
+      </p:sp>
+      <p:sp>
+        <p:nvSpPr>
+          <p:cNvPr id="4" name="Text Placeholder 2"/>
+          <p:cNvSpPr txBox="1">
+            <a:spLocks/>
+          </p:cNvSpPr>
+          <p:nvPr/>
+        </p:nvSpPr>
+        <p:spPr bwMode="auto">
+          <a:xfrm>
+            <a:off x="1676400" y="3733800"/>
+            <a:ext cx="4724400" cy="2514600"/>
+          </a:xfrm>
+          <a:prstGeom prst="rect">
+            <a:avLst/>
+          </a:prstGeom>
+          <a:solidFill>
+            <a:schemeClr val="accent2"/>
+          </a:solidFill>
+          <a:ln w="9525">
+            <a:solidFill>
+              <a:schemeClr val="tx1"/>
+            </a:solidFill>
+            <a:miter lim="800000"/>
+            <a:headEnd/>
+            <a:tailEnd/>
+          </a:ln>
+        </p:spPr>
+        <p:txBody>
+          <a:bodyPr vert="horz" wrap="square" lIns="91440" tIns="45720" rIns="91440" bIns="45720" numCol="1" anchor="t" anchorCtr="0" compatLnSpc="1">
+            <a:prstTxWarp prst="textNoShape">
+              <a:avLst/>
+            </a:prstTxWarp>
+          </a:bodyPr>
+          <a:lstStyle/>
+          <a:p>
+            <a:pPr marL="0" marR="0" algn="l">
+              <a:lnSpc>
+                <a:spcPct val="115000"/>
+              </a:lnSpc>
+              <a:spcBef>
+                <a:spcPts val="0"/>
+              </a:spcBef>
+              <a:spcAft>
+                <a:spcPts val="0"/>
+              </a:spcAft>
+            </a:pPr>
+            <a:r>
+              <a:rPr lang="en-US" sz="1400" b="0" dirty="0">
+                <a:solidFill>
+                  <a:srgbClr val="0000FF"/>
+                </a:solidFill>
+                <a:latin typeface="Consolas" pitchFamily="49" charset="0"/>
+                <a:ea typeface="Calibri"/>
+                <a:cs typeface="Consolas" pitchFamily="49" charset="0"/>
+              </a:rPr>
+              <a:t>public</a:t>
+            </a:r>
+            <a:r>
+              <a:rPr lang="en-US" sz="1400" b="0" dirty="0">
+                <a:latin typeface="Consolas" pitchFamily="49" charset="0"/>
+                <a:ea typeface="Calibri"/>
+                <a:cs typeface="Consolas" pitchFamily="49" charset="0"/>
+              </a:rPr>
+              <a:t> </a:t>
+            </a:r>
+            <a:r>
+              <a:rPr lang="en-US" sz="1400" b="0" dirty="0">
+                <a:solidFill>
+                  <a:srgbClr val="0000FF"/>
+                </a:solidFill>
+                <a:latin typeface="Consolas" pitchFamily="49" charset="0"/>
+                <a:ea typeface="Calibri"/>
+                <a:cs typeface="Consolas" pitchFamily="49" charset="0"/>
+              </a:rPr>
+              <a:t>void</a:t>
+            </a:r>
+            <a:r>
+              <a:rPr lang="en-US" sz="1400" b="0" dirty="0">
+                <a:latin typeface="Consolas" pitchFamily="49" charset="0"/>
+                <a:ea typeface="Calibri"/>
+                <a:cs typeface="Consolas" pitchFamily="49" charset="0"/>
+              </a:rPr>
+              <a:t> </a:t>
+            </a:r>
+            <a:r>
+              <a:rPr lang="en-US" sz="1400" b="0" dirty="0" err="1">
+                <a:latin typeface="Consolas" pitchFamily="49" charset="0"/>
+                <a:ea typeface="Calibri"/>
+                <a:cs typeface="Consolas" pitchFamily="49" charset="0"/>
+              </a:rPr>
+              <a:t>IndexAsync</a:t>
+            </a:r>
+            <a:r>
+              <a:rPr lang="en-US" sz="1400" b="0" dirty="0">
+                <a:latin typeface="Consolas" pitchFamily="49" charset="0"/>
+                <a:ea typeface="Calibri"/>
+                <a:cs typeface="Consolas" pitchFamily="49" charset="0"/>
+              </a:rPr>
+              <a:t>(</a:t>
+            </a:r>
+            <a:r>
+              <a:rPr lang="en-US" sz="1400" b="0" dirty="0">
+                <a:solidFill>
+                  <a:srgbClr val="0000FF"/>
+                </a:solidFill>
+                <a:latin typeface="Consolas" pitchFamily="49" charset="0"/>
+                <a:ea typeface="Calibri"/>
+                <a:cs typeface="Consolas" pitchFamily="49" charset="0"/>
+              </a:rPr>
+              <a:t>string</a:t>
+            </a:r>
+            <a:r>
+              <a:rPr lang="en-US" sz="1400" b="0" dirty="0">
+                <a:latin typeface="Consolas" pitchFamily="49" charset="0"/>
+                <a:ea typeface="Calibri"/>
+                <a:cs typeface="Consolas" pitchFamily="49" charset="0"/>
+              </a:rPr>
+              <a:t> model)</a:t>
+            </a:r>
+            <a:endParaRPr lang="en-US" sz="1200" b="0" dirty="0">
+              <a:latin typeface="Consolas" pitchFamily="49" charset="0"/>
+              <a:ea typeface="Calibri"/>
+              <a:cs typeface="Consolas" pitchFamily="49" charset="0"/>
+            </a:endParaRPr>
+          </a:p>
+          <a:p>
+            <a:pPr marL="0" marR="0" algn="l">
+              <a:lnSpc>
+                <a:spcPct val="115000"/>
+              </a:lnSpc>
+              <a:spcBef>
+                <a:spcPts val="0"/>
+              </a:spcBef>
+              <a:spcAft>
+                <a:spcPts val="0"/>
+              </a:spcAft>
+            </a:pPr>
+            <a:r>
+              <a:rPr lang="en-US" sz="1400" b="0" dirty="0">
+                <a:latin typeface="Consolas" pitchFamily="49" charset="0"/>
+                <a:ea typeface="Calibri"/>
+                <a:cs typeface="Consolas" pitchFamily="49" charset="0"/>
+              </a:rPr>
+              <a:t>{</a:t>
+            </a:r>
+            <a:endParaRPr lang="en-US" sz="1200" b="0" dirty="0">
+              <a:latin typeface="Consolas" pitchFamily="49" charset="0"/>
+              <a:ea typeface="Calibri"/>
+              <a:cs typeface="Consolas" pitchFamily="49" charset="0"/>
+            </a:endParaRPr>
+          </a:p>
+          <a:p>
+            <a:pPr marL="0" marR="0" algn="l">
+              <a:lnSpc>
+                <a:spcPct val="115000"/>
+              </a:lnSpc>
+              <a:spcBef>
+                <a:spcPts val="0"/>
+              </a:spcBef>
+              <a:spcAft>
+                <a:spcPts val="0"/>
+              </a:spcAft>
+            </a:pPr>
+            <a:r>
+              <a:rPr lang="en-US" sz="1400" b="0" dirty="0">
+                <a:latin typeface="Consolas" pitchFamily="49" charset="0"/>
+                <a:ea typeface="Calibri"/>
+                <a:cs typeface="Consolas" pitchFamily="49" charset="0"/>
+              </a:rPr>
+              <a:t>    </a:t>
+            </a:r>
+            <a:r>
+              <a:rPr lang="en-US" sz="1400" b="0" dirty="0">
+                <a:solidFill>
+                  <a:srgbClr val="0000FF"/>
+                </a:solidFill>
+                <a:latin typeface="Consolas" pitchFamily="49" charset="0"/>
+                <a:ea typeface="Calibri"/>
+                <a:cs typeface="Consolas" pitchFamily="49" charset="0"/>
+              </a:rPr>
+              <a:t>if</a:t>
+            </a:r>
+            <a:r>
+              <a:rPr lang="en-US" sz="1400" b="0" dirty="0">
+                <a:latin typeface="Consolas" pitchFamily="49" charset="0"/>
+                <a:ea typeface="Calibri"/>
+                <a:cs typeface="Consolas" pitchFamily="49" charset="0"/>
+              </a:rPr>
+              <a:t> (</a:t>
+            </a:r>
+            <a:r>
+              <a:rPr lang="en-US" sz="1400" b="0" dirty="0" err="1">
+                <a:latin typeface="Consolas" pitchFamily="49" charset="0"/>
+                <a:ea typeface="Calibri"/>
+                <a:cs typeface="Consolas" pitchFamily="49" charset="0"/>
+              </a:rPr>
+              <a:t>ModelState.IsValid</a:t>
+            </a:r>
+            <a:r>
+              <a:rPr lang="en-US" sz="1400" b="0" dirty="0">
+                <a:latin typeface="Consolas" pitchFamily="49" charset="0"/>
+                <a:ea typeface="Calibri"/>
+                <a:cs typeface="Consolas" pitchFamily="49" charset="0"/>
+              </a:rPr>
+              <a:t>)</a:t>
+            </a:r>
+            <a:endParaRPr lang="en-US" sz="1200" b="0" dirty="0">
+              <a:latin typeface="Consolas" pitchFamily="49" charset="0"/>
+              <a:ea typeface="Calibri"/>
+              <a:cs typeface="Consolas" pitchFamily="49" charset="0"/>
+            </a:endParaRPr>
+          </a:p>
+          <a:p>
+            <a:pPr marL="0" marR="0" algn="l">
+              <a:lnSpc>
+                <a:spcPct val="115000"/>
+              </a:lnSpc>
+              <a:spcBef>
+                <a:spcPts val="0"/>
+              </a:spcBef>
+              <a:spcAft>
+                <a:spcPts val="0"/>
+              </a:spcAft>
+            </a:pPr>
+            <a:r>
+              <a:rPr lang="en-US" sz="1400" b="0" dirty="0">
+                <a:latin typeface="Consolas" pitchFamily="49" charset="0"/>
+                <a:ea typeface="Calibri"/>
+                <a:cs typeface="Consolas" pitchFamily="49" charset="0"/>
+              </a:rPr>
+              <a:t>    {</a:t>
+            </a:r>
+            <a:endParaRPr lang="en-US" sz="1200" b="0" dirty="0">
+              <a:latin typeface="Consolas" pitchFamily="49" charset="0"/>
+              <a:ea typeface="Calibri"/>
+              <a:cs typeface="Consolas" pitchFamily="49" charset="0"/>
+            </a:endParaRPr>
+          </a:p>
+          <a:p>
+            <a:pPr marL="0" marR="0" algn="l">
+              <a:lnSpc>
+                <a:spcPct val="115000"/>
+              </a:lnSpc>
+              <a:spcBef>
+                <a:spcPts val="0"/>
+              </a:spcBef>
+              <a:spcAft>
+                <a:spcPts val="0"/>
+              </a:spcAft>
+            </a:pPr>
+            <a:r>
+              <a:rPr lang="en-US" sz="1400" b="0" dirty="0">
+                <a:latin typeface="Consolas" pitchFamily="49" charset="0"/>
+                <a:ea typeface="Calibri"/>
+                <a:cs typeface="Consolas" pitchFamily="49" charset="0"/>
+              </a:rPr>
+              <a:t>        </a:t>
+            </a:r>
+            <a:r>
+              <a:rPr lang="en-US" sz="1400" b="0" dirty="0">
+                <a:solidFill>
+                  <a:srgbClr val="008000"/>
+                </a:solidFill>
+                <a:latin typeface="Consolas" pitchFamily="49" charset="0"/>
+                <a:ea typeface="Calibri"/>
+                <a:cs typeface="Consolas" pitchFamily="49" charset="0"/>
+              </a:rPr>
+              <a:t>// </a:t>
+            </a:r>
+            <a:r>
+              <a:rPr lang="en-US" sz="1400" b="0" dirty="0" smtClean="0">
+                <a:solidFill>
+                  <a:srgbClr val="008000"/>
+                </a:solidFill>
+                <a:latin typeface="Consolas" pitchFamily="49" charset="0"/>
+                <a:ea typeface="Calibri"/>
+                <a:cs typeface="Consolas" pitchFamily="49" charset="0"/>
+              </a:rPr>
+              <a:t>commit...</a:t>
+            </a:r>
+          </a:p>
+          <a:p>
+            <a:pPr marL="0" marR="0" algn="l">
+              <a:lnSpc>
+                <a:spcPct val="115000"/>
+              </a:lnSpc>
+              <a:spcBef>
+                <a:spcPts val="0"/>
+              </a:spcBef>
+              <a:spcAft>
+                <a:spcPts val="0"/>
+              </a:spcAft>
+            </a:pPr>
+            <a:endParaRPr lang="en-US" sz="1200" b="0" dirty="0">
+              <a:latin typeface="Consolas" pitchFamily="49" charset="0"/>
+              <a:ea typeface="Calibri"/>
+              <a:cs typeface="Consolas" pitchFamily="49" charset="0"/>
+            </a:endParaRPr>
+          </a:p>
+          <a:p>
+            <a:pPr marL="0" marR="0" algn="l">
+              <a:lnSpc>
+                <a:spcPct val="115000"/>
+              </a:lnSpc>
+              <a:spcBef>
+                <a:spcPts val="0"/>
+              </a:spcBef>
+              <a:spcAft>
+                <a:spcPts val="0"/>
+              </a:spcAft>
+            </a:pPr>
+            <a:r>
+              <a:rPr lang="en-US" sz="1400" b="0" dirty="0">
+                <a:latin typeface="Consolas" pitchFamily="49" charset="0"/>
+                <a:ea typeface="Calibri"/>
+                <a:cs typeface="Consolas" pitchFamily="49" charset="0"/>
+              </a:rPr>
+              <a:t>        </a:t>
+            </a:r>
+            <a:r>
+              <a:rPr lang="en-US" sz="1400" b="0" dirty="0">
+                <a:solidFill>
+                  <a:srgbClr val="0000FF"/>
+                </a:solidFill>
+                <a:latin typeface="Consolas" pitchFamily="49" charset="0"/>
+                <a:ea typeface="Calibri"/>
+                <a:cs typeface="Consolas" pitchFamily="49" charset="0"/>
+              </a:rPr>
+              <a:t>return</a:t>
+            </a:r>
+            <a:r>
+              <a:rPr lang="en-US" sz="1400" b="0" dirty="0">
+                <a:latin typeface="Consolas" pitchFamily="49" charset="0"/>
+                <a:ea typeface="Calibri"/>
+                <a:cs typeface="Consolas" pitchFamily="49" charset="0"/>
+              </a:rPr>
+              <a:t> </a:t>
+            </a:r>
+            <a:r>
+              <a:rPr lang="en-US" sz="1400" b="0" dirty="0" err="1">
+                <a:latin typeface="Consolas" pitchFamily="49" charset="0"/>
+                <a:ea typeface="Calibri"/>
+                <a:cs typeface="Consolas" pitchFamily="49" charset="0"/>
+              </a:rPr>
+              <a:t>RedirectToAction</a:t>
+            </a:r>
+            <a:r>
+              <a:rPr lang="en-US" sz="1400" b="0" dirty="0">
+                <a:latin typeface="Consolas" pitchFamily="49" charset="0"/>
+                <a:ea typeface="Calibri"/>
+                <a:cs typeface="Consolas" pitchFamily="49" charset="0"/>
+              </a:rPr>
+              <a:t>(</a:t>
+            </a:r>
+            <a:r>
+              <a:rPr lang="en-US" sz="1400" b="0" dirty="0">
+                <a:solidFill>
+                  <a:srgbClr val="A31515"/>
+                </a:solidFill>
+                <a:latin typeface="Consolas" pitchFamily="49" charset="0"/>
+                <a:ea typeface="Calibri"/>
+                <a:cs typeface="Consolas" pitchFamily="49" charset="0"/>
+              </a:rPr>
+              <a:t>"</a:t>
+            </a:r>
+            <a:r>
+              <a:rPr lang="en-US" sz="1400" b="0" dirty="0">
+                <a:solidFill>
+                  <a:srgbClr val="FF0000"/>
+                </a:solidFill>
+                <a:latin typeface="Consolas" pitchFamily="49" charset="0"/>
+                <a:ea typeface="Calibri"/>
+                <a:cs typeface="Consolas" pitchFamily="49" charset="0"/>
+              </a:rPr>
+              <a:t>Index</a:t>
+            </a:r>
+            <a:r>
+              <a:rPr lang="en-US" sz="1400" b="0" dirty="0">
+                <a:solidFill>
+                  <a:srgbClr val="A31515"/>
+                </a:solidFill>
+                <a:latin typeface="Consolas" pitchFamily="49" charset="0"/>
+                <a:ea typeface="Calibri"/>
+                <a:cs typeface="Consolas" pitchFamily="49" charset="0"/>
+              </a:rPr>
+              <a:t>"</a:t>
+            </a:r>
+            <a:r>
+              <a:rPr lang="en-US" sz="1400" b="0" dirty="0">
+                <a:latin typeface="Consolas" pitchFamily="49" charset="0"/>
+                <a:ea typeface="Calibri"/>
+                <a:cs typeface="Consolas" pitchFamily="49" charset="0"/>
+              </a:rPr>
+              <a:t>);</a:t>
+            </a:r>
+            <a:endParaRPr lang="en-US" sz="1200" b="0" dirty="0">
+              <a:latin typeface="Consolas" pitchFamily="49" charset="0"/>
+              <a:ea typeface="Calibri"/>
+              <a:cs typeface="Consolas" pitchFamily="49" charset="0"/>
+            </a:endParaRPr>
+          </a:p>
+          <a:p>
+            <a:pPr marL="0" marR="0" algn="l">
+              <a:lnSpc>
+                <a:spcPct val="115000"/>
+              </a:lnSpc>
+              <a:spcBef>
+                <a:spcPts val="0"/>
+              </a:spcBef>
+              <a:spcAft>
+                <a:spcPts val="0"/>
+              </a:spcAft>
+            </a:pPr>
+            <a:r>
+              <a:rPr lang="en-US" sz="1400" b="0" dirty="0">
+                <a:latin typeface="Consolas" pitchFamily="49" charset="0"/>
+                <a:ea typeface="Calibri"/>
+                <a:cs typeface="Consolas" pitchFamily="49" charset="0"/>
+              </a:rPr>
+              <a:t>    }</a:t>
+            </a:r>
+            <a:endParaRPr lang="en-US" sz="1200" b="0" dirty="0">
+              <a:latin typeface="Consolas" pitchFamily="49" charset="0"/>
+              <a:ea typeface="Calibri"/>
+              <a:cs typeface="Consolas" pitchFamily="49" charset="0"/>
+            </a:endParaRPr>
+          </a:p>
+          <a:p>
+            <a:pPr marL="0" marR="0" algn="l">
+              <a:lnSpc>
+                <a:spcPct val="115000"/>
+              </a:lnSpc>
+              <a:spcBef>
+                <a:spcPts val="0"/>
+              </a:spcBef>
+              <a:spcAft>
+                <a:spcPts val="0"/>
+              </a:spcAft>
+            </a:pPr>
+            <a:r>
+              <a:rPr lang="en-US" sz="1400" b="0" dirty="0">
+                <a:latin typeface="Consolas" pitchFamily="49" charset="0"/>
+                <a:ea typeface="Calibri"/>
+                <a:cs typeface="Consolas" pitchFamily="49" charset="0"/>
+              </a:rPr>
+              <a:t>    </a:t>
+            </a:r>
+            <a:r>
+              <a:rPr lang="en-US" sz="1400" b="0" dirty="0">
+                <a:solidFill>
+                  <a:srgbClr val="0000FF"/>
+                </a:solidFill>
+                <a:latin typeface="Consolas" pitchFamily="49" charset="0"/>
+                <a:ea typeface="Calibri"/>
+                <a:cs typeface="Consolas" pitchFamily="49" charset="0"/>
+              </a:rPr>
+              <a:t>return</a:t>
+            </a:r>
+            <a:r>
+              <a:rPr lang="en-US" sz="1400" b="0" dirty="0">
+                <a:latin typeface="Consolas" pitchFamily="49" charset="0"/>
+                <a:ea typeface="Calibri"/>
+                <a:cs typeface="Consolas" pitchFamily="49" charset="0"/>
+              </a:rPr>
+              <a:t> View(model);</a:t>
+            </a:r>
+            <a:endParaRPr lang="en-US" sz="1200" b="0" dirty="0">
+              <a:latin typeface="Consolas" pitchFamily="49" charset="0"/>
+              <a:ea typeface="Calibri"/>
+              <a:cs typeface="Consolas" pitchFamily="49" charset="0"/>
+            </a:endParaRPr>
+          </a:p>
+          <a:p>
+            <a:pPr marL="0" marR="0" algn="l">
+              <a:lnSpc>
+                <a:spcPct val="115000"/>
+              </a:lnSpc>
+              <a:spcBef>
+                <a:spcPts val="0"/>
+              </a:spcBef>
+              <a:spcAft>
+                <a:spcPts val="0"/>
+              </a:spcAft>
+            </a:pPr>
+            <a:r>
+              <a:rPr lang="en-US" sz="1400" b="0" dirty="0">
+                <a:latin typeface="Consolas" pitchFamily="49" charset="0"/>
+                <a:ea typeface="Calibri"/>
+                <a:cs typeface="Consolas" pitchFamily="49" charset="0"/>
+              </a:rPr>
+              <a:t>}</a:t>
+            </a:r>
+            <a:endParaRPr lang="en-US" sz="1200" b="0" dirty="0">
+              <a:latin typeface="Consolas" pitchFamily="49" charset="0"/>
+              <a:ea typeface="Calibri"/>
+              <a:cs typeface="Consolas" pitchFamily="49" charset="0"/>
+            </a:endParaRPr>
+          </a:p>
+          <a:p>
+            <a:pPr marL="0" marR="0" algn="l">
+              <a:lnSpc>
+                <a:spcPct val="115000"/>
+              </a:lnSpc>
+              <a:spcBef>
+                <a:spcPts val="0"/>
+              </a:spcBef>
+              <a:spcAft>
+                <a:spcPts val="0"/>
+              </a:spcAft>
+            </a:pPr>
+            <a:endParaRPr lang="en-US" sz="1400" b="0" dirty="0">
+              <a:latin typeface="Consolas" pitchFamily="49" charset="0"/>
+              <a:ea typeface="Calibri"/>
+              <a:cs typeface="Consolas" pitchFamily="49" charset="0"/>
+            </a:endParaRPr>
+          </a:p>
+        </p:txBody>
+      </p:sp>
+    </p:spTree>
+    <p:extLst>
+      <p:ext uri="{BB962C8B-B14F-4D97-AF65-F5344CB8AC3E}">
+        <p14:creationId xmlns:p14="http://schemas.microsoft.com/office/powerpoint/2010/main" val="3815728324"/>
+      </p:ext>
+    </p:extLst>
+  </p:cSld>
+  <p:clrMapOvr>
+    <a:masterClrMapping/>
+  </p:clrMapOvr>
+  <p:transition>
+    <p:fade/>
+  </p:transition>
+  <p:timing>
+    <p:tnLst>
+      <p:par>
+        <p:cTn id="1" dur="indefinite" restart="never" nodeType="tmRoot"/>
+      </p:par>
+    </p:tnLst>
+  </p:timing>
+</p:sld>
+</file>
+
+<file path=ppt/slides/slide21.xml><?xml version="1.0" encoding="utf-8"?>
+<p:sld xmlns:a="http://schemas.openxmlformats.org/drawingml/2006/main" xmlns:r="http://schemas.openxmlformats.org/officeDocument/2006/relationships" xmlns:p="http://schemas.openxmlformats.org/presentationml/2006/main">
+  <p:cSld>
+    <p:spTree>
+      <p:nvGrpSpPr>
+        <p:cNvPr id="1" name=""/>
+        <p:cNvGrpSpPr/>
+        <p:nvPr/>
+      </p:nvGrpSpPr>
+      <p:grpSpPr>
+        <a:xfrm>
+          <a:off x="0" y="0"/>
+          <a:ext cx="0" cy="0"/>
+          <a:chOff x="0" y="0"/>
+          <a:chExt cx="0" cy="0"/>
+        </a:xfrm>
+      </p:grpSpPr>
+      <p:sp>
+        <p:nvSpPr>
+          <p:cNvPr id="2" name="Title 1"/>
+          <p:cNvSpPr>
+            <a:spLocks noGrp="1"/>
+          </p:cNvSpPr>
+          <p:nvPr>
+            <p:ph type="title"/>
+          </p:nvPr>
+        </p:nvSpPr>
+        <p:spPr/>
+        <p:txBody>
+          <a:bodyPr/>
+          <a:lstStyle/>
+          <a:p>
+            <a:r>
+              <a:rPr lang="en-US" dirty="0" smtClean="0"/>
               <a:t>Validation Messages</a:t>
             </a:r>
             <a:endParaRPr lang="en-US" dirty="0"/>
@@ -8057,7 +8912,7 @@
 </p:sld>
 </file>
 
-<file path=ppt/slides/slide21.xml><?xml version="1.0" encoding="utf-8"?>
+<file path=ppt/slides/slide22.xml><?xml version="1.0" encoding="utf-8"?>
 <p:sld xmlns:a="http://schemas.openxmlformats.org/drawingml/2006/main" xmlns:r="http://schemas.openxmlformats.org/officeDocument/2006/relationships" xmlns:p="http://schemas.openxmlformats.org/presentationml/2006/main">
   <p:cSld>
     <p:spTree>
@@ -11434,7 +12289,7 @@
           <a:p>
             <a:r>
               <a:rPr lang="en-US" dirty="0" smtClean="0"/>
-              <a:t>HTML Helpers</a:t>
+              <a:t>Views and Dependency Injection</a:t>
             </a:r>
             <a:endParaRPr lang="en-US" dirty="0"/>
           </a:p>
@@ -11457,524 +12312,50 @@
           <a:p>
             <a:r>
               <a:rPr lang="en-US" dirty="0" smtClean="0"/>
-              <a:t>Html is a property of the </a:t>
-            </a:r>
-            <a:r>
-              <a:rPr lang="en-US" dirty="0" err="1" smtClean="0"/>
-              <a:t>ViewPage</a:t>
-            </a:r>
-            <a:r>
-              <a:rPr lang="en-US" dirty="0" smtClean="0"/>
-              <a:t> base </a:t>
-            </a:r>
-            <a:r>
-              <a:rPr lang="en-US" dirty="0" smtClean="0"/>
-              <a:t>class</a:t>
-            </a:r>
-          </a:p>
-          <a:p>
-            <a:r>
-              <a:rPr lang="en-US" dirty="0" smtClean="0"/>
-              <a:t>Many HTML helpers replaced with tag helpers</a:t>
-            </a:r>
-            <a:endParaRPr lang="en-US" dirty="0" smtClean="0"/>
+              <a:t>Use @inject</a:t>
+            </a:r>
+            <a:endParaRPr lang="en-US" dirty="0"/>
           </a:p>
         </p:txBody>
       </p:sp>
-      <p:sp>
-        <p:nvSpPr>
-          <p:cNvPr id="4" name="Text Placeholder 2"/>
-          <p:cNvSpPr txBox="1">
-            <a:spLocks/>
-          </p:cNvSpPr>
+      <p:pic>
+        <p:nvPicPr>
+          <p:cNvPr id="4" name="Picture 3"/>
+          <p:cNvPicPr>
+            <a:picLocks noChangeAspect="1"/>
+          </p:cNvPicPr>
           <p:nvPr/>
-        </p:nvSpPr>
-        <p:spPr bwMode="auto">
+        </p:nvPicPr>
+        <p:blipFill>
+          <a:blip r:embed="rId2"/>
+          <a:stretch>
+            <a:fillRect/>
+          </a:stretch>
+        </p:blipFill>
+        <p:spPr>
           <a:xfrm>
-            <a:off x="685800" y="3124200"/>
-            <a:ext cx="7543800" cy="2438400"/>
+            <a:off x="1604962" y="3019425"/>
+            <a:ext cx="5934075" cy="819150"/>
           </a:xfrm>
           <a:prstGeom prst="rect">
             <a:avLst/>
           </a:prstGeom>
-          <a:solidFill>
-            <a:schemeClr val="accent2"/>
-          </a:solidFill>
-          <a:ln w="9525">
-            <a:solidFill>
-              <a:schemeClr val="tx1"/>
-            </a:solidFill>
-            <a:miter lim="800000"/>
-            <a:headEnd/>
-            <a:tailEnd/>
+          <a:ln>
+            <a:noFill/>
           </a:ln>
+          <a:effectLst>
+            <a:outerShdw blurRad="292100" dist="139700" dir="2700000" algn="tl" rotWithShape="0">
+              <a:srgbClr val="333333">
+                <a:alpha val="65000"/>
+              </a:srgbClr>
+            </a:outerShdw>
+          </a:effectLst>
         </p:spPr>
-        <p:txBody>
-          <a:bodyPr vert="horz" wrap="square" lIns="91440" tIns="45720" rIns="91440" bIns="45720" numCol="1" anchor="t" anchorCtr="0" compatLnSpc="1">
-            <a:prstTxWarp prst="textNoShape">
-              <a:avLst/>
-            </a:prstTxWarp>
-          </a:bodyPr>
-          <a:lstStyle/>
-          <a:p>
-            <a:pPr marL="342900" lvl="0" indent="-342900" algn="l" defTabSz="-13873163" eaLnBrk="1" hangingPunct="1">
-              <a:spcBef>
-                <a:spcPct val="20000"/>
-              </a:spcBef>
-              <a:defRPr/>
-            </a:pPr>
-            <a:r>
-              <a:rPr lang="en-US" sz="1400" b="0" dirty="0">
-                <a:latin typeface="Consolas" pitchFamily="49" charset="0"/>
-                <a:cs typeface="Consolas" pitchFamily="49" charset="0"/>
-              </a:rPr>
-              <a:t>@</a:t>
-            </a:r>
-            <a:r>
-              <a:rPr lang="en-US" sz="1400" b="0" dirty="0">
-                <a:solidFill>
-                  <a:srgbClr val="0000FF"/>
-                </a:solidFill>
-                <a:latin typeface="Consolas" pitchFamily="49" charset="0"/>
-                <a:cs typeface="Consolas" pitchFamily="49" charset="0"/>
-              </a:rPr>
-              <a:t>using</a:t>
-            </a:r>
-            <a:r>
-              <a:rPr lang="en-US" sz="1400" b="0" dirty="0">
-                <a:latin typeface="Consolas" pitchFamily="49" charset="0"/>
-                <a:cs typeface="Consolas" pitchFamily="49" charset="0"/>
-              </a:rPr>
-              <a:t> (</a:t>
-            </a:r>
-            <a:r>
-              <a:rPr lang="en-US" sz="1400" b="0" dirty="0" err="1">
-                <a:latin typeface="Consolas" pitchFamily="49" charset="0"/>
-                <a:cs typeface="Consolas" pitchFamily="49" charset="0"/>
-              </a:rPr>
-              <a:t>Html.BeginForm</a:t>
-            </a:r>
-            <a:r>
-              <a:rPr lang="en-US" sz="1400" b="0" dirty="0">
-                <a:latin typeface="Consolas" pitchFamily="49" charset="0"/>
-                <a:cs typeface="Consolas" pitchFamily="49" charset="0"/>
-              </a:rPr>
-              <a:t>()) {</a:t>
-            </a:r>
-            <a:br>
-              <a:rPr lang="en-US" sz="1400" b="0" dirty="0">
-                <a:latin typeface="Consolas" pitchFamily="49" charset="0"/>
-                <a:cs typeface="Consolas" pitchFamily="49" charset="0"/>
-              </a:rPr>
-            </a:br>
-            <a:r>
-              <a:rPr lang="en-US" sz="1400" b="0" dirty="0">
-                <a:latin typeface="Consolas" pitchFamily="49" charset="0"/>
-                <a:cs typeface="Consolas" pitchFamily="49" charset="0"/>
-              </a:rPr>
-              <a:t>    @</a:t>
-            </a:r>
-            <a:r>
-              <a:rPr lang="en-US" sz="1400" b="0" dirty="0" err="1">
-                <a:latin typeface="Consolas" pitchFamily="49" charset="0"/>
-                <a:cs typeface="Consolas" pitchFamily="49" charset="0"/>
-              </a:rPr>
-              <a:t>Html.ValidationSummary</a:t>
-            </a:r>
-            <a:r>
-              <a:rPr lang="en-US" sz="1400" b="0" dirty="0">
-                <a:latin typeface="Consolas" pitchFamily="49" charset="0"/>
-                <a:cs typeface="Consolas" pitchFamily="49" charset="0"/>
-              </a:rPr>
-              <a:t>(</a:t>
-            </a:r>
-            <a:r>
-              <a:rPr lang="en-US" sz="1400" b="0" dirty="0">
-                <a:solidFill>
-                  <a:srgbClr val="0000FF"/>
-                </a:solidFill>
-                <a:latin typeface="Consolas" pitchFamily="49" charset="0"/>
-                <a:cs typeface="Consolas" pitchFamily="49" charset="0"/>
-              </a:rPr>
-              <a:t>true</a:t>
-            </a:r>
-            <a:r>
-              <a:rPr lang="en-US" sz="1400" b="0" dirty="0">
-                <a:latin typeface="Consolas" pitchFamily="49" charset="0"/>
-                <a:cs typeface="Consolas" pitchFamily="49" charset="0"/>
-              </a:rPr>
-              <a:t>)</a:t>
-            </a:r>
-            <a:br>
-              <a:rPr lang="en-US" sz="1400" b="0" dirty="0">
-                <a:latin typeface="Consolas" pitchFamily="49" charset="0"/>
-                <a:cs typeface="Consolas" pitchFamily="49" charset="0"/>
-              </a:rPr>
-            </a:br>
-            <a:r>
-              <a:rPr lang="en-US" sz="1400" b="0" dirty="0">
-                <a:latin typeface="Consolas" pitchFamily="49" charset="0"/>
-                <a:cs typeface="Consolas" pitchFamily="49" charset="0"/>
-              </a:rPr>
-              <a:t>        </a:t>
-            </a:r>
-            <a:r>
-              <a:rPr lang="en-US" sz="1400" b="0" dirty="0">
-                <a:solidFill>
-                  <a:srgbClr val="0000FF"/>
-                </a:solidFill>
-                <a:latin typeface="Consolas" pitchFamily="49" charset="0"/>
-                <a:cs typeface="Consolas" pitchFamily="49" charset="0"/>
-              </a:rPr>
-              <a:t>&lt;</a:t>
-            </a:r>
-            <a:r>
-              <a:rPr lang="en-US" sz="1400" b="0" dirty="0">
-                <a:solidFill>
-                  <a:srgbClr val="800000"/>
-                </a:solidFill>
-                <a:latin typeface="Consolas" pitchFamily="49" charset="0"/>
-                <a:cs typeface="Consolas" pitchFamily="49" charset="0"/>
-              </a:rPr>
-              <a:t>div</a:t>
-            </a:r>
-            <a:r>
-              <a:rPr lang="en-US" sz="1400" b="0" dirty="0">
-                <a:latin typeface="Consolas" pitchFamily="49" charset="0"/>
-                <a:cs typeface="Consolas" pitchFamily="49" charset="0"/>
-              </a:rPr>
-              <a:t> </a:t>
-            </a:r>
-            <a:r>
-              <a:rPr lang="en-US" sz="1400" b="0" dirty="0">
-                <a:solidFill>
-                  <a:srgbClr val="FF0000"/>
-                </a:solidFill>
-                <a:latin typeface="Consolas" pitchFamily="49" charset="0"/>
-                <a:cs typeface="Consolas" pitchFamily="49" charset="0"/>
-              </a:rPr>
-              <a:t>class</a:t>
-            </a:r>
-            <a:r>
-              <a:rPr lang="en-US" sz="1400" b="0" dirty="0">
-                <a:solidFill>
-                  <a:srgbClr val="0000FF"/>
-                </a:solidFill>
-                <a:latin typeface="Consolas" pitchFamily="49" charset="0"/>
-                <a:cs typeface="Consolas" pitchFamily="49" charset="0"/>
-              </a:rPr>
-              <a:t>="editor-label"&gt;</a:t>
-            </a:r>
-            <a:r>
-              <a:rPr lang="en-US" sz="1400" b="0" dirty="0">
-                <a:latin typeface="Consolas" pitchFamily="49" charset="0"/>
-                <a:cs typeface="Consolas" pitchFamily="49" charset="0"/>
-              </a:rPr>
-              <a:t/>
-            </a:r>
-            <a:br>
-              <a:rPr lang="en-US" sz="1400" b="0" dirty="0">
-                <a:latin typeface="Consolas" pitchFamily="49" charset="0"/>
-                <a:cs typeface="Consolas" pitchFamily="49" charset="0"/>
-              </a:rPr>
-            </a:br>
-            <a:r>
-              <a:rPr lang="en-US" sz="1400" b="0" dirty="0">
-                <a:latin typeface="Consolas" pitchFamily="49" charset="0"/>
-                <a:cs typeface="Consolas" pitchFamily="49" charset="0"/>
-              </a:rPr>
-              <a:t>            @</a:t>
-            </a:r>
-            <a:r>
-              <a:rPr lang="en-US" sz="1400" b="0" dirty="0" err="1">
-                <a:latin typeface="Consolas" pitchFamily="49" charset="0"/>
-                <a:cs typeface="Consolas" pitchFamily="49" charset="0"/>
-              </a:rPr>
-              <a:t>Html.LabelFor</a:t>
-            </a:r>
-            <a:r>
-              <a:rPr lang="en-US" sz="1400" b="0" dirty="0">
-                <a:latin typeface="Consolas" pitchFamily="49" charset="0"/>
-                <a:cs typeface="Consolas" pitchFamily="49" charset="0"/>
-              </a:rPr>
-              <a:t>(model =&gt; </a:t>
-            </a:r>
-            <a:r>
-              <a:rPr lang="en-US" sz="1400" b="0" dirty="0" err="1">
-                <a:latin typeface="Consolas" pitchFamily="49" charset="0"/>
-                <a:cs typeface="Consolas" pitchFamily="49" charset="0"/>
-              </a:rPr>
-              <a:t>model.FirstName</a:t>
-            </a:r>
-            <a:r>
-              <a:rPr lang="en-US" sz="1400" b="0" dirty="0">
-                <a:latin typeface="Consolas" pitchFamily="49" charset="0"/>
-                <a:cs typeface="Consolas" pitchFamily="49" charset="0"/>
-              </a:rPr>
-              <a:t>)</a:t>
-            </a:r>
-            <a:br>
-              <a:rPr lang="en-US" sz="1400" b="0" dirty="0">
-                <a:latin typeface="Consolas" pitchFamily="49" charset="0"/>
-                <a:cs typeface="Consolas" pitchFamily="49" charset="0"/>
-              </a:rPr>
-            </a:br>
-            <a:r>
-              <a:rPr lang="en-US" sz="1400" b="0" dirty="0">
-                <a:latin typeface="Consolas" pitchFamily="49" charset="0"/>
-                <a:cs typeface="Consolas" pitchFamily="49" charset="0"/>
-              </a:rPr>
-              <a:t>        </a:t>
-            </a:r>
-            <a:r>
-              <a:rPr lang="en-US" sz="1400" b="0" dirty="0">
-                <a:solidFill>
-                  <a:srgbClr val="0000FF"/>
-                </a:solidFill>
-                <a:latin typeface="Consolas" pitchFamily="49" charset="0"/>
-                <a:cs typeface="Consolas" pitchFamily="49" charset="0"/>
-              </a:rPr>
-              <a:t>&lt;/</a:t>
-            </a:r>
-            <a:r>
-              <a:rPr lang="en-US" sz="1400" b="0" dirty="0">
-                <a:solidFill>
-                  <a:srgbClr val="800000"/>
-                </a:solidFill>
-                <a:latin typeface="Consolas" pitchFamily="49" charset="0"/>
-                <a:cs typeface="Consolas" pitchFamily="49" charset="0"/>
-              </a:rPr>
-              <a:t>div</a:t>
-            </a:r>
-            <a:r>
-              <a:rPr lang="en-US" sz="1400" b="0" dirty="0">
-                <a:solidFill>
-                  <a:srgbClr val="0000FF"/>
-                </a:solidFill>
-                <a:latin typeface="Consolas" pitchFamily="49" charset="0"/>
-                <a:cs typeface="Consolas" pitchFamily="49" charset="0"/>
-              </a:rPr>
-              <a:t>&gt;</a:t>
-            </a:r>
-            <a:r>
-              <a:rPr lang="en-US" sz="1400" b="0" dirty="0">
-                <a:latin typeface="Consolas" pitchFamily="49" charset="0"/>
-                <a:cs typeface="Consolas" pitchFamily="49" charset="0"/>
-              </a:rPr>
-              <a:t/>
-            </a:r>
-            <a:br>
-              <a:rPr lang="en-US" sz="1400" b="0" dirty="0">
-                <a:latin typeface="Consolas" pitchFamily="49" charset="0"/>
-                <a:cs typeface="Consolas" pitchFamily="49" charset="0"/>
-              </a:rPr>
-            </a:br>
-            <a:r>
-              <a:rPr lang="en-US" sz="1400" b="0" dirty="0">
-                <a:latin typeface="Consolas" pitchFamily="49" charset="0"/>
-                <a:cs typeface="Consolas" pitchFamily="49" charset="0"/>
-              </a:rPr>
-              <a:t>        </a:t>
-            </a:r>
-            <a:r>
-              <a:rPr lang="en-US" sz="1400" b="0" dirty="0">
-                <a:solidFill>
-                  <a:srgbClr val="0000FF"/>
-                </a:solidFill>
-                <a:latin typeface="Consolas" pitchFamily="49" charset="0"/>
-                <a:cs typeface="Consolas" pitchFamily="49" charset="0"/>
-              </a:rPr>
-              <a:t>&lt;</a:t>
-            </a:r>
-            <a:r>
-              <a:rPr lang="en-US" sz="1400" b="0" dirty="0">
-                <a:solidFill>
-                  <a:srgbClr val="800000"/>
-                </a:solidFill>
-                <a:latin typeface="Consolas" pitchFamily="49" charset="0"/>
-                <a:cs typeface="Consolas" pitchFamily="49" charset="0"/>
-              </a:rPr>
-              <a:t>div</a:t>
-            </a:r>
-            <a:r>
-              <a:rPr lang="en-US" sz="1400" b="0" dirty="0">
-                <a:latin typeface="Consolas" pitchFamily="49" charset="0"/>
-                <a:cs typeface="Consolas" pitchFamily="49" charset="0"/>
-              </a:rPr>
-              <a:t> </a:t>
-            </a:r>
-            <a:r>
-              <a:rPr lang="en-US" sz="1400" b="0" dirty="0">
-                <a:solidFill>
-                  <a:srgbClr val="FF0000"/>
-                </a:solidFill>
-                <a:latin typeface="Consolas" pitchFamily="49" charset="0"/>
-                <a:cs typeface="Consolas" pitchFamily="49" charset="0"/>
-              </a:rPr>
-              <a:t>class</a:t>
-            </a:r>
-            <a:r>
-              <a:rPr lang="en-US" sz="1400" b="0" dirty="0">
-                <a:solidFill>
-                  <a:srgbClr val="0000FF"/>
-                </a:solidFill>
-                <a:latin typeface="Consolas" pitchFamily="49" charset="0"/>
-                <a:cs typeface="Consolas" pitchFamily="49" charset="0"/>
-              </a:rPr>
-              <a:t>="editor-field"&gt;</a:t>
-            </a:r>
-            <a:r>
-              <a:rPr lang="en-US" sz="1400" b="0" dirty="0">
-                <a:latin typeface="Consolas" pitchFamily="49" charset="0"/>
-                <a:cs typeface="Consolas" pitchFamily="49" charset="0"/>
-              </a:rPr>
-              <a:t/>
-            </a:r>
-            <a:br>
-              <a:rPr lang="en-US" sz="1400" b="0" dirty="0">
-                <a:latin typeface="Consolas" pitchFamily="49" charset="0"/>
-                <a:cs typeface="Consolas" pitchFamily="49" charset="0"/>
-              </a:rPr>
-            </a:br>
-            <a:r>
-              <a:rPr lang="en-US" sz="1400" b="0" dirty="0">
-                <a:latin typeface="Consolas" pitchFamily="49" charset="0"/>
-                <a:cs typeface="Consolas" pitchFamily="49" charset="0"/>
-              </a:rPr>
-              <a:t>            @</a:t>
-            </a:r>
-            <a:r>
-              <a:rPr lang="en-US" sz="1400" b="0" dirty="0" err="1">
-                <a:latin typeface="Consolas" pitchFamily="49" charset="0"/>
-                <a:cs typeface="Consolas" pitchFamily="49" charset="0"/>
-              </a:rPr>
-              <a:t>Html.EditorFor</a:t>
-            </a:r>
-            <a:r>
-              <a:rPr lang="en-US" sz="1400" b="0" dirty="0">
-                <a:latin typeface="Consolas" pitchFamily="49" charset="0"/>
-                <a:cs typeface="Consolas" pitchFamily="49" charset="0"/>
-              </a:rPr>
-              <a:t>(model =&gt; </a:t>
-            </a:r>
-            <a:r>
-              <a:rPr lang="en-US" sz="1400" b="0" dirty="0" err="1">
-                <a:latin typeface="Consolas" pitchFamily="49" charset="0"/>
-                <a:cs typeface="Consolas" pitchFamily="49" charset="0"/>
-              </a:rPr>
-              <a:t>model.FirstName</a:t>
-            </a:r>
-            <a:r>
-              <a:rPr lang="en-US" sz="1400" b="0" dirty="0">
-                <a:latin typeface="Consolas" pitchFamily="49" charset="0"/>
-                <a:cs typeface="Consolas" pitchFamily="49" charset="0"/>
-              </a:rPr>
-              <a:t>)</a:t>
-            </a:r>
-            <a:br>
-              <a:rPr lang="en-US" sz="1400" b="0" dirty="0">
-                <a:latin typeface="Consolas" pitchFamily="49" charset="0"/>
-                <a:cs typeface="Consolas" pitchFamily="49" charset="0"/>
-              </a:rPr>
-            </a:br>
-            <a:r>
-              <a:rPr lang="en-US" sz="1400" b="0" dirty="0">
-                <a:latin typeface="Consolas" pitchFamily="49" charset="0"/>
-                <a:cs typeface="Consolas" pitchFamily="49" charset="0"/>
-              </a:rPr>
-              <a:t>            @</a:t>
-            </a:r>
-            <a:r>
-              <a:rPr lang="en-US" sz="1400" b="0" dirty="0" err="1">
-                <a:latin typeface="Consolas" pitchFamily="49" charset="0"/>
-                <a:cs typeface="Consolas" pitchFamily="49" charset="0"/>
-              </a:rPr>
-              <a:t>Html.ValidationMessageFor</a:t>
-            </a:r>
-            <a:r>
-              <a:rPr lang="en-US" sz="1400" b="0" dirty="0">
-                <a:latin typeface="Consolas" pitchFamily="49" charset="0"/>
-                <a:cs typeface="Consolas" pitchFamily="49" charset="0"/>
-              </a:rPr>
-              <a:t>(model =&gt; </a:t>
-            </a:r>
-            <a:r>
-              <a:rPr lang="en-US" sz="1400" b="0" dirty="0" err="1">
-                <a:latin typeface="Consolas" pitchFamily="49" charset="0"/>
-                <a:cs typeface="Consolas" pitchFamily="49" charset="0"/>
-              </a:rPr>
-              <a:t>model.FirstName</a:t>
-            </a:r>
-            <a:r>
-              <a:rPr lang="en-US" sz="1400" b="0" dirty="0">
-                <a:latin typeface="Consolas" pitchFamily="49" charset="0"/>
-                <a:cs typeface="Consolas" pitchFamily="49" charset="0"/>
-              </a:rPr>
-              <a:t>)</a:t>
-            </a:r>
-            <a:br>
-              <a:rPr lang="en-US" sz="1400" b="0" dirty="0">
-                <a:latin typeface="Consolas" pitchFamily="49" charset="0"/>
-                <a:cs typeface="Consolas" pitchFamily="49" charset="0"/>
-              </a:rPr>
-            </a:br>
-            <a:r>
-              <a:rPr lang="en-US" sz="1400" b="0" dirty="0">
-                <a:latin typeface="Consolas" pitchFamily="49" charset="0"/>
-                <a:cs typeface="Consolas" pitchFamily="49" charset="0"/>
-              </a:rPr>
-              <a:t>        </a:t>
-            </a:r>
-            <a:r>
-              <a:rPr lang="en-US" sz="1400" b="0" dirty="0">
-                <a:solidFill>
-                  <a:srgbClr val="0000FF"/>
-                </a:solidFill>
-                <a:latin typeface="Consolas" pitchFamily="49" charset="0"/>
-                <a:cs typeface="Consolas" pitchFamily="49" charset="0"/>
-              </a:rPr>
-              <a:t>&lt;/</a:t>
-            </a:r>
-            <a:r>
-              <a:rPr lang="en-US" sz="1400" b="0" dirty="0">
-                <a:solidFill>
-                  <a:srgbClr val="800000"/>
-                </a:solidFill>
-                <a:latin typeface="Consolas" pitchFamily="49" charset="0"/>
-                <a:cs typeface="Consolas" pitchFamily="49" charset="0"/>
-              </a:rPr>
-              <a:t>div</a:t>
-            </a:r>
-            <a:r>
-              <a:rPr lang="en-US" sz="1400" b="0" dirty="0">
-                <a:solidFill>
-                  <a:srgbClr val="0000FF"/>
-                </a:solidFill>
-                <a:latin typeface="Consolas" pitchFamily="49" charset="0"/>
-                <a:cs typeface="Consolas" pitchFamily="49" charset="0"/>
-              </a:rPr>
-              <a:t>&gt;</a:t>
-            </a:r>
-            <a:endParaRPr kumimoji="0" lang="en-US" sz="1400" b="0" i="0" u="none" strike="noStrike" kern="0" cap="none" spc="0" normalizeH="0" baseline="0" noProof="0" dirty="0">
-              <a:ln>
-                <a:noFill/>
-              </a:ln>
-              <a:solidFill>
-                <a:schemeClr val="tx1"/>
-              </a:solidFill>
-              <a:effectLst/>
-              <a:uLnTx/>
-              <a:uFillTx/>
-              <a:latin typeface="Consolas" pitchFamily="49" charset="0"/>
-              <a:cs typeface="Consolas" pitchFamily="49" charset="0"/>
-            </a:endParaRPr>
-          </a:p>
-        </p:txBody>
-      </p:sp>
+      </p:pic>
     </p:spTree>
     <p:extLst>
       <p:ext uri="{BB962C8B-B14F-4D97-AF65-F5344CB8AC3E}">
-        <p14:creationId xmlns:p14="http://schemas.microsoft.com/office/powerpoint/2010/main" val="3798270805"/>
+        <p14:creationId xmlns:p14="http://schemas.microsoft.com/office/powerpoint/2010/main" val="2373310221"/>
       </p:ext>
     </p:extLst>
   </p:cSld>
@@ -12021,7 +12402,7 @@
           <a:p>
             <a:r>
               <a:rPr lang="en-US" dirty="0" smtClean="0"/>
-              <a:t>Partials</a:t>
+              <a:t>HTML Helpers</a:t>
             </a:r>
             <a:endParaRPr lang="en-US" dirty="0"/>
           </a:p>
@@ -12044,24 +12425,22 @@
           <a:p>
             <a:r>
               <a:rPr lang="en-US" dirty="0" smtClean="0"/>
-              <a:t>Partial views render portions of a page</a:t>
-            </a:r>
-          </a:p>
-          <a:p>
-            <a:pPr lvl="1"/>
+              <a:t>Html is a property of the </a:t>
+            </a:r>
+            <a:r>
+              <a:rPr lang="en-US" dirty="0" err="1" smtClean="0"/>
+              <a:t>ViewPage</a:t>
+            </a:r>
             <a:r>
               <a:rPr lang="en-US" dirty="0" smtClean="0"/>
-              <a:t>Reuse pieces of a </a:t>
-            </a:r>
+              <a:t> base class</a:t>
+            </a:r>
+          </a:p>
+          <a:p>
             <a:r>
               <a:rPr lang="en-US" dirty="0" smtClean="0"/>
-              <a:t>view</a:t>
-            </a:r>
-            <a:endParaRPr lang="en-US" dirty="0" smtClean="0"/>
-          </a:p>
-          <a:p>
-            <a:pPr lvl="1"/>
-            <a:endParaRPr lang="en-US" dirty="0"/>
+              <a:t>Many HTML helpers replaced with tag helpers</a:t>
+            </a:r>
           </a:p>
         </p:txBody>
       </p:sp>
@@ -12075,8 +12454,8 @@
         </p:nvSpPr>
         <p:spPr bwMode="auto">
           <a:xfrm>
-            <a:off x="228600" y="2628900"/>
-            <a:ext cx="8077200" cy="1295400"/>
+            <a:off x="685800" y="3124200"/>
+            <a:ext cx="7543800" cy="2438400"/>
           </a:xfrm>
           <a:prstGeom prst="rect">
             <a:avLst/>
@@ -12101,173 +12480,445 @@
           </a:bodyPr>
           <a:lstStyle/>
           <a:p>
-            <a:pPr marL="0" marR="0" algn="l">
-              <a:lnSpc>
-                <a:spcPct val="115000"/>
-              </a:lnSpc>
+            <a:pPr marL="342900" lvl="0" indent="-342900" algn="l" defTabSz="-13873163" eaLnBrk="1" hangingPunct="1">
               <a:spcBef>
-                <a:spcPts val="0"/>
+                <a:spcPct val="20000"/>
               </a:spcBef>
-              <a:spcAft>
-                <a:spcPts val="0"/>
-              </a:spcAft>
+              <a:defRPr/>
             </a:pPr>
             <a:r>
-              <a:rPr lang="en-US" b="0" dirty="0">
+              <a:rPr lang="en-US" sz="1400" b="0" dirty="0">
                 <a:latin typeface="Consolas" pitchFamily="49" charset="0"/>
                 <a:cs typeface="Consolas" pitchFamily="49" charset="0"/>
               </a:rPr>
               <a:t>@</a:t>
             </a:r>
             <a:r>
-              <a:rPr lang="en-US" b="0" dirty="0" err="1">
+              <a:rPr lang="en-US" sz="1400" b="0" dirty="0">
                 <a:solidFill>
                   <a:srgbClr val="0000FF"/>
                 </a:solidFill>
                 <a:latin typeface="Consolas" pitchFamily="49" charset="0"/>
                 <a:cs typeface="Consolas" pitchFamily="49" charset="0"/>
               </a:rPr>
-              <a:t>foreach</a:t>
-            </a:r>
-            <a:r>
-              <a:rPr lang="en-US" b="0" dirty="0">
+              <a:t>using</a:t>
+            </a:r>
+            <a:r>
+              <a:rPr lang="en-US" sz="1400" b="0" dirty="0">
                 <a:latin typeface="Consolas" pitchFamily="49" charset="0"/>
                 <a:cs typeface="Consolas" pitchFamily="49" charset="0"/>
               </a:rPr>
               <a:t> (</a:t>
             </a:r>
             <a:r>
-              <a:rPr lang="en-US" b="0" dirty="0" err="1">
+              <a:rPr lang="en-US" sz="1400" b="0" dirty="0" err="1">
+                <a:latin typeface="Consolas" pitchFamily="49" charset="0"/>
+                <a:cs typeface="Consolas" pitchFamily="49" charset="0"/>
+              </a:rPr>
+              <a:t>Html.BeginForm</a:t>
+            </a:r>
+            <a:r>
+              <a:rPr lang="en-US" sz="1400" b="0" dirty="0">
+                <a:latin typeface="Consolas" pitchFamily="49" charset="0"/>
+                <a:cs typeface="Consolas" pitchFamily="49" charset="0"/>
+              </a:rPr>
+              <a:t>()) {</a:t>
+            </a:r>
+            <a:br>
+              <a:rPr lang="en-US" sz="1400" b="0" dirty="0">
+                <a:latin typeface="Consolas" pitchFamily="49" charset="0"/>
+                <a:cs typeface="Consolas" pitchFamily="49" charset="0"/>
+              </a:rPr>
+            </a:br>
+            <a:r>
+              <a:rPr lang="en-US" sz="1400" b="0" dirty="0">
+                <a:latin typeface="Consolas" pitchFamily="49" charset="0"/>
+                <a:cs typeface="Consolas" pitchFamily="49" charset="0"/>
+              </a:rPr>
+              <a:t>    @</a:t>
+            </a:r>
+            <a:r>
+              <a:rPr lang="en-US" sz="1400" b="0" dirty="0" err="1">
+                <a:latin typeface="Consolas" pitchFamily="49" charset="0"/>
+                <a:cs typeface="Consolas" pitchFamily="49" charset="0"/>
+              </a:rPr>
+              <a:t>Html.ValidationSummary</a:t>
+            </a:r>
+            <a:r>
+              <a:rPr lang="en-US" sz="1400" b="0" dirty="0">
+                <a:latin typeface="Consolas" pitchFamily="49" charset="0"/>
+                <a:cs typeface="Consolas" pitchFamily="49" charset="0"/>
+              </a:rPr>
+              <a:t>(</a:t>
+            </a:r>
+            <a:r>
+              <a:rPr lang="en-US" sz="1400" b="0" dirty="0">
                 <a:solidFill>
                   <a:srgbClr val="0000FF"/>
                 </a:solidFill>
                 <a:latin typeface="Consolas" pitchFamily="49" charset="0"/>
                 <a:cs typeface="Consolas" pitchFamily="49" charset="0"/>
               </a:rPr>
-              <a:t>var</a:t>
-            </a:r>
-            <a:r>
-              <a:rPr lang="en-US" b="0" dirty="0">
-                <a:latin typeface="Consolas" pitchFamily="49" charset="0"/>
-                <a:cs typeface="Consolas" pitchFamily="49" charset="0"/>
-              </a:rPr>
-              <a:t> item </a:t>
-            </a:r>
-            <a:r>
-              <a:rPr lang="en-US" b="0" dirty="0">
+              <a:t>true</a:t>
+            </a:r>
+            <a:r>
+              <a:rPr lang="en-US" sz="1400" b="0" dirty="0">
+                <a:latin typeface="Consolas" pitchFamily="49" charset="0"/>
+                <a:cs typeface="Consolas" pitchFamily="49" charset="0"/>
+              </a:rPr>
+              <a:t>)</a:t>
+            </a:r>
+            <a:br>
+              <a:rPr lang="en-US" sz="1400" b="0" dirty="0">
+                <a:latin typeface="Consolas" pitchFamily="49" charset="0"/>
+                <a:cs typeface="Consolas" pitchFamily="49" charset="0"/>
+              </a:rPr>
+            </a:br>
+            <a:r>
+              <a:rPr lang="en-US" sz="1400" b="0" dirty="0">
+                <a:latin typeface="Consolas" pitchFamily="49" charset="0"/>
+                <a:cs typeface="Consolas" pitchFamily="49" charset="0"/>
+              </a:rPr>
+              <a:t>        </a:t>
+            </a:r>
+            <a:r>
+              <a:rPr lang="en-US" sz="1400" b="0" dirty="0">
                 <a:solidFill>
                   <a:srgbClr val="0000FF"/>
                 </a:solidFill>
                 <a:latin typeface="Consolas" pitchFamily="49" charset="0"/>
                 <a:cs typeface="Consolas" pitchFamily="49" charset="0"/>
               </a:rPr>
-              <a:t>in</a:t>
-            </a:r>
-            <a:r>
-              <a:rPr lang="en-US" b="0" dirty="0">
-                <a:latin typeface="Consolas" pitchFamily="49" charset="0"/>
-                <a:cs typeface="Consolas" pitchFamily="49" charset="0"/>
-              </a:rPr>
-              <a:t> Model)</a:t>
+              <a:t>&lt;</a:t>
+            </a:r>
+            <a:r>
+              <a:rPr lang="en-US" sz="1400" b="0" dirty="0">
+                <a:solidFill>
+                  <a:srgbClr val="800000"/>
+                </a:solidFill>
+                <a:latin typeface="Consolas" pitchFamily="49" charset="0"/>
+                <a:cs typeface="Consolas" pitchFamily="49" charset="0"/>
+              </a:rPr>
+              <a:t>div</a:t>
+            </a:r>
+            <a:r>
+              <a:rPr lang="en-US" sz="1400" b="0" dirty="0">
+                <a:latin typeface="Consolas" pitchFamily="49" charset="0"/>
+                <a:cs typeface="Consolas" pitchFamily="49" charset="0"/>
+              </a:rPr>
+              <a:t> </a:t>
+            </a:r>
+            <a:r>
+              <a:rPr lang="en-US" sz="1400" b="0" dirty="0">
+                <a:solidFill>
+                  <a:srgbClr val="FF0000"/>
+                </a:solidFill>
+                <a:latin typeface="Consolas" pitchFamily="49" charset="0"/>
+                <a:cs typeface="Consolas" pitchFamily="49" charset="0"/>
+              </a:rPr>
+              <a:t>class</a:t>
+            </a:r>
+            <a:r>
+              <a:rPr lang="en-US" sz="1400" b="0" dirty="0">
+                <a:solidFill>
+                  <a:srgbClr val="0000FF"/>
+                </a:solidFill>
+                <a:latin typeface="Consolas" pitchFamily="49" charset="0"/>
+                <a:cs typeface="Consolas" pitchFamily="49" charset="0"/>
+              </a:rPr>
+              <a:t>="editor-label"&gt;</a:t>
+            </a:r>
+            <a:r>
+              <a:rPr lang="en-US" sz="1400" b="0" dirty="0">
+                <a:latin typeface="Consolas" pitchFamily="49" charset="0"/>
+                <a:cs typeface="Consolas" pitchFamily="49" charset="0"/>
+              </a:rPr>
+              <a:t/>
             </a:r>
             <a:br>
-              <a:rPr lang="en-US" b="0" dirty="0">
+              <a:rPr lang="en-US" sz="1400" b="0" dirty="0">
                 <a:latin typeface="Consolas" pitchFamily="49" charset="0"/>
                 <a:cs typeface="Consolas" pitchFamily="49" charset="0"/>
               </a:rPr>
             </a:br>
             <a:r>
-              <a:rPr lang="en-US" b="0" dirty="0">
-                <a:latin typeface="Consolas" pitchFamily="49" charset="0"/>
-                <a:cs typeface="Consolas" pitchFamily="49" charset="0"/>
-              </a:rPr>
-              <a:t>{   </a:t>
+              <a:rPr lang="en-US" sz="1400" b="0" dirty="0">
+                <a:latin typeface="Consolas" pitchFamily="49" charset="0"/>
+                <a:cs typeface="Consolas" pitchFamily="49" charset="0"/>
+              </a:rPr>
+              <a:t>            @</a:t>
+            </a:r>
+            <a:r>
+              <a:rPr lang="en-US" sz="1400" b="0" dirty="0" err="1">
+                <a:latin typeface="Consolas" pitchFamily="49" charset="0"/>
+                <a:cs typeface="Consolas" pitchFamily="49" charset="0"/>
+              </a:rPr>
+              <a:t>Html.LabelFor</a:t>
+            </a:r>
+            <a:r>
+              <a:rPr lang="en-US" sz="1400" b="0" dirty="0">
+                <a:latin typeface="Consolas" pitchFamily="49" charset="0"/>
+                <a:cs typeface="Consolas" pitchFamily="49" charset="0"/>
+              </a:rPr>
+              <a:t>(model =&gt; </a:t>
+            </a:r>
+            <a:r>
+              <a:rPr lang="en-US" sz="1400" b="0" dirty="0" err="1">
+                <a:latin typeface="Consolas" pitchFamily="49" charset="0"/>
+                <a:cs typeface="Consolas" pitchFamily="49" charset="0"/>
+              </a:rPr>
+              <a:t>model.FirstName</a:t>
+            </a:r>
+            <a:r>
+              <a:rPr lang="en-US" sz="1400" b="0" dirty="0">
+                <a:latin typeface="Consolas" pitchFamily="49" charset="0"/>
+                <a:cs typeface="Consolas" pitchFamily="49" charset="0"/>
+              </a:rPr>
+              <a:t>)</a:t>
             </a:r>
             <a:br>
-              <a:rPr lang="en-US" b="0" dirty="0">
+              <a:rPr lang="en-US" sz="1400" b="0" dirty="0">
                 <a:latin typeface="Consolas" pitchFamily="49" charset="0"/>
                 <a:cs typeface="Consolas" pitchFamily="49" charset="0"/>
               </a:rPr>
             </a:br>
             <a:r>
-              <a:rPr lang="en-US" b="0" dirty="0">
-                <a:latin typeface="Consolas" pitchFamily="49" charset="0"/>
-                <a:cs typeface="Consolas" pitchFamily="49" charset="0"/>
-              </a:rPr>
-              <a:t>    </a:t>
-            </a:r>
-            <a:r>
-              <a:rPr lang="en-US" b="0" dirty="0" smtClean="0">
-                <a:latin typeface="Consolas" pitchFamily="49" charset="0"/>
-                <a:cs typeface="Consolas" pitchFamily="49" charset="0"/>
-              </a:rPr>
-              <a:t>@await </a:t>
-            </a:r>
-            <a:r>
-              <a:rPr lang="en-US" b="0" dirty="0" err="1" smtClean="0">
-                <a:latin typeface="Consolas" pitchFamily="49" charset="0"/>
-                <a:cs typeface="Consolas" pitchFamily="49" charset="0"/>
-              </a:rPr>
-              <a:t>Html.RenderPartialAsync</a:t>
-            </a:r>
-            <a:r>
-              <a:rPr lang="en-US" b="0" dirty="0" smtClean="0">
-                <a:latin typeface="Consolas" pitchFamily="49" charset="0"/>
-                <a:cs typeface="Consolas" pitchFamily="49" charset="0"/>
-              </a:rPr>
-              <a:t>(</a:t>
-            </a:r>
-            <a:r>
-              <a:rPr lang="en-US" b="0" dirty="0" smtClean="0">
-                <a:solidFill>
-                  <a:srgbClr val="A31515"/>
-                </a:solidFill>
-                <a:latin typeface="Consolas" pitchFamily="49" charset="0"/>
-                <a:cs typeface="Consolas" pitchFamily="49" charset="0"/>
-              </a:rPr>
-              <a:t>"_</a:t>
-            </a:r>
-            <a:r>
-              <a:rPr lang="en-US" b="0" dirty="0" err="1">
-                <a:solidFill>
-                  <a:srgbClr val="A31515"/>
-                </a:solidFill>
-                <a:latin typeface="Consolas" pitchFamily="49" charset="0"/>
-                <a:cs typeface="Consolas" pitchFamily="49" charset="0"/>
-              </a:rPr>
-              <a:t>movieRecord</a:t>
-            </a:r>
-            <a:r>
-              <a:rPr lang="en-US" b="0" dirty="0">
-                <a:solidFill>
-                  <a:srgbClr val="A31515"/>
-                </a:solidFill>
-                <a:latin typeface="Consolas" pitchFamily="49" charset="0"/>
-                <a:cs typeface="Consolas" pitchFamily="49" charset="0"/>
-              </a:rPr>
-              <a:t>"</a:t>
-            </a:r>
-            <a:r>
-              <a:rPr lang="en-US" b="0" dirty="0">
-                <a:latin typeface="Consolas" pitchFamily="49" charset="0"/>
-                <a:cs typeface="Consolas" pitchFamily="49" charset="0"/>
-              </a:rPr>
-              <a:t>, item)    </a:t>
+              <a:rPr lang="en-US" sz="1400" b="0" dirty="0">
+                <a:latin typeface="Consolas" pitchFamily="49" charset="0"/>
+                <a:cs typeface="Consolas" pitchFamily="49" charset="0"/>
+              </a:rPr>
+              <a:t>        </a:t>
+            </a:r>
+            <a:r>
+              <a:rPr lang="en-US" sz="1400" b="0" dirty="0">
+                <a:solidFill>
+                  <a:srgbClr val="0000FF"/>
+                </a:solidFill>
+                <a:latin typeface="Consolas" pitchFamily="49" charset="0"/>
+                <a:cs typeface="Consolas" pitchFamily="49" charset="0"/>
+              </a:rPr>
+              <a:t>&lt;/</a:t>
+            </a:r>
+            <a:r>
+              <a:rPr lang="en-US" sz="1400" b="0" dirty="0">
+                <a:solidFill>
+                  <a:srgbClr val="800000"/>
+                </a:solidFill>
+                <a:latin typeface="Consolas" pitchFamily="49" charset="0"/>
+                <a:cs typeface="Consolas" pitchFamily="49" charset="0"/>
+              </a:rPr>
+              <a:t>div</a:t>
+            </a:r>
+            <a:r>
+              <a:rPr lang="en-US" sz="1400" b="0" dirty="0">
+                <a:solidFill>
+                  <a:srgbClr val="0000FF"/>
+                </a:solidFill>
+                <a:latin typeface="Consolas" pitchFamily="49" charset="0"/>
+                <a:cs typeface="Consolas" pitchFamily="49" charset="0"/>
+              </a:rPr>
+              <a:t>&gt;</a:t>
+            </a:r>
+            <a:r>
+              <a:rPr lang="en-US" sz="1400" b="0" dirty="0">
+                <a:latin typeface="Consolas" pitchFamily="49" charset="0"/>
+                <a:cs typeface="Consolas" pitchFamily="49" charset="0"/>
+              </a:rPr>
+              <a:t/>
             </a:r>
             <a:br>
-              <a:rPr lang="en-US" b="0" dirty="0">
+              <a:rPr lang="en-US" sz="1400" b="0" dirty="0">
                 <a:latin typeface="Consolas" pitchFamily="49" charset="0"/>
                 <a:cs typeface="Consolas" pitchFamily="49" charset="0"/>
               </a:rPr>
             </a:br>
             <a:r>
-              <a:rPr lang="en-US" b="0" dirty="0">
-                <a:latin typeface="Consolas" pitchFamily="49" charset="0"/>
-                <a:cs typeface="Consolas" pitchFamily="49" charset="0"/>
-              </a:rPr>
-              <a:t>}</a:t>
-            </a:r>
-            <a:endParaRPr kumimoji="0" lang="en-US" b="0" i="0" u="none" strike="noStrike" kern="0" cap="none" spc="0" normalizeH="0" baseline="0" noProof="0" dirty="0">
+              <a:rPr lang="en-US" sz="1400" b="0" dirty="0">
+                <a:latin typeface="Consolas" pitchFamily="49" charset="0"/>
+                <a:cs typeface="Consolas" pitchFamily="49" charset="0"/>
+              </a:rPr>
+              <a:t>        </a:t>
+            </a:r>
+            <a:r>
+              <a:rPr lang="en-US" sz="1400" b="0" dirty="0">
+                <a:solidFill>
+                  <a:srgbClr val="0000FF"/>
+                </a:solidFill>
+                <a:latin typeface="Consolas" pitchFamily="49" charset="0"/>
+                <a:cs typeface="Consolas" pitchFamily="49" charset="0"/>
+              </a:rPr>
+              <a:t>&lt;</a:t>
+            </a:r>
+            <a:r>
+              <a:rPr lang="en-US" sz="1400" b="0" dirty="0">
+                <a:solidFill>
+                  <a:srgbClr val="800000"/>
+                </a:solidFill>
+                <a:latin typeface="Consolas" pitchFamily="49" charset="0"/>
+                <a:cs typeface="Consolas" pitchFamily="49" charset="0"/>
+              </a:rPr>
+              <a:t>div</a:t>
+            </a:r>
+            <a:r>
+              <a:rPr lang="en-US" sz="1400" b="0" dirty="0">
+                <a:latin typeface="Consolas" pitchFamily="49" charset="0"/>
+                <a:cs typeface="Consolas" pitchFamily="49" charset="0"/>
+              </a:rPr>
+              <a:t> </a:t>
+            </a:r>
+            <a:r>
+              <a:rPr lang="en-US" sz="1400" b="0" dirty="0">
+                <a:solidFill>
+                  <a:srgbClr val="FF0000"/>
+                </a:solidFill>
+                <a:latin typeface="Consolas" pitchFamily="49" charset="0"/>
+                <a:cs typeface="Consolas" pitchFamily="49" charset="0"/>
+              </a:rPr>
+              <a:t>class</a:t>
+            </a:r>
+            <a:r>
+              <a:rPr lang="en-US" sz="1400" b="0" dirty="0">
+                <a:solidFill>
+                  <a:srgbClr val="0000FF"/>
+                </a:solidFill>
+                <a:latin typeface="Consolas" pitchFamily="49" charset="0"/>
+                <a:cs typeface="Consolas" pitchFamily="49" charset="0"/>
+              </a:rPr>
+              <a:t>="editor-field"&gt;</a:t>
+            </a:r>
+            <a:r>
+              <a:rPr lang="en-US" sz="1400" b="0" dirty="0">
+                <a:latin typeface="Consolas" pitchFamily="49" charset="0"/>
+                <a:cs typeface="Consolas" pitchFamily="49" charset="0"/>
+              </a:rPr>
+              <a:t/>
+            </a:r>
+            <a:br>
+              <a:rPr lang="en-US" sz="1400" b="0" dirty="0">
+                <a:latin typeface="Consolas" pitchFamily="49" charset="0"/>
+                <a:cs typeface="Consolas" pitchFamily="49" charset="0"/>
+              </a:rPr>
+            </a:br>
+            <a:r>
+              <a:rPr lang="en-US" sz="1400" b="0" dirty="0">
+                <a:latin typeface="Consolas" pitchFamily="49" charset="0"/>
+                <a:cs typeface="Consolas" pitchFamily="49" charset="0"/>
+              </a:rPr>
+              <a:t>            @</a:t>
+            </a:r>
+            <a:r>
+              <a:rPr lang="en-US" sz="1400" b="0" dirty="0" err="1">
+                <a:latin typeface="Consolas" pitchFamily="49" charset="0"/>
+                <a:cs typeface="Consolas" pitchFamily="49" charset="0"/>
+              </a:rPr>
+              <a:t>Html.EditorFor</a:t>
+            </a:r>
+            <a:r>
+              <a:rPr lang="en-US" sz="1400" b="0" dirty="0">
+                <a:latin typeface="Consolas" pitchFamily="49" charset="0"/>
+                <a:cs typeface="Consolas" pitchFamily="49" charset="0"/>
+              </a:rPr>
+              <a:t>(model =&gt; </a:t>
+            </a:r>
+            <a:r>
+              <a:rPr lang="en-US" sz="1400" b="0" dirty="0" err="1">
+                <a:latin typeface="Consolas" pitchFamily="49" charset="0"/>
+                <a:cs typeface="Consolas" pitchFamily="49" charset="0"/>
+              </a:rPr>
+              <a:t>model.FirstName</a:t>
+            </a:r>
+            <a:r>
+              <a:rPr lang="en-US" sz="1400" b="0" dirty="0">
+                <a:latin typeface="Consolas" pitchFamily="49" charset="0"/>
+                <a:cs typeface="Consolas" pitchFamily="49" charset="0"/>
+              </a:rPr>
+              <a:t>)</a:t>
+            </a:r>
+            <a:br>
+              <a:rPr lang="en-US" sz="1400" b="0" dirty="0">
+                <a:latin typeface="Consolas" pitchFamily="49" charset="0"/>
+                <a:cs typeface="Consolas" pitchFamily="49" charset="0"/>
+              </a:rPr>
+            </a:br>
+            <a:r>
+              <a:rPr lang="en-US" sz="1400" b="0" dirty="0">
+                <a:latin typeface="Consolas" pitchFamily="49" charset="0"/>
+                <a:cs typeface="Consolas" pitchFamily="49" charset="0"/>
+              </a:rPr>
+              <a:t>            @</a:t>
+            </a:r>
+            <a:r>
+              <a:rPr lang="en-US" sz="1400" b="0" dirty="0" err="1">
+                <a:latin typeface="Consolas" pitchFamily="49" charset="0"/>
+                <a:cs typeface="Consolas" pitchFamily="49" charset="0"/>
+              </a:rPr>
+              <a:t>Html.ValidationMessageFor</a:t>
+            </a:r>
+            <a:r>
+              <a:rPr lang="en-US" sz="1400" b="0" dirty="0">
+                <a:latin typeface="Consolas" pitchFamily="49" charset="0"/>
+                <a:cs typeface="Consolas" pitchFamily="49" charset="0"/>
+              </a:rPr>
+              <a:t>(model =&gt; </a:t>
+            </a:r>
+            <a:r>
+              <a:rPr lang="en-US" sz="1400" b="0" dirty="0" err="1">
+                <a:latin typeface="Consolas" pitchFamily="49" charset="0"/>
+                <a:cs typeface="Consolas" pitchFamily="49" charset="0"/>
+              </a:rPr>
+              <a:t>model.FirstName</a:t>
+            </a:r>
+            <a:r>
+              <a:rPr lang="en-US" sz="1400" b="0" dirty="0">
+                <a:latin typeface="Consolas" pitchFamily="49" charset="0"/>
+                <a:cs typeface="Consolas" pitchFamily="49" charset="0"/>
+              </a:rPr>
+              <a:t>)</a:t>
+            </a:r>
+            <a:br>
+              <a:rPr lang="en-US" sz="1400" b="0" dirty="0">
+                <a:latin typeface="Consolas" pitchFamily="49" charset="0"/>
+                <a:cs typeface="Consolas" pitchFamily="49" charset="0"/>
+              </a:rPr>
+            </a:br>
+            <a:r>
+              <a:rPr lang="en-US" sz="1400" b="0" dirty="0">
+                <a:latin typeface="Consolas" pitchFamily="49" charset="0"/>
+                <a:cs typeface="Consolas" pitchFamily="49" charset="0"/>
+              </a:rPr>
+              <a:t>        </a:t>
+            </a:r>
+            <a:r>
+              <a:rPr lang="en-US" sz="1400" b="0" dirty="0">
+                <a:solidFill>
+                  <a:srgbClr val="0000FF"/>
+                </a:solidFill>
+                <a:latin typeface="Consolas" pitchFamily="49" charset="0"/>
+                <a:cs typeface="Consolas" pitchFamily="49" charset="0"/>
+              </a:rPr>
+              <a:t>&lt;/</a:t>
+            </a:r>
+            <a:r>
+              <a:rPr lang="en-US" sz="1400" b="0" dirty="0">
+                <a:solidFill>
+                  <a:srgbClr val="800000"/>
+                </a:solidFill>
+                <a:latin typeface="Consolas" pitchFamily="49" charset="0"/>
+                <a:cs typeface="Consolas" pitchFamily="49" charset="0"/>
+              </a:rPr>
+              <a:t>div</a:t>
+            </a:r>
+            <a:r>
+              <a:rPr lang="en-US" sz="1400" b="0" dirty="0">
+                <a:solidFill>
+                  <a:srgbClr val="0000FF"/>
+                </a:solidFill>
+                <a:latin typeface="Consolas" pitchFamily="49" charset="0"/>
+                <a:cs typeface="Consolas" pitchFamily="49" charset="0"/>
+              </a:rPr>
+              <a:t>&gt;</a:t>
+            </a:r>
+            <a:endParaRPr kumimoji="0" lang="en-US" sz="1400" b="0" i="0" u="none" strike="noStrike" kern="0" cap="none" spc="0" normalizeH="0" baseline="0" noProof="0" dirty="0">
               <a:ln>
                 <a:noFill/>
               </a:ln>
@@ -12283,559 +12934,10 @@
           </a:p>
         </p:txBody>
       </p:sp>
-      <p:sp>
-        <p:nvSpPr>
-          <p:cNvPr id="5" name="Text Placeholder 2"/>
-          <p:cNvSpPr txBox="1">
-            <a:spLocks/>
-          </p:cNvSpPr>
-          <p:nvPr/>
-        </p:nvSpPr>
-        <p:spPr bwMode="auto">
-          <a:xfrm>
-            <a:off x="2286000" y="4114800"/>
-            <a:ext cx="6477000" cy="2514600"/>
-          </a:xfrm>
-          <a:prstGeom prst="rect">
-            <a:avLst/>
-          </a:prstGeom>
-          <a:solidFill>
-            <a:schemeClr val="accent6"/>
-          </a:solidFill>
-          <a:ln w="9525">
-            <a:solidFill>
-              <a:schemeClr val="tx1"/>
-            </a:solidFill>
-            <a:miter lim="800000"/>
-            <a:headEnd/>
-            <a:tailEnd/>
-          </a:ln>
-        </p:spPr>
-        <p:txBody>
-          <a:bodyPr vert="horz" wrap="square" lIns="91440" tIns="45720" rIns="91440" bIns="45720" numCol="1" anchor="t" anchorCtr="0" compatLnSpc="1">
-            <a:prstTxWarp prst="textNoShape">
-              <a:avLst/>
-            </a:prstTxWarp>
-          </a:bodyPr>
-          <a:lstStyle/>
-          <a:p>
-            <a:pPr marL="0" marR="0" algn="l">
-              <a:lnSpc>
-                <a:spcPct val="115000"/>
-              </a:lnSpc>
-              <a:spcBef>
-                <a:spcPts val="0"/>
-              </a:spcBef>
-              <a:spcAft>
-                <a:spcPts val="0"/>
-              </a:spcAft>
-            </a:pPr>
-            <a:r>
-              <a:rPr lang="en-US" sz="1200" b="0" dirty="0" smtClean="0">
-                <a:latin typeface="Consolas" pitchFamily="49" charset="0"/>
-                <a:ea typeface="Calibri"/>
-                <a:cs typeface="Consolas" pitchFamily="49" charset="0"/>
-              </a:rPr>
-              <a:t> </a:t>
-            </a:r>
-            <a:r>
-              <a:rPr lang="en-US" sz="1200" b="0" dirty="0">
-                <a:latin typeface="Consolas" pitchFamily="49" charset="0"/>
-                <a:cs typeface="Consolas" pitchFamily="49" charset="0"/>
-              </a:rPr>
-              <a:t>@model Movie</a:t>
-            </a:r>
-            <a:br>
-              <a:rPr lang="en-US" sz="1200" b="0" dirty="0">
-                <a:latin typeface="Consolas" pitchFamily="49" charset="0"/>
-                <a:cs typeface="Consolas" pitchFamily="49" charset="0"/>
-              </a:rPr>
-            </a:br>
-            <a:r>
-              <a:rPr lang="en-US" sz="1200" b="0" dirty="0">
-                <a:solidFill>
-                  <a:srgbClr val="0000FF"/>
-                </a:solidFill>
-                <a:latin typeface="Consolas" pitchFamily="49" charset="0"/>
-                <a:cs typeface="Consolas" pitchFamily="49" charset="0"/>
-              </a:rPr>
-              <a:t>&lt;</a:t>
-            </a:r>
-            <a:r>
-              <a:rPr lang="en-US" sz="1200" b="0" dirty="0" err="1">
-                <a:solidFill>
-                  <a:srgbClr val="800000"/>
-                </a:solidFill>
-                <a:latin typeface="Consolas" pitchFamily="49" charset="0"/>
-                <a:cs typeface="Consolas" pitchFamily="49" charset="0"/>
-              </a:rPr>
-              <a:t>tr</a:t>
-            </a:r>
-            <a:r>
-              <a:rPr lang="en-US" sz="1200" b="0" dirty="0">
-                <a:solidFill>
-                  <a:srgbClr val="0000FF"/>
-                </a:solidFill>
-                <a:latin typeface="Consolas" pitchFamily="49" charset="0"/>
-                <a:cs typeface="Consolas" pitchFamily="49" charset="0"/>
-              </a:rPr>
-              <a:t>&gt;</a:t>
-            </a:r>
-            <a:r>
-              <a:rPr lang="en-US" sz="1200" b="0" dirty="0">
-                <a:latin typeface="Consolas" pitchFamily="49" charset="0"/>
-                <a:cs typeface="Consolas" pitchFamily="49" charset="0"/>
-              </a:rPr>
-              <a:t/>
-            </a:r>
-            <a:br>
-              <a:rPr lang="en-US" sz="1200" b="0" dirty="0">
-                <a:latin typeface="Consolas" pitchFamily="49" charset="0"/>
-                <a:cs typeface="Consolas" pitchFamily="49" charset="0"/>
-              </a:rPr>
-            </a:br>
-            <a:r>
-              <a:rPr lang="en-US" sz="1200" b="0" dirty="0">
-                <a:latin typeface="Consolas" pitchFamily="49" charset="0"/>
-                <a:cs typeface="Consolas" pitchFamily="49" charset="0"/>
-              </a:rPr>
-              <a:t>    </a:t>
-            </a:r>
-            <a:r>
-              <a:rPr lang="en-US" sz="1200" b="0" dirty="0">
-                <a:solidFill>
-                  <a:srgbClr val="0000FF"/>
-                </a:solidFill>
-                <a:latin typeface="Consolas" pitchFamily="49" charset="0"/>
-                <a:cs typeface="Consolas" pitchFamily="49" charset="0"/>
-              </a:rPr>
-              <a:t>&lt;</a:t>
-            </a:r>
-            <a:r>
-              <a:rPr lang="en-US" sz="1200" b="0" dirty="0">
-                <a:solidFill>
-                  <a:srgbClr val="800000"/>
-                </a:solidFill>
-                <a:latin typeface="Consolas" pitchFamily="49" charset="0"/>
-                <a:cs typeface="Consolas" pitchFamily="49" charset="0"/>
-              </a:rPr>
-              <a:t>td</a:t>
-            </a:r>
-            <a:r>
-              <a:rPr lang="en-US" sz="1200" b="0" dirty="0">
-                <a:solidFill>
-                  <a:srgbClr val="0000FF"/>
-                </a:solidFill>
-                <a:latin typeface="Consolas" pitchFamily="49" charset="0"/>
-                <a:cs typeface="Consolas" pitchFamily="49" charset="0"/>
-              </a:rPr>
-              <a:t>&gt;</a:t>
-            </a:r>
-            <a:r>
-              <a:rPr lang="en-US" sz="1200" b="0" dirty="0">
-                <a:latin typeface="Consolas" pitchFamily="49" charset="0"/>
-                <a:cs typeface="Consolas" pitchFamily="49" charset="0"/>
-              </a:rPr>
-              <a:t/>
-            </a:r>
-            <a:br>
-              <a:rPr lang="en-US" sz="1200" b="0" dirty="0">
-                <a:latin typeface="Consolas" pitchFamily="49" charset="0"/>
-                <a:cs typeface="Consolas" pitchFamily="49" charset="0"/>
-              </a:rPr>
-            </a:br>
-            <a:r>
-              <a:rPr lang="en-US" sz="1200" b="0" dirty="0">
-                <a:latin typeface="Consolas" pitchFamily="49" charset="0"/>
-                <a:cs typeface="Consolas" pitchFamily="49" charset="0"/>
-              </a:rPr>
-              <a:t>        @</a:t>
-            </a:r>
-            <a:r>
-              <a:rPr lang="en-US" sz="1200" b="0" dirty="0" err="1">
-                <a:latin typeface="Consolas" pitchFamily="49" charset="0"/>
-                <a:cs typeface="Consolas" pitchFamily="49" charset="0"/>
-              </a:rPr>
-              <a:t>Html.ActionLink</a:t>
-            </a:r>
-            <a:r>
-              <a:rPr lang="en-US" sz="1200" b="0" dirty="0">
-                <a:latin typeface="Consolas" pitchFamily="49" charset="0"/>
-                <a:cs typeface="Consolas" pitchFamily="49" charset="0"/>
-              </a:rPr>
-              <a:t>(</a:t>
-            </a:r>
-            <a:r>
-              <a:rPr lang="en-US" sz="1200" b="0" dirty="0">
-                <a:solidFill>
-                  <a:srgbClr val="A31515"/>
-                </a:solidFill>
-                <a:latin typeface="Consolas" pitchFamily="49" charset="0"/>
-                <a:cs typeface="Consolas" pitchFamily="49" charset="0"/>
-              </a:rPr>
-              <a:t>"Edit"</a:t>
-            </a:r>
-            <a:r>
-              <a:rPr lang="en-US" sz="1200" b="0" dirty="0">
-                <a:latin typeface="Consolas" pitchFamily="49" charset="0"/>
-                <a:cs typeface="Consolas" pitchFamily="49" charset="0"/>
-              </a:rPr>
-              <a:t>, </a:t>
-            </a:r>
-            <a:r>
-              <a:rPr lang="en-US" sz="1200" b="0" dirty="0">
-                <a:solidFill>
-                  <a:srgbClr val="A31515"/>
-                </a:solidFill>
-                <a:latin typeface="Consolas" pitchFamily="49" charset="0"/>
-                <a:cs typeface="Consolas" pitchFamily="49" charset="0"/>
-              </a:rPr>
-              <a:t>"Edit"</a:t>
-            </a:r>
-            <a:r>
-              <a:rPr lang="en-US" sz="1200" b="0" dirty="0">
-                <a:latin typeface="Consolas" pitchFamily="49" charset="0"/>
-                <a:cs typeface="Consolas" pitchFamily="49" charset="0"/>
-              </a:rPr>
-              <a:t>, </a:t>
-            </a:r>
-            <a:r>
-              <a:rPr lang="en-US" sz="1200" b="0" dirty="0">
-                <a:solidFill>
-                  <a:srgbClr val="0000FF"/>
-                </a:solidFill>
-                <a:latin typeface="Consolas" pitchFamily="49" charset="0"/>
-                <a:cs typeface="Consolas" pitchFamily="49" charset="0"/>
-              </a:rPr>
-              <a:t>new</a:t>
-            </a:r>
-            <a:r>
-              <a:rPr lang="en-US" sz="1200" b="0" dirty="0">
-                <a:latin typeface="Consolas" pitchFamily="49" charset="0"/>
-                <a:cs typeface="Consolas" pitchFamily="49" charset="0"/>
-              </a:rPr>
-              <a:t> { id = </a:t>
-            </a:r>
-            <a:r>
-              <a:rPr lang="en-US" sz="1200" b="0" dirty="0">
-                <a:solidFill>
-                  <a:srgbClr val="0000FF"/>
-                </a:solidFill>
-                <a:latin typeface="Consolas" pitchFamily="49" charset="0"/>
-                <a:cs typeface="Consolas" pitchFamily="49" charset="0"/>
-              </a:rPr>
-              <a:t>this</a:t>
-            </a:r>
-            <a:r>
-              <a:rPr lang="en-US" sz="1200" b="0" dirty="0">
-                <a:latin typeface="Consolas" pitchFamily="49" charset="0"/>
-                <a:cs typeface="Consolas" pitchFamily="49" charset="0"/>
-              </a:rPr>
-              <a:t>.Model.ID }) |</a:t>
-            </a:r>
-            <a:br>
-              <a:rPr lang="en-US" sz="1200" b="0" dirty="0">
-                <a:latin typeface="Consolas" pitchFamily="49" charset="0"/>
-                <a:cs typeface="Consolas" pitchFamily="49" charset="0"/>
-              </a:rPr>
-            </a:br>
-            <a:r>
-              <a:rPr lang="en-US" sz="1200" b="0" dirty="0">
-                <a:latin typeface="Consolas" pitchFamily="49" charset="0"/>
-                <a:cs typeface="Consolas" pitchFamily="49" charset="0"/>
-              </a:rPr>
-              <a:t>        @</a:t>
-            </a:r>
-            <a:r>
-              <a:rPr lang="en-US" sz="1200" b="0" dirty="0" err="1">
-                <a:latin typeface="Consolas" pitchFamily="49" charset="0"/>
-                <a:cs typeface="Consolas" pitchFamily="49" charset="0"/>
-              </a:rPr>
-              <a:t>Html.ActionLink</a:t>
-            </a:r>
-            <a:r>
-              <a:rPr lang="en-US" sz="1200" b="0" dirty="0">
-                <a:latin typeface="Consolas" pitchFamily="49" charset="0"/>
-                <a:cs typeface="Consolas" pitchFamily="49" charset="0"/>
-              </a:rPr>
-              <a:t>(</a:t>
-            </a:r>
-            <a:r>
-              <a:rPr lang="en-US" sz="1200" b="0" dirty="0">
-                <a:solidFill>
-                  <a:srgbClr val="A31515"/>
-                </a:solidFill>
-                <a:latin typeface="Consolas" pitchFamily="49" charset="0"/>
-                <a:cs typeface="Consolas" pitchFamily="49" charset="0"/>
-              </a:rPr>
-              <a:t>"Details"</a:t>
-            </a:r>
-            <a:r>
-              <a:rPr lang="en-US" sz="1200" b="0" dirty="0">
-                <a:latin typeface="Consolas" pitchFamily="49" charset="0"/>
-                <a:cs typeface="Consolas" pitchFamily="49" charset="0"/>
-              </a:rPr>
-              <a:t>, </a:t>
-            </a:r>
-            <a:r>
-              <a:rPr lang="en-US" sz="1200" b="0" dirty="0">
-                <a:solidFill>
-                  <a:srgbClr val="A31515"/>
-                </a:solidFill>
-                <a:latin typeface="Consolas" pitchFamily="49" charset="0"/>
-                <a:cs typeface="Consolas" pitchFamily="49" charset="0"/>
-              </a:rPr>
-              <a:t>"Details"</a:t>
-            </a:r>
-            <a:r>
-              <a:rPr lang="en-US" sz="1200" b="0" dirty="0">
-                <a:latin typeface="Consolas" pitchFamily="49" charset="0"/>
-                <a:cs typeface="Consolas" pitchFamily="49" charset="0"/>
-              </a:rPr>
-              <a:t>, </a:t>
-            </a:r>
-            <a:r>
-              <a:rPr lang="en-US" sz="1200" b="0" dirty="0">
-                <a:solidFill>
-                  <a:srgbClr val="0000FF"/>
-                </a:solidFill>
-                <a:latin typeface="Consolas" pitchFamily="49" charset="0"/>
-                <a:cs typeface="Consolas" pitchFamily="49" charset="0"/>
-              </a:rPr>
-              <a:t>new</a:t>
-            </a:r>
-            <a:r>
-              <a:rPr lang="en-US" sz="1200" b="0" dirty="0">
-                <a:latin typeface="Consolas" pitchFamily="49" charset="0"/>
-                <a:cs typeface="Consolas" pitchFamily="49" charset="0"/>
-              </a:rPr>
-              <a:t> { id = Model.ID })</a:t>
-            </a:r>
-            <a:br>
-              <a:rPr lang="en-US" sz="1200" b="0" dirty="0">
-                <a:latin typeface="Consolas" pitchFamily="49" charset="0"/>
-                <a:cs typeface="Consolas" pitchFamily="49" charset="0"/>
-              </a:rPr>
-            </a:br>
-            <a:r>
-              <a:rPr lang="en-US" sz="1200" b="0" dirty="0">
-                <a:latin typeface="Consolas" pitchFamily="49" charset="0"/>
-                <a:cs typeface="Consolas" pitchFamily="49" charset="0"/>
-              </a:rPr>
-              <a:t>    </a:t>
-            </a:r>
-            <a:r>
-              <a:rPr lang="en-US" sz="1200" b="0" dirty="0">
-                <a:solidFill>
-                  <a:srgbClr val="0000FF"/>
-                </a:solidFill>
-                <a:latin typeface="Consolas" pitchFamily="49" charset="0"/>
-                <a:cs typeface="Consolas" pitchFamily="49" charset="0"/>
-              </a:rPr>
-              <a:t>&lt;/</a:t>
-            </a:r>
-            <a:r>
-              <a:rPr lang="en-US" sz="1200" b="0" dirty="0">
-                <a:solidFill>
-                  <a:srgbClr val="800000"/>
-                </a:solidFill>
-                <a:latin typeface="Consolas" pitchFamily="49" charset="0"/>
-                <a:cs typeface="Consolas" pitchFamily="49" charset="0"/>
-              </a:rPr>
-              <a:t>td</a:t>
-            </a:r>
-            <a:r>
-              <a:rPr lang="en-US" sz="1200" b="0" dirty="0">
-                <a:solidFill>
-                  <a:srgbClr val="0000FF"/>
-                </a:solidFill>
-                <a:latin typeface="Consolas" pitchFamily="49" charset="0"/>
-                <a:cs typeface="Consolas" pitchFamily="49" charset="0"/>
-              </a:rPr>
-              <a:t>&gt;</a:t>
-            </a:r>
-            <a:r>
-              <a:rPr lang="en-US" sz="1200" b="0" dirty="0">
-                <a:latin typeface="Consolas" pitchFamily="49" charset="0"/>
-                <a:cs typeface="Consolas" pitchFamily="49" charset="0"/>
-              </a:rPr>
-              <a:t/>
-            </a:r>
-            <a:br>
-              <a:rPr lang="en-US" sz="1200" b="0" dirty="0">
-                <a:latin typeface="Consolas" pitchFamily="49" charset="0"/>
-                <a:cs typeface="Consolas" pitchFamily="49" charset="0"/>
-              </a:rPr>
-            </a:br>
-            <a:r>
-              <a:rPr lang="en-US" sz="1200" b="0" dirty="0">
-                <a:latin typeface="Consolas" pitchFamily="49" charset="0"/>
-                <a:cs typeface="Consolas" pitchFamily="49" charset="0"/>
-              </a:rPr>
-              <a:t>    </a:t>
-            </a:r>
-            <a:r>
-              <a:rPr lang="en-US" sz="1200" b="0" dirty="0">
-                <a:solidFill>
-                  <a:srgbClr val="0000FF"/>
-                </a:solidFill>
-                <a:latin typeface="Consolas" pitchFamily="49" charset="0"/>
-                <a:cs typeface="Consolas" pitchFamily="49" charset="0"/>
-              </a:rPr>
-              <a:t>&lt;</a:t>
-            </a:r>
-            <a:r>
-              <a:rPr lang="en-US" sz="1200" b="0" dirty="0">
-                <a:solidFill>
-                  <a:srgbClr val="800000"/>
-                </a:solidFill>
-                <a:latin typeface="Consolas" pitchFamily="49" charset="0"/>
-                <a:cs typeface="Consolas" pitchFamily="49" charset="0"/>
-              </a:rPr>
-              <a:t>td</a:t>
-            </a:r>
-            <a:r>
-              <a:rPr lang="en-US" sz="1200" b="0" dirty="0">
-                <a:solidFill>
-                  <a:srgbClr val="0000FF"/>
-                </a:solidFill>
-                <a:latin typeface="Consolas" pitchFamily="49" charset="0"/>
-                <a:cs typeface="Consolas" pitchFamily="49" charset="0"/>
-              </a:rPr>
-              <a:t>&gt;</a:t>
-            </a:r>
-            <a:r>
-              <a:rPr lang="en-US" sz="1200" b="0" dirty="0">
-                <a:latin typeface="Consolas" pitchFamily="49" charset="0"/>
-                <a:cs typeface="Consolas" pitchFamily="49" charset="0"/>
-              </a:rPr>
-              <a:t/>
-            </a:r>
-            <a:br>
-              <a:rPr lang="en-US" sz="1200" b="0" dirty="0">
-                <a:latin typeface="Consolas" pitchFamily="49" charset="0"/>
-                <a:cs typeface="Consolas" pitchFamily="49" charset="0"/>
-              </a:rPr>
-            </a:br>
-            <a:r>
-              <a:rPr lang="en-US" sz="1200" b="0" dirty="0">
-                <a:latin typeface="Consolas" pitchFamily="49" charset="0"/>
-                <a:cs typeface="Consolas" pitchFamily="49" charset="0"/>
-              </a:rPr>
-              <a:t>        @</a:t>
-            </a:r>
-            <a:r>
-              <a:rPr lang="en-US" sz="1200" b="0" dirty="0" err="1">
-                <a:latin typeface="Consolas" pitchFamily="49" charset="0"/>
-                <a:cs typeface="Consolas" pitchFamily="49" charset="0"/>
-              </a:rPr>
-              <a:t>Model.Title</a:t>
-            </a:r>
-            <a:r>
-              <a:rPr lang="en-US" sz="1200" b="0" dirty="0">
-                <a:latin typeface="Consolas" pitchFamily="49" charset="0"/>
-                <a:cs typeface="Consolas" pitchFamily="49" charset="0"/>
-              </a:rPr>
-              <a:t/>
-            </a:r>
-            <a:br>
-              <a:rPr lang="en-US" sz="1200" b="0" dirty="0">
-                <a:latin typeface="Consolas" pitchFamily="49" charset="0"/>
-                <a:cs typeface="Consolas" pitchFamily="49" charset="0"/>
-              </a:rPr>
-            </a:br>
-            <a:r>
-              <a:rPr lang="en-US" sz="1200" b="0" dirty="0">
-                <a:latin typeface="Consolas" pitchFamily="49" charset="0"/>
-                <a:cs typeface="Consolas" pitchFamily="49" charset="0"/>
-              </a:rPr>
-              <a:t>    </a:t>
-            </a:r>
-            <a:r>
-              <a:rPr lang="en-US" sz="1200" b="0" dirty="0">
-                <a:solidFill>
-                  <a:srgbClr val="0000FF"/>
-                </a:solidFill>
-                <a:latin typeface="Consolas" pitchFamily="49" charset="0"/>
-                <a:cs typeface="Consolas" pitchFamily="49" charset="0"/>
-              </a:rPr>
-              <a:t>&lt;/</a:t>
-            </a:r>
-            <a:r>
-              <a:rPr lang="en-US" sz="1200" b="0" dirty="0">
-                <a:solidFill>
-                  <a:srgbClr val="800000"/>
-                </a:solidFill>
-                <a:latin typeface="Consolas" pitchFamily="49" charset="0"/>
-                <a:cs typeface="Consolas" pitchFamily="49" charset="0"/>
-              </a:rPr>
-              <a:t>td</a:t>
-            </a:r>
-            <a:r>
-              <a:rPr lang="en-US" sz="1200" b="0" dirty="0">
-                <a:solidFill>
-                  <a:srgbClr val="0000FF"/>
-                </a:solidFill>
-                <a:latin typeface="Consolas" pitchFamily="49" charset="0"/>
-                <a:cs typeface="Consolas" pitchFamily="49" charset="0"/>
-              </a:rPr>
-              <a:t>&gt;</a:t>
-            </a:r>
-            <a:r>
-              <a:rPr lang="en-US" sz="1200" b="0" dirty="0">
-                <a:latin typeface="Consolas" pitchFamily="49" charset="0"/>
-                <a:cs typeface="Consolas" pitchFamily="49" charset="0"/>
-              </a:rPr>
-              <a:t/>
-            </a:r>
-            <a:br>
-              <a:rPr lang="en-US" sz="1200" b="0" dirty="0">
-                <a:latin typeface="Consolas" pitchFamily="49" charset="0"/>
-                <a:cs typeface="Consolas" pitchFamily="49" charset="0"/>
-              </a:rPr>
-            </a:br>
-            <a:r>
-              <a:rPr lang="en-US" sz="1200" b="0" dirty="0">
-                <a:solidFill>
-                  <a:srgbClr val="0000FF"/>
-                </a:solidFill>
-                <a:latin typeface="Consolas" pitchFamily="49" charset="0"/>
-                <a:cs typeface="Consolas" pitchFamily="49" charset="0"/>
-              </a:rPr>
-              <a:t>&lt;/</a:t>
-            </a:r>
-            <a:r>
-              <a:rPr lang="en-US" sz="1200" b="0" dirty="0" err="1">
-                <a:solidFill>
-                  <a:srgbClr val="800000"/>
-                </a:solidFill>
-                <a:latin typeface="Consolas" pitchFamily="49" charset="0"/>
-                <a:cs typeface="Consolas" pitchFamily="49" charset="0"/>
-              </a:rPr>
-              <a:t>tr</a:t>
-            </a:r>
-            <a:r>
-              <a:rPr lang="en-US" sz="1200" b="0" dirty="0">
-                <a:solidFill>
-                  <a:srgbClr val="0000FF"/>
-                </a:solidFill>
-                <a:latin typeface="Consolas" pitchFamily="49" charset="0"/>
-                <a:cs typeface="Consolas" pitchFamily="49" charset="0"/>
-              </a:rPr>
-              <a:t>&gt;</a:t>
-            </a:r>
-            <a:endParaRPr lang="en-US" sz="1200" b="0" dirty="0">
-              <a:latin typeface="Consolas" pitchFamily="49" charset="0"/>
-              <a:ea typeface="Calibri"/>
-              <a:cs typeface="Consolas" pitchFamily="49" charset="0"/>
-            </a:endParaRPr>
-          </a:p>
-        </p:txBody>
-      </p:sp>
     </p:spTree>
     <p:extLst>
       <p:ext uri="{BB962C8B-B14F-4D97-AF65-F5344CB8AC3E}">
-        <p14:creationId xmlns:p14="http://schemas.microsoft.com/office/powerpoint/2010/main" val="1376276934"/>
+        <p14:creationId xmlns:p14="http://schemas.microsoft.com/office/powerpoint/2010/main" val="3798270805"/>
       </p:ext>
     </p:extLst>
   </p:cSld>
@@ -12845,13 +12947,6 @@
   <p:transition>
     <p:fade/>
   </p:transition>
-  <p:timing>
-    <p:tnLst>
-      <p:par>
-        <p:cTn id="1" dur="indefinite" restart="never" nodeType="tmRoot"/>
-      </p:par>
-    </p:tnLst>
-  </p:timing>
 </p:sld>
 </file>
 

--- a/aspnet5/slides/05_ModelsViews.pptx
+++ b/aspnet5/slides/05_ModelsViews.pptx
@@ -5,34 +5,35 @@
     <p:sldMasterId id="2147483772" r:id="rId1"/>
   </p:sldMasterIdLst>
   <p:notesMasterIdLst>
-    <p:notesMasterId r:id="rId24"/>
+    <p:notesMasterId r:id="rId25"/>
   </p:notesMasterIdLst>
   <p:handoutMasterIdLst>
-    <p:handoutMasterId r:id="rId25"/>
+    <p:handoutMasterId r:id="rId26"/>
   </p:handoutMasterIdLst>
   <p:sldIdLst>
     <p:sldId id="327" r:id="rId2"/>
     <p:sldId id="328" r:id="rId3"/>
     <p:sldId id="329" r:id="rId4"/>
     <p:sldId id="330" r:id="rId5"/>
-    <p:sldId id="331" r:id="rId6"/>
-    <p:sldId id="332" r:id="rId7"/>
-    <p:sldId id="333" r:id="rId8"/>
-    <p:sldId id="362" r:id="rId9"/>
-    <p:sldId id="334" r:id="rId10"/>
-    <p:sldId id="335" r:id="rId11"/>
-    <p:sldId id="359" r:id="rId12"/>
-    <p:sldId id="360" r:id="rId13"/>
-    <p:sldId id="361" r:id="rId14"/>
-    <p:sldId id="336" r:id="rId15"/>
-    <p:sldId id="337" r:id="rId16"/>
-    <p:sldId id="338" r:id="rId17"/>
-    <p:sldId id="339" r:id="rId18"/>
-    <p:sldId id="345" r:id="rId19"/>
-    <p:sldId id="347" r:id="rId20"/>
-    <p:sldId id="351" r:id="rId21"/>
-    <p:sldId id="355" r:id="rId22"/>
-    <p:sldId id="358" r:id="rId23"/>
+    <p:sldId id="363" r:id="rId6"/>
+    <p:sldId id="331" r:id="rId7"/>
+    <p:sldId id="332" r:id="rId8"/>
+    <p:sldId id="333" r:id="rId9"/>
+    <p:sldId id="362" r:id="rId10"/>
+    <p:sldId id="334" r:id="rId11"/>
+    <p:sldId id="335" r:id="rId12"/>
+    <p:sldId id="359" r:id="rId13"/>
+    <p:sldId id="360" r:id="rId14"/>
+    <p:sldId id="361" r:id="rId15"/>
+    <p:sldId id="336" r:id="rId16"/>
+    <p:sldId id="337" r:id="rId17"/>
+    <p:sldId id="338" r:id="rId18"/>
+    <p:sldId id="339" r:id="rId19"/>
+    <p:sldId id="345" r:id="rId20"/>
+    <p:sldId id="347" r:id="rId21"/>
+    <p:sldId id="351" r:id="rId22"/>
+    <p:sldId id="355" r:id="rId23"/>
+    <p:sldId id="358" r:id="rId24"/>
   </p:sldIdLst>
   <p:sldSz cx="9144000" cy="6858000" type="screen4x3"/>
   <p:notesSz cx="7302500" cy="9588500"/>
@@ -170,6 +171,7 @@
             <p14:sldId id="328"/>
             <p14:sldId id="329"/>
             <p14:sldId id="330"/>
+            <p14:sldId id="363"/>
             <p14:sldId id="331"/>
             <p14:sldId id="332"/>
             <p14:sldId id="333"/>
@@ -315,7 +317,7 @@
               <a:pPr>
                 <a:defRPr/>
               </a:pPr>
-              <a:t>9/12/2015</a:t>
+              <a:t>3/8/2018</a:t>
             </a:fld>
             <a:endParaRPr lang="en-US"/>
           </a:p>
@@ -589,35 +591,35 @@
           <a:p>
             <a:pPr lvl="0"/>
             <a:r>
-              <a:rPr lang="en-US" noProof="0" smtClean="0"/>
+              <a:rPr lang="en-US" noProof="0"/>
               <a:t>Click to edit Master text styles</a:t>
             </a:r>
           </a:p>
           <a:p>
             <a:pPr lvl="1"/>
             <a:r>
-              <a:rPr lang="en-US" noProof="0" smtClean="0"/>
+              <a:rPr lang="en-US" noProof="0"/>
               <a:t>Second level</a:t>
             </a:r>
           </a:p>
           <a:p>
             <a:pPr lvl="2"/>
             <a:r>
-              <a:rPr lang="en-US" noProof="0" smtClean="0"/>
+              <a:rPr lang="en-US" noProof="0"/>
               <a:t>Third level</a:t>
             </a:r>
           </a:p>
           <a:p>
             <a:pPr lvl="3"/>
             <a:r>
-              <a:rPr lang="en-US" noProof="0" smtClean="0"/>
+              <a:rPr lang="en-US" noProof="0"/>
               <a:t>Fourth level</a:t>
             </a:r>
           </a:p>
           <a:p>
             <a:pPr lvl="4"/>
             <a:r>
-              <a:rPr lang="en-US" noProof="0" smtClean="0"/>
+              <a:rPr lang="en-US" noProof="0"/>
               <a:t>Fifth level</a:t>
             </a:r>
           </a:p>
@@ -898,7 +900,7 @@
               <a:pPr/>
               <a:t>1</a:t>
             </a:fld>
-            <a:endParaRPr lang="en-US" smtClean="0"/>
+            <a:endParaRPr lang="en-US"/>
           </a:p>
         </p:txBody>
       </p:sp>
@@ -939,7 +941,7 @@
           <a:lstStyle/>
           <a:p>
             <a:pPr eaLnBrk="1" hangingPunct="1"/>
-            <a:endParaRPr lang="en-US" smtClean="0"/>
+            <a:endParaRPr lang="en-US"/>
           </a:p>
         </p:txBody>
       </p:sp>
@@ -1029,7 +1031,7 @@
               <a:pPr>
                 <a:defRPr/>
               </a:pPr>
-              <a:t>10</a:t>
+              <a:t>11</a:t>
             </a:fld>
             <a:endParaRPr lang="en-US"/>
           </a:p>
@@ -1119,7 +1121,7 @@
               <a:pPr>
                 <a:defRPr/>
               </a:pPr>
-              <a:t>11</a:t>
+              <a:t>12</a:t>
             </a:fld>
             <a:endParaRPr lang="en-US"/>
           </a:p>
@@ -1209,7 +1211,7 @@
               <a:pPr>
                 <a:defRPr/>
               </a:pPr>
-              <a:t>13</a:t>
+              <a:t>14</a:t>
             </a:fld>
             <a:endParaRPr lang="en-US"/>
           </a:p>
@@ -1301,7 +1303,7 @@
               <a:pPr>
                 <a:defRPr/>
               </a:pPr>
-              <a:t>17</a:t>
+              <a:t>18</a:t>
             </a:fld>
             <a:endParaRPr lang="en-US"/>
           </a:p>
@@ -1361,9 +1363,9 @@
             <a:fld id="{6F8E712A-3391-44E3-B8E1-37AE61B13131}" type="slidenum">
               <a:rPr lang="en-US" smtClean="0"/>
               <a:pPr/>
-              <a:t>22</a:t>
+              <a:t>23</a:t>
             </a:fld>
-            <a:endParaRPr lang="en-US" smtClean="0"/>
+            <a:endParaRPr lang="en-US"/>
           </a:p>
         </p:txBody>
       </p:sp>
@@ -1404,7 +1406,7 @@
           <a:lstStyle/>
           <a:p>
             <a:pPr eaLnBrk="1" hangingPunct="1"/>
-            <a:endParaRPr lang="en-US" smtClean="0"/>
+            <a:endParaRPr lang="en-US"/>
           </a:p>
         </p:txBody>
       </p:sp>
@@ -1467,7 +1469,7 @@
           </a:lstStyle>
           <a:p>
             <a:r>
-              <a:rPr lang="en-US" smtClean="0"/>
+              <a:rPr lang="en-US"/>
               <a:t>Click to edit Master title style</a:t>
             </a:r>
             <a:endParaRPr lang="en-US" dirty="0"/>
@@ -1503,7 +1505,7 @@
           </a:lstStyle>
           <a:p>
             <a:r>
-              <a:rPr lang="en-US" smtClean="0"/>
+              <a:rPr lang="en-US"/>
               <a:t>Click to edit Master subtitle style</a:t>
             </a:r>
             <a:endParaRPr lang="en-US" dirty="0"/>
@@ -1600,10 +1602,9 @@
           <a:lstStyle/>
           <a:p>
             <a:r>
-              <a:rPr lang="en-US" smtClean="0"/>
+              <a:rPr lang="en-US"/>
               <a:t>Click to edit Master title style</a:t>
             </a:r>
-            <a:endParaRPr lang="en-US"/>
           </a:p>
         </p:txBody>
       </p:sp>
@@ -1644,7 +1645,7 @@
           <a:p>
             <a:pPr lvl="0"/>
             <a:r>
-              <a:rPr lang="en-US" smtClean="0"/>
+              <a:rPr lang="en-US"/>
               <a:t>Click to edit Master text styles</a:t>
             </a:r>
           </a:p>
@@ -1694,10 +1695,9 @@
           <a:lstStyle/>
           <a:p>
             <a:r>
-              <a:rPr lang="en-US" smtClean="0"/>
+              <a:rPr lang="en-US"/>
               <a:t>Click to edit Master title style</a:t>
             </a:r>
-            <a:endParaRPr lang="en-US"/>
           </a:p>
         </p:txBody>
       </p:sp>
@@ -1753,7 +1753,7 @@
           </a:lstStyle>
           <a:p>
             <a:r>
-              <a:rPr lang="en-US" smtClean="0"/>
+              <a:rPr lang="en-US"/>
               <a:t>Click to edit Master title style</a:t>
             </a:r>
             <a:endParaRPr lang="en-US" dirty="0"/>
@@ -1818,35 +1818,35 @@
           <a:p>
             <a:pPr lvl="0"/>
             <a:r>
-              <a:rPr lang="en-US" smtClean="0"/>
+              <a:rPr lang="en-US"/>
               <a:t>Click to edit Master text styles</a:t>
             </a:r>
           </a:p>
           <a:p>
             <a:pPr lvl="1"/>
             <a:r>
-              <a:rPr lang="en-US" smtClean="0"/>
+              <a:rPr lang="en-US"/>
               <a:t>Second level</a:t>
             </a:r>
           </a:p>
           <a:p>
             <a:pPr lvl="2"/>
             <a:r>
-              <a:rPr lang="en-US" smtClean="0"/>
+              <a:rPr lang="en-US"/>
               <a:t>Third level</a:t>
             </a:r>
           </a:p>
           <a:p>
             <a:pPr lvl="3"/>
             <a:r>
-              <a:rPr lang="en-US" smtClean="0"/>
+              <a:rPr lang="en-US"/>
               <a:t>Fourth level</a:t>
             </a:r>
           </a:p>
           <a:p>
             <a:pPr lvl="4"/>
             <a:r>
-              <a:rPr lang="en-US" smtClean="0"/>
+              <a:rPr lang="en-US"/>
               <a:t>Fifth level</a:t>
             </a:r>
             <a:endParaRPr lang="en-US" dirty="0"/>
@@ -1910,10 +1910,9 @@
           </a:lstStyle>
           <a:p>
             <a:r>
-              <a:rPr lang="en-US" dirty="0" smtClean="0"/>
+              <a:rPr lang="en-US" dirty="0"/>
               <a:t>References</a:t>
             </a:r>
-            <a:endParaRPr lang="en-US" dirty="0"/>
           </a:p>
         </p:txBody>
       </p:sp>
@@ -1975,35 +1974,35 @@
           <a:p>
             <a:pPr lvl="0"/>
             <a:r>
-              <a:rPr lang="en-US" smtClean="0"/>
+              <a:rPr lang="en-US"/>
               <a:t>Click to edit Master text styles</a:t>
             </a:r>
           </a:p>
           <a:p>
             <a:pPr lvl="1"/>
             <a:r>
-              <a:rPr lang="en-US" smtClean="0"/>
+              <a:rPr lang="en-US"/>
               <a:t>Second level</a:t>
             </a:r>
           </a:p>
           <a:p>
             <a:pPr lvl="2"/>
             <a:r>
-              <a:rPr lang="en-US" smtClean="0"/>
+              <a:rPr lang="en-US"/>
               <a:t>Third level</a:t>
             </a:r>
           </a:p>
           <a:p>
             <a:pPr lvl="3"/>
             <a:r>
-              <a:rPr lang="en-US" smtClean="0"/>
+              <a:rPr lang="en-US"/>
               <a:t>Fourth level</a:t>
             </a:r>
           </a:p>
           <a:p>
             <a:pPr lvl="4"/>
             <a:r>
-              <a:rPr lang="en-US" smtClean="0"/>
+              <a:rPr lang="en-US"/>
               <a:t>Fifth level</a:t>
             </a:r>
             <a:endParaRPr lang="en-US" dirty="0"/>
@@ -2059,10 +2058,9 @@
           <a:lstStyle/>
           <a:p>
             <a:r>
-              <a:rPr lang="en-US" smtClean="0"/>
+              <a:rPr lang="en-US"/>
               <a:t>Click to edit Master title style</a:t>
             </a:r>
-            <a:endParaRPr lang="en-US"/>
           </a:p>
         </p:txBody>
       </p:sp>
@@ -2103,7 +2101,7 @@
           <a:p>
             <a:pPr lvl="0"/>
             <a:r>
-              <a:rPr lang="en-US" smtClean="0"/>
+              <a:rPr lang="en-US"/>
               <a:t>Click to edit Master text styles</a:t>
             </a:r>
           </a:p>
@@ -2158,10 +2156,9 @@
           <a:lstStyle/>
           <a:p>
             <a:r>
-              <a:rPr lang="en-US" smtClean="0"/>
+              <a:rPr lang="en-US"/>
               <a:t>Click to edit Master title style</a:t>
             </a:r>
-            <a:endParaRPr lang="en-US"/>
           </a:p>
         </p:txBody>
       </p:sp>
@@ -2214,10 +2211,9 @@
           <a:lstStyle/>
           <a:p>
             <a:r>
-              <a:rPr lang="en-US" smtClean="0"/>
+              <a:rPr lang="en-US"/>
               <a:t>Click to edit Master title style</a:t>
             </a:r>
-            <a:endParaRPr lang="en-US"/>
           </a:p>
         </p:txBody>
       </p:sp>
@@ -2258,7 +2254,7 @@
           <a:p>
             <a:pPr lvl="0"/>
             <a:r>
-              <a:rPr lang="en-US" smtClean="0"/>
+              <a:rPr lang="en-US"/>
               <a:t>Click to edit Master text styles</a:t>
             </a:r>
           </a:p>
@@ -2313,10 +2309,9 @@
           <a:lstStyle/>
           <a:p>
             <a:r>
-              <a:rPr lang="en-US" smtClean="0"/>
+              <a:rPr lang="en-US"/>
               <a:t>Click to edit Master title style</a:t>
             </a:r>
-            <a:endParaRPr lang="en-US"/>
           </a:p>
         </p:txBody>
       </p:sp>
@@ -2369,10 +2364,9 @@
           <a:lstStyle/>
           <a:p>
             <a:r>
-              <a:rPr lang="en-US" smtClean="0"/>
+              <a:rPr lang="en-US"/>
               <a:t>Click to edit Master title style</a:t>
             </a:r>
-            <a:endParaRPr lang="en-US"/>
           </a:p>
         </p:txBody>
       </p:sp>
@@ -2413,7 +2407,7 @@
           <a:p>
             <a:pPr lvl="0"/>
             <a:r>
-              <a:rPr lang="en-US" smtClean="0"/>
+              <a:rPr lang="en-US"/>
               <a:t>Click to edit Master text styles</a:t>
             </a:r>
           </a:p>
@@ -2468,10 +2462,9 @@
           <a:lstStyle/>
           <a:p>
             <a:r>
-              <a:rPr lang="en-US" smtClean="0"/>
+              <a:rPr lang="en-US"/>
               <a:t>Click to edit Master title style</a:t>
             </a:r>
-            <a:endParaRPr lang="en-US"/>
           </a:p>
         </p:txBody>
       </p:sp>
@@ -2552,35 +2545,35 @@
           <a:p>
             <a:pPr lvl="0"/>
             <a:r>
-              <a:rPr lang="en-US" smtClean="0"/>
+              <a:rPr lang="en-US"/>
               <a:t>Click to edit Master text styles</a:t>
             </a:r>
           </a:p>
           <a:p>
             <a:pPr lvl="1"/>
             <a:r>
-              <a:rPr lang="en-US" smtClean="0"/>
+              <a:rPr lang="en-US"/>
               <a:t>Second level</a:t>
             </a:r>
           </a:p>
           <a:p>
             <a:pPr lvl="2"/>
             <a:r>
-              <a:rPr lang="en-US" smtClean="0"/>
+              <a:rPr lang="en-US"/>
               <a:t>Third level</a:t>
             </a:r>
           </a:p>
           <a:p>
             <a:pPr lvl="3"/>
             <a:r>
-              <a:rPr lang="en-US" smtClean="0"/>
+              <a:rPr lang="en-US"/>
               <a:t>Fourth level</a:t>
             </a:r>
           </a:p>
           <a:p>
             <a:pPr lvl="4"/>
             <a:r>
-              <a:rPr lang="en-US" smtClean="0"/>
+              <a:rPr lang="en-US"/>
               <a:t>Fifth level</a:t>
             </a:r>
           </a:p>
@@ -2622,7 +2615,7 @@
           <a:p>
             <a:pPr lvl="0"/>
             <a:r>
-              <a:rPr lang="en-US" smtClean="0"/>
+              <a:rPr lang="en-US"/>
               <a:t>Click to edit Master title style</a:t>
             </a:r>
           </a:p>
@@ -2738,13 +2731,6 @@
   <p:transition>
     <p:fade/>
   </p:transition>
-  <p:timing>
-    <p:tnLst>
-      <p:par>
-        <p:cTn id="1" dur="indefinite" restart="never" nodeType="tmRoot"/>
-      </p:par>
-    </p:tnLst>
-  </p:timing>
   <p:txStyles>
     <p:titleStyle>
       <a:lvl1pPr marL="342900" indent="-342900" algn="ctr" defTabSz="-13873163" rtl="0" eaLnBrk="1" fontAlgn="base" hangingPunct="1">
@@ -3256,7 +3242,7 @@
           <a:p>
             <a:pPr marL="0" indent="0" defTabSz="914400" eaLnBrk="1" hangingPunct="1"/>
             <a:r>
-              <a:rPr lang="en-US" dirty="0" smtClean="0"/>
+              <a:rPr lang="en-US" dirty="0"/>
               <a:t>ASP.NET MVC</a:t>
             </a:r>
           </a:p>
@@ -3279,7 +3265,7 @@
           <a:p>
             <a:pPr defTabSz="914400" eaLnBrk="1" hangingPunct="1"/>
             <a:r>
-              <a:rPr lang="en-US" dirty="0" smtClean="0"/>
+              <a:rPr lang="en-US" dirty="0"/>
               <a:t>V is for View</a:t>
             </a:r>
           </a:p>
@@ -3293,13 +3279,6 @@
   <p:transition>
     <p:fade/>
   </p:transition>
-  <p:timing>
-    <p:tnLst>
-      <p:par>
-        <p:cTn id="1" dur="indefinite" restart="never" nodeType="tmRoot"/>
-      </p:par>
-    </p:tnLst>
-  </p:timing>
 </p:sld>
 </file>
 
@@ -3336,10 +3315,9 @@
           <a:lstStyle/>
           <a:p>
             <a:r>
-              <a:rPr lang="en-US" dirty="0" smtClean="0"/>
-              <a:t>Partials</a:t>
-            </a:r>
-            <a:endParaRPr lang="en-US" dirty="0"/>
+              <a:rPr lang="en-US" dirty="0"/>
+              <a:t>HTML Helpers</a:t>
+            </a:r>
           </a:p>
         </p:txBody>
       </p:sp>
@@ -3359,14 +3337,574 @@
           <a:lstStyle/>
           <a:p>
             <a:r>
-              <a:rPr lang="en-US" dirty="0" smtClean="0"/>
+              <a:rPr lang="en-US" dirty="0"/>
+              <a:t>Html is a property of the </a:t>
+            </a:r>
+            <a:r>
+              <a:rPr lang="en-US" dirty="0" err="1"/>
+              <a:t>ViewPage</a:t>
+            </a:r>
+            <a:r>
+              <a:rPr lang="en-US" dirty="0"/>
+              <a:t> base class</a:t>
+            </a:r>
+          </a:p>
+          <a:p>
+            <a:r>
+              <a:rPr lang="en-US" dirty="0"/>
+              <a:t>Many HTML helpers replaced with tag helpers</a:t>
+            </a:r>
+          </a:p>
+        </p:txBody>
+      </p:sp>
+      <p:sp>
+        <p:nvSpPr>
+          <p:cNvPr id="4" name="Text Placeholder 2"/>
+          <p:cNvSpPr txBox="1">
+            <a:spLocks/>
+          </p:cNvSpPr>
+          <p:nvPr/>
+        </p:nvSpPr>
+        <p:spPr bwMode="auto">
+          <a:xfrm>
+            <a:off x="685800" y="3124200"/>
+            <a:ext cx="7543800" cy="2438400"/>
+          </a:xfrm>
+          <a:prstGeom prst="rect">
+            <a:avLst/>
+          </a:prstGeom>
+          <a:solidFill>
+            <a:schemeClr val="accent2"/>
+          </a:solidFill>
+          <a:ln w="9525">
+            <a:solidFill>
+              <a:schemeClr val="tx1"/>
+            </a:solidFill>
+            <a:miter lim="800000"/>
+            <a:headEnd/>
+            <a:tailEnd/>
+          </a:ln>
+        </p:spPr>
+        <p:txBody>
+          <a:bodyPr vert="horz" wrap="square" lIns="91440" tIns="45720" rIns="91440" bIns="45720" numCol="1" anchor="t" anchorCtr="0" compatLnSpc="1">
+            <a:prstTxWarp prst="textNoShape">
+              <a:avLst/>
+            </a:prstTxWarp>
+          </a:bodyPr>
+          <a:lstStyle/>
+          <a:p>
+            <a:pPr marL="342900" lvl="0" indent="-342900" algn="l" defTabSz="-13873163" eaLnBrk="1" hangingPunct="1">
+              <a:spcBef>
+                <a:spcPct val="20000"/>
+              </a:spcBef>
+              <a:defRPr/>
+            </a:pPr>
+            <a:r>
+              <a:rPr lang="en-US" sz="1400" b="0" dirty="0">
+                <a:latin typeface="Consolas" pitchFamily="49" charset="0"/>
+                <a:cs typeface="Consolas" pitchFamily="49" charset="0"/>
+              </a:rPr>
+              <a:t>@</a:t>
+            </a:r>
+            <a:r>
+              <a:rPr lang="en-US" sz="1400" b="0" dirty="0">
+                <a:solidFill>
+                  <a:srgbClr val="0000FF"/>
+                </a:solidFill>
+                <a:latin typeface="Consolas" pitchFamily="49" charset="0"/>
+                <a:cs typeface="Consolas" pitchFamily="49" charset="0"/>
+              </a:rPr>
+              <a:t>using</a:t>
+            </a:r>
+            <a:r>
+              <a:rPr lang="en-US" sz="1400" b="0" dirty="0">
+                <a:latin typeface="Consolas" pitchFamily="49" charset="0"/>
+                <a:cs typeface="Consolas" pitchFamily="49" charset="0"/>
+              </a:rPr>
+              <a:t> (</a:t>
+            </a:r>
+            <a:r>
+              <a:rPr lang="en-US" sz="1400" b="0" dirty="0" err="1">
+                <a:latin typeface="Consolas" pitchFamily="49" charset="0"/>
+                <a:cs typeface="Consolas" pitchFamily="49" charset="0"/>
+              </a:rPr>
+              <a:t>Html.BeginForm</a:t>
+            </a:r>
+            <a:r>
+              <a:rPr lang="en-US" sz="1400" b="0" dirty="0">
+                <a:latin typeface="Consolas" pitchFamily="49" charset="0"/>
+                <a:cs typeface="Consolas" pitchFamily="49" charset="0"/>
+              </a:rPr>
+              <a:t>()) {</a:t>
+            </a:r>
+            <a:br>
+              <a:rPr lang="en-US" sz="1400" b="0" dirty="0">
+                <a:latin typeface="Consolas" pitchFamily="49" charset="0"/>
+                <a:cs typeface="Consolas" pitchFamily="49" charset="0"/>
+              </a:rPr>
+            </a:br>
+            <a:r>
+              <a:rPr lang="en-US" sz="1400" b="0" dirty="0">
+                <a:latin typeface="Consolas" pitchFamily="49" charset="0"/>
+                <a:cs typeface="Consolas" pitchFamily="49" charset="0"/>
+              </a:rPr>
+              <a:t>    @</a:t>
+            </a:r>
+            <a:r>
+              <a:rPr lang="en-US" sz="1400" b="0" dirty="0" err="1">
+                <a:latin typeface="Consolas" pitchFamily="49" charset="0"/>
+                <a:cs typeface="Consolas" pitchFamily="49" charset="0"/>
+              </a:rPr>
+              <a:t>Html.ValidationSummary</a:t>
+            </a:r>
+            <a:r>
+              <a:rPr lang="en-US" sz="1400" b="0" dirty="0">
+                <a:latin typeface="Consolas" pitchFamily="49" charset="0"/>
+                <a:cs typeface="Consolas" pitchFamily="49" charset="0"/>
+              </a:rPr>
+              <a:t>(</a:t>
+            </a:r>
+            <a:r>
+              <a:rPr lang="en-US" sz="1400" b="0" dirty="0">
+                <a:solidFill>
+                  <a:srgbClr val="0000FF"/>
+                </a:solidFill>
+                <a:latin typeface="Consolas" pitchFamily="49" charset="0"/>
+                <a:cs typeface="Consolas" pitchFamily="49" charset="0"/>
+              </a:rPr>
+              <a:t>true</a:t>
+            </a:r>
+            <a:r>
+              <a:rPr lang="en-US" sz="1400" b="0" dirty="0">
+                <a:latin typeface="Consolas" pitchFamily="49" charset="0"/>
+                <a:cs typeface="Consolas" pitchFamily="49" charset="0"/>
+              </a:rPr>
+              <a:t>)</a:t>
+            </a:r>
+            <a:br>
+              <a:rPr lang="en-US" sz="1400" b="0" dirty="0">
+                <a:latin typeface="Consolas" pitchFamily="49" charset="0"/>
+                <a:cs typeface="Consolas" pitchFamily="49" charset="0"/>
+              </a:rPr>
+            </a:br>
+            <a:r>
+              <a:rPr lang="en-US" sz="1400" b="0" dirty="0">
+                <a:latin typeface="Consolas" pitchFamily="49" charset="0"/>
+                <a:cs typeface="Consolas" pitchFamily="49" charset="0"/>
+              </a:rPr>
+              <a:t>        </a:t>
+            </a:r>
+            <a:r>
+              <a:rPr lang="en-US" sz="1400" b="0" dirty="0">
+                <a:solidFill>
+                  <a:srgbClr val="0000FF"/>
+                </a:solidFill>
+                <a:latin typeface="Consolas" pitchFamily="49" charset="0"/>
+                <a:cs typeface="Consolas" pitchFamily="49" charset="0"/>
+              </a:rPr>
+              <a:t>&lt;</a:t>
+            </a:r>
+            <a:r>
+              <a:rPr lang="en-US" sz="1400" b="0" dirty="0">
+                <a:solidFill>
+                  <a:srgbClr val="800000"/>
+                </a:solidFill>
+                <a:latin typeface="Consolas" pitchFamily="49" charset="0"/>
+                <a:cs typeface="Consolas" pitchFamily="49" charset="0"/>
+              </a:rPr>
+              <a:t>div</a:t>
+            </a:r>
+            <a:r>
+              <a:rPr lang="en-US" sz="1400" b="0" dirty="0">
+                <a:latin typeface="Consolas" pitchFamily="49" charset="0"/>
+                <a:cs typeface="Consolas" pitchFamily="49" charset="0"/>
+              </a:rPr>
+              <a:t> </a:t>
+            </a:r>
+            <a:r>
+              <a:rPr lang="en-US" sz="1400" b="0" dirty="0">
+                <a:solidFill>
+                  <a:srgbClr val="FF0000"/>
+                </a:solidFill>
+                <a:latin typeface="Consolas" pitchFamily="49" charset="0"/>
+                <a:cs typeface="Consolas" pitchFamily="49" charset="0"/>
+              </a:rPr>
+              <a:t>class</a:t>
+            </a:r>
+            <a:r>
+              <a:rPr lang="en-US" sz="1400" b="0" dirty="0">
+                <a:solidFill>
+                  <a:srgbClr val="0000FF"/>
+                </a:solidFill>
+                <a:latin typeface="Consolas" pitchFamily="49" charset="0"/>
+                <a:cs typeface="Consolas" pitchFamily="49" charset="0"/>
+              </a:rPr>
+              <a:t>="editor-label"&gt;</a:t>
+            </a:r>
+            <a:br>
+              <a:rPr lang="en-US" sz="1400" b="0" dirty="0">
+                <a:latin typeface="Consolas" pitchFamily="49" charset="0"/>
+                <a:cs typeface="Consolas" pitchFamily="49" charset="0"/>
+              </a:rPr>
+            </a:br>
+            <a:r>
+              <a:rPr lang="en-US" sz="1400" b="0" dirty="0">
+                <a:latin typeface="Consolas" pitchFamily="49" charset="0"/>
+                <a:cs typeface="Consolas" pitchFamily="49" charset="0"/>
+              </a:rPr>
+              <a:t>            @</a:t>
+            </a:r>
+            <a:r>
+              <a:rPr lang="en-US" sz="1400" b="0" dirty="0" err="1">
+                <a:latin typeface="Consolas" pitchFamily="49" charset="0"/>
+                <a:cs typeface="Consolas" pitchFamily="49" charset="0"/>
+              </a:rPr>
+              <a:t>Html.LabelFor</a:t>
+            </a:r>
+            <a:r>
+              <a:rPr lang="en-US" sz="1400" b="0" dirty="0">
+                <a:latin typeface="Consolas" pitchFamily="49" charset="0"/>
+                <a:cs typeface="Consolas" pitchFamily="49" charset="0"/>
+              </a:rPr>
+              <a:t>(model =&gt; </a:t>
+            </a:r>
+            <a:r>
+              <a:rPr lang="en-US" sz="1400" b="0" dirty="0" err="1">
+                <a:latin typeface="Consolas" pitchFamily="49" charset="0"/>
+                <a:cs typeface="Consolas" pitchFamily="49" charset="0"/>
+              </a:rPr>
+              <a:t>model.FirstName</a:t>
+            </a:r>
+            <a:r>
+              <a:rPr lang="en-US" sz="1400" b="0" dirty="0">
+                <a:latin typeface="Consolas" pitchFamily="49" charset="0"/>
+                <a:cs typeface="Consolas" pitchFamily="49" charset="0"/>
+              </a:rPr>
+              <a:t>)</a:t>
+            </a:r>
+            <a:br>
+              <a:rPr lang="en-US" sz="1400" b="0" dirty="0">
+                <a:latin typeface="Consolas" pitchFamily="49" charset="0"/>
+                <a:cs typeface="Consolas" pitchFamily="49" charset="0"/>
+              </a:rPr>
+            </a:br>
+            <a:r>
+              <a:rPr lang="en-US" sz="1400" b="0" dirty="0">
+                <a:latin typeface="Consolas" pitchFamily="49" charset="0"/>
+                <a:cs typeface="Consolas" pitchFamily="49" charset="0"/>
+              </a:rPr>
+              <a:t>        </a:t>
+            </a:r>
+            <a:r>
+              <a:rPr lang="en-US" sz="1400" b="0" dirty="0">
+                <a:solidFill>
+                  <a:srgbClr val="0000FF"/>
+                </a:solidFill>
+                <a:latin typeface="Consolas" pitchFamily="49" charset="0"/>
+                <a:cs typeface="Consolas" pitchFamily="49" charset="0"/>
+              </a:rPr>
+              <a:t>&lt;/</a:t>
+            </a:r>
+            <a:r>
+              <a:rPr lang="en-US" sz="1400" b="0" dirty="0">
+                <a:solidFill>
+                  <a:srgbClr val="800000"/>
+                </a:solidFill>
+                <a:latin typeface="Consolas" pitchFamily="49" charset="0"/>
+                <a:cs typeface="Consolas" pitchFamily="49" charset="0"/>
+              </a:rPr>
+              <a:t>div</a:t>
+            </a:r>
+            <a:r>
+              <a:rPr lang="en-US" sz="1400" b="0" dirty="0">
+                <a:solidFill>
+                  <a:srgbClr val="0000FF"/>
+                </a:solidFill>
+                <a:latin typeface="Consolas" pitchFamily="49" charset="0"/>
+                <a:cs typeface="Consolas" pitchFamily="49" charset="0"/>
+              </a:rPr>
+              <a:t>&gt;</a:t>
+            </a:r>
+            <a:br>
+              <a:rPr lang="en-US" sz="1400" b="0" dirty="0">
+                <a:latin typeface="Consolas" pitchFamily="49" charset="0"/>
+                <a:cs typeface="Consolas" pitchFamily="49" charset="0"/>
+              </a:rPr>
+            </a:br>
+            <a:r>
+              <a:rPr lang="en-US" sz="1400" b="0" dirty="0">
+                <a:latin typeface="Consolas" pitchFamily="49" charset="0"/>
+                <a:cs typeface="Consolas" pitchFamily="49" charset="0"/>
+              </a:rPr>
+              <a:t>        </a:t>
+            </a:r>
+            <a:r>
+              <a:rPr lang="en-US" sz="1400" b="0" dirty="0">
+                <a:solidFill>
+                  <a:srgbClr val="0000FF"/>
+                </a:solidFill>
+                <a:latin typeface="Consolas" pitchFamily="49" charset="0"/>
+                <a:cs typeface="Consolas" pitchFamily="49" charset="0"/>
+              </a:rPr>
+              <a:t>&lt;</a:t>
+            </a:r>
+            <a:r>
+              <a:rPr lang="en-US" sz="1400" b="0" dirty="0">
+                <a:solidFill>
+                  <a:srgbClr val="800000"/>
+                </a:solidFill>
+                <a:latin typeface="Consolas" pitchFamily="49" charset="0"/>
+                <a:cs typeface="Consolas" pitchFamily="49" charset="0"/>
+              </a:rPr>
+              <a:t>div</a:t>
+            </a:r>
+            <a:r>
+              <a:rPr lang="en-US" sz="1400" b="0" dirty="0">
+                <a:latin typeface="Consolas" pitchFamily="49" charset="0"/>
+                <a:cs typeface="Consolas" pitchFamily="49" charset="0"/>
+              </a:rPr>
+              <a:t> </a:t>
+            </a:r>
+            <a:r>
+              <a:rPr lang="en-US" sz="1400" b="0" dirty="0">
+                <a:solidFill>
+                  <a:srgbClr val="FF0000"/>
+                </a:solidFill>
+                <a:latin typeface="Consolas" pitchFamily="49" charset="0"/>
+                <a:cs typeface="Consolas" pitchFamily="49" charset="0"/>
+              </a:rPr>
+              <a:t>class</a:t>
+            </a:r>
+            <a:r>
+              <a:rPr lang="en-US" sz="1400" b="0" dirty="0">
+                <a:solidFill>
+                  <a:srgbClr val="0000FF"/>
+                </a:solidFill>
+                <a:latin typeface="Consolas" pitchFamily="49" charset="0"/>
+                <a:cs typeface="Consolas" pitchFamily="49" charset="0"/>
+              </a:rPr>
+              <a:t>="editor-field"&gt;</a:t>
+            </a:r>
+            <a:br>
+              <a:rPr lang="en-US" sz="1400" b="0" dirty="0">
+                <a:latin typeface="Consolas" pitchFamily="49" charset="0"/>
+                <a:cs typeface="Consolas" pitchFamily="49" charset="0"/>
+              </a:rPr>
+            </a:br>
+            <a:r>
+              <a:rPr lang="en-US" sz="1400" b="0" dirty="0">
+                <a:latin typeface="Consolas" pitchFamily="49" charset="0"/>
+                <a:cs typeface="Consolas" pitchFamily="49" charset="0"/>
+              </a:rPr>
+              <a:t>            @</a:t>
+            </a:r>
+            <a:r>
+              <a:rPr lang="en-US" sz="1400" b="0" dirty="0" err="1">
+                <a:latin typeface="Consolas" pitchFamily="49" charset="0"/>
+                <a:cs typeface="Consolas" pitchFamily="49" charset="0"/>
+              </a:rPr>
+              <a:t>Html.EditorFor</a:t>
+            </a:r>
+            <a:r>
+              <a:rPr lang="en-US" sz="1400" b="0" dirty="0">
+                <a:latin typeface="Consolas" pitchFamily="49" charset="0"/>
+                <a:cs typeface="Consolas" pitchFamily="49" charset="0"/>
+              </a:rPr>
+              <a:t>(model =&gt; </a:t>
+            </a:r>
+            <a:r>
+              <a:rPr lang="en-US" sz="1400" b="0" dirty="0" err="1">
+                <a:latin typeface="Consolas" pitchFamily="49" charset="0"/>
+                <a:cs typeface="Consolas" pitchFamily="49" charset="0"/>
+              </a:rPr>
+              <a:t>model.FirstName</a:t>
+            </a:r>
+            <a:r>
+              <a:rPr lang="en-US" sz="1400" b="0" dirty="0">
+                <a:latin typeface="Consolas" pitchFamily="49" charset="0"/>
+                <a:cs typeface="Consolas" pitchFamily="49" charset="0"/>
+              </a:rPr>
+              <a:t>)</a:t>
+            </a:r>
+            <a:br>
+              <a:rPr lang="en-US" sz="1400" b="0" dirty="0">
+                <a:latin typeface="Consolas" pitchFamily="49" charset="0"/>
+                <a:cs typeface="Consolas" pitchFamily="49" charset="0"/>
+              </a:rPr>
+            </a:br>
+            <a:r>
+              <a:rPr lang="en-US" sz="1400" b="0" dirty="0">
+                <a:latin typeface="Consolas" pitchFamily="49" charset="0"/>
+                <a:cs typeface="Consolas" pitchFamily="49" charset="0"/>
+              </a:rPr>
+              <a:t>            @</a:t>
+            </a:r>
+            <a:r>
+              <a:rPr lang="en-US" sz="1400" b="0" dirty="0" err="1">
+                <a:latin typeface="Consolas" pitchFamily="49" charset="0"/>
+                <a:cs typeface="Consolas" pitchFamily="49" charset="0"/>
+              </a:rPr>
+              <a:t>Html.ValidationMessageFor</a:t>
+            </a:r>
+            <a:r>
+              <a:rPr lang="en-US" sz="1400" b="0" dirty="0">
+                <a:latin typeface="Consolas" pitchFamily="49" charset="0"/>
+                <a:cs typeface="Consolas" pitchFamily="49" charset="0"/>
+              </a:rPr>
+              <a:t>(model =&gt; </a:t>
+            </a:r>
+            <a:r>
+              <a:rPr lang="en-US" sz="1400" b="0" dirty="0" err="1">
+                <a:latin typeface="Consolas" pitchFamily="49" charset="0"/>
+                <a:cs typeface="Consolas" pitchFamily="49" charset="0"/>
+              </a:rPr>
+              <a:t>model.FirstName</a:t>
+            </a:r>
+            <a:r>
+              <a:rPr lang="en-US" sz="1400" b="0" dirty="0">
+                <a:latin typeface="Consolas" pitchFamily="49" charset="0"/>
+                <a:cs typeface="Consolas" pitchFamily="49" charset="0"/>
+              </a:rPr>
+              <a:t>)</a:t>
+            </a:r>
+            <a:br>
+              <a:rPr lang="en-US" sz="1400" b="0" dirty="0">
+                <a:latin typeface="Consolas" pitchFamily="49" charset="0"/>
+                <a:cs typeface="Consolas" pitchFamily="49" charset="0"/>
+              </a:rPr>
+            </a:br>
+            <a:r>
+              <a:rPr lang="en-US" sz="1400" b="0" dirty="0">
+                <a:latin typeface="Consolas" pitchFamily="49" charset="0"/>
+                <a:cs typeface="Consolas" pitchFamily="49" charset="0"/>
+              </a:rPr>
+              <a:t>        </a:t>
+            </a:r>
+            <a:r>
+              <a:rPr lang="en-US" sz="1400" b="0" dirty="0">
+                <a:solidFill>
+                  <a:srgbClr val="0000FF"/>
+                </a:solidFill>
+                <a:latin typeface="Consolas" pitchFamily="49" charset="0"/>
+                <a:cs typeface="Consolas" pitchFamily="49" charset="0"/>
+              </a:rPr>
+              <a:t>&lt;/</a:t>
+            </a:r>
+            <a:r>
+              <a:rPr lang="en-US" sz="1400" b="0" dirty="0">
+                <a:solidFill>
+                  <a:srgbClr val="800000"/>
+                </a:solidFill>
+                <a:latin typeface="Consolas" pitchFamily="49" charset="0"/>
+                <a:cs typeface="Consolas" pitchFamily="49" charset="0"/>
+              </a:rPr>
+              <a:t>div</a:t>
+            </a:r>
+            <a:r>
+              <a:rPr lang="en-US" sz="1400" b="0" dirty="0">
+                <a:solidFill>
+                  <a:srgbClr val="0000FF"/>
+                </a:solidFill>
+                <a:latin typeface="Consolas" pitchFamily="49" charset="0"/>
+                <a:cs typeface="Consolas" pitchFamily="49" charset="0"/>
+              </a:rPr>
+              <a:t>&gt;</a:t>
+            </a:r>
+            <a:endParaRPr kumimoji="0" lang="en-US" sz="1400" b="0" i="0" u="none" strike="noStrike" kern="0" cap="none" spc="0" normalizeH="0" baseline="0" noProof="0" dirty="0">
+              <a:ln>
+                <a:noFill/>
+              </a:ln>
+              <a:solidFill>
+                <a:schemeClr val="tx1"/>
+              </a:solidFill>
+              <a:effectLst/>
+              <a:uLnTx/>
+              <a:uFillTx/>
+              <a:latin typeface="Consolas" pitchFamily="49" charset="0"/>
+              <a:cs typeface="Consolas" pitchFamily="49" charset="0"/>
+            </a:endParaRPr>
+          </a:p>
+        </p:txBody>
+      </p:sp>
+    </p:spTree>
+    <p:extLst>
+      <p:ext uri="{BB962C8B-B14F-4D97-AF65-F5344CB8AC3E}">
+        <p14:creationId xmlns:p14="http://schemas.microsoft.com/office/powerpoint/2010/main" val="3798270805"/>
+      </p:ext>
+    </p:extLst>
+  </p:cSld>
+  <p:clrMapOvr>
+    <a:masterClrMapping/>
+  </p:clrMapOvr>
+  <p:transition>
+    <p:fade/>
+  </p:transition>
+</p:sld>
+</file>
+
+<file path=ppt/slides/slide11.xml><?xml version="1.0" encoding="utf-8"?>
+<p:sld xmlns:a="http://schemas.openxmlformats.org/drawingml/2006/main" xmlns:r="http://schemas.openxmlformats.org/officeDocument/2006/relationships" xmlns:p="http://schemas.openxmlformats.org/presentationml/2006/main">
+  <p:cSld>
+    <p:spTree>
+      <p:nvGrpSpPr>
+        <p:cNvPr id="1" name=""/>
+        <p:cNvGrpSpPr/>
+        <p:nvPr/>
+      </p:nvGrpSpPr>
+      <p:grpSpPr>
+        <a:xfrm>
+          <a:off x="0" y="0"/>
+          <a:ext cx="0" cy="0"/>
+          <a:chOff x="0" y="0"/>
+          <a:chExt cx="0" cy="0"/>
+        </a:xfrm>
+      </p:grpSpPr>
+      <p:sp>
+        <p:nvSpPr>
+          <p:cNvPr id="2" name="Title 1"/>
+          <p:cNvSpPr>
+            <a:spLocks noGrp="1"/>
+          </p:cNvSpPr>
+          <p:nvPr>
+            <p:ph type="title"/>
+          </p:nvPr>
+        </p:nvSpPr>
+        <p:spPr/>
+        <p:txBody>
+          <a:bodyPr/>
+          <a:lstStyle/>
+          <a:p>
+            <a:r>
+              <a:rPr lang="en-US" dirty="0"/>
+              <a:t>Partials</a:t>
+            </a:r>
+          </a:p>
+        </p:txBody>
+      </p:sp>
+      <p:sp>
+        <p:nvSpPr>
+          <p:cNvPr id="3" name="Text Placeholder 2"/>
+          <p:cNvSpPr>
+            <a:spLocks noGrp="1"/>
+          </p:cNvSpPr>
+          <p:nvPr>
+            <p:ph type="body" idx="1"/>
+          </p:nvPr>
+        </p:nvSpPr>
+        <p:spPr/>
+        <p:txBody>
+          <a:bodyPr/>
+          <a:lstStyle/>
+          <a:p>
+            <a:r>
+              <a:rPr lang="en-US" dirty="0"/>
               <a:t>Partial views render portions of a page</a:t>
             </a:r>
           </a:p>
           <a:p>
             <a:pPr lvl="1"/>
             <a:r>
-              <a:rPr lang="en-US" dirty="0" smtClean="0"/>
+              <a:rPr lang="en-US" dirty="0"/>
               <a:t>Reuse pieces of a view</a:t>
             </a:r>
           </a:p>
@@ -3505,31 +4043,24 @@
                 <a:latin typeface="Consolas" pitchFamily="49" charset="0"/>
                 <a:cs typeface="Consolas" pitchFamily="49" charset="0"/>
               </a:rPr>
-              <a:t>    </a:t>
-            </a:r>
-            <a:r>
-              <a:rPr lang="en-US" b="0" dirty="0" smtClean="0">
-                <a:latin typeface="Consolas" pitchFamily="49" charset="0"/>
-                <a:cs typeface="Consolas" pitchFamily="49" charset="0"/>
-              </a:rPr>
-              <a:t>@await </a:t>
-            </a:r>
-            <a:r>
-              <a:rPr lang="en-US" b="0" dirty="0" err="1" smtClean="0">
+              <a:t>    @await </a:t>
+            </a:r>
+            <a:r>
+              <a:rPr lang="en-US" b="0" dirty="0" err="1">
                 <a:latin typeface="Consolas" pitchFamily="49" charset="0"/>
                 <a:cs typeface="Consolas" pitchFamily="49" charset="0"/>
               </a:rPr>
               <a:t>Html.RenderPartialAsync</a:t>
             </a:r>
             <a:r>
-              <a:rPr lang="en-US" b="0" dirty="0" smtClean="0">
+              <a:rPr lang="en-US" b="0" dirty="0">
                 <a:latin typeface="Consolas" pitchFamily="49" charset="0"/>
                 <a:cs typeface="Consolas" pitchFamily="49" charset="0"/>
               </a:rPr>
               <a:t>(</a:t>
             </a:r>
             <a:r>
-              <a:rPr lang="en-US" b="0" dirty="0" smtClean="0">
+              <a:rPr lang="en-US" b="0" dirty="0">
                 <a:solidFill>
                   <a:srgbClr val="A31515"/>
                 </a:solidFill>
@@ -3642,7 +4173,7 @@
               </a:spcAft>
             </a:pPr>
             <a:r>
-              <a:rPr lang="en-US" sz="1200" b="0" dirty="0" smtClean="0">
+              <a:rPr lang="en-US" sz="1200" b="0" dirty="0">
                 <a:latin typeface="Consolas" pitchFamily="49" charset="0"/>
                 <a:ea typeface="Calibri"/>
                 <a:cs typeface="Consolas" pitchFamily="49" charset="0"/>
@@ -3692,13 +4223,6 @@
               </a:rPr>
               <a:t>&gt;</a:t>
             </a:r>
-            <a:r>
-              <a:rPr lang="en-US" sz="1200" b="0" dirty="0">
-                <a:latin typeface="Consolas" pitchFamily="49" charset="0"/>
-                <a:cs typeface="Consolas" pitchFamily="49" charset="0"/>
-              </a:rPr>
-              <a:t/>
-            </a:r>
             <a:br>
               <a:rPr lang="en-US" sz="1200" b="0" dirty="0">
                 <a:latin typeface="Consolas" pitchFamily="49" charset="0"/>
@@ -3742,13 +4266,6 @@
               </a:rPr>
               <a:t>&gt;</a:t>
             </a:r>
-            <a:r>
-              <a:rPr lang="en-US" sz="1200" b="0" dirty="0">
-                <a:latin typeface="Consolas" pitchFamily="49" charset="0"/>
-                <a:cs typeface="Consolas" pitchFamily="49" charset="0"/>
-              </a:rPr>
-              <a:t/>
-            </a:r>
             <a:br>
               <a:rPr lang="en-US" sz="1200" b="0" dirty="0">
                 <a:latin typeface="Consolas" pitchFamily="49" charset="0"/>
@@ -3965,13 +4482,6 @@
               </a:rPr>
               <a:t>&gt;</a:t>
             </a:r>
-            <a:r>
-              <a:rPr lang="en-US" sz="1200" b="0" dirty="0">
-                <a:latin typeface="Consolas" pitchFamily="49" charset="0"/>
-                <a:cs typeface="Consolas" pitchFamily="49" charset="0"/>
-              </a:rPr>
-              <a:t/>
-            </a:r>
             <a:br>
               <a:rPr lang="en-US" sz="1200" b="0" dirty="0">
                 <a:latin typeface="Consolas" pitchFamily="49" charset="0"/>
@@ -4015,13 +4525,6 @@
               </a:rPr>
               <a:t>&gt;</a:t>
             </a:r>
-            <a:r>
-              <a:rPr lang="en-US" sz="1200" b="0" dirty="0">
-                <a:latin typeface="Consolas" pitchFamily="49" charset="0"/>
-                <a:cs typeface="Consolas" pitchFamily="49" charset="0"/>
-              </a:rPr>
-              <a:t/>
-            </a:r>
             <a:br>
               <a:rPr lang="en-US" sz="1200" b="0" dirty="0">
                 <a:latin typeface="Consolas" pitchFamily="49" charset="0"/>
@@ -4042,13 +4545,6 @@
               </a:rPr>
               <a:t>Model.Title</a:t>
             </a:r>
-            <a:r>
-              <a:rPr lang="en-US" sz="1200" b="0" dirty="0">
-                <a:latin typeface="Consolas" pitchFamily="49" charset="0"/>
-                <a:cs typeface="Consolas" pitchFamily="49" charset="0"/>
-              </a:rPr>
-              <a:t/>
-            </a:r>
             <a:br>
               <a:rPr lang="en-US" sz="1200" b="0" dirty="0">
                 <a:latin typeface="Consolas" pitchFamily="49" charset="0"/>
@@ -4091,13 +4587,6 @@
                 <a:cs typeface="Consolas" pitchFamily="49" charset="0"/>
               </a:rPr>
               <a:t>&gt;</a:t>
-            </a:r>
-            <a:r>
-              <a:rPr lang="en-US" sz="1200" b="0" dirty="0">
-                <a:latin typeface="Consolas" pitchFamily="49" charset="0"/>
-                <a:cs typeface="Consolas" pitchFamily="49" charset="0"/>
-              </a:rPr>
-              <a:t/>
             </a:r>
             <a:br>
               <a:rPr lang="en-US" sz="1200" b="0" dirty="0">
@@ -4147,144 +4636,6 @@
     <p:extLst>
       <p:ext uri="{BB962C8B-B14F-4D97-AF65-F5344CB8AC3E}">
         <p14:creationId xmlns:p14="http://schemas.microsoft.com/office/powerpoint/2010/main" val="1376276934"/>
-      </p:ext>
-    </p:extLst>
-  </p:cSld>
-  <p:clrMapOvr>
-    <a:masterClrMapping/>
-  </p:clrMapOvr>
-  <p:transition>
-    <p:fade/>
-  </p:transition>
-  <p:timing>
-    <p:tnLst>
-      <p:par>
-        <p:cTn id="1" dur="indefinite" restart="never" nodeType="tmRoot"/>
-      </p:par>
-    </p:tnLst>
-  </p:timing>
-</p:sld>
-</file>
-
-<file path=ppt/slides/slide11.xml><?xml version="1.0" encoding="utf-8"?>
-<p:sld xmlns:a="http://schemas.openxmlformats.org/drawingml/2006/main" xmlns:r="http://schemas.openxmlformats.org/officeDocument/2006/relationships" xmlns:p="http://schemas.openxmlformats.org/presentationml/2006/main">
-  <p:cSld>
-    <p:spTree>
-      <p:nvGrpSpPr>
-        <p:cNvPr id="1" name=""/>
-        <p:cNvGrpSpPr/>
-        <p:nvPr/>
-      </p:nvGrpSpPr>
-      <p:grpSpPr>
-        <a:xfrm>
-          <a:off x="0" y="0"/>
-          <a:ext cx="0" cy="0"/>
-          <a:chOff x="0" y="0"/>
-          <a:chExt cx="0" cy="0"/>
-        </a:xfrm>
-      </p:grpSpPr>
-      <p:sp>
-        <p:nvSpPr>
-          <p:cNvPr id="2" name="Title 1"/>
-          <p:cNvSpPr>
-            <a:spLocks noGrp="1"/>
-          </p:cNvSpPr>
-          <p:nvPr>
-            <p:ph type="title"/>
-          </p:nvPr>
-        </p:nvSpPr>
-        <p:spPr/>
-        <p:txBody>
-          <a:bodyPr/>
-          <a:lstStyle/>
-          <a:p>
-            <a:r>
-              <a:rPr lang="en-US" dirty="0" err="1" smtClean="0"/>
-              <a:t>TagHelpers</a:t>
-            </a:r>
-            <a:endParaRPr lang="en-US" dirty="0"/>
-          </a:p>
-        </p:txBody>
-      </p:sp>
-      <p:sp>
-        <p:nvSpPr>
-          <p:cNvPr id="3" name="Text Placeholder 2"/>
-          <p:cNvSpPr>
-            <a:spLocks noGrp="1"/>
-          </p:cNvSpPr>
-          <p:nvPr>
-            <p:ph type="body" idx="1"/>
-          </p:nvPr>
-        </p:nvSpPr>
-        <p:spPr/>
-        <p:txBody>
-          <a:bodyPr/>
-          <a:lstStyle/>
-          <a:p>
-            <a:r>
-              <a:rPr lang="en-US" dirty="0" smtClean="0"/>
-              <a:t>A better HTML helper</a:t>
-            </a:r>
-          </a:p>
-          <a:p>
-            <a:r>
-              <a:rPr lang="en-US" dirty="0" smtClean="0"/>
-              <a:t>Opt-in (required @</a:t>
-            </a:r>
-            <a:r>
-              <a:rPr lang="en-US" dirty="0" err="1" smtClean="0"/>
-              <a:t>addTagHelper</a:t>
-            </a:r>
-            <a:r>
-              <a:rPr lang="en-US" dirty="0" smtClean="0"/>
-              <a:t> support)</a:t>
-            </a:r>
-          </a:p>
-          <a:p>
-            <a:pPr lvl="1"/>
-            <a:r>
-              <a:rPr lang="en-US" dirty="0" smtClean="0"/>
-              <a:t>Forms, links, inputs</a:t>
-            </a:r>
-          </a:p>
-          <a:p>
-            <a:pPr lvl="1"/>
-            <a:r>
-              <a:rPr lang="en-US" dirty="0" smtClean="0"/>
-              <a:t>Caching, environment, and more</a:t>
-            </a:r>
-            <a:endParaRPr lang="en-US" dirty="0"/>
-          </a:p>
-        </p:txBody>
-      </p:sp>
-      <p:pic>
-        <p:nvPicPr>
-          <p:cNvPr id="4" name="Picture 3"/>
-          <p:cNvPicPr>
-            <a:picLocks noChangeAspect="1"/>
-          </p:cNvPicPr>
-          <p:nvPr/>
-        </p:nvPicPr>
-        <p:blipFill>
-          <a:blip r:embed="rId3"/>
-          <a:stretch>
-            <a:fillRect/>
-          </a:stretch>
-        </p:blipFill>
-        <p:spPr>
-          <a:xfrm>
-            <a:off x="271462" y="3429000"/>
-            <a:ext cx="8601075" cy="819916"/>
-          </a:xfrm>
-          <a:prstGeom prst="rect">
-            <a:avLst/>
-          </a:prstGeom>
-        </p:spPr>
-      </p:pic>
-    </p:spTree>
-    <p:extLst>
-      <p:ext uri="{BB962C8B-B14F-4D97-AF65-F5344CB8AC3E}">
-        <p14:creationId xmlns:p14="http://schemas.microsoft.com/office/powerpoint/2010/main" val="1410285365"/>
       </p:ext>
     </p:extLst>
   </p:cSld>
@@ -4330,10 +4681,139 @@
           <a:lstStyle/>
           <a:p>
             <a:r>
-              <a:rPr lang="en-US" dirty="0" smtClean="0"/>
+              <a:rPr lang="en-US" dirty="0" err="1"/>
+              <a:t>TagHelpers</a:t>
+            </a:r>
+            <a:endParaRPr lang="en-US" dirty="0"/>
+          </a:p>
+        </p:txBody>
+      </p:sp>
+      <p:sp>
+        <p:nvSpPr>
+          <p:cNvPr id="3" name="Text Placeholder 2"/>
+          <p:cNvSpPr>
+            <a:spLocks noGrp="1"/>
+          </p:cNvSpPr>
+          <p:nvPr>
+            <p:ph type="body" idx="1"/>
+          </p:nvPr>
+        </p:nvSpPr>
+        <p:spPr/>
+        <p:txBody>
+          <a:bodyPr/>
+          <a:lstStyle/>
+          <a:p>
+            <a:r>
+              <a:rPr lang="en-US" dirty="0"/>
+              <a:t>A better HTML helper</a:t>
+            </a:r>
+          </a:p>
+          <a:p>
+            <a:r>
+              <a:rPr lang="en-US" dirty="0"/>
+              <a:t>Opt-in (required @</a:t>
+            </a:r>
+            <a:r>
+              <a:rPr lang="en-US" dirty="0" err="1"/>
+              <a:t>addTagHelper</a:t>
+            </a:r>
+            <a:r>
+              <a:rPr lang="en-US" dirty="0"/>
+              <a:t> support)</a:t>
+            </a:r>
+          </a:p>
+          <a:p>
+            <a:pPr lvl="1"/>
+            <a:r>
+              <a:rPr lang="en-US" dirty="0"/>
+              <a:t>Forms, links, inputs</a:t>
+            </a:r>
+          </a:p>
+          <a:p>
+            <a:pPr lvl="1"/>
+            <a:r>
+              <a:rPr lang="en-US" dirty="0"/>
+              <a:t>Caching, environment, and more</a:t>
+            </a:r>
+          </a:p>
+        </p:txBody>
+      </p:sp>
+      <p:pic>
+        <p:nvPicPr>
+          <p:cNvPr id="4" name="Picture 3"/>
+          <p:cNvPicPr>
+            <a:picLocks noChangeAspect="1"/>
+          </p:cNvPicPr>
+          <p:nvPr/>
+        </p:nvPicPr>
+        <p:blipFill>
+          <a:blip r:embed="rId3"/>
+          <a:stretch>
+            <a:fillRect/>
+          </a:stretch>
+        </p:blipFill>
+        <p:spPr>
+          <a:xfrm>
+            <a:off x="271462" y="3429000"/>
+            <a:ext cx="8601075" cy="819916"/>
+          </a:xfrm>
+          <a:prstGeom prst="rect">
+            <a:avLst/>
+          </a:prstGeom>
+        </p:spPr>
+      </p:pic>
+    </p:spTree>
+    <p:extLst>
+      <p:ext uri="{BB962C8B-B14F-4D97-AF65-F5344CB8AC3E}">
+        <p14:creationId xmlns:p14="http://schemas.microsoft.com/office/powerpoint/2010/main" val="1410285365"/>
+      </p:ext>
+    </p:extLst>
+  </p:cSld>
+  <p:clrMapOvr>
+    <a:masterClrMapping/>
+  </p:clrMapOvr>
+  <p:transition>
+    <p:fade/>
+  </p:transition>
+</p:sld>
+</file>
+
+<file path=ppt/slides/slide13.xml><?xml version="1.0" encoding="utf-8"?>
+<p:sld xmlns:a="http://schemas.openxmlformats.org/drawingml/2006/main" xmlns:r="http://schemas.openxmlformats.org/officeDocument/2006/relationships" xmlns:p="http://schemas.openxmlformats.org/presentationml/2006/main">
+  <p:cSld>
+    <p:spTree>
+      <p:nvGrpSpPr>
+        <p:cNvPr id="1" name=""/>
+        <p:cNvGrpSpPr/>
+        <p:nvPr/>
+      </p:nvGrpSpPr>
+      <p:grpSpPr>
+        <a:xfrm>
+          <a:off x="0" y="0"/>
+          <a:ext cx="0" cy="0"/>
+          <a:chOff x="0" y="0"/>
+          <a:chExt cx="0" cy="0"/>
+        </a:xfrm>
+      </p:grpSpPr>
+      <p:sp>
+        <p:nvSpPr>
+          <p:cNvPr id="2" name="Title 1"/>
+          <p:cNvSpPr>
+            <a:spLocks noGrp="1"/>
+          </p:cNvSpPr>
+          <p:nvPr>
+            <p:ph type="title"/>
+          </p:nvPr>
+        </p:nvSpPr>
+        <p:spPr/>
+        <p:txBody>
+          <a:bodyPr/>
+          <a:lstStyle/>
+          <a:p>
+            <a:r>
+              <a:rPr lang="en-US" dirty="0"/>
               <a:t>Custom Tag Helper</a:t>
             </a:r>
-            <a:endParaRPr lang="en-US" dirty="0"/>
           </a:p>
         </p:txBody>
       </p:sp>
@@ -4406,7 +4886,7 @@
 </p:sld>
 </file>
 
-<file path=ppt/slides/slide13.xml><?xml version="1.0" encoding="utf-8"?>
+<file path=ppt/slides/slide14.xml><?xml version="1.0" encoding="utf-8"?>
 <p:sld xmlns:a="http://schemas.openxmlformats.org/drawingml/2006/main" xmlns:r="http://schemas.openxmlformats.org/officeDocument/2006/relationships" xmlns:p="http://schemas.openxmlformats.org/presentationml/2006/main">
   <p:cSld>
     <p:spTree>
@@ -4439,10 +4919,9 @@
           <a:lstStyle/>
           <a:p>
             <a:r>
-              <a:rPr lang="en-US" dirty="0" smtClean="0"/>
+              <a:rPr lang="en-US" dirty="0"/>
               <a:t>View Components</a:t>
             </a:r>
-            <a:endParaRPr lang="en-US" dirty="0"/>
           </a:p>
         </p:txBody>
       </p:sp>
@@ -4462,16 +4941,15 @@
           <a:lstStyle/>
           <a:p>
             <a:r>
-              <a:rPr lang="en-US" dirty="0" smtClean="0"/>
+              <a:rPr lang="en-US" dirty="0"/>
               <a:t>Child controller renders part of a page</a:t>
             </a:r>
           </a:p>
           <a:p>
             <a:r>
-              <a:rPr lang="en-US" dirty="0" smtClean="0"/>
+              <a:rPr lang="en-US" dirty="0"/>
               <a:t>View lives in Components folder</a:t>
             </a:r>
-            <a:endParaRPr lang="en-US" dirty="0"/>
           </a:p>
         </p:txBody>
       </p:sp>
@@ -4539,7 +5017,7 @@
 </p:sld>
 </file>
 
-<file path=ppt/slides/slide14.xml><?xml version="1.0" encoding="utf-8"?>
+<file path=ppt/slides/slide15.xml><?xml version="1.0" encoding="utf-8"?>
 <p:sld xmlns:a="http://schemas.openxmlformats.org/drawingml/2006/main" xmlns:r="http://schemas.openxmlformats.org/officeDocument/2006/relationships" xmlns:p="http://schemas.openxmlformats.org/presentationml/2006/main">
   <p:cSld>
     <p:spTree>
@@ -4572,14 +5050,13 @@
           <a:lstStyle/>
           <a:p>
             <a:r>
-              <a:rPr lang="en-US" dirty="0" err="1" smtClean="0"/>
+              <a:rPr lang="en-US" dirty="0" err="1"/>
               <a:t>Templated</a:t>
             </a:r>
             <a:r>
-              <a:rPr lang="en-US" dirty="0" smtClean="0"/>
+              <a:rPr lang="en-US" dirty="0"/>
               <a:t> Helpers</a:t>
             </a:r>
-            <a:endParaRPr lang="en-US" dirty="0"/>
           </a:p>
         </p:txBody>
       </p:sp>
@@ -4599,10 +5076,9 @@
           <a:lstStyle/>
           <a:p>
             <a:r>
-              <a:rPr lang="en-US" dirty="0" smtClean="0"/>
+              <a:rPr lang="en-US" dirty="0"/>
               <a:t>Builds UI based on metadata</a:t>
             </a:r>
-            <a:endParaRPr lang="en-US" dirty="0"/>
           </a:p>
         </p:txBody>
       </p:sp>
@@ -4680,7 +5156,7 @@
               <a:t>@</a:t>
             </a:r>
             <a:r>
-              <a:rPr lang="en-US" sz="1800" b="0" dirty="0" err="1" smtClean="0">
+              <a:rPr lang="en-US" sz="1800" b="0" dirty="0" err="1">
                 <a:latin typeface="Consolas" pitchFamily="49" charset="0"/>
                 <a:ea typeface="Times New Roman"/>
                 <a:cs typeface="Consolas" pitchFamily="49" charset="0"/>
@@ -4718,7 +5194,7 @@
               <a:t>JoinedOn</a:t>
             </a:r>
             <a:r>
-              <a:rPr lang="en-US" sz="1800" b="0" dirty="0" smtClean="0">
+              <a:rPr lang="en-US" sz="1800" b="0" dirty="0">
                 <a:solidFill>
                   <a:srgbClr val="A31515"/>
                 </a:solidFill>
@@ -4729,7 +5205,7 @@
               <a:t>"</a:t>
             </a:r>
             <a:r>
-              <a:rPr lang="en-US" sz="1800" b="0" dirty="0" smtClean="0">
+              <a:rPr lang="en-US" sz="1800" b="0" dirty="0">
                 <a:latin typeface="Consolas" pitchFamily="49" charset="0"/>
                 <a:ea typeface="Times New Roman"/>
                 <a:cs typeface="Consolas" pitchFamily="49" charset="0"/>
@@ -4767,14 +5243,6 @@
                 <a:tab pos="9306560" algn="l"/>
               </a:tabLst>
             </a:pPr>
-            <a:r>
-              <a:rPr lang="en-US" sz="1800" b="0" dirty="0">
-                <a:latin typeface="Consolas" pitchFamily="49" charset="0"/>
-                <a:ea typeface="Times New Roman"/>
-                <a:cs typeface="Consolas" pitchFamily="49" charset="0"/>
-              </a:rPr>
-              <a:t/>
-            </a:r>
             <a:br>
               <a:rPr lang="en-US" sz="1800" b="0" dirty="0">
                 <a:latin typeface="Consolas" pitchFamily="49" charset="0"/>
@@ -4783,7 +5251,7 @@
               </a:rPr>
             </a:br>
             <a:r>
-              <a:rPr lang="en-US" sz="1800" b="0" dirty="0" smtClean="0">
+              <a:rPr lang="en-US" sz="1800" b="0" dirty="0">
                 <a:latin typeface="Consolas" pitchFamily="49" charset="0"/>
                 <a:ea typeface="Times New Roman"/>
                 <a:cs typeface="Consolas" pitchFamily="49" charset="0"/>
@@ -4791,7 +5259,7 @@
               <a:t>@</a:t>
             </a:r>
             <a:r>
-              <a:rPr lang="en-US" sz="1800" b="0" dirty="0" err="1" smtClean="0">
+              <a:rPr lang="en-US" sz="1800" b="0" dirty="0" err="1">
                 <a:latin typeface="Consolas" pitchFamily="49" charset="0"/>
                 <a:ea typeface="Times New Roman"/>
                 <a:cs typeface="Consolas" pitchFamily="49" charset="0"/>
@@ -4799,31 +5267,23 @@
               <a:t>Html.DisplayFor</a:t>
             </a:r>
             <a:r>
-              <a:rPr lang="en-US" sz="1800" b="0" dirty="0" smtClean="0">
+              <a:rPr lang="en-US" sz="1800" b="0" dirty="0">
                 <a:latin typeface="Consolas" pitchFamily="49" charset="0"/>
                 <a:ea typeface="Times New Roman"/>
                 <a:cs typeface="Consolas" pitchFamily="49" charset="0"/>
               </a:rPr>
-              <a:t>(m</a:t>
+              <a:t>(m =&gt; </a:t>
+            </a:r>
+            <a:r>
+              <a:rPr lang="en-US" sz="1800" b="0" dirty="0" err="1">
+                <a:latin typeface="Consolas" pitchFamily="49" charset="0"/>
+                <a:ea typeface="Times New Roman"/>
+                <a:cs typeface="Consolas" pitchFamily="49" charset="0"/>
+              </a:rPr>
+              <a:t>m.JoinedOn</a:t>
             </a:r>
             <a:r>
               <a:rPr lang="en-US" sz="1800" b="0" dirty="0">
-                <a:latin typeface="Consolas" pitchFamily="49" charset="0"/>
-                <a:ea typeface="Times New Roman"/>
-                <a:cs typeface="Consolas" pitchFamily="49" charset="0"/>
-              </a:rPr>
-              <a:t> =&gt; </a:t>
-            </a:r>
-            <a:r>
-              <a:rPr lang="en-US" sz="1800" b="0" dirty="0" err="1">
-                <a:latin typeface="Consolas" pitchFamily="49" charset="0"/>
-                <a:ea typeface="Times New Roman"/>
-                <a:cs typeface="Consolas" pitchFamily="49" charset="0"/>
-              </a:rPr>
-              <a:t>m.JoinedOn</a:t>
-            </a:r>
-            <a:r>
-              <a:rPr lang="en-US" sz="1800" b="0" dirty="0" smtClean="0">
                 <a:latin typeface="Consolas" pitchFamily="49" charset="0"/>
                 <a:ea typeface="Times New Roman"/>
                 <a:cs typeface="Consolas" pitchFamily="49" charset="0"/>
@@ -4861,14 +5321,6 @@
                 <a:tab pos="9306560" algn="l"/>
               </a:tabLst>
             </a:pPr>
-            <a:r>
-              <a:rPr lang="en-US" sz="1800" b="0" dirty="0">
-                <a:latin typeface="Consolas" pitchFamily="49" charset="0"/>
-                <a:ea typeface="Times New Roman"/>
-                <a:cs typeface="Consolas" pitchFamily="49" charset="0"/>
-              </a:rPr>
-              <a:t/>
-            </a:r>
             <a:br>
               <a:rPr lang="en-US" sz="1800" b="0" dirty="0">
                 <a:latin typeface="Consolas" pitchFamily="49" charset="0"/>
@@ -4877,7 +5329,7 @@
               </a:rPr>
             </a:br>
             <a:r>
-              <a:rPr lang="en-US" sz="1800" b="0" dirty="0" smtClean="0">
+              <a:rPr lang="en-US" sz="1800" b="0" dirty="0">
                 <a:latin typeface="Consolas" pitchFamily="49" charset="0"/>
                 <a:ea typeface="Times New Roman"/>
                 <a:cs typeface="Consolas" pitchFamily="49" charset="0"/>
@@ -4885,7 +5337,7 @@
               <a:t>@</a:t>
             </a:r>
             <a:r>
-              <a:rPr lang="en-US" sz="1800" b="0" dirty="0" err="1" smtClean="0">
+              <a:rPr lang="en-US" sz="1800" b="0" dirty="0" err="1">
                 <a:latin typeface="Consolas" pitchFamily="49" charset="0"/>
                 <a:ea typeface="Times New Roman"/>
                 <a:cs typeface="Consolas" pitchFamily="49" charset="0"/>
@@ -4893,7 +5345,7 @@
               <a:t>Html.DisplayForModel</a:t>
             </a:r>
             <a:r>
-              <a:rPr lang="en-US" sz="1800" b="0" dirty="0" smtClean="0">
+              <a:rPr lang="en-US" sz="1800" b="0" dirty="0">
                 <a:latin typeface="Consolas" pitchFamily="49" charset="0"/>
                 <a:ea typeface="Times New Roman"/>
                 <a:cs typeface="Consolas" pitchFamily="49" charset="0"/>
@@ -5000,21 +5452,21 @@
               </a:tabLst>
             </a:pPr>
             <a:r>
-              <a:rPr lang="en-US" sz="1800" b="0" dirty="0" smtClean="0">
-                <a:latin typeface="Consolas"/>
-              </a:rPr>
-              <a:t>@</a:t>
-            </a:r>
-            <a:r>
-              <a:rPr lang="en-US" sz="1800" b="0" dirty="0" err="1" smtClean="0">
-                <a:latin typeface="Consolas"/>
-              </a:rPr>
-              <a:t>Html.Editor</a:t>
-            </a:r>
-            <a:r>
               <a:rPr lang="en-US" sz="1800" b="0" dirty="0">
                 <a:latin typeface="Consolas"/>
               </a:rPr>
+              <a:t>@</a:t>
+            </a:r>
+            <a:r>
+              <a:rPr lang="en-US" sz="1800" b="0" dirty="0" err="1">
+                <a:latin typeface="Consolas"/>
+              </a:rPr>
+              <a:t>Html.Editor</a:t>
+            </a:r>
+            <a:r>
+              <a:rPr lang="en-US" sz="1800" b="0" dirty="0">
+                <a:latin typeface="Consolas"/>
+              </a:rPr>
               <a:t>(</a:t>
             </a:r>
             <a:r>
@@ -5036,7 +5488,7 @@
               <a:t>JoinedOn</a:t>
             </a:r>
             <a:r>
-              <a:rPr lang="en-US" sz="1800" b="0" dirty="0" smtClean="0">
+              <a:rPr lang="en-US" sz="1800" b="0" dirty="0">
                 <a:solidFill>
                   <a:srgbClr val="A31515"/>
                 </a:solidFill>
@@ -5045,7 +5497,7 @@
               <a:t>"</a:t>
             </a:r>
             <a:r>
-              <a:rPr lang="en-US" sz="1800" b="0" dirty="0" smtClean="0">
+              <a:rPr lang="en-US" sz="1800" b="0" dirty="0">
                 <a:latin typeface="Consolas"/>
               </a:rPr>
               <a:t>)</a:t>
@@ -5081,49 +5533,37 @@
                 <a:tab pos="9306560" algn="l"/>
               </a:tabLst>
             </a:pPr>
-            <a:r>
-              <a:rPr lang="en-US" sz="1800" b="0" dirty="0">
-                <a:latin typeface="Consolas"/>
-              </a:rPr>
-              <a:t/>
-            </a:r>
             <a:br>
               <a:rPr lang="en-US" sz="1800" b="0" dirty="0">
                 <a:latin typeface="Consolas"/>
               </a:rPr>
             </a:br>
             <a:r>
-              <a:rPr lang="en-US" sz="1800" b="0" dirty="0" smtClean="0">
-                <a:latin typeface="Consolas"/>
-              </a:rPr>
-              <a:t>@</a:t>
-            </a:r>
-            <a:r>
-              <a:rPr lang="en-US" sz="1800" b="0" dirty="0" err="1" smtClean="0">
-                <a:latin typeface="Consolas"/>
-              </a:rPr>
-              <a:t>Html.EditorFor</a:t>
-            </a:r>
-            <a:r>
-              <a:rPr lang="en-US" sz="1800" b="0" dirty="0" smtClean="0">
-                <a:latin typeface="Consolas"/>
-              </a:rPr>
-              <a:t>(model</a:t>
-            </a:r>
-            <a:r>
               <a:rPr lang="en-US" sz="1800" b="0" dirty="0">
                 <a:latin typeface="Consolas"/>
               </a:rPr>
-              <a:t> =&gt; </a:t>
+              <a:t>@</a:t>
             </a:r>
             <a:r>
               <a:rPr lang="en-US" sz="1800" b="0" dirty="0" err="1">
                 <a:latin typeface="Consolas"/>
               </a:rPr>
+              <a:t>Html.EditorFor</a:t>
+            </a:r>
+            <a:r>
+              <a:rPr lang="en-US" sz="1800" b="0" dirty="0">
+                <a:latin typeface="Consolas"/>
+              </a:rPr>
+              <a:t>(model =&gt; </a:t>
+            </a:r>
+            <a:r>
+              <a:rPr lang="en-US" sz="1800" b="0" dirty="0" err="1">
+                <a:latin typeface="Consolas"/>
+              </a:rPr>
               <a:t>model.JoinedOn</a:t>
             </a:r>
             <a:r>
-              <a:rPr lang="en-US" sz="1800" b="0" dirty="0" smtClean="0">
+              <a:rPr lang="en-US" sz="1800" b="0" dirty="0">
                 <a:latin typeface="Consolas"/>
               </a:rPr>
               <a:t>)</a:t>
@@ -5159,31 +5599,25 @@
                 <a:tab pos="9306560" algn="l"/>
               </a:tabLst>
             </a:pPr>
-            <a:r>
-              <a:rPr lang="en-US" sz="1800" b="0" dirty="0">
-                <a:latin typeface="Consolas"/>
-              </a:rPr>
-              <a:t/>
-            </a:r>
             <a:br>
               <a:rPr lang="en-US" sz="1800" b="0" dirty="0">
                 <a:latin typeface="Consolas"/>
               </a:rPr>
             </a:br>
             <a:r>
-              <a:rPr lang="en-US" sz="1800" b="0" dirty="0" smtClean="0">
+              <a:rPr lang="en-US" sz="1800" b="0" dirty="0">
                 <a:latin typeface="Consolas"/>
               </a:rPr>
               <a:t>@</a:t>
             </a:r>
             <a:r>
-              <a:rPr lang="en-US" sz="1800" b="0" dirty="0" err="1" smtClean="0">
+              <a:rPr lang="en-US" sz="1800" b="0" dirty="0" err="1">
                 <a:latin typeface="Consolas"/>
               </a:rPr>
               <a:t>Html.EditorForModel</a:t>
             </a:r>
             <a:r>
-              <a:rPr lang="en-US" sz="1800" b="0" dirty="0" smtClean="0">
+              <a:rPr lang="en-US" sz="1800" b="0" dirty="0">
                 <a:latin typeface="Consolas"/>
               </a:rPr>
               <a:t>()</a:t>
@@ -5220,7 +5654,7 @@
 </p:sld>
 </file>
 
-<file path=ppt/slides/slide15.xml><?xml version="1.0" encoding="utf-8"?>
+<file path=ppt/slides/slide16.xml><?xml version="1.0" encoding="utf-8"?>
 <p:sld xmlns:a="http://schemas.openxmlformats.org/drawingml/2006/main" xmlns:r="http://schemas.openxmlformats.org/officeDocument/2006/relationships" xmlns:p="http://schemas.openxmlformats.org/presentationml/2006/main">
   <p:cSld>
     <p:spTree>
@@ -5253,10 +5687,9 @@
           <a:lstStyle/>
           <a:p>
             <a:r>
-              <a:rPr lang="en-US" dirty="0" smtClean="0"/>
+              <a:rPr lang="en-US" dirty="0"/>
               <a:t>Data Annotations</a:t>
             </a:r>
-            <a:endParaRPr lang="en-US" dirty="0"/>
           </a:p>
         </p:txBody>
       </p:sp>
@@ -5276,10 +5709,9 @@
           <a:lstStyle/>
           <a:p>
             <a:r>
-              <a:rPr lang="en-US" dirty="0" smtClean="0"/>
+              <a:rPr lang="en-US" dirty="0"/>
               <a:t>Gives additional metadata for templates</a:t>
             </a:r>
-            <a:endParaRPr lang="en-US" dirty="0"/>
           </a:p>
         </p:txBody>
       </p:sp>
@@ -5374,13 +5806,6 @@
               </a:rPr>
               <a:t>UserEditModel</a:t>
             </a:r>
-            <a:r>
-              <a:rPr lang="en-US" sz="1800" b="0" dirty="0">
-                <a:latin typeface="Consolas" pitchFamily="49" charset="0"/>
-                <a:cs typeface="Consolas" pitchFamily="49" charset="0"/>
-              </a:rPr>
-              <a:t/>
-            </a:r>
             <a:br>
               <a:rPr lang="en-US" sz="1800" b="0" dirty="0">
                 <a:latin typeface="Consolas" pitchFamily="49" charset="0"/>
@@ -5528,13 +5953,6 @@
                 <a:cs typeface="Consolas" pitchFamily="49" charset="0"/>
               </a:rPr>
             </a:br>
-            <a:r>
-              <a:rPr lang="en-US" sz="1800" b="0" dirty="0">
-                <a:latin typeface="Consolas" pitchFamily="49" charset="0"/>
-                <a:cs typeface="Consolas" pitchFamily="49" charset="0"/>
-              </a:rPr>
-              <a:t/>
-            </a:r>
             <a:br>
               <a:rPr lang="en-US" sz="1800" b="0" dirty="0">
                 <a:latin typeface="Consolas" pitchFamily="49" charset="0"/>
@@ -5683,13 +6101,6 @@
                 <a:cs typeface="Consolas" pitchFamily="49" charset="0"/>
               </a:rPr>
             </a:br>
-            <a:r>
-              <a:rPr lang="en-US" sz="1800" b="0" dirty="0">
-                <a:latin typeface="Consolas" pitchFamily="49" charset="0"/>
-                <a:cs typeface="Consolas" pitchFamily="49" charset="0"/>
-              </a:rPr>
-              <a:t/>
-            </a:r>
             <a:br>
               <a:rPr lang="en-US" sz="1800" b="0" dirty="0">
                 <a:latin typeface="Consolas" pitchFamily="49" charset="0"/>
@@ -5941,447 +6352,6 @@
   <p:transition>
     <p:fade/>
   </p:transition>
-  <p:timing>
-    <p:tnLst>
-      <p:par>
-        <p:cTn id="1" dur="indefinite" restart="never" nodeType="tmRoot"/>
-      </p:par>
-    </p:tnLst>
-  </p:timing>
-</p:sld>
-</file>
-
-<file path=ppt/slides/slide16.xml><?xml version="1.0" encoding="utf-8"?>
-<p:sld xmlns:a="http://schemas.openxmlformats.org/drawingml/2006/main" xmlns:r="http://schemas.openxmlformats.org/officeDocument/2006/relationships" xmlns:p="http://schemas.openxmlformats.org/presentationml/2006/main">
-  <p:cSld>
-    <p:spTree>
-      <p:nvGrpSpPr>
-        <p:cNvPr id="1" name=""/>
-        <p:cNvGrpSpPr/>
-        <p:nvPr/>
-      </p:nvGrpSpPr>
-      <p:grpSpPr>
-        <a:xfrm>
-          <a:off x="0" y="0"/>
-          <a:ext cx="0" cy="0"/>
-          <a:chOff x="0" y="0"/>
-          <a:chExt cx="0" cy="0"/>
-        </a:xfrm>
-      </p:grpSpPr>
-      <p:sp>
-        <p:nvSpPr>
-          <p:cNvPr id="2" name="Title 1"/>
-          <p:cNvSpPr>
-            <a:spLocks noGrp="1"/>
-          </p:cNvSpPr>
-          <p:nvPr>
-            <p:ph type="title"/>
-          </p:nvPr>
-        </p:nvSpPr>
-        <p:spPr/>
-        <p:txBody>
-          <a:bodyPr/>
-          <a:lstStyle/>
-          <a:p>
-            <a:r>
-              <a:rPr lang="en-US" dirty="0" smtClean="0"/>
-              <a:t>Display / Edit Annotations</a:t>
-            </a:r>
-            <a:endParaRPr lang="en-US" dirty="0"/>
-          </a:p>
-        </p:txBody>
-      </p:sp>
-      <p:sp>
-        <p:nvSpPr>
-          <p:cNvPr id="3" name="Text Placeholder 2"/>
-          <p:cNvSpPr>
-            <a:spLocks noGrp="1"/>
-          </p:cNvSpPr>
-          <p:nvPr>
-            <p:ph type="body" idx="1"/>
-          </p:nvPr>
-        </p:nvSpPr>
-        <p:spPr/>
-        <p:txBody>
-          <a:bodyPr/>
-          <a:lstStyle/>
-          <a:p>
-            <a:endParaRPr lang="en-US"/>
-          </a:p>
-        </p:txBody>
-      </p:sp>
-      <p:graphicFrame>
-        <p:nvGraphicFramePr>
-          <p:cNvPr id="4" name="Table 3"/>
-          <p:cNvGraphicFramePr>
-            <a:graphicFrameLocks noGrp="1"/>
-          </p:cNvGraphicFramePr>
-          <p:nvPr>
-            <p:extLst/>
-          </p:nvPr>
-        </p:nvGraphicFramePr>
-        <p:xfrm>
-          <a:off x="152400" y="1066800"/>
-          <a:ext cx="8915400" cy="5638800"/>
-        </p:xfrm>
-        <a:graphic>
-          <a:graphicData uri="http://schemas.openxmlformats.org/drawingml/2006/table">
-            <a:tbl>
-              <a:tblPr firstRow="1" bandRow="1">
-                <a:tableStyleId>{5C22544A-7EE6-4342-B048-85BDC9FD1C3A}</a:tableStyleId>
-              </a:tblPr>
-              <a:tblGrid>
-                <a:gridCol w="4457700"/>
-                <a:gridCol w="4457700"/>
-              </a:tblGrid>
-              <a:tr h="416031">
-                <a:tc>
-                  <a:txBody>
-                    <a:bodyPr/>
-                    <a:lstStyle/>
-                    <a:p>
-                      <a:r>
-                        <a:rPr lang="en-US" dirty="0" smtClean="0"/>
-                        <a:t>Attribute</a:t>
-                      </a:r>
-                      <a:endParaRPr lang="en-US" dirty="0"/>
-                    </a:p>
-                  </a:txBody>
-                  <a:tcPr/>
-                </a:tc>
-                <a:tc>
-                  <a:txBody>
-                    <a:bodyPr/>
-                    <a:lstStyle/>
-                    <a:p>
-                      <a:r>
-                        <a:rPr lang="en-US" dirty="0" smtClean="0"/>
-                        <a:t>Description</a:t>
-                      </a:r>
-                      <a:endParaRPr lang="en-US" dirty="0"/>
-                    </a:p>
-                  </a:txBody>
-                  <a:tcPr/>
-                </a:tc>
-              </a:tr>
-              <a:tr h="662446">
-                <a:tc>
-                  <a:txBody>
-                    <a:bodyPr/>
-                    <a:lstStyle/>
-                    <a:p>
-                      <a:r>
-                        <a:rPr lang="en-US" dirty="0" err="1" smtClean="0"/>
-                        <a:t>DisplayColumn</a:t>
-                      </a:r>
-                      <a:endParaRPr lang="en-US" dirty="0"/>
-                    </a:p>
-                  </a:txBody>
-                  <a:tcPr/>
-                </a:tc>
-                <a:tc>
-                  <a:txBody>
-                    <a:bodyPr/>
-                    <a:lstStyle/>
-                    <a:p>
-                      <a:r>
-                        <a:rPr lang="en-US" dirty="0" smtClean="0"/>
-                        <a:t>Specify the</a:t>
-                      </a:r>
-                      <a:r>
-                        <a:rPr lang="en-US" baseline="0" dirty="0" smtClean="0"/>
-                        <a:t> property of a model class for simple text display.</a:t>
-                      </a:r>
-                      <a:endParaRPr lang="en-US" dirty="0"/>
-                    </a:p>
-                  </a:txBody>
-                  <a:tcPr/>
-                </a:tc>
-              </a:tr>
-              <a:tr h="662446">
-                <a:tc>
-                  <a:txBody>
-                    <a:bodyPr/>
-                    <a:lstStyle/>
-                    <a:p>
-                      <a:r>
-                        <a:rPr lang="en-US" dirty="0" err="1" smtClean="0"/>
-                        <a:t>HiddenInput</a:t>
-                      </a:r>
-                      <a:endParaRPr lang="en-US" dirty="0"/>
-                    </a:p>
-                  </a:txBody>
-                  <a:tcPr/>
-                </a:tc>
-                <a:tc>
-                  <a:txBody>
-                    <a:bodyPr/>
-                    <a:lstStyle/>
-                    <a:p>
-                      <a:r>
-                        <a:rPr lang="en-US" dirty="0" smtClean="0"/>
-                        <a:t>Render value</a:t>
-                      </a:r>
-                      <a:r>
-                        <a:rPr lang="en-US" baseline="0" dirty="0" smtClean="0"/>
-                        <a:t> in a hidden input (when editing). </a:t>
-                      </a:r>
-                      <a:endParaRPr lang="en-US" dirty="0"/>
-                    </a:p>
-                  </a:txBody>
-                  <a:tcPr/>
-                </a:tc>
-              </a:tr>
-              <a:tr h="662446">
-                <a:tc>
-                  <a:txBody>
-                    <a:bodyPr/>
-                    <a:lstStyle/>
-                    <a:p>
-                      <a:r>
-                        <a:rPr lang="en-US" dirty="0" err="1" smtClean="0"/>
-                        <a:t>UIHint</a:t>
-                      </a:r>
-                      <a:endParaRPr lang="en-US" dirty="0"/>
-                    </a:p>
-                  </a:txBody>
-                  <a:tcPr/>
-                </a:tc>
-                <a:tc>
-                  <a:txBody>
-                    <a:bodyPr/>
-                    <a:lstStyle/>
-                    <a:p>
-                      <a:r>
-                        <a:rPr lang="en-US" dirty="0" smtClean="0"/>
-                        <a:t>Specify</a:t>
-                      </a:r>
-                      <a:r>
-                        <a:rPr lang="en-US" baseline="0" dirty="0" smtClean="0"/>
-                        <a:t> the name of the template to use for rendering.</a:t>
-                      </a:r>
-                      <a:endParaRPr lang="en-US" dirty="0"/>
-                    </a:p>
-                  </a:txBody>
-                  <a:tcPr/>
-                </a:tc>
-              </a:tr>
-              <a:tr h="662446">
-                <a:tc>
-                  <a:txBody>
-                    <a:bodyPr/>
-                    <a:lstStyle/>
-                    <a:p>
-                      <a:r>
-                        <a:rPr lang="en-US" dirty="0" err="1" smtClean="0"/>
-                        <a:t>DataType</a:t>
-                      </a:r>
-                      <a:endParaRPr lang="en-US" dirty="0"/>
-                    </a:p>
-                  </a:txBody>
-                  <a:tcPr/>
-                </a:tc>
-                <a:tc>
-                  <a:txBody>
-                    <a:bodyPr/>
-                    <a:lstStyle/>
-                    <a:p>
-                      <a:r>
-                        <a:rPr lang="en-US" dirty="0" smtClean="0"/>
-                        <a:t>Common templates (email, password,</a:t>
-                      </a:r>
-                      <a:r>
-                        <a:rPr lang="en-US" baseline="0" dirty="0" smtClean="0"/>
-                        <a:t> URL, currency)</a:t>
-                      </a:r>
-                      <a:endParaRPr lang="en-US" dirty="0"/>
-                    </a:p>
-                  </a:txBody>
-                  <a:tcPr/>
-                </a:tc>
-              </a:tr>
-              <a:tr h="662446">
-                <a:tc>
-                  <a:txBody>
-                    <a:bodyPr/>
-                    <a:lstStyle/>
-                    <a:p>
-                      <a:r>
-                        <a:rPr lang="en-US" dirty="0" err="1" smtClean="0"/>
-                        <a:t>ReadOnly</a:t>
-                      </a:r>
-                      <a:endParaRPr lang="en-US" dirty="0"/>
-                    </a:p>
-                  </a:txBody>
-                  <a:tcPr/>
-                </a:tc>
-                <a:tc>
-                  <a:txBody>
-                    <a:bodyPr/>
-                    <a:lstStyle/>
-                    <a:p>
-                      <a:r>
-                        <a:rPr lang="en-US" dirty="0" smtClean="0"/>
-                        <a:t>Specify a read-only property (for model binding). </a:t>
-                      </a:r>
-                      <a:endParaRPr lang="en-US" dirty="0"/>
-                    </a:p>
-                  </a:txBody>
-                  <a:tcPr/>
-                </a:tc>
-              </a:tr>
-              <a:tr h="416031">
-                <a:tc>
-                  <a:txBody>
-                    <a:bodyPr/>
-                    <a:lstStyle/>
-                    <a:p>
-                      <a:r>
-                        <a:rPr lang="en-US" dirty="0" err="1" smtClean="0"/>
-                        <a:t>DisplayFormat</a:t>
-                      </a:r>
-                      <a:endParaRPr lang="en-US" dirty="0"/>
-                    </a:p>
-                  </a:txBody>
-                  <a:tcPr/>
-                </a:tc>
-                <a:tc>
-                  <a:txBody>
-                    <a:bodyPr/>
-                    <a:lstStyle/>
-                    <a:p>
-                      <a:r>
-                        <a:rPr lang="en-US" dirty="0" smtClean="0"/>
-                        <a:t>Format strings</a:t>
-                      </a:r>
-                      <a:r>
-                        <a:rPr lang="en-US" baseline="0" dirty="0" smtClean="0"/>
-                        <a:t> and null display text</a:t>
-                      </a:r>
-                      <a:endParaRPr lang="en-US" dirty="0"/>
-                    </a:p>
-                  </a:txBody>
-                  <a:tcPr/>
-                </a:tc>
-              </a:tr>
-              <a:tr h="416031">
-                <a:tc>
-                  <a:txBody>
-                    <a:bodyPr/>
-                    <a:lstStyle/>
-                    <a:p>
-                      <a:r>
-                        <a:rPr lang="en-US" dirty="0" err="1" smtClean="0"/>
-                        <a:t>ScaffoldColumn</a:t>
-                      </a:r>
-                      <a:endParaRPr lang="en-US" dirty="0"/>
-                    </a:p>
-                  </a:txBody>
-                  <a:tcPr/>
-                </a:tc>
-                <a:tc>
-                  <a:txBody>
-                    <a:bodyPr/>
-                    <a:lstStyle/>
-                    <a:p>
-                      <a:r>
-                        <a:rPr lang="en-US" dirty="0" smtClean="0"/>
-                        <a:t>Turn off display and edit capabilities</a:t>
-                      </a:r>
-                      <a:endParaRPr lang="en-US" dirty="0"/>
-                    </a:p>
-                  </a:txBody>
-                  <a:tcPr/>
-                </a:tc>
-              </a:tr>
-              <a:tr h="416031">
-                <a:tc>
-                  <a:txBody>
-                    <a:bodyPr/>
-                    <a:lstStyle/>
-                    <a:p>
-                      <a:r>
-                        <a:rPr lang="en-US" dirty="0" err="1" smtClean="0"/>
-                        <a:t>DisplayName</a:t>
-                      </a:r>
-                      <a:endParaRPr lang="en-US" dirty="0"/>
-                    </a:p>
-                  </a:txBody>
-                  <a:tcPr/>
-                </a:tc>
-                <a:tc>
-                  <a:txBody>
-                    <a:bodyPr/>
-                    <a:lstStyle/>
-                    <a:p>
-                      <a:r>
-                        <a:rPr lang="en-US" dirty="0" smtClean="0"/>
-                        <a:t>Friendly name for labels</a:t>
-                      </a:r>
-                      <a:endParaRPr lang="en-US" dirty="0"/>
-                    </a:p>
-                  </a:txBody>
-                  <a:tcPr/>
-                </a:tc>
-              </a:tr>
-              <a:tr h="662446">
-                <a:tc>
-                  <a:txBody>
-                    <a:bodyPr/>
-                    <a:lstStyle/>
-                    <a:p>
-                      <a:r>
-                        <a:rPr lang="en-US" dirty="0" smtClean="0"/>
-                        <a:t>Required</a:t>
-                      </a:r>
-                      <a:endParaRPr lang="en-US" dirty="0"/>
-                    </a:p>
-                  </a:txBody>
-                  <a:tcPr/>
-                </a:tc>
-                <a:tc>
-                  <a:txBody>
-                    <a:bodyPr/>
-                    <a:lstStyle/>
-                    <a:p>
-                      <a:r>
-                        <a:rPr lang="en-US" dirty="0" smtClean="0"/>
-                        <a:t>Specify</a:t>
-                      </a:r>
-                      <a:r>
-                        <a:rPr lang="en-US" baseline="0" dirty="0" smtClean="0"/>
-                        <a:t> required properties (for model binding). </a:t>
-                      </a:r>
-                      <a:endParaRPr lang="en-US" dirty="0"/>
-                    </a:p>
-                  </a:txBody>
-                  <a:tcPr/>
-                </a:tc>
-              </a:tr>
-            </a:tbl>
-          </a:graphicData>
-        </a:graphic>
-      </p:graphicFrame>
-    </p:spTree>
-    <p:extLst>
-      <p:ext uri="{BB962C8B-B14F-4D97-AF65-F5344CB8AC3E}">
-        <p14:creationId xmlns:p14="http://schemas.microsoft.com/office/powerpoint/2010/main" val="3114780782"/>
-      </p:ext>
-    </p:extLst>
-  </p:cSld>
-  <p:clrMapOvr>
-    <a:masterClrMapping/>
-  </p:clrMapOvr>
-  <p:transition>
-    <p:fade/>
-  </p:transition>
-  <p:timing>
-    <p:tnLst>
-      <p:par>
-        <p:cTn id="1" dur="indefinite" restart="never" nodeType="tmRoot"/>
-      </p:par>
-    </p:tnLst>
-  </p:timing>
 </p:sld>
 </file>
 
@@ -6418,10 +6388,9 @@
           <a:lstStyle/>
           <a:p>
             <a:r>
-              <a:rPr lang="en-US" dirty="0" smtClean="0"/>
-              <a:t>Security</a:t>
-            </a:r>
-            <a:endParaRPr lang="en-US" dirty="0"/>
+              <a:rPr lang="en-US" dirty="0"/>
+              <a:t>Display / Edit Annotations</a:t>
+            </a:r>
           </a:p>
         </p:txBody>
       </p:sp>
@@ -6440,64 +6409,546 @@
           <a:bodyPr/>
           <a:lstStyle/>
           <a:p>
-            <a:r>
-              <a:rPr lang="en-US" dirty="0" err="1" smtClean="0"/>
+            <a:endParaRPr lang="en-US"/>
+          </a:p>
+        </p:txBody>
+      </p:sp>
+      <p:graphicFrame>
+        <p:nvGraphicFramePr>
+          <p:cNvPr id="4" name="Table 3"/>
+          <p:cNvGraphicFramePr>
+            <a:graphicFrameLocks noGrp="1"/>
+          </p:cNvGraphicFramePr>
+          <p:nvPr>
+            <p:extLst/>
+          </p:nvPr>
+        </p:nvGraphicFramePr>
+        <p:xfrm>
+          <a:off x="152400" y="1066800"/>
+          <a:ext cx="8915400" cy="5638800"/>
+        </p:xfrm>
+        <a:graphic>
+          <a:graphicData uri="http://schemas.openxmlformats.org/drawingml/2006/table">
+            <a:tbl>
+              <a:tblPr firstRow="1" bandRow="1">
+                <a:tableStyleId>{5C22544A-7EE6-4342-B048-85BDC9FD1C3A}</a:tableStyleId>
+              </a:tblPr>
+              <a:tblGrid>
+                <a:gridCol w="4457700">
+                  <a:extLst>
+                    <a:ext uri="{9D8B030D-6E8A-4147-A177-3AD203B41FA5}">
+                      <a16:colId xmlns:a16="http://schemas.microsoft.com/office/drawing/2014/main" val="20000"/>
+                    </a:ext>
+                  </a:extLst>
+                </a:gridCol>
+                <a:gridCol w="4457700">
+                  <a:extLst>
+                    <a:ext uri="{9D8B030D-6E8A-4147-A177-3AD203B41FA5}">
+                      <a16:colId xmlns:a16="http://schemas.microsoft.com/office/drawing/2014/main" val="20001"/>
+                    </a:ext>
+                  </a:extLst>
+                </a:gridCol>
+              </a:tblGrid>
+              <a:tr h="416031">
+                <a:tc>
+                  <a:txBody>
+                    <a:bodyPr/>
+                    <a:lstStyle/>
+                    <a:p>
+                      <a:r>
+                        <a:rPr lang="en-US" dirty="0"/>
+                        <a:t>Attribute</a:t>
+                      </a:r>
+                    </a:p>
+                  </a:txBody>
+                  <a:tcPr/>
+                </a:tc>
+                <a:tc>
+                  <a:txBody>
+                    <a:bodyPr/>
+                    <a:lstStyle/>
+                    <a:p>
+                      <a:r>
+                        <a:rPr lang="en-US" dirty="0"/>
+                        <a:t>Description</a:t>
+                      </a:r>
+                    </a:p>
+                  </a:txBody>
+                  <a:tcPr/>
+                </a:tc>
+                <a:extLst>
+                  <a:ext uri="{0D108BD9-81ED-4DB2-BD59-A6C34878D82A}">
+                    <a16:rowId xmlns:a16="http://schemas.microsoft.com/office/drawing/2014/main" val="10000"/>
+                  </a:ext>
+                </a:extLst>
+              </a:tr>
+              <a:tr h="662446">
+                <a:tc>
+                  <a:txBody>
+                    <a:bodyPr/>
+                    <a:lstStyle/>
+                    <a:p>
+                      <a:r>
+                        <a:rPr lang="en-US" dirty="0" err="1"/>
+                        <a:t>DisplayColumn</a:t>
+                      </a:r>
+                      <a:endParaRPr lang="en-US" dirty="0"/>
+                    </a:p>
+                  </a:txBody>
+                  <a:tcPr/>
+                </a:tc>
+                <a:tc>
+                  <a:txBody>
+                    <a:bodyPr/>
+                    <a:lstStyle/>
+                    <a:p>
+                      <a:r>
+                        <a:rPr lang="en-US" dirty="0"/>
+                        <a:t>Specify the</a:t>
+                      </a:r>
+                      <a:r>
+                        <a:rPr lang="en-US" baseline="0" dirty="0"/>
+                        <a:t> property of a model class for simple text display.</a:t>
+                      </a:r>
+                      <a:endParaRPr lang="en-US" dirty="0"/>
+                    </a:p>
+                  </a:txBody>
+                  <a:tcPr/>
+                </a:tc>
+                <a:extLst>
+                  <a:ext uri="{0D108BD9-81ED-4DB2-BD59-A6C34878D82A}">
+                    <a16:rowId xmlns:a16="http://schemas.microsoft.com/office/drawing/2014/main" val="10001"/>
+                  </a:ext>
+                </a:extLst>
+              </a:tr>
+              <a:tr h="662446">
+                <a:tc>
+                  <a:txBody>
+                    <a:bodyPr/>
+                    <a:lstStyle/>
+                    <a:p>
+                      <a:r>
+                        <a:rPr lang="en-US" dirty="0" err="1"/>
+                        <a:t>HiddenInput</a:t>
+                      </a:r>
+                      <a:endParaRPr lang="en-US" dirty="0"/>
+                    </a:p>
+                  </a:txBody>
+                  <a:tcPr/>
+                </a:tc>
+                <a:tc>
+                  <a:txBody>
+                    <a:bodyPr/>
+                    <a:lstStyle/>
+                    <a:p>
+                      <a:r>
+                        <a:rPr lang="en-US" dirty="0"/>
+                        <a:t>Render value</a:t>
+                      </a:r>
+                      <a:r>
+                        <a:rPr lang="en-US" baseline="0" dirty="0"/>
+                        <a:t> in a hidden input (when editing). </a:t>
+                      </a:r>
+                      <a:endParaRPr lang="en-US" dirty="0"/>
+                    </a:p>
+                  </a:txBody>
+                  <a:tcPr/>
+                </a:tc>
+                <a:extLst>
+                  <a:ext uri="{0D108BD9-81ED-4DB2-BD59-A6C34878D82A}">
+                    <a16:rowId xmlns:a16="http://schemas.microsoft.com/office/drawing/2014/main" val="10002"/>
+                  </a:ext>
+                </a:extLst>
+              </a:tr>
+              <a:tr h="662446">
+                <a:tc>
+                  <a:txBody>
+                    <a:bodyPr/>
+                    <a:lstStyle/>
+                    <a:p>
+                      <a:r>
+                        <a:rPr lang="en-US" dirty="0" err="1"/>
+                        <a:t>UIHint</a:t>
+                      </a:r>
+                      <a:endParaRPr lang="en-US" dirty="0"/>
+                    </a:p>
+                  </a:txBody>
+                  <a:tcPr/>
+                </a:tc>
+                <a:tc>
+                  <a:txBody>
+                    <a:bodyPr/>
+                    <a:lstStyle/>
+                    <a:p>
+                      <a:r>
+                        <a:rPr lang="en-US" dirty="0"/>
+                        <a:t>Specify</a:t>
+                      </a:r>
+                      <a:r>
+                        <a:rPr lang="en-US" baseline="0" dirty="0"/>
+                        <a:t> the name of the template to use for rendering.</a:t>
+                      </a:r>
+                      <a:endParaRPr lang="en-US" dirty="0"/>
+                    </a:p>
+                  </a:txBody>
+                  <a:tcPr/>
+                </a:tc>
+                <a:extLst>
+                  <a:ext uri="{0D108BD9-81ED-4DB2-BD59-A6C34878D82A}">
+                    <a16:rowId xmlns:a16="http://schemas.microsoft.com/office/drawing/2014/main" val="10003"/>
+                  </a:ext>
+                </a:extLst>
+              </a:tr>
+              <a:tr h="662446">
+                <a:tc>
+                  <a:txBody>
+                    <a:bodyPr/>
+                    <a:lstStyle/>
+                    <a:p>
+                      <a:r>
+                        <a:rPr lang="en-US" dirty="0" err="1"/>
+                        <a:t>DataType</a:t>
+                      </a:r>
+                      <a:endParaRPr lang="en-US" dirty="0"/>
+                    </a:p>
+                  </a:txBody>
+                  <a:tcPr/>
+                </a:tc>
+                <a:tc>
+                  <a:txBody>
+                    <a:bodyPr/>
+                    <a:lstStyle/>
+                    <a:p>
+                      <a:r>
+                        <a:rPr lang="en-US" dirty="0"/>
+                        <a:t>Common templates (email, password,</a:t>
+                      </a:r>
+                      <a:r>
+                        <a:rPr lang="en-US" baseline="0" dirty="0"/>
+                        <a:t> URL, currency)</a:t>
+                      </a:r>
+                      <a:endParaRPr lang="en-US" dirty="0"/>
+                    </a:p>
+                  </a:txBody>
+                  <a:tcPr/>
+                </a:tc>
+                <a:extLst>
+                  <a:ext uri="{0D108BD9-81ED-4DB2-BD59-A6C34878D82A}">
+                    <a16:rowId xmlns:a16="http://schemas.microsoft.com/office/drawing/2014/main" val="10004"/>
+                  </a:ext>
+                </a:extLst>
+              </a:tr>
+              <a:tr h="662446">
+                <a:tc>
+                  <a:txBody>
+                    <a:bodyPr/>
+                    <a:lstStyle/>
+                    <a:p>
+                      <a:r>
+                        <a:rPr lang="en-US" dirty="0" err="1"/>
+                        <a:t>ReadOnly</a:t>
+                      </a:r>
+                      <a:endParaRPr lang="en-US" dirty="0"/>
+                    </a:p>
+                  </a:txBody>
+                  <a:tcPr/>
+                </a:tc>
+                <a:tc>
+                  <a:txBody>
+                    <a:bodyPr/>
+                    <a:lstStyle/>
+                    <a:p>
+                      <a:r>
+                        <a:rPr lang="en-US" dirty="0"/>
+                        <a:t>Specify a read-only property (for model binding). </a:t>
+                      </a:r>
+                    </a:p>
+                  </a:txBody>
+                  <a:tcPr/>
+                </a:tc>
+                <a:extLst>
+                  <a:ext uri="{0D108BD9-81ED-4DB2-BD59-A6C34878D82A}">
+                    <a16:rowId xmlns:a16="http://schemas.microsoft.com/office/drawing/2014/main" val="10005"/>
+                  </a:ext>
+                </a:extLst>
+              </a:tr>
+              <a:tr h="416031">
+                <a:tc>
+                  <a:txBody>
+                    <a:bodyPr/>
+                    <a:lstStyle/>
+                    <a:p>
+                      <a:r>
+                        <a:rPr lang="en-US" dirty="0" err="1"/>
+                        <a:t>DisplayFormat</a:t>
+                      </a:r>
+                      <a:endParaRPr lang="en-US" dirty="0"/>
+                    </a:p>
+                  </a:txBody>
+                  <a:tcPr/>
+                </a:tc>
+                <a:tc>
+                  <a:txBody>
+                    <a:bodyPr/>
+                    <a:lstStyle/>
+                    <a:p>
+                      <a:r>
+                        <a:rPr lang="en-US" dirty="0"/>
+                        <a:t>Format strings</a:t>
+                      </a:r>
+                      <a:r>
+                        <a:rPr lang="en-US" baseline="0" dirty="0"/>
+                        <a:t> and null display text</a:t>
+                      </a:r>
+                      <a:endParaRPr lang="en-US" dirty="0"/>
+                    </a:p>
+                  </a:txBody>
+                  <a:tcPr/>
+                </a:tc>
+                <a:extLst>
+                  <a:ext uri="{0D108BD9-81ED-4DB2-BD59-A6C34878D82A}">
+                    <a16:rowId xmlns:a16="http://schemas.microsoft.com/office/drawing/2014/main" val="10006"/>
+                  </a:ext>
+                </a:extLst>
+              </a:tr>
+              <a:tr h="416031">
+                <a:tc>
+                  <a:txBody>
+                    <a:bodyPr/>
+                    <a:lstStyle/>
+                    <a:p>
+                      <a:r>
+                        <a:rPr lang="en-US" dirty="0" err="1"/>
+                        <a:t>ScaffoldColumn</a:t>
+                      </a:r>
+                      <a:endParaRPr lang="en-US" dirty="0"/>
+                    </a:p>
+                  </a:txBody>
+                  <a:tcPr/>
+                </a:tc>
+                <a:tc>
+                  <a:txBody>
+                    <a:bodyPr/>
+                    <a:lstStyle/>
+                    <a:p>
+                      <a:r>
+                        <a:rPr lang="en-US" dirty="0"/>
+                        <a:t>Turn off display and edit capabilities</a:t>
+                      </a:r>
+                    </a:p>
+                  </a:txBody>
+                  <a:tcPr/>
+                </a:tc>
+                <a:extLst>
+                  <a:ext uri="{0D108BD9-81ED-4DB2-BD59-A6C34878D82A}">
+                    <a16:rowId xmlns:a16="http://schemas.microsoft.com/office/drawing/2014/main" val="10007"/>
+                  </a:ext>
+                </a:extLst>
+              </a:tr>
+              <a:tr h="416031">
+                <a:tc>
+                  <a:txBody>
+                    <a:bodyPr/>
+                    <a:lstStyle/>
+                    <a:p>
+                      <a:r>
+                        <a:rPr lang="en-US" dirty="0" err="1"/>
+                        <a:t>DisplayName</a:t>
+                      </a:r>
+                      <a:endParaRPr lang="en-US" dirty="0"/>
+                    </a:p>
+                  </a:txBody>
+                  <a:tcPr/>
+                </a:tc>
+                <a:tc>
+                  <a:txBody>
+                    <a:bodyPr/>
+                    <a:lstStyle/>
+                    <a:p>
+                      <a:r>
+                        <a:rPr lang="en-US" dirty="0"/>
+                        <a:t>Friendly name for labels</a:t>
+                      </a:r>
+                    </a:p>
+                  </a:txBody>
+                  <a:tcPr/>
+                </a:tc>
+                <a:extLst>
+                  <a:ext uri="{0D108BD9-81ED-4DB2-BD59-A6C34878D82A}">
+                    <a16:rowId xmlns:a16="http://schemas.microsoft.com/office/drawing/2014/main" val="10008"/>
+                  </a:ext>
+                </a:extLst>
+              </a:tr>
+              <a:tr h="662446">
+                <a:tc>
+                  <a:txBody>
+                    <a:bodyPr/>
+                    <a:lstStyle/>
+                    <a:p>
+                      <a:r>
+                        <a:rPr lang="en-US" dirty="0"/>
+                        <a:t>Required</a:t>
+                      </a:r>
+                    </a:p>
+                  </a:txBody>
+                  <a:tcPr/>
+                </a:tc>
+                <a:tc>
+                  <a:txBody>
+                    <a:bodyPr/>
+                    <a:lstStyle/>
+                    <a:p>
+                      <a:r>
+                        <a:rPr lang="en-US" dirty="0"/>
+                        <a:t>Specify</a:t>
+                      </a:r>
+                      <a:r>
+                        <a:rPr lang="en-US" baseline="0" dirty="0"/>
+                        <a:t> required properties (for model binding). </a:t>
+                      </a:r>
+                      <a:endParaRPr lang="en-US" dirty="0"/>
+                    </a:p>
+                  </a:txBody>
+                  <a:tcPr/>
+                </a:tc>
+                <a:extLst>
+                  <a:ext uri="{0D108BD9-81ED-4DB2-BD59-A6C34878D82A}">
+                    <a16:rowId xmlns:a16="http://schemas.microsoft.com/office/drawing/2014/main" val="10009"/>
+                  </a:ext>
+                </a:extLst>
+              </a:tr>
+            </a:tbl>
+          </a:graphicData>
+        </a:graphic>
+      </p:graphicFrame>
+    </p:spTree>
+    <p:extLst>
+      <p:ext uri="{BB962C8B-B14F-4D97-AF65-F5344CB8AC3E}">
+        <p14:creationId xmlns:p14="http://schemas.microsoft.com/office/powerpoint/2010/main" val="3114780782"/>
+      </p:ext>
+    </p:extLst>
+  </p:cSld>
+  <p:clrMapOvr>
+    <a:masterClrMapping/>
+  </p:clrMapOvr>
+  <p:transition>
+    <p:fade/>
+  </p:transition>
+</p:sld>
+</file>
+
+<file path=ppt/slides/slide18.xml><?xml version="1.0" encoding="utf-8"?>
+<p:sld xmlns:a="http://schemas.openxmlformats.org/drawingml/2006/main" xmlns:r="http://schemas.openxmlformats.org/officeDocument/2006/relationships" xmlns:p="http://schemas.openxmlformats.org/presentationml/2006/main">
+  <p:cSld>
+    <p:spTree>
+      <p:nvGrpSpPr>
+        <p:cNvPr id="1" name=""/>
+        <p:cNvGrpSpPr/>
+        <p:nvPr/>
+      </p:nvGrpSpPr>
+      <p:grpSpPr>
+        <a:xfrm>
+          <a:off x="0" y="0"/>
+          <a:ext cx="0" cy="0"/>
+          <a:chOff x="0" y="0"/>
+          <a:chExt cx="0" cy="0"/>
+        </a:xfrm>
+      </p:grpSpPr>
+      <p:sp>
+        <p:nvSpPr>
+          <p:cNvPr id="2" name="Title 1"/>
+          <p:cNvSpPr>
+            <a:spLocks noGrp="1"/>
+          </p:cNvSpPr>
+          <p:nvPr>
+            <p:ph type="title"/>
+          </p:nvPr>
+        </p:nvSpPr>
+        <p:spPr/>
+        <p:txBody>
+          <a:bodyPr/>
+          <a:lstStyle/>
+          <a:p>
+            <a:r>
+              <a:rPr lang="en-US" dirty="0"/>
+              <a:t>Security</a:t>
+            </a:r>
+          </a:p>
+        </p:txBody>
+      </p:sp>
+      <p:sp>
+        <p:nvSpPr>
+          <p:cNvPr id="3" name="Text Placeholder 2"/>
+          <p:cNvSpPr>
+            <a:spLocks noGrp="1"/>
+          </p:cNvSpPr>
+          <p:nvPr>
+            <p:ph type="body" idx="1"/>
+          </p:nvPr>
+        </p:nvSpPr>
+        <p:spPr/>
+        <p:txBody>
+          <a:bodyPr/>
+          <a:lstStyle/>
+          <a:p>
+            <a:r>
+              <a:rPr lang="en-US" dirty="0" err="1"/>
               <a:t>Html.Encode</a:t>
             </a:r>
             <a:r>
-              <a:rPr lang="en-US" dirty="0" smtClean="0"/>
+              <a:rPr lang="en-US" dirty="0"/>
               <a:t> </a:t>
             </a:r>
           </a:p>
           <a:p>
             <a:pPr lvl="1"/>
             <a:r>
-              <a:rPr lang="en-US" dirty="0" smtClean="0"/>
+              <a:rPr lang="en-US" dirty="0"/>
               <a:t>Helps to avoid XSS attacks</a:t>
             </a:r>
           </a:p>
           <a:p>
             <a:pPr lvl="1"/>
             <a:r>
-              <a:rPr lang="en-US" dirty="0" smtClean="0"/>
+              <a:rPr lang="en-US" dirty="0"/>
               <a:t>Not encoding user input makes you particularly vulnerable</a:t>
             </a:r>
           </a:p>
           <a:p>
             <a:r>
-              <a:rPr lang="en-US" dirty="0" err="1" smtClean="0"/>
+              <a:rPr lang="en-US" dirty="0" err="1"/>
               <a:t>AntiForgeryToken</a:t>
             </a:r>
-            <a:endParaRPr lang="en-US" dirty="0" smtClean="0"/>
+            <a:endParaRPr lang="en-US" dirty="0"/>
           </a:p>
           <a:p>
             <a:pPr lvl="1"/>
             <a:r>
-              <a:rPr lang="en-US" dirty="0" smtClean="0"/>
+              <a:rPr lang="en-US" dirty="0"/>
               <a:t>Helps to avoids CSRF attacks</a:t>
             </a:r>
           </a:p>
           <a:p>
             <a:pPr lvl="1"/>
             <a:r>
-              <a:rPr lang="en-US" dirty="0" smtClean="0"/>
+              <a:rPr lang="en-US" dirty="0"/>
               <a:t>Requires a </a:t>
             </a:r>
             <a:r>
-              <a:rPr lang="en-US" dirty="0" err="1" smtClean="0"/>
+              <a:rPr lang="en-US" dirty="0" err="1"/>
               <a:t>ValidateAntiForgeryToken</a:t>
             </a:r>
             <a:r>
-              <a:rPr lang="en-US" dirty="0" smtClean="0"/>
+              <a:rPr lang="en-US" dirty="0"/>
               <a:t> attribute on controller action</a:t>
             </a:r>
           </a:p>
           <a:p>
-            <a:endParaRPr lang="en-US" dirty="0" smtClean="0"/>
+            <a:endParaRPr lang="en-US" dirty="0"/>
           </a:p>
           <a:p>
             <a:pPr lvl="1"/>
-            <a:endParaRPr lang="en-US" dirty="0" smtClean="0"/>
+            <a:endParaRPr lang="en-US" dirty="0"/>
           </a:p>
         </p:txBody>
       </p:sp>
@@ -6647,7 +7098,7 @@
           <a:lstStyle/>
           <a:p>
             <a:r>
-              <a:rPr lang="en-US" sz="1800" dirty="0" smtClean="0">
+              <a:rPr lang="en-US" sz="1800" dirty="0">
                 <a:solidFill>
                   <a:srgbClr val="002060"/>
                 </a:solidFill>
@@ -6655,12 +7106,6 @@
               </a:rPr>
               <a:t>GET evil.aspx</a:t>
             </a:r>
-            <a:endParaRPr lang="en-US" sz="1800" dirty="0">
-              <a:solidFill>
-                <a:srgbClr val="002060"/>
-              </a:solidFill>
-              <a:latin typeface="Tekton Pro" pitchFamily="34" charset="0"/>
-            </a:endParaRPr>
           </a:p>
         </p:txBody>
       </p:sp>
@@ -6693,7 +7138,7 @@
           <a:lstStyle/>
           <a:p>
             <a:r>
-              <a:rPr lang="en-US" sz="1800" dirty="0" smtClean="0">
+              <a:rPr lang="en-US" sz="1800" dirty="0">
                 <a:solidFill>
                   <a:srgbClr val="002060"/>
                 </a:solidFill>
@@ -6701,12 +7146,6 @@
               </a:rPr>
               <a:t>EVIL.com</a:t>
             </a:r>
-            <a:endParaRPr lang="en-US" sz="1800" dirty="0">
-              <a:solidFill>
-                <a:srgbClr val="002060"/>
-              </a:solidFill>
-              <a:latin typeface="Tekton Pro" pitchFamily="34" charset="0"/>
-            </a:endParaRPr>
           </a:p>
         </p:txBody>
       </p:sp>
@@ -6739,7 +7178,7 @@
           <a:lstStyle/>
           <a:p>
             <a:r>
-              <a:rPr lang="en-US" sz="1800" dirty="0" smtClean="0">
+              <a:rPr lang="en-US" sz="1800" dirty="0">
                 <a:solidFill>
                   <a:srgbClr val="002060"/>
                 </a:solidFill>
@@ -6747,12 +7186,6 @@
               </a:rPr>
               <a:t>YOU.com</a:t>
             </a:r>
-            <a:endParaRPr lang="en-US" sz="1800" dirty="0">
-              <a:solidFill>
-                <a:srgbClr val="002060"/>
-              </a:solidFill>
-              <a:latin typeface="Tekton Pro" pitchFamily="34" charset="0"/>
-            </a:endParaRPr>
           </a:p>
         </p:txBody>
       </p:sp>
@@ -6826,7 +7259,7 @@
           <a:lstStyle/>
           <a:p>
             <a:r>
-              <a:rPr lang="en-US" dirty="0" smtClean="0">
+              <a:rPr lang="en-US" dirty="0">
                 <a:solidFill>
                   <a:srgbClr val="002060"/>
                 </a:solidFill>
@@ -6837,7 +7270,7 @@
           </a:p>
           <a:p>
             <a:r>
-              <a:rPr lang="en-US" dirty="0" smtClean="0">
+              <a:rPr lang="en-US" dirty="0">
                 <a:solidFill>
                   <a:srgbClr val="002060"/>
                 </a:solidFill>
@@ -6845,12 +7278,6 @@
               </a:rPr>
               <a:t>…</a:t>
             </a:r>
-            <a:endParaRPr lang="en-US" dirty="0">
-              <a:solidFill>
-                <a:srgbClr val="002060"/>
-              </a:solidFill>
-              <a:latin typeface="Tekton Pro" pitchFamily="34" charset="0"/>
-            </a:endParaRPr>
           </a:p>
         </p:txBody>
       </p:sp>
@@ -6922,7 +7349,7 @@
           <a:lstStyle/>
           <a:p>
             <a:r>
-              <a:rPr lang="en-US" sz="1800" dirty="0" smtClean="0">
+              <a:rPr lang="en-US" sz="1800" dirty="0">
                 <a:solidFill>
                   <a:srgbClr val="002060"/>
                 </a:solidFill>
@@ -6930,12 +7357,6 @@
               </a:rPr>
               <a:t>POST editprofile.aspx </a:t>
             </a:r>
-            <a:endParaRPr lang="en-US" sz="1800" dirty="0">
-              <a:solidFill>
-                <a:srgbClr val="002060"/>
-              </a:solidFill>
-              <a:latin typeface="Tekton Pro" pitchFamily="34" charset="0"/>
-            </a:endParaRPr>
           </a:p>
         </p:txBody>
       </p:sp>
@@ -6952,17 +7373,10 @@
   <p:transition>
     <p:fade/>
   </p:transition>
-  <p:timing>
-    <p:tnLst>
-      <p:par>
-        <p:cTn id="1" dur="indefinite" restart="never" nodeType="tmRoot"/>
-      </p:par>
-    </p:tnLst>
-  </p:timing>
 </p:sld>
 </file>
 
-<file path=ppt/slides/slide18.xml><?xml version="1.0" encoding="utf-8"?>
+<file path=ppt/slides/slide19.xml><?xml version="1.0" encoding="utf-8"?>
 <p:sld xmlns:a="http://schemas.openxmlformats.org/drawingml/2006/main" xmlns:r="http://schemas.openxmlformats.org/officeDocument/2006/relationships" xmlns:p="http://schemas.openxmlformats.org/presentationml/2006/main">
   <p:cSld>
     <p:spTree>
@@ -6995,10 +7409,9 @@
           <a:lstStyle/>
           <a:p>
             <a:r>
-              <a:rPr lang="en-US" dirty="0" smtClean="0"/>
+              <a:rPr lang="en-US" dirty="0"/>
               <a:t>Model Binding</a:t>
             </a:r>
-            <a:endParaRPr lang="en-US" dirty="0"/>
           </a:p>
         </p:txBody>
       </p:sp>
@@ -7018,46 +7431,46 @@
           <a:lstStyle/>
           <a:p>
             <a:r>
-              <a:rPr lang="en-US" dirty="0" smtClean="0"/>
+              <a:rPr lang="en-US" dirty="0"/>
               <a:t>Default model binder maps request values to a CLR type</a:t>
             </a:r>
           </a:p>
           <a:p>
             <a:pPr lvl="1"/>
             <a:r>
-              <a:rPr lang="en-US" dirty="0" smtClean="0"/>
+              <a:rPr lang="en-US" dirty="0"/>
               <a:t>[</a:t>
             </a:r>
             <a:r>
-              <a:rPr lang="en-US" dirty="0" err="1" smtClean="0"/>
+              <a:rPr lang="en-US" dirty="0" err="1"/>
               <a:t>FromBody</a:t>
             </a:r>
             <a:r>
-              <a:rPr lang="en-US" dirty="0" smtClean="0"/>
+              <a:rPr lang="en-US" dirty="0"/>
               <a:t>] [</a:t>
             </a:r>
             <a:r>
-              <a:rPr lang="en-US" dirty="0" err="1" smtClean="0"/>
+              <a:rPr lang="en-US" dirty="0" err="1"/>
               <a:t>FromQuery</a:t>
             </a:r>
             <a:r>
-              <a:rPr lang="en-US" dirty="0" smtClean="0"/>
+              <a:rPr lang="en-US" dirty="0"/>
               <a:t>] [</a:t>
             </a:r>
             <a:r>
-              <a:rPr lang="en-US" dirty="0" err="1" smtClean="0"/>
+              <a:rPr lang="en-US" dirty="0" err="1"/>
               <a:t>FromHeader</a:t>
             </a:r>
             <a:r>
-              <a:rPr lang="en-US" dirty="0" smtClean="0"/>
+              <a:rPr lang="en-US" dirty="0"/>
               <a:t>] [</a:t>
             </a:r>
             <a:r>
-              <a:rPr lang="en-US" dirty="0" err="1" smtClean="0"/>
+              <a:rPr lang="en-US" dirty="0" err="1"/>
               <a:t>FromRoute</a:t>
             </a:r>
             <a:r>
-              <a:rPr lang="en-US" dirty="0" smtClean="0"/>
+              <a:rPr lang="en-US" dirty="0"/>
               <a:t>] …</a:t>
             </a:r>
           </a:p>
@@ -7111,7 +7524,7 @@
               </a:spcAft>
             </a:pPr>
             <a:r>
-              <a:rPr lang="en-US" sz="1800" b="0" dirty="0" smtClean="0">
+              <a:rPr lang="en-US" sz="1800" b="0" dirty="0">
                 <a:solidFill>
                   <a:srgbClr val="0000FF"/>
                 </a:solidFill>
@@ -7122,7 +7535,7 @@
               <a:t>public</a:t>
             </a:r>
             <a:r>
-              <a:rPr lang="en-US" sz="1800" b="0" dirty="0" smtClean="0">
+              <a:rPr lang="en-US" sz="1800" b="0" dirty="0">
                 <a:latin typeface="Consolas"/>
                 <a:ea typeface="Calibri"/>
                 <a:cs typeface="Times New Roman"/>
@@ -7130,7 +7543,7 @@
               <a:t> </a:t>
             </a:r>
             <a:r>
-              <a:rPr lang="en-US" sz="1800" b="0" dirty="0" err="1" smtClean="0">
+              <a:rPr lang="en-US" sz="1800" b="0" dirty="0" err="1">
                 <a:solidFill>
                   <a:srgbClr val="2B91AF"/>
                 </a:solidFill>
@@ -7141,7 +7554,7 @@
               <a:t>ActionResult</a:t>
             </a:r>
             <a:r>
-              <a:rPr lang="en-US" sz="1800" b="0" dirty="0" smtClean="0">
+              <a:rPr lang="en-US" sz="1800" b="0" dirty="0">
                 <a:latin typeface="Consolas"/>
                 <a:ea typeface="Calibri"/>
                 <a:cs typeface="Times New Roman"/>
@@ -7149,7 +7562,7 @@
               <a:t> Edit(</a:t>
             </a:r>
             <a:r>
-              <a:rPr lang="en-US" sz="1800" b="0" dirty="0" smtClean="0">
+              <a:rPr lang="en-US" sz="1800" b="0" dirty="0">
                 <a:solidFill>
                   <a:srgbClr val="2B91AF"/>
                 </a:solidFill>
@@ -7160,7 +7573,7 @@
               <a:t>Employee</a:t>
             </a:r>
             <a:r>
-              <a:rPr lang="en-US" sz="1800" b="0" dirty="0" smtClean="0">
+              <a:rPr lang="en-US" sz="1800" b="0" dirty="0">
                 <a:latin typeface="Consolas"/>
                 <a:ea typeface="Calibri"/>
                 <a:cs typeface="Times New Roman"/>
@@ -7168,7 +7581,7 @@
               <a:t> </a:t>
             </a:r>
             <a:r>
-              <a:rPr lang="en-US" sz="1800" b="0" dirty="0" err="1" smtClean="0">
+              <a:rPr lang="en-US" sz="1800" b="0" dirty="0" err="1">
                 <a:latin typeface="Consolas"/>
                 <a:ea typeface="Calibri"/>
                 <a:cs typeface="Times New Roman"/>
@@ -7176,14 +7589,14 @@
               <a:t>employee</a:t>
             </a:r>
             <a:r>
-              <a:rPr lang="en-US" sz="1800" b="0" dirty="0" smtClean="0">
+              <a:rPr lang="en-US" sz="1800" b="0" dirty="0">
                 <a:latin typeface="Consolas"/>
                 <a:ea typeface="Calibri"/>
                 <a:cs typeface="Times New Roman"/>
               </a:rPr>
               <a:t>)</a:t>
             </a:r>
-            <a:endParaRPr lang="en-US" sz="1800" b="0" dirty="0" smtClean="0">
+            <a:endParaRPr lang="en-US" sz="1800" b="0" dirty="0">
               <a:latin typeface="Calibri"/>
               <a:ea typeface="Calibri"/>
               <a:cs typeface="Times New Roman"/>
@@ -7202,14 +7615,14 @@
               </a:spcAft>
             </a:pPr>
             <a:r>
-              <a:rPr lang="en-US" sz="1800" b="0" dirty="0" smtClean="0">
+              <a:rPr lang="en-US" sz="1800" b="0" dirty="0">
                 <a:latin typeface="Consolas"/>
                 <a:ea typeface="Calibri"/>
                 <a:cs typeface="Times New Roman"/>
               </a:rPr>
               <a:t>{</a:t>
             </a:r>
-            <a:endParaRPr lang="en-US" sz="1800" b="0" dirty="0" smtClean="0">
+            <a:endParaRPr lang="en-US" sz="1800" b="0" dirty="0">
               <a:latin typeface="Calibri"/>
               <a:ea typeface="Calibri"/>
               <a:cs typeface="Times New Roman"/>
@@ -7228,14 +7641,14 @@
               </a:spcAft>
             </a:pPr>
             <a:r>
-              <a:rPr lang="en-US" sz="1800" b="0" dirty="0" smtClean="0">
+              <a:rPr lang="en-US" sz="1800" b="0" dirty="0">
                 <a:latin typeface="Consolas"/>
                 <a:ea typeface="Calibri"/>
                 <a:cs typeface="Times New Roman"/>
               </a:rPr>
               <a:t> </a:t>
             </a:r>
-            <a:endParaRPr lang="en-US" sz="1800" b="0" dirty="0" smtClean="0">
+            <a:endParaRPr lang="en-US" sz="1800" b="0" dirty="0">
               <a:latin typeface="Calibri"/>
               <a:ea typeface="Calibri"/>
               <a:cs typeface="Times New Roman"/>
@@ -7254,7 +7667,7 @@
               </a:spcAft>
             </a:pPr>
             <a:r>
-              <a:rPr lang="en-US" sz="1800" b="0" dirty="0" smtClean="0">
+              <a:rPr lang="en-US" sz="1800" b="0" dirty="0">
                 <a:latin typeface="Consolas"/>
                 <a:ea typeface="Calibri"/>
                 <a:cs typeface="Times New Roman"/>
@@ -7262,7 +7675,7 @@
               <a:t>  </a:t>
             </a:r>
             <a:r>
-              <a:rPr lang="en-US" sz="1800" b="0" dirty="0" smtClean="0">
+              <a:rPr lang="en-US" sz="1800" b="0" dirty="0">
                 <a:solidFill>
                   <a:srgbClr val="008000"/>
                 </a:solidFill>
@@ -7272,7 +7685,7 @@
               </a:rPr>
               <a:t>// ...  </a:t>
             </a:r>
-            <a:endParaRPr lang="en-US" sz="1800" b="0" dirty="0" smtClean="0">
+            <a:endParaRPr lang="en-US" sz="1800" b="0" dirty="0">
               <a:latin typeface="Calibri"/>
               <a:ea typeface="Calibri"/>
               <a:cs typeface="Times New Roman"/>
@@ -7291,14 +7704,14 @@
               </a:spcAft>
             </a:pPr>
             <a:r>
-              <a:rPr lang="en-US" sz="1800" b="0" dirty="0" smtClean="0">
+              <a:rPr lang="en-US" sz="1800" b="0" dirty="0">
                 <a:latin typeface="Consolas"/>
                 <a:ea typeface="Calibri"/>
                 <a:cs typeface="Times New Roman"/>
               </a:rPr>
               <a:t>}</a:t>
             </a:r>
-            <a:endParaRPr lang="en-US" sz="1800" b="0" dirty="0" smtClean="0">
+            <a:endParaRPr lang="en-US" sz="1800" b="0" dirty="0">
               <a:latin typeface="Calibri"/>
               <a:ea typeface="Calibri"/>
               <a:cs typeface="Times New Roman"/>
@@ -7387,7 +7800,7 @@
               </a:spcAft>
             </a:pPr>
             <a:r>
-              <a:rPr lang="en-US" sz="1800" b="0" dirty="0" smtClean="0">
+              <a:rPr lang="en-US" sz="1800" b="0" dirty="0">
                 <a:solidFill>
                   <a:srgbClr val="0000FF"/>
                 </a:solidFill>
@@ -7398,7 +7811,7 @@
               <a:t>public</a:t>
             </a:r>
             <a:r>
-              <a:rPr lang="en-US" sz="1800" b="0" dirty="0" smtClean="0">
+              <a:rPr lang="en-US" sz="1800" b="0" dirty="0">
                 <a:latin typeface="Consolas"/>
                 <a:ea typeface="Calibri"/>
                 <a:cs typeface="Times New Roman"/>
@@ -7406,7 +7819,7 @@
               <a:t> </a:t>
             </a:r>
             <a:r>
-              <a:rPr lang="en-US" sz="1800" b="0" dirty="0" err="1" smtClean="0">
+              <a:rPr lang="en-US" sz="1800" b="0" dirty="0" err="1">
                 <a:solidFill>
                   <a:srgbClr val="2B91AF"/>
                 </a:solidFill>
@@ -7417,7 +7830,7 @@
               <a:t>ActionResult</a:t>
             </a:r>
             <a:r>
-              <a:rPr lang="en-US" sz="1800" b="0" dirty="0" smtClean="0">
+              <a:rPr lang="en-US" sz="1800" b="0" dirty="0">
                 <a:latin typeface="Consolas"/>
                 <a:ea typeface="Calibri"/>
                 <a:cs typeface="Times New Roman"/>
@@ -7425,7 +7838,7 @@
               <a:t> Edit(</a:t>
             </a:r>
             <a:r>
-              <a:rPr lang="en-US" sz="1800" b="0" dirty="0" err="1" smtClean="0">
+              <a:rPr lang="en-US" sz="1800" b="0" dirty="0" err="1">
                 <a:solidFill>
                   <a:srgbClr val="0000FF"/>
                 </a:solidFill>
@@ -7436,7 +7849,7 @@
               <a:t>int</a:t>
             </a:r>
             <a:r>
-              <a:rPr lang="en-US" sz="1800" b="0" dirty="0" smtClean="0">
+              <a:rPr lang="en-US" sz="1800" b="0" dirty="0">
                 <a:latin typeface="Consolas"/>
                 <a:ea typeface="Calibri"/>
                 <a:cs typeface="Times New Roman"/>
@@ -7444,7 +7857,7 @@
               <a:t> id, </a:t>
             </a:r>
             <a:r>
-              <a:rPr lang="en-US" sz="1800" b="0" dirty="0" smtClean="0">
+              <a:rPr lang="en-US" sz="1800" b="0" dirty="0">
                 <a:solidFill>
                   <a:srgbClr val="0000FF"/>
                 </a:solidFill>
@@ -7455,14 +7868,14 @@
               <a:t>string</a:t>
             </a:r>
             <a:r>
-              <a:rPr lang="en-US" sz="1800" b="0" dirty="0" smtClean="0">
+              <a:rPr lang="en-US" sz="1800" b="0" dirty="0">
                 <a:latin typeface="Consolas"/>
                 <a:ea typeface="Calibri"/>
                 <a:cs typeface="Times New Roman"/>
               </a:rPr>
               <a:t> name,</a:t>
             </a:r>
-            <a:endParaRPr lang="en-US" sz="1800" b="0" dirty="0" smtClean="0">
+            <a:endParaRPr lang="en-US" sz="1800" b="0" dirty="0">
               <a:latin typeface="Calibri"/>
               <a:ea typeface="Calibri"/>
               <a:cs typeface="Times New Roman"/>
@@ -7481,7 +7894,7 @@
               </a:spcAft>
             </a:pPr>
             <a:r>
-              <a:rPr lang="en-US" sz="1800" b="0" dirty="0" smtClean="0">
+              <a:rPr lang="en-US" sz="1800" b="0" dirty="0">
                 <a:latin typeface="Consolas"/>
                 <a:ea typeface="Calibri"/>
                 <a:cs typeface="Times New Roman"/>
@@ -7489,7 +7902,7 @@
               <a:t>                         </a:t>
             </a:r>
             <a:r>
-              <a:rPr lang="en-US" sz="1800" b="0" dirty="0" err="1" smtClean="0">
+              <a:rPr lang="en-US" sz="1800" b="0" dirty="0" err="1">
                 <a:solidFill>
                   <a:srgbClr val="2B91AF"/>
                 </a:solidFill>
@@ -7500,7 +7913,7 @@
               <a:t>DateTime</a:t>
             </a:r>
             <a:r>
-              <a:rPr lang="en-US" sz="1800" b="0" dirty="0" smtClean="0">
+              <a:rPr lang="en-US" sz="1800" b="0" dirty="0">
                 <a:latin typeface="Consolas"/>
                 <a:ea typeface="Calibri"/>
                 <a:cs typeface="Times New Roman"/>
@@ -7508,7 +7921,7 @@
               <a:t> </a:t>
             </a:r>
             <a:r>
-              <a:rPr lang="en-US" sz="1800" b="0" dirty="0" err="1" smtClean="0">
+              <a:rPr lang="en-US" sz="1800" b="0" dirty="0" err="1">
                 <a:latin typeface="Consolas"/>
                 <a:ea typeface="Calibri"/>
                 <a:cs typeface="Times New Roman"/>
@@ -7516,14 +7929,14 @@
               <a:t>hireDate</a:t>
             </a:r>
             <a:r>
-              <a:rPr lang="en-US" sz="1800" b="0" dirty="0" smtClean="0">
+              <a:rPr lang="en-US" sz="1800" b="0" dirty="0">
                 <a:latin typeface="Consolas"/>
                 <a:ea typeface="Calibri"/>
                 <a:cs typeface="Times New Roman"/>
               </a:rPr>
               <a:t>)</a:t>
             </a:r>
-            <a:endParaRPr lang="en-US" sz="1800" b="0" dirty="0" smtClean="0">
+            <a:endParaRPr lang="en-US" sz="1800" b="0" dirty="0">
               <a:latin typeface="Calibri"/>
               <a:ea typeface="Calibri"/>
               <a:cs typeface="Times New Roman"/>
@@ -7542,14 +7955,14 @@
               </a:spcAft>
             </a:pPr>
             <a:r>
-              <a:rPr lang="en-US" sz="1800" b="0" dirty="0" smtClean="0">
+              <a:rPr lang="en-US" sz="1800" b="0" dirty="0">
                 <a:latin typeface="Consolas"/>
                 <a:ea typeface="Calibri"/>
                 <a:cs typeface="Times New Roman"/>
               </a:rPr>
               <a:t>{</a:t>
             </a:r>
-            <a:endParaRPr lang="en-US" sz="1800" b="0" dirty="0" smtClean="0">
+            <a:endParaRPr lang="en-US" sz="1800" b="0" dirty="0">
               <a:latin typeface="Calibri"/>
               <a:ea typeface="Calibri"/>
               <a:cs typeface="Times New Roman"/>
@@ -7568,14 +7981,14 @@
               </a:spcAft>
             </a:pPr>
             <a:r>
-              <a:rPr lang="en-US" sz="1800" b="0" dirty="0" smtClean="0">
+              <a:rPr lang="en-US" sz="1800" b="0" dirty="0">
                 <a:latin typeface="Consolas"/>
                 <a:ea typeface="Calibri"/>
                 <a:cs typeface="Times New Roman"/>
               </a:rPr>
               <a:t> </a:t>
             </a:r>
-            <a:endParaRPr lang="en-US" sz="1800" b="0" dirty="0" smtClean="0">
+            <a:endParaRPr lang="en-US" sz="1800" b="0" dirty="0">
               <a:latin typeface="Calibri"/>
               <a:ea typeface="Calibri"/>
               <a:cs typeface="Times New Roman"/>
@@ -7594,7 +8007,7 @@
               </a:spcAft>
             </a:pPr>
             <a:r>
-              <a:rPr lang="en-US" sz="1800" b="0" dirty="0" smtClean="0">
+              <a:rPr lang="en-US" sz="1800" b="0" dirty="0">
                 <a:latin typeface="Consolas"/>
                 <a:ea typeface="Calibri"/>
                 <a:cs typeface="Times New Roman"/>
@@ -7602,7 +8015,7 @@
               <a:t>  </a:t>
             </a:r>
             <a:r>
-              <a:rPr lang="en-US" sz="1800" b="0" dirty="0" smtClean="0">
+              <a:rPr lang="en-US" sz="1800" b="0" dirty="0">
                 <a:solidFill>
                   <a:srgbClr val="008000"/>
                 </a:solidFill>
@@ -7612,7 +8025,7 @@
               </a:rPr>
               <a:t>// ...  </a:t>
             </a:r>
-            <a:endParaRPr lang="en-US" sz="1800" b="0" dirty="0" smtClean="0">
+            <a:endParaRPr lang="en-US" sz="1800" b="0" dirty="0">
               <a:latin typeface="Calibri"/>
               <a:ea typeface="Calibri"/>
               <a:cs typeface="Times New Roman"/>
@@ -7631,14 +8044,14 @@
               </a:spcAft>
             </a:pPr>
             <a:r>
-              <a:rPr lang="en-US" sz="1800" b="0" dirty="0" smtClean="0">
+              <a:rPr lang="en-US" sz="1800" b="0" dirty="0">
                 <a:latin typeface="Consolas"/>
                 <a:ea typeface="Calibri"/>
                 <a:cs typeface="Times New Roman"/>
               </a:rPr>
               <a:t>}</a:t>
             </a:r>
-            <a:endParaRPr lang="en-US" sz="1800" b="0" dirty="0" smtClean="0">
+            <a:endParaRPr lang="en-US" sz="1800" b="0" dirty="0">
               <a:latin typeface="Calibri"/>
               <a:ea typeface="Calibri"/>
               <a:cs typeface="Times New Roman"/>
@@ -7683,133 +8096,6 @@
     <p:extLst>
       <p:ext uri="{BB962C8B-B14F-4D97-AF65-F5344CB8AC3E}">
         <p14:creationId xmlns:p14="http://schemas.microsoft.com/office/powerpoint/2010/main" val="108366189"/>
-      </p:ext>
-    </p:extLst>
-  </p:cSld>
-  <p:clrMapOvr>
-    <a:masterClrMapping/>
-  </p:clrMapOvr>
-  <p:transition>
-    <p:fade/>
-  </p:transition>
-  <p:timing>
-    <p:tnLst>
-      <p:par>
-        <p:cTn id="1" dur="indefinite" restart="never" nodeType="tmRoot"/>
-      </p:par>
-    </p:tnLst>
-  </p:timing>
-</p:sld>
-</file>
-
-<file path=ppt/slides/slide19.xml><?xml version="1.0" encoding="utf-8"?>
-<p:sld xmlns:a="http://schemas.openxmlformats.org/drawingml/2006/main" xmlns:r="http://schemas.openxmlformats.org/officeDocument/2006/relationships" xmlns:p="http://schemas.openxmlformats.org/presentationml/2006/main">
-  <p:cSld>
-    <p:spTree>
-      <p:nvGrpSpPr>
-        <p:cNvPr id="1" name=""/>
-        <p:cNvGrpSpPr/>
-        <p:nvPr/>
-      </p:nvGrpSpPr>
-      <p:grpSpPr>
-        <a:xfrm>
-          <a:off x="0" y="0"/>
-          <a:ext cx="0" cy="0"/>
-          <a:chOff x="0" y="0"/>
-          <a:chExt cx="0" cy="0"/>
-        </a:xfrm>
-      </p:grpSpPr>
-      <p:sp>
-        <p:nvSpPr>
-          <p:cNvPr id="2" name="Title 1"/>
-          <p:cNvSpPr>
-            <a:spLocks noGrp="1"/>
-          </p:cNvSpPr>
-          <p:nvPr>
-            <p:ph type="title"/>
-          </p:nvPr>
-        </p:nvSpPr>
-        <p:spPr/>
-        <p:txBody>
-          <a:bodyPr/>
-          <a:lstStyle/>
-          <a:p>
-            <a:r>
-              <a:rPr lang="en-US" dirty="0" smtClean="0"/>
-              <a:t>Model Binding Security</a:t>
-            </a:r>
-            <a:endParaRPr lang="en-US" dirty="0"/>
-          </a:p>
-        </p:txBody>
-      </p:sp>
-      <p:sp>
-        <p:nvSpPr>
-          <p:cNvPr id="3" name="Text Placeholder 2"/>
-          <p:cNvSpPr>
-            <a:spLocks noGrp="1"/>
-          </p:cNvSpPr>
-          <p:nvPr>
-            <p:ph type="body" idx="1"/>
-          </p:nvPr>
-        </p:nvSpPr>
-        <p:spPr/>
-        <p:txBody>
-          <a:bodyPr/>
-          <a:lstStyle/>
-          <a:p>
-            <a:r>
-              <a:rPr lang="en-US" dirty="0" smtClean="0"/>
-              <a:t>Beware of over-posting / mass assignment</a:t>
-            </a:r>
-            <a:endParaRPr lang="en-US" dirty="0"/>
-          </a:p>
-        </p:txBody>
-      </p:sp>
-      <p:pic>
-        <p:nvPicPr>
-          <p:cNvPr id="1026" name="Picture 2" descr="composing the attack"/>
-          <p:cNvPicPr>
-            <a:picLocks noChangeAspect="1" noChangeArrowheads="1"/>
-          </p:cNvPicPr>
-          <p:nvPr/>
-        </p:nvPicPr>
-        <p:blipFill>
-          <a:blip r:embed="rId2">
-            <a:extLst>
-              <a:ext uri="{28A0092B-C50C-407E-A947-70E740481C1C}">
-                <a14:useLocalDpi xmlns:a14="http://schemas.microsoft.com/office/drawing/2010/main" val="0"/>
-              </a:ext>
-            </a:extLst>
-          </a:blip>
-          <a:srcRect/>
-          <a:stretch>
-            <a:fillRect/>
-          </a:stretch>
-        </p:blipFill>
-        <p:spPr bwMode="auto">
-          <a:xfrm>
-            <a:off x="1219200" y="1981199"/>
-            <a:ext cx="5943600" cy="4091701"/>
-          </a:xfrm>
-          <a:prstGeom prst="rect">
-            <a:avLst/>
-          </a:prstGeom>
-          <a:noFill/>
-          <a:extLst>
-            <a:ext uri="{909E8E84-426E-40DD-AFC4-6F175D3DCCD1}">
-              <a14:hiddenFill xmlns:a14="http://schemas.microsoft.com/office/drawing/2010/main">
-                <a:solidFill>
-                  <a:srgbClr val="FFFFFF"/>
-                </a:solidFill>
-              </a14:hiddenFill>
-            </a:ext>
-          </a:extLst>
-        </p:spPr>
-      </p:pic>
-    </p:spTree>
-    <p:extLst>
-      <p:ext uri="{BB962C8B-B14F-4D97-AF65-F5344CB8AC3E}">
-        <p14:creationId xmlns:p14="http://schemas.microsoft.com/office/powerpoint/2010/main" val="2309557990"/>
       </p:ext>
     </p:extLst>
   </p:cSld>
@@ -7855,10 +8141,9 @@
           <a:lstStyle/>
           <a:p>
             <a:r>
-              <a:rPr lang="en-US" dirty="0" smtClean="0"/>
+              <a:rPr lang="en-US" dirty="0"/>
               <a:t>View Conventions</a:t>
             </a:r>
-            <a:endParaRPr lang="en-US" dirty="0"/>
           </a:p>
         </p:txBody>
       </p:sp>
@@ -7883,41 +8168,40 @@
           <a:lstStyle/>
           <a:p>
             <a:r>
-              <a:rPr lang="en-US" dirty="0" smtClean="0"/>
+              <a:rPr lang="en-US" dirty="0"/>
               <a:t>Every controller has a default view directory</a:t>
             </a:r>
           </a:p>
           <a:p>
             <a:pPr lvl="1"/>
             <a:r>
-              <a:rPr lang="en-US" dirty="0" smtClean="0"/>
+              <a:rPr lang="en-US" dirty="0"/>
               <a:t>Default view is the name of the action</a:t>
             </a:r>
           </a:p>
           <a:p>
             <a:pPr lvl="1"/>
             <a:r>
-              <a:rPr lang="en-US" dirty="0" err="1" smtClean="0"/>
+              <a:rPr lang="en-US" dirty="0" err="1"/>
               <a:t>ViewResult</a:t>
             </a:r>
             <a:r>
-              <a:rPr lang="en-US" dirty="0" smtClean="0"/>
+              <a:rPr lang="en-US" dirty="0"/>
               <a:t> can override the default view name</a:t>
             </a:r>
           </a:p>
           <a:p>
             <a:r>
-              <a:rPr lang="en-US" dirty="0" smtClean="0"/>
+              <a:rPr lang="en-US" dirty="0"/>
               <a:t>Shared views for all controllers</a:t>
             </a:r>
           </a:p>
           <a:p>
             <a:pPr lvl="1"/>
             <a:r>
-              <a:rPr lang="en-US" dirty="0" smtClean="0"/>
+              <a:rPr lang="en-US" dirty="0"/>
               <a:t>ASP.NET will look here after the default</a:t>
             </a:r>
-            <a:endParaRPr lang="en-US" dirty="0"/>
           </a:p>
         </p:txBody>
       </p:sp>
@@ -8002,7 +8286,7 @@
               </a:spcAft>
             </a:pPr>
             <a:r>
-              <a:rPr lang="en-US" sz="1800" b="0" dirty="0" smtClean="0">
+              <a:rPr lang="en-US" sz="1800" b="0" dirty="0">
                 <a:solidFill>
                   <a:srgbClr val="008000"/>
                 </a:solidFill>
@@ -8012,7 +8296,7 @@
               </a:rPr>
               <a:t>// extension not required ...</a:t>
             </a:r>
-            <a:endParaRPr lang="en-US" sz="1800" b="0" dirty="0" smtClean="0">
+            <a:endParaRPr lang="en-US" sz="1800" b="0" dirty="0">
               <a:latin typeface="Consolas" pitchFamily="49" charset="0"/>
               <a:ea typeface="Calibri"/>
               <a:cs typeface="Times New Roman"/>
@@ -8031,7 +8315,7 @@
               </a:spcAft>
             </a:pPr>
             <a:r>
-              <a:rPr lang="en-US" sz="1800" b="0" dirty="0" smtClean="0">
+              <a:rPr lang="en-US" sz="1800" b="0" dirty="0">
                 <a:solidFill>
                   <a:srgbClr val="0000FF"/>
                 </a:solidFill>
@@ -8042,7 +8326,7 @@
               <a:t>return</a:t>
             </a:r>
             <a:r>
-              <a:rPr lang="en-US" sz="1800" b="0" dirty="0" smtClean="0">
+              <a:rPr lang="en-US" sz="1800" b="0" dirty="0">
                 <a:latin typeface="Consolas" pitchFamily="49" charset="0"/>
                 <a:ea typeface="Calibri"/>
                 <a:cs typeface="Times New Roman"/>
@@ -8050,7 +8334,7 @@
               <a:t> View(</a:t>
             </a:r>
             <a:r>
-              <a:rPr lang="en-US" sz="1800" b="0" dirty="0" smtClean="0">
+              <a:rPr lang="en-US" sz="1800" b="0" dirty="0">
                 <a:solidFill>
                   <a:srgbClr val="A31515"/>
                 </a:solidFill>
@@ -8061,7 +8345,7 @@
               <a:t>"Error"</a:t>
             </a:r>
             <a:r>
-              <a:rPr lang="en-US" sz="1800" b="0" dirty="0" smtClean="0">
+              <a:rPr lang="en-US" sz="1800" b="0" dirty="0">
                 <a:latin typeface="Consolas" pitchFamily="49" charset="0"/>
                 <a:ea typeface="Calibri"/>
                 <a:cs typeface="Times New Roman"/>
@@ -8117,13 +8401,6 @@
   <p:transition>
     <p:fade/>
   </p:transition>
-  <p:timing>
-    <p:tnLst>
-      <p:par>
-        <p:cTn id="1" dur="indefinite" restart="never" nodeType="tmRoot"/>
-      </p:par>
-    </p:tnLst>
-  </p:timing>
 </p:sld>
 </file>
 
@@ -8160,10 +8437,9 @@
           <a:lstStyle/>
           <a:p>
             <a:r>
-              <a:rPr lang="en-US" dirty="0" smtClean="0"/>
-              <a:t>Model Binding State</a:t>
-            </a:r>
-            <a:endParaRPr lang="en-US" dirty="0"/>
+              <a:rPr lang="en-US" dirty="0"/>
+              <a:t>Model Binding Security</a:t>
+            </a:r>
           </a:p>
         </p:txBody>
       </p:sp>
@@ -8183,55 +8459,169 @@
           <a:lstStyle/>
           <a:p>
             <a:r>
-              <a:rPr lang="en-US" dirty="0" err="1" smtClean="0"/>
+              <a:rPr lang="en-US" dirty="0"/>
+              <a:t>Beware of over-posting / mass assignment</a:t>
+            </a:r>
+          </a:p>
+        </p:txBody>
+      </p:sp>
+      <p:pic>
+        <p:nvPicPr>
+          <p:cNvPr id="1026" name="Picture 2" descr="composing the attack"/>
+          <p:cNvPicPr>
+            <a:picLocks noChangeAspect="1" noChangeArrowheads="1"/>
+          </p:cNvPicPr>
+          <p:nvPr/>
+        </p:nvPicPr>
+        <p:blipFill>
+          <a:blip r:embed="rId2">
+            <a:extLst>
+              <a:ext uri="{28A0092B-C50C-407E-A947-70E740481C1C}">
+                <a14:useLocalDpi xmlns:a14="http://schemas.microsoft.com/office/drawing/2010/main" val="0"/>
+              </a:ext>
+            </a:extLst>
+          </a:blip>
+          <a:srcRect/>
+          <a:stretch>
+            <a:fillRect/>
+          </a:stretch>
+        </p:blipFill>
+        <p:spPr bwMode="auto">
+          <a:xfrm>
+            <a:off x="1219200" y="1981199"/>
+            <a:ext cx="5943600" cy="4091701"/>
+          </a:xfrm>
+          <a:prstGeom prst="rect">
+            <a:avLst/>
+          </a:prstGeom>
+          <a:noFill/>
+          <a:extLst>
+            <a:ext uri="{909E8E84-426E-40DD-AFC4-6F175D3DCCD1}">
+              <a14:hiddenFill xmlns:a14="http://schemas.microsoft.com/office/drawing/2010/main">
+                <a:solidFill>
+                  <a:srgbClr val="FFFFFF"/>
+                </a:solidFill>
+              </a14:hiddenFill>
+            </a:ext>
+          </a:extLst>
+        </p:spPr>
+      </p:pic>
+    </p:spTree>
+    <p:extLst>
+      <p:ext uri="{BB962C8B-B14F-4D97-AF65-F5344CB8AC3E}">
+        <p14:creationId xmlns:p14="http://schemas.microsoft.com/office/powerpoint/2010/main" val="2309557990"/>
+      </p:ext>
+    </p:extLst>
+  </p:cSld>
+  <p:clrMapOvr>
+    <a:masterClrMapping/>
+  </p:clrMapOvr>
+  <p:transition>
+    <p:fade/>
+  </p:transition>
+</p:sld>
+</file>
+
+<file path=ppt/slides/slide21.xml><?xml version="1.0" encoding="utf-8"?>
+<p:sld xmlns:a="http://schemas.openxmlformats.org/drawingml/2006/main" xmlns:r="http://schemas.openxmlformats.org/officeDocument/2006/relationships" xmlns:p="http://schemas.openxmlformats.org/presentationml/2006/main">
+  <p:cSld>
+    <p:spTree>
+      <p:nvGrpSpPr>
+        <p:cNvPr id="1" name=""/>
+        <p:cNvGrpSpPr/>
+        <p:nvPr/>
+      </p:nvGrpSpPr>
+      <p:grpSpPr>
+        <a:xfrm>
+          <a:off x="0" y="0"/>
+          <a:ext cx="0" cy="0"/>
+          <a:chOff x="0" y="0"/>
+          <a:chExt cx="0" cy="0"/>
+        </a:xfrm>
+      </p:grpSpPr>
+      <p:sp>
+        <p:nvSpPr>
+          <p:cNvPr id="2" name="Title 1"/>
+          <p:cNvSpPr>
+            <a:spLocks noGrp="1"/>
+          </p:cNvSpPr>
+          <p:nvPr>
+            <p:ph type="title"/>
+          </p:nvPr>
+        </p:nvSpPr>
+        <p:spPr/>
+        <p:txBody>
+          <a:bodyPr/>
+          <a:lstStyle/>
+          <a:p>
+            <a:r>
+              <a:rPr lang="en-US" dirty="0"/>
+              <a:t>Model Binding State</a:t>
+            </a:r>
+          </a:p>
+        </p:txBody>
+      </p:sp>
+      <p:sp>
+        <p:nvSpPr>
+          <p:cNvPr id="3" name="Text Placeholder 2"/>
+          <p:cNvSpPr>
+            <a:spLocks noGrp="1"/>
+          </p:cNvSpPr>
+          <p:nvPr>
+            <p:ph type="body" idx="1"/>
+          </p:nvPr>
+        </p:nvSpPr>
+        <p:spPr/>
+        <p:txBody>
+          <a:bodyPr/>
+          <a:lstStyle/>
+          <a:p>
+            <a:r>
+              <a:rPr lang="en-US" dirty="0" err="1"/>
               <a:t>ModelState</a:t>
             </a:r>
             <a:r>
               <a:rPr lang="en-US" dirty="0"/>
-              <a:t> </a:t>
-            </a:r>
-            <a:r>
-              <a:rPr lang="en-US" dirty="0" smtClean="0"/>
-              <a:t>contains byproducts of model binding</a:t>
+              <a:t> contains byproducts of model binding</a:t>
             </a:r>
           </a:p>
           <a:p>
             <a:pPr lvl="1"/>
             <a:r>
-              <a:rPr lang="en-US" dirty="0" smtClean="0"/>
+              <a:rPr lang="en-US" dirty="0"/>
               <a:t>Errors and attempted values</a:t>
             </a:r>
           </a:p>
           <a:p>
             <a:r>
-              <a:rPr lang="en-US" dirty="0" err="1" smtClean="0"/>
+              <a:rPr lang="en-US" dirty="0" err="1"/>
               <a:t>ModelState.IsValid</a:t>
             </a:r>
-            <a:endParaRPr lang="en-US" dirty="0" smtClean="0"/>
+            <a:endParaRPr lang="en-US" dirty="0"/>
           </a:p>
           <a:p>
             <a:pPr lvl="1"/>
             <a:r>
-              <a:rPr lang="en-US" dirty="0" smtClean="0"/>
+              <a:rPr lang="en-US" dirty="0"/>
               <a:t>Did the model bind correctly?</a:t>
             </a:r>
           </a:p>
           <a:p>
             <a:r>
-              <a:rPr lang="en-US" dirty="0" smtClean="0"/>
+              <a:rPr lang="en-US" dirty="0"/>
               <a:t>HTML helpers use model state</a:t>
             </a:r>
           </a:p>
           <a:p>
             <a:pPr lvl="1"/>
             <a:r>
-              <a:rPr lang="en-US" dirty="0" smtClean="0"/>
+              <a:rPr lang="en-US" dirty="0"/>
               <a:t>Model state can override view model data</a:t>
             </a:r>
           </a:p>
           <a:p>
             <a:pPr lvl="1"/>
-            <a:endParaRPr lang="en-US" dirty="0" smtClean="0"/>
+            <a:endParaRPr lang="en-US" dirty="0"/>
           </a:p>
           <a:p>
             <a:endParaRPr lang="en-US" dirty="0"/>
@@ -8506,18 +8896,7 @@
                 <a:ea typeface="Calibri"/>
                 <a:cs typeface="Consolas" pitchFamily="49" charset="0"/>
               </a:rPr>
-              <a:t>// </a:t>
-            </a:r>
-            <a:r>
-              <a:rPr lang="en-US" sz="1400" b="0" dirty="0" smtClean="0">
-                <a:solidFill>
-                  <a:srgbClr val="008000"/>
-                </a:solidFill>
-                <a:latin typeface="Consolas" pitchFamily="49" charset="0"/>
-                <a:ea typeface="Calibri"/>
-                <a:cs typeface="Consolas" pitchFamily="49" charset="0"/>
-              </a:rPr>
-              <a:t>commit...</a:t>
+              <a:t>// commit...</a:t>
             </a:r>
           </a:p>
           <a:p>
@@ -8770,17 +9149,10 @@
   <p:transition>
     <p:fade/>
   </p:transition>
-  <p:timing>
-    <p:tnLst>
-      <p:par>
-        <p:cTn id="1" dur="indefinite" restart="never" nodeType="tmRoot"/>
-      </p:par>
-    </p:tnLst>
-  </p:timing>
 </p:sld>
 </file>
 
-<file path=ppt/slides/slide21.xml><?xml version="1.0" encoding="utf-8"?>
+<file path=ppt/slides/slide22.xml><?xml version="1.0" encoding="utf-8"?>
 <p:sld xmlns:a="http://schemas.openxmlformats.org/drawingml/2006/main" xmlns:r="http://schemas.openxmlformats.org/officeDocument/2006/relationships" xmlns:p="http://schemas.openxmlformats.org/presentationml/2006/main">
   <p:cSld>
     <p:spTree>
@@ -8813,10 +9185,9 @@
           <a:lstStyle/>
           <a:p>
             <a:r>
-              <a:rPr lang="en-US" dirty="0" smtClean="0"/>
+              <a:rPr lang="en-US" dirty="0"/>
               <a:t>Validation Messages</a:t>
             </a:r>
-            <a:endParaRPr lang="en-US" dirty="0"/>
           </a:p>
         </p:txBody>
       </p:sp>
@@ -8836,32 +9207,31 @@
           <a:lstStyle/>
           <a:p>
             <a:r>
-              <a:rPr lang="en-US" dirty="0" err="1" smtClean="0"/>
+              <a:rPr lang="en-US" dirty="0" err="1"/>
               <a:t>ValidationMessage</a:t>
             </a:r>
-            <a:endParaRPr lang="en-US" dirty="0" smtClean="0"/>
+            <a:endParaRPr lang="en-US" dirty="0"/>
           </a:p>
           <a:p>
             <a:pPr lvl="1"/>
             <a:r>
-              <a:rPr lang="en-US" dirty="0" smtClean="0"/>
+              <a:rPr lang="en-US" dirty="0"/>
               <a:t>Display property level validation errors</a:t>
             </a:r>
           </a:p>
           <a:p>
             <a:r>
-              <a:rPr lang="en-US" dirty="0" err="1" smtClean="0"/>
+              <a:rPr lang="en-US" dirty="0" err="1"/>
               <a:t>ValidationSummary</a:t>
             </a:r>
-            <a:endParaRPr lang="en-US" dirty="0" smtClean="0"/>
+            <a:endParaRPr lang="en-US" dirty="0"/>
           </a:p>
           <a:p>
             <a:pPr lvl="1"/>
             <a:r>
-              <a:rPr lang="en-US" dirty="0" smtClean="0"/>
+              <a:rPr lang="en-US" dirty="0"/>
               <a:t>Display model level validation errors</a:t>
             </a:r>
-            <a:endParaRPr lang="en-US" dirty="0"/>
           </a:p>
         </p:txBody>
       </p:sp>
@@ -8902,17 +9272,10 @@
   <p:transition>
     <p:fade/>
   </p:transition>
-  <p:timing>
-    <p:tnLst>
-      <p:par>
-        <p:cTn id="1" dur="indefinite" restart="never" nodeType="tmRoot"/>
-      </p:par>
-    </p:tnLst>
-  </p:timing>
 </p:sld>
 </file>
 
-<file path=ppt/slides/slide22.xml><?xml version="1.0" encoding="utf-8"?>
+<file path=ppt/slides/slide23.xml><?xml version="1.0" encoding="utf-8"?>
 <p:sld xmlns:a="http://schemas.openxmlformats.org/drawingml/2006/main" xmlns:r="http://schemas.openxmlformats.org/officeDocument/2006/relationships" xmlns:p="http://schemas.openxmlformats.org/presentationml/2006/main">
   <p:cSld>
     <p:spTree>
@@ -8946,7 +9309,7 @@
           <a:p>
             <a:pPr eaLnBrk="1" hangingPunct="1"/>
             <a:r>
-              <a:rPr lang="en-US" dirty="0" smtClean="0"/>
+              <a:rPr lang="en-US" dirty="0"/>
               <a:t>Summary</a:t>
             </a:r>
           </a:p>
@@ -8967,11 +9330,11 @@
           <a:bodyPr/>
           <a:lstStyle/>
           <a:p>
-            <a:endParaRPr lang="en-US" dirty="0" smtClean="0"/>
+            <a:endParaRPr lang="en-US" dirty="0"/>
           </a:p>
           <a:p>
             <a:pPr lvl="1"/>
-            <a:endParaRPr lang="en-US" dirty="0" smtClean="0"/>
+            <a:endParaRPr lang="en-US" dirty="0"/>
           </a:p>
         </p:txBody>
       </p:sp>
@@ -9300,14 +9663,11 @@
           <a:p>
             <a:pPr algn="ctr"/>
             <a:r>
-              <a:rPr lang="en-US" sz="2000" dirty="0" smtClean="0">
+              <a:rPr lang="en-US" sz="2000" dirty="0">
                 <a:latin typeface="Tekton Pro" pitchFamily="34" charset="0"/>
               </a:rPr>
               <a:t>Controller</a:t>
             </a:r>
-            <a:endParaRPr lang="en-US" sz="2000" dirty="0">
-              <a:latin typeface="Tekton Pro" pitchFamily="34" charset="0"/>
-            </a:endParaRPr>
           </a:p>
         </p:txBody>
       </p:sp>
@@ -9480,14 +9840,11 @@
           <a:p>
             <a:pPr algn="ctr"/>
             <a:r>
-              <a:rPr lang="en-US" sz="2000" dirty="0" smtClean="0">
+              <a:rPr lang="en-US" sz="2000" dirty="0">
                 <a:latin typeface="Tekton Pro" pitchFamily="34" charset="0"/>
               </a:rPr>
               <a:t>Model</a:t>
             </a:r>
-            <a:endParaRPr lang="en-US" sz="2000" dirty="0">
-              <a:latin typeface="Tekton Pro" pitchFamily="34" charset="0"/>
-            </a:endParaRPr>
           </a:p>
         </p:txBody>
       </p:sp>
@@ -9660,14 +10017,11 @@
           <a:p>
             <a:pPr algn="ctr"/>
             <a:r>
-              <a:rPr lang="en-US" sz="2000" dirty="0" smtClean="0">
+              <a:rPr lang="en-US" sz="2000" dirty="0">
                 <a:latin typeface="Tekton Pro" pitchFamily="34" charset="0"/>
               </a:rPr>
               <a:t>View</a:t>
             </a:r>
-            <a:endParaRPr lang="en-US" sz="2000" dirty="0">
-              <a:latin typeface="Tekton Pro" pitchFamily="34" charset="0"/>
-            </a:endParaRPr>
           </a:p>
         </p:txBody>
       </p:sp>
@@ -9684,13 +10038,6 @@
   <p:transition>
     <p:fade/>
   </p:transition>
-  <p:timing>
-    <p:tnLst>
-      <p:par>
-        <p:cTn id="1" dur="indefinite" restart="never" nodeType="tmRoot"/>
-      </p:par>
-    </p:tnLst>
-  </p:timing>
 </p:sld>
 </file>
 
@@ -9727,10 +10074,9 @@
           <a:lstStyle/>
           <a:p>
             <a:r>
-              <a:rPr lang="en-US" dirty="0" smtClean="0"/>
+              <a:rPr lang="en-US" dirty="0"/>
               <a:t>Razor Templates</a:t>
             </a:r>
-            <a:endParaRPr lang="en-US" dirty="0"/>
           </a:p>
         </p:txBody>
       </p:sp>
@@ -9800,14 +10146,11 @@
           <a:p>
             <a:pPr algn="ctr"/>
             <a:r>
-              <a:rPr lang="en-US" sz="2000" dirty="0" smtClean="0">
+              <a:rPr lang="en-US" sz="2000" dirty="0">
                 <a:latin typeface="Tekton Pro" pitchFamily="34" charset="0"/>
               </a:rPr>
               <a:t>Template</a:t>
             </a:r>
-            <a:endParaRPr lang="en-US" sz="2000" dirty="0">
-              <a:latin typeface="Tekton Pro" pitchFamily="34" charset="0"/>
-            </a:endParaRPr>
           </a:p>
         </p:txBody>
       </p:sp>
@@ -9858,14 +10201,11 @@
           <a:p>
             <a:pPr algn="ctr"/>
             <a:r>
-              <a:rPr lang="en-US" sz="2000" dirty="0" smtClean="0">
+              <a:rPr lang="en-US" sz="2000" dirty="0">
                 <a:latin typeface="Tekton Pro" pitchFamily="34" charset="0"/>
               </a:rPr>
               <a:t>Data</a:t>
             </a:r>
-            <a:endParaRPr lang="en-US" sz="2000" dirty="0">
-              <a:latin typeface="Tekton Pro" pitchFamily="34" charset="0"/>
-            </a:endParaRPr>
           </a:p>
         </p:txBody>
       </p:sp>
@@ -9916,7 +10256,7 @@
           <a:p>
             <a:pPr algn="ctr"/>
             <a:r>
-              <a:rPr lang="en-US" sz="2000" dirty="0" smtClean="0">
+              <a:rPr lang="en-US" sz="2000" dirty="0">
                 <a:latin typeface="Tekton Pro" pitchFamily="34" charset="0"/>
               </a:rPr>
               <a:t>Generated</a:t>
@@ -9925,14 +10265,11 @@
           <a:p>
             <a:pPr algn="ctr"/>
             <a:r>
-              <a:rPr lang="en-US" sz="2000" dirty="0" smtClean="0">
+              <a:rPr lang="en-US" sz="2000" dirty="0">
                 <a:latin typeface="Tekton Pro" pitchFamily="34" charset="0"/>
               </a:rPr>
               <a:t>Output</a:t>
             </a:r>
-            <a:endParaRPr lang="en-US" sz="2000" dirty="0">
-              <a:latin typeface="Tekton Pro" pitchFamily="34" charset="0"/>
-            </a:endParaRPr>
           </a:p>
         </p:txBody>
       </p:sp>
@@ -9960,7 +10297,7 @@
           <a:p>
             <a:pPr algn="ctr"/>
             <a:r>
-              <a:rPr lang="en-US" sz="5400" b="1" cap="none" spc="300" dirty="0" smtClean="0">
+              <a:rPr lang="en-US" sz="5400" b="1" cap="none" spc="300" dirty="0">
                 <a:ln w="11430" cmpd="sng">
                   <a:solidFill>
                     <a:schemeClr val="accent1">
@@ -10000,44 +10337,6 @@
               </a:rPr>
               <a:t>+</a:t>
             </a:r>
-            <a:endParaRPr lang="en-US" sz="5400" b="1" cap="none" spc="300" dirty="0">
-              <a:ln w="11430" cmpd="sng">
-                <a:solidFill>
-                  <a:schemeClr val="accent1">
-                    <a:tint val="10000"/>
-                  </a:schemeClr>
-                </a:solidFill>
-                <a:prstDash val="solid"/>
-                <a:miter lim="800000"/>
-              </a:ln>
-              <a:gradFill>
-                <a:gsLst>
-                  <a:gs pos="10000">
-                    <a:schemeClr val="accent1">
-                      <a:tint val="83000"/>
-                      <a:shade val="100000"/>
-                      <a:satMod val="200000"/>
-                    </a:schemeClr>
-                  </a:gs>
-                  <a:gs pos="75000">
-                    <a:schemeClr val="accent1">
-                      <a:tint val="100000"/>
-                      <a:shade val="50000"/>
-                      <a:satMod val="150000"/>
-                    </a:schemeClr>
-                  </a:gs>
-                </a:gsLst>
-                <a:lin ang="5400000"/>
-              </a:gradFill>
-              <a:effectLst>
-                <a:glow rad="45500">
-                  <a:schemeClr val="accent1">
-                    <a:satMod val="220000"/>
-                    <a:alpha val="35000"/>
-                  </a:schemeClr>
-                </a:glow>
-              </a:effectLst>
-            </a:endParaRPr>
           </a:p>
         </p:txBody>
       </p:sp>
@@ -10065,7 +10364,7 @@
           <a:p>
             <a:pPr algn="ctr"/>
             <a:r>
-              <a:rPr lang="en-US" sz="5400" spc="300" dirty="0" smtClean="0">
+              <a:rPr lang="en-US" sz="5400" spc="300" dirty="0">
                 <a:ln w="11430" cmpd="sng">
                   <a:solidFill>
                     <a:schemeClr val="accent1">
@@ -10159,13 +10458,6 @@
   <p:transition>
     <p:fade/>
   </p:transition>
-  <p:timing>
-    <p:tnLst>
-      <p:par>
-        <p:cTn id="1" dur="indefinite" restart="never" nodeType="tmRoot"/>
-      </p:par>
-    </p:tnLst>
-  </p:timing>
 </p:sld>
 </file>
 
@@ -10234,7 +10526,7 @@
               </a:spcAft>
             </a:pPr>
             <a:r>
-              <a:rPr lang="en-US" sz="1200" b="0" dirty="0" smtClean="0">
+              <a:rPr lang="en-US" sz="1200" b="0" dirty="0">
                 <a:solidFill>
                   <a:srgbClr val="0000FF"/>
                 </a:solidFill>
@@ -10243,7 +10535,7 @@
               <a:t>&lt;</a:t>
             </a:r>
             <a:r>
-              <a:rPr lang="en-US" sz="1200" b="0" dirty="0" err="1" smtClean="0">
+              <a:rPr lang="en-US" sz="1200" b="0" dirty="0" err="1">
                 <a:solidFill>
                   <a:srgbClr val="800000"/>
                 </a:solidFill>
@@ -10252,7 +10544,7 @@
               <a:t>ul</a:t>
             </a:r>
             <a:r>
-              <a:rPr lang="en-US" sz="1200" b="0" dirty="0" smtClean="0">
+              <a:rPr lang="en-US" sz="1200" b="0" dirty="0">
                 <a:solidFill>
                   <a:srgbClr val="0000FF"/>
                 </a:solidFill>
@@ -10260,25 +10552,19 @@
               </a:rPr>
               <a:t>&gt;</a:t>
             </a:r>
-            <a:r>
-              <a:rPr lang="en-US" sz="1200" b="0" dirty="0" smtClean="0">
-                <a:latin typeface="Consolas" pitchFamily="49" charset="0"/>
-              </a:rPr>
-              <a:t/>
-            </a:r>
             <a:br>
-              <a:rPr lang="en-US" sz="1200" b="0" dirty="0" smtClean="0">
+              <a:rPr lang="en-US" sz="1200" b="0" dirty="0">
                 <a:latin typeface="Consolas" pitchFamily="49" charset="0"/>
               </a:rPr>
             </a:br>
             <a:r>
-              <a:rPr lang="en-US" sz="1200" b="0" dirty="0" smtClean="0">
+              <a:rPr lang="en-US" sz="1200" b="0" dirty="0">
                 <a:latin typeface="Consolas" pitchFamily="49" charset="0"/>
               </a:rPr>
               <a:t>@</a:t>
             </a:r>
             <a:r>
-              <a:rPr lang="en-US" sz="1200" b="0" dirty="0" err="1" smtClean="0">
+              <a:rPr lang="en-US" sz="1200" b="0" dirty="0" err="1">
                 <a:solidFill>
                   <a:srgbClr val="0000FF"/>
                 </a:solidFill>
@@ -10287,13 +10573,13 @@
               <a:t>foreach</a:t>
             </a:r>
             <a:r>
-              <a:rPr lang="en-US" sz="1200" b="0" dirty="0" smtClean="0">
+              <a:rPr lang="en-US" sz="1200" b="0" dirty="0">
                 <a:latin typeface="Consolas" pitchFamily="49" charset="0"/>
               </a:rPr>
               <a:t> (</a:t>
             </a:r>
             <a:r>
-              <a:rPr lang="en-US" sz="1200" b="0" dirty="0" err="1" smtClean="0">
+              <a:rPr lang="en-US" sz="1200" b="0" dirty="0" err="1">
                 <a:solidFill>
                   <a:srgbClr val="0000FF"/>
                 </a:solidFill>
@@ -10302,13 +10588,13 @@
               <a:t>var</a:t>
             </a:r>
             <a:r>
-              <a:rPr lang="en-US" sz="1200" b="0" dirty="0" smtClean="0">
+              <a:rPr lang="en-US" sz="1200" b="0" dirty="0">
                 <a:latin typeface="Consolas" pitchFamily="49" charset="0"/>
               </a:rPr>
               <a:t> movie </a:t>
             </a:r>
             <a:r>
-              <a:rPr lang="en-US" sz="1200" b="0" dirty="0" smtClean="0">
+              <a:rPr lang="en-US" sz="1200" b="0" dirty="0">
                 <a:solidFill>
                   <a:srgbClr val="0000FF"/>
                 </a:solidFill>
@@ -10317,24 +10603,24 @@
               <a:t>in</a:t>
             </a:r>
             <a:r>
-              <a:rPr lang="en-US" sz="1200" b="0" dirty="0" smtClean="0">
+              <a:rPr lang="en-US" sz="1200" b="0" dirty="0">
                 <a:latin typeface="Consolas" pitchFamily="49" charset="0"/>
               </a:rPr>
               <a:t> Model) { </a:t>
             </a:r>
             <a:br>
-              <a:rPr lang="en-US" sz="1200" b="0" dirty="0" smtClean="0">
+              <a:rPr lang="en-US" sz="1200" b="0" dirty="0">
                 <a:latin typeface="Consolas" pitchFamily="49" charset="0"/>
               </a:rPr>
             </a:br>
             <a:r>
-              <a:rPr lang="en-US" sz="1200" b="0" dirty="0" smtClean="0">
+              <a:rPr lang="en-US" sz="1200" b="0" dirty="0">
                 <a:latin typeface="Consolas" pitchFamily="49" charset="0"/>
               </a:rPr>
               <a:t>    </a:t>
             </a:r>
             <a:r>
-              <a:rPr lang="en-US" sz="1200" b="0" dirty="0" smtClean="0">
+              <a:rPr lang="en-US" sz="1200" b="0" dirty="0">
                 <a:solidFill>
                   <a:srgbClr val="0000FF"/>
                 </a:solidFill>
@@ -10343,7 +10629,7 @@
               <a:t>&lt;</a:t>
             </a:r>
             <a:r>
-              <a:rPr lang="en-US" sz="1200" b="0" dirty="0" err="1" smtClean="0">
+              <a:rPr lang="en-US" sz="1200" b="0" dirty="0" err="1">
                 <a:solidFill>
                   <a:srgbClr val="800000"/>
                 </a:solidFill>
@@ -10352,7 +10638,7 @@
               <a:t>li</a:t>
             </a:r>
             <a:r>
-              <a:rPr lang="en-US" sz="1200" b="0" dirty="0" smtClean="0">
+              <a:rPr lang="en-US" sz="1200" b="0" dirty="0">
                 <a:solidFill>
                   <a:srgbClr val="0000FF"/>
                 </a:solidFill>
@@ -10360,25 +10646,19 @@
               </a:rPr>
               <a:t>&gt;</a:t>
             </a:r>
-            <a:r>
-              <a:rPr lang="en-US" sz="1200" b="0" dirty="0" smtClean="0">
-                <a:latin typeface="Consolas" pitchFamily="49" charset="0"/>
-              </a:rPr>
-              <a:t/>
-            </a:r>
             <a:br>
-              <a:rPr lang="en-US" sz="1200" b="0" dirty="0" smtClean="0">
+              <a:rPr lang="en-US" sz="1200" b="0" dirty="0">
                 <a:latin typeface="Consolas" pitchFamily="49" charset="0"/>
               </a:rPr>
             </a:br>
             <a:r>
-              <a:rPr lang="en-US" sz="1200" b="0" dirty="0" smtClean="0">
+              <a:rPr lang="en-US" sz="1200" b="0" dirty="0">
                 <a:latin typeface="Consolas" pitchFamily="49" charset="0"/>
               </a:rPr>
               <a:t>        </a:t>
             </a:r>
             <a:r>
-              <a:rPr lang="en-US" sz="1200" b="0" dirty="0" smtClean="0">
+              <a:rPr lang="en-US" sz="1200" b="0" dirty="0">
                 <a:solidFill>
                   <a:srgbClr val="0000FF"/>
                 </a:solidFill>
@@ -10387,7 +10667,7 @@
               <a:t>&lt;</a:t>
             </a:r>
             <a:r>
-              <a:rPr lang="en-US" sz="1200" b="0" dirty="0" smtClean="0">
+              <a:rPr lang="en-US" sz="1200" b="0" dirty="0">
                 <a:solidFill>
                   <a:srgbClr val="800000"/>
                 </a:solidFill>
@@ -10396,13 +10676,13 @@
               <a:t>a</a:t>
             </a:r>
             <a:r>
-              <a:rPr lang="en-US" sz="1200" b="0" dirty="0" smtClean="0">
+              <a:rPr lang="en-US" sz="1200" b="0" dirty="0">
                 <a:latin typeface="Consolas" pitchFamily="49" charset="0"/>
               </a:rPr>
               <a:t> </a:t>
             </a:r>
             <a:r>
-              <a:rPr lang="en-US" sz="1200" b="0" dirty="0" err="1" smtClean="0">
+              <a:rPr lang="en-US" sz="1200" b="0" dirty="0" err="1">
                 <a:solidFill>
                   <a:srgbClr val="FF0000"/>
                 </a:solidFill>
@@ -10411,7 +10691,7 @@
               <a:t>href</a:t>
             </a:r>
             <a:r>
-              <a:rPr lang="en-US" sz="1200" b="0" dirty="0" smtClean="0">
+              <a:rPr lang="en-US" sz="1200" b="0" dirty="0">
                 <a:solidFill>
                   <a:srgbClr val="0000FF"/>
                 </a:solidFill>
@@ -10420,13 +10700,13 @@
               <a:t>="/home/details/</a:t>
             </a:r>
             <a:r>
-              <a:rPr lang="en-US" sz="1200" b="0" dirty="0" smtClean="0">
+              <a:rPr lang="en-US" sz="1200" b="0" dirty="0">
                 <a:latin typeface="Consolas" pitchFamily="49" charset="0"/>
               </a:rPr>
               <a:t>@</a:t>
             </a:r>
             <a:r>
-              <a:rPr lang="en-US" sz="1200" b="0" dirty="0" err="1" smtClean="0">
+              <a:rPr lang="en-US" sz="1200" b="0" dirty="0" err="1">
                 <a:solidFill>
                   <a:srgbClr val="0000FF"/>
                 </a:solidFill>
@@ -10435,7 +10715,7 @@
               <a:t>movie.ID</a:t>
             </a:r>
             <a:r>
-              <a:rPr lang="en-US" sz="1200" b="0" dirty="0" smtClean="0">
+              <a:rPr lang="en-US" sz="1200" b="0" dirty="0">
                 <a:solidFill>
                   <a:srgbClr val="0000FF"/>
                 </a:solidFill>
@@ -10444,19 +10724,19 @@
               <a:t>"&gt;</a:t>
             </a:r>
             <a:r>
-              <a:rPr lang="en-US" sz="1200" b="0" dirty="0" smtClean="0">
+              <a:rPr lang="en-US" sz="1200" b="0" dirty="0">
                 <a:latin typeface="Consolas" pitchFamily="49" charset="0"/>
               </a:rPr>
               <a:t>@</a:t>
             </a:r>
             <a:r>
-              <a:rPr lang="en-US" sz="1200" b="0" dirty="0" err="1" smtClean="0">
+              <a:rPr lang="en-US" sz="1200" b="0" dirty="0" err="1">
                 <a:latin typeface="Consolas" pitchFamily="49" charset="0"/>
               </a:rPr>
               <a:t>movie.Title</a:t>
             </a:r>
             <a:r>
-              <a:rPr lang="en-US" sz="1200" b="0" dirty="0" smtClean="0">
+              <a:rPr lang="en-US" sz="1200" b="0" dirty="0">
                 <a:solidFill>
                   <a:srgbClr val="0000FF"/>
                 </a:solidFill>
@@ -10465,7 +10745,7 @@
               <a:t>&lt;/</a:t>
             </a:r>
             <a:r>
-              <a:rPr lang="en-US" sz="1200" b="0" dirty="0" smtClean="0">
+              <a:rPr lang="en-US" sz="1200" b="0" dirty="0">
                 <a:solidFill>
                   <a:srgbClr val="800000"/>
                 </a:solidFill>
@@ -10474,7 +10754,7 @@
               <a:t>a</a:t>
             </a:r>
             <a:r>
-              <a:rPr lang="en-US" sz="1200" b="0" dirty="0" smtClean="0">
+              <a:rPr lang="en-US" sz="1200" b="0" dirty="0">
                 <a:solidFill>
                   <a:srgbClr val="0000FF"/>
                 </a:solidFill>
@@ -10482,25 +10762,19 @@
               </a:rPr>
               <a:t>&gt;</a:t>
             </a:r>
-            <a:r>
-              <a:rPr lang="en-US" sz="1200" b="0" dirty="0" smtClean="0">
-                <a:latin typeface="Consolas" pitchFamily="49" charset="0"/>
-              </a:rPr>
-              <a:t/>
-            </a:r>
             <a:br>
-              <a:rPr lang="en-US" sz="1200" b="0" dirty="0" smtClean="0">
+              <a:rPr lang="en-US" sz="1200" b="0" dirty="0">
                 <a:latin typeface="Consolas" pitchFamily="49" charset="0"/>
               </a:rPr>
             </a:br>
             <a:r>
-              <a:rPr lang="en-US" sz="1200" b="0" dirty="0" smtClean="0">
+              <a:rPr lang="en-US" sz="1200" b="0" dirty="0">
                 <a:latin typeface="Consolas" pitchFamily="49" charset="0"/>
               </a:rPr>
               <a:t>    </a:t>
             </a:r>
             <a:r>
-              <a:rPr lang="en-US" sz="1200" b="0" dirty="0" smtClean="0">
+              <a:rPr lang="en-US" sz="1200" b="0" dirty="0">
                 <a:solidFill>
                   <a:srgbClr val="0000FF"/>
                 </a:solidFill>
@@ -10509,7 +10783,7 @@
               <a:t>&lt;/</a:t>
             </a:r>
             <a:r>
-              <a:rPr lang="en-US" sz="1200" b="0" dirty="0" err="1" smtClean="0">
+              <a:rPr lang="en-US" sz="1200" b="0" dirty="0" err="1">
                 <a:solidFill>
                   <a:srgbClr val="800000"/>
                 </a:solidFill>
@@ -10518,7 +10792,7 @@
               <a:t>li</a:t>
             </a:r>
             <a:r>
-              <a:rPr lang="en-US" sz="1200" b="0" dirty="0" smtClean="0">
+              <a:rPr lang="en-US" sz="1200" b="0" dirty="0">
                 <a:solidFill>
                   <a:srgbClr val="0000FF"/>
                 </a:solidFill>
@@ -10526,30 +10800,24 @@
               </a:rPr>
               <a:t>&gt;</a:t>
             </a:r>
-            <a:r>
-              <a:rPr lang="en-US" sz="1200" b="0" dirty="0" smtClean="0">
-                <a:latin typeface="Consolas" pitchFamily="49" charset="0"/>
-              </a:rPr>
-              <a:t/>
-            </a:r>
             <a:br>
-              <a:rPr lang="en-US" sz="1200" b="0" dirty="0" smtClean="0">
+              <a:rPr lang="en-US" sz="1200" b="0" dirty="0">
                 <a:latin typeface="Consolas" pitchFamily="49" charset="0"/>
               </a:rPr>
             </a:br>
             <a:r>
-              <a:rPr lang="en-US" sz="1200" b="0" dirty="0" smtClean="0">
+              <a:rPr lang="en-US" sz="1200" b="0" dirty="0">
                 <a:latin typeface="Consolas" pitchFamily="49" charset="0"/>
               </a:rPr>
               <a:t>}   </a:t>
             </a:r>
             <a:br>
-              <a:rPr lang="en-US" sz="1200" b="0" dirty="0" smtClean="0">
+              <a:rPr lang="en-US" sz="1200" b="0" dirty="0">
                 <a:latin typeface="Consolas" pitchFamily="49" charset="0"/>
               </a:rPr>
             </a:br>
             <a:r>
-              <a:rPr lang="en-US" sz="1200" b="0" dirty="0" smtClean="0">
+              <a:rPr lang="en-US" sz="1200" b="0" dirty="0">
                 <a:solidFill>
                   <a:srgbClr val="0000FF"/>
                 </a:solidFill>
@@ -10558,7 +10826,7 @@
               <a:t>&lt;/</a:t>
             </a:r>
             <a:r>
-              <a:rPr lang="en-US" sz="1200" b="0" dirty="0" err="1" smtClean="0">
+              <a:rPr lang="en-US" sz="1200" b="0" dirty="0" err="1">
                 <a:solidFill>
                   <a:srgbClr val="800000"/>
                 </a:solidFill>
@@ -10567,7 +10835,7 @@
               <a:t>ul</a:t>
             </a:r>
             <a:r>
-              <a:rPr lang="en-US" sz="1200" b="0" dirty="0" smtClean="0">
+              <a:rPr lang="en-US" sz="1200" b="0" dirty="0">
                 <a:solidFill>
                   <a:srgbClr val="0000FF"/>
                 </a:solidFill>
@@ -10588,7 +10856,7 @@
                 <a:spcPts val="0"/>
               </a:spcAft>
             </a:pPr>
-            <a:endParaRPr lang="en-US" sz="1200" b="0" dirty="0" smtClean="0">
+            <a:endParaRPr lang="en-US" sz="1200" b="0" dirty="0">
               <a:solidFill>
                 <a:srgbClr val="0000FF"/>
               </a:solidFill>
@@ -10608,36 +10876,36 @@
               </a:spcAft>
             </a:pPr>
             <a:r>
-              <a:rPr lang="en-US" sz="1200" b="0" dirty="0" smtClean="0">
+              <a:rPr lang="en-US" sz="1200" b="0" dirty="0">
                 <a:latin typeface="Consolas" pitchFamily="49" charset="0"/>
               </a:rPr>
               <a:t>Email: scott-allen@pluralsight.com</a:t>
             </a:r>
             <a:br>
-              <a:rPr lang="en-US" sz="1200" b="0" dirty="0" smtClean="0">
+              <a:rPr lang="en-US" sz="1200" b="0" dirty="0">
                 <a:latin typeface="Consolas" pitchFamily="49" charset="0"/>
               </a:rPr>
             </a:br>
             <a:r>
-              <a:rPr lang="en-US" sz="1200" b="0" dirty="0" smtClean="0">
+              <a:rPr lang="en-US" sz="1200" b="0" dirty="0">
                 <a:latin typeface="Consolas" pitchFamily="49" charset="0"/>
               </a:rPr>
               <a:t>Twitter: @@</a:t>
             </a:r>
             <a:r>
-              <a:rPr lang="en-US" sz="1200" b="0" dirty="0" err="1" smtClean="0">
+              <a:rPr lang="en-US" sz="1200" b="0" dirty="0" err="1">
                 <a:latin typeface="Consolas" pitchFamily="49" charset="0"/>
               </a:rPr>
               <a:t>OdeToCode</a:t>
             </a:r>
             <a:r>
-              <a:rPr lang="en-US" sz="1200" b="0" dirty="0" smtClean="0">
+              <a:rPr lang="en-US" sz="1200" b="0" dirty="0">
                 <a:latin typeface="Consolas" pitchFamily="49" charset="0"/>
               </a:rPr>
               <a:t> </a:t>
             </a:r>
             <a:br>
-              <a:rPr lang="en-US" sz="1200" b="0" dirty="0" smtClean="0">
+              <a:rPr lang="en-US" sz="1200" b="0" dirty="0">
                 <a:latin typeface="Consolas" pitchFamily="49" charset="0"/>
               </a:rPr>
             </a:br>
@@ -10665,10 +10933,9 @@
           <a:lstStyle/>
           <a:p>
             <a:r>
-              <a:rPr lang="en-US" dirty="0" smtClean="0"/>
+              <a:rPr lang="en-US" dirty="0"/>
               <a:t>Intermingling</a:t>
             </a:r>
-            <a:endParaRPr lang="en-US" dirty="0"/>
           </a:p>
         </p:txBody>
       </p:sp>
@@ -10696,7 +10963,7 @@
           <a:p>
             <a:pPr algn="ctr"/>
             <a:r>
-              <a:rPr lang="en-US" sz="5400" spc="300" dirty="0" smtClean="0">
+              <a:rPr lang="en-US" sz="5400" spc="300" dirty="0">
                 <a:ln w="11430" cmpd="sng">
                   <a:solidFill>
                     <a:schemeClr val="accent1">
@@ -10736,44 +11003,6 @@
               </a:rPr>
               <a:t>C#</a:t>
             </a:r>
-            <a:endParaRPr lang="en-US" sz="5400" spc="300" dirty="0">
-              <a:ln w="11430" cmpd="sng">
-                <a:solidFill>
-                  <a:schemeClr val="accent1">
-                    <a:tint val="10000"/>
-                  </a:schemeClr>
-                </a:solidFill>
-                <a:prstDash val="solid"/>
-                <a:miter lim="800000"/>
-              </a:ln>
-              <a:gradFill>
-                <a:gsLst>
-                  <a:gs pos="10000">
-                    <a:schemeClr val="accent1">
-                      <a:tint val="83000"/>
-                      <a:shade val="100000"/>
-                      <a:satMod val="200000"/>
-                    </a:schemeClr>
-                  </a:gs>
-                  <a:gs pos="75000">
-                    <a:schemeClr val="accent1">
-                      <a:tint val="100000"/>
-                      <a:shade val="50000"/>
-                      <a:satMod val="150000"/>
-                    </a:schemeClr>
-                  </a:gs>
-                </a:gsLst>
-                <a:lin ang="5400000"/>
-              </a:gradFill>
-              <a:effectLst>
-                <a:glow rad="45500">
-                  <a:schemeClr val="accent1">
-                    <a:satMod val="220000"/>
-                    <a:alpha val="35000"/>
-                  </a:schemeClr>
-                </a:glow>
-              </a:effectLst>
-            </a:endParaRPr>
           </a:p>
         </p:txBody>
       </p:sp>
@@ -10801,7 +11030,7 @@
           <a:p>
             <a:pPr algn="ctr"/>
             <a:r>
-              <a:rPr lang="en-US" sz="5400" spc="300" dirty="0" smtClean="0">
+              <a:rPr lang="en-US" sz="5400" spc="300" dirty="0">
                 <a:ln w="11430" cmpd="sng">
                   <a:solidFill>
                     <a:schemeClr val="accent1">
@@ -10841,44 +11070,6 @@
               </a:rPr>
               <a:t>HTML</a:t>
             </a:r>
-            <a:endParaRPr lang="en-US" sz="5400" spc="300" dirty="0">
-              <a:ln w="11430" cmpd="sng">
-                <a:solidFill>
-                  <a:schemeClr val="accent1">
-                    <a:tint val="10000"/>
-                  </a:schemeClr>
-                </a:solidFill>
-                <a:prstDash val="solid"/>
-                <a:miter lim="800000"/>
-              </a:ln>
-              <a:gradFill>
-                <a:gsLst>
-                  <a:gs pos="10000">
-                    <a:schemeClr val="accent1">
-                      <a:tint val="83000"/>
-                      <a:shade val="100000"/>
-                      <a:satMod val="200000"/>
-                    </a:schemeClr>
-                  </a:gs>
-                  <a:gs pos="75000">
-                    <a:schemeClr val="accent1">
-                      <a:tint val="100000"/>
-                      <a:shade val="50000"/>
-                      <a:satMod val="150000"/>
-                    </a:schemeClr>
-                  </a:gs>
-                </a:gsLst>
-                <a:lin ang="5400000"/>
-              </a:gradFill>
-              <a:effectLst>
-                <a:glow rad="45500">
-                  <a:schemeClr val="accent1">
-                    <a:satMod val="220000"/>
-                    <a:alpha val="35000"/>
-                  </a:schemeClr>
-                </a:glow>
-              </a:effectLst>
-            </a:endParaRPr>
           </a:p>
         </p:txBody>
       </p:sp>
@@ -11049,6 +11240,142 @@
       </p:grpSpPr>
       <p:sp>
         <p:nvSpPr>
+          <p:cNvPr id="2" name="Title 1">
+            <a:extLst>
+              <a:ext uri="{FF2B5EF4-FFF2-40B4-BE49-F238E27FC236}">
+                <a16:creationId xmlns:a16="http://schemas.microsoft.com/office/drawing/2014/main" id="{62BAD098-01CA-434F-BCBE-9F49952A39A2}"/>
+              </a:ext>
+            </a:extLst>
+          </p:cNvPr>
+          <p:cNvSpPr>
+            <a:spLocks noGrp="1"/>
+          </p:cNvSpPr>
+          <p:nvPr>
+            <p:ph type="title"/>
+          </p:nvPr>
+        </p:nvSpPr>
+        <p:spPr/>
+        <p:txBody>
+          <a:bodyPr/>
+          <a:lstStyle/>
+          <a:p>
+            <a:r>
+              <a:rPr lang="en-US" dirty="0"/>
+              <a:t>Razor Pages</a:t>
+            </a:r>
+          </a:p>
+        </p:txBody>
+      </p:sp>
+      <p:sp>
+        <p:nvSpPr>
+          <p:cNvPr id="3" name="Text Placeholder 2">
+            <a:extLst>
+              <a:ext uri="{FF2B5EF4-FFF2-40B4-BE49-F238E27FC236}">
+                <a16:creationId xmlns:a16="http://schemas.microsoft.com/office/drawing/2014/main" id="{38BE0EE0-F8E1-47EE-8886-CC216A5A0350}"/>
+              </a:ext>
+            </a:extLst>
+          </p:cNvPr>
+          <p:cNvSpPr>
+            <a:spLocks noGrp="1"/>
+          </p:cNvSpPr>
+          <p:nvPr>
+            <p:ph type="body" idx="1"/>
+          </p:nvPr>
+        </p:nvSpPr>
+        <p:spPr/>
+        <p:txBody>
+          <a:bodyPr/>
+          <a:lstStyle/>
+          <a:p>
+            <a:r>
+              <a:rPr lang="en-US" dirty="0"/>
+              <a:t>Live in a Pages folder by default</a:t>
+            </a:r>
+          </a:p>
+          <a:p>
+            <a:r>
+              <a:rPr lang="en-US" dirty="0"/>
+              <a:t>Razor code + C# code</a:t>
+            </a:r>
+          </a:p>
+          <a:p>
+            <a:r>
+              <a:rPr lang="en-US" dirty="0"/>
+              <a:t>Has DI, model binding, tag helpers, and all other </a:t>
+            </a:r>
+            <a:r>
+              <a:rPr lang="en-US"/>
+              <a:t>MVC features</a:t>
+            </a:r>
+            <a:endParaRPr lang="en-US" dirty="0"/>
+          </a:p>
+        </p:txBody>
+      </p:sp>
+      <p:pic>
+        <p:nvPicPr>
+          <p:cNvPr id="4" name="Picture 3">
+            <a:extLst>
+              <a:ext uri="{FF2B5EF4-FFF2-40B4-BE49-F238E27FC236}">
+                <a16:creationId xmlns:a16="http://schemas.microsoft.com/office/drawing/2014/main" id="{8AE4A5E9-31A6-4250-9E7C-A98F410BA770}"/>
+              </a:ext>
+            </a:extLst>
+          </p:cNvPr>
+          <p:cNvPicPr>
+            <a:picLocks noChangeAspect="1"/>
+          </p:cNvPicPr>
+          <p:nvPr/>
+        </p:nvPicPr>
+        <p:blipFill>
+          <a:blip r:embed="rId2"/>
+          <a:stretch>
+            <a:fillRect/>
+          </a:stretch>
+        </p:blipFill>
+        <p:spPr>
+          <a:xfrm>
+            <a:off x="1600200" y="2819400"/>
+            <a:ext cx="5353050" cy="2257425"/>
+          </a:xfrm>
+          <a:prstGeom prst="rect">
+            <a:avLst/>
+          </a:prstGeom>
+        </p:spPr>
+      </p:pic>
+    </p:spTree>
+    <p:extLst>
+      <p:ext uri="{BB962C8B-B14F-4D97-AF65-F5344CB8AC3E}">
+        <p14:creationId xmlns:p14="http://schemas.microsoft.com/office/powerpoint/2010/main" val="998986975"/>
+      </p:ext>
+    </p:extLst>
+  </p:cSld>
+  <p:clrMapOvr>
+    <a:masterClrMapping/>
+  </p:clrMapOvr>
+  <p:transition>
+    <p:fade/>
+  </p:transition>
+</p:sld>
+</file>
+
+<file path=ppt/slides/slide6.xml><?xml version="1.0" encoding="utf-8"?>
+<p:sld xmlns:a="http://schemas.openxmlformats.org/drawingml/2006/main" xmlns:r="http://schemas.openxmlformats.org/officeDocument/2006/relationships" xmlns:p="http://schemas.openxmlformats.org/presentationml/2006/main">
+  <p:cSld>
+    <p:spTree>
+      <p:nvGrpSpPr>
+        <p:cNvPr id="1" name=""/>
+        <p:cNvGrpSpPr/>
+        <p:nvPr/>
+      </p:nvGrpSpPr>
+      <p:grpSpPr>
+        <a:xfrm>
+          <a:off x="0" y="0"/>
+          <a:ext cx="0" cy="0"/>
+          <a:chOff x="0" y="0"/>
+          <a:chExt cx="0" cy="0"/>
+        </a:xfrm>
+      </p:grpSpPr>
+      <p:sp>
+        <p:nvSpPr>
           <p:cNvPr id="2" name="Title 1"/>
           <p:cNvSpPr>
             <a:spLocks noGrp="1"/>
@@ -11063,10 +11390,9 @@
           <a:lstStyle/>
           <a:p>
             <a:r>
-              <a:rPr lang="en-US" dirty="0" smtClean="0"/>
+              <a:rPr lang="en-US" dirty="0"/>
               <a:t>Layout with Razor</a:t>
             </a:r>
-            <a:endParaRPr lang="en-US" dirty="0"/>
           </a:p>
         </p:txBody>
       </p:sp>
@@ -11086,28 +11412,28 @@
           <a:lstStyle/>
           <a:p>
             <a:r>
-              <a:rPr lang="en-US" dirty="0" smtClean="0"/>
+              <a:rPr lang="en-US" dirty="0"/>
               <a:t>Layout views are “master pages” for razor</a:t>
             </a:r>
           </a:p>
           <a:p>
             <a:r>
-              <a:rPr lang="en-US" dirty="0" smtClean="0"/>
+              <a:rPr lang="en-US" dirty="0"/>
               <a:t>Use inherited methods to specify content areas</a:t>
             </a:r>
           </a:p>
           <a:p>
             <a:pPr lvl="1"/>
             <a:r>
-              <a:rPr lang="en-US" dirty="0" err="1" smtClean="0"/>
+              <a:rPr lang="en-US" dirty="0" err="1"/>
               <a:t>RenderBody</a:t>
             </a:r>
-            <a:endParaRPr lang="en-US" dirty="0" smtClean="0"/>
+            <a:endParaRPr lang="en-US" dirty="0"/>
           </a:p>
           <a:p>
             <a:pPr lvl="1"/>
             <a:r>
-              <a:rPr lang="en-US" dirty="0" err="1" smtClean="0"/>
+              <a:rPr lang="en-US" dirty="0" err="1"/>
               <a:t>RenderSection</a:t>
             </a:r>
             <a:endParaRPr lang="en-US" dirty="0"/>
@@ -11162,7 +11488,7 @@
               </a:spcAft>
             </a:pPr>
             <a:r>
-              <a:rPr lang="en-US" sz="1400" b="0" dirty="0" smtClean="0">
+              <a:rPr lang="en-US" sz="1400" b="0" dirty="0">
                 <a:solidFill>
                   <a:srgbClr val="0000FF"/>
                 </a:solidFill>
@@ -11171,7 +11497,7 @@
               <a:t>&lt;!</a:t>
             </a:r>
             <a:r>
-              <a:rPr lang="en-US" sz="1400" b="0" dirty="0" smtClean="0">
+              <a:rPr lang="en-US" sz="1400" b="0" dirty="0">
                 <a:solidFill>
                   <a:srgbClr val="800000"/>
                 </a:solidFill>
@@ -11180,13 +11506,13 @@
               <a:t>DOCTYPE</a:t>
             </a:r>
             <a:r>
-              <a:rPr lang="en-US" sz="1400" b="0" dirty="0" smtClean="0">
+              <a:rPr lang="en-US" sz="1400" b="0" dirty="0">
                 <a:latin typeface="Consolas" pitchFamily="49" charset="0"/>
               </a:rPr>
               <a:t> </a:t>
             </a:r>
             <a:r>
-              <a:rPr lang="en-US" sz="1400" b="0" dirty="0" smtClean="0">
+              <a:rPr lang="en-US" sz="1400" b="0" dirty="0">
                 <a:solidFill>
                   <a:srgbClr val="FF0000"/>
                 </a:solidFill>
@@ -11195,7 +11521,7 @@
               <a:t>html</a:t>
             </a:r>
             <a:r>
-              <a:rPr lang="en-US" sz="1400" b="0" dirty="0" smtClean="0">
+              <a:rPr lang="en-US" sz="1400" b="0" dirty="0">
                 <a:solidFill>
                   <a:srgbClr val="0000FF"/>
                 </a:solidFill>
@@ -11203,19 +11529,13 @@
               </a:rPr>
               <a:t>&gt;</a:t>
             </a:r>
-            <a:r>
-              <a:rPr lang="en-US" sz="1400" b="0" dirty="0" smtClean="0">
-                <a:latin typeface="Consolas" pitchFamily="49" charset="0"/>
-              </a:rPr>
-              <a:t/>
-            </a:r>
             <a:br>
-              <a:rPr lang="en-US" sz="1400" b="0" dirty="0" smtClean="0">
+              <a:rPr lang="en-US" sz="1400" b="0" dirty="0">
                 <a:latin typeface="Consolas" pitchFamily="49" charset="0"/>
               </a:rPr>
             </a:br>
             <a:r>
-              <a:rPr lang="en-US" sz="1400" b="0" dirty="0" smtClean="0">
+              <a:rPr lang="en-US" sz="1400" b="0" dirty="0">
                 <a:solidFill>
                   <a:srgbClr val="0000FF"/>
                 </a:solidFill>
@@ -11224,7 +11544,7 @@
               <a:t>&lt;</a:t>
             </a:r>
             <a:r>
-              <a:rPr lang="en-US" sz="1400" b="0" dirty="0" smtClean="0">
+              <a:rPr lang="en-US" sz="1400" b="0" dirty="0">
                 <a:solidFill>
                   <a:srgbClr val="800000"/>
                 </a:solidFill>
@@ -11233,7 +11553,7 @@
               <a:t>html</a:t>
             </a:r>
             <a:r>
-              <a:rPr lang="en-US" sz="1400" b="0" dirty="0" smtClean="0">
+              <a:rPr lang="en-US" sz="1400" b="0" dirty="0">
                 <a:solidFill>
                   <a:srgbClr val="0000FF"/>
                 </a:solidFill>
@@ -11241,19 +11561,13 @@
               </a:rPr>
               <a:t>&gt;</a:t>
             </a:r>
-            <a:r>
-              <a:rPr lang="en-US" sz="1400" b="0" dirty="0" smtClean="0">
-                <a:latin typeface="Consolas" pitchFamily="49" charset="0"/>
-              </a:rPr>
-              <a:t/>
-            </a:r>
             <a:br>
-              <a:rPr lang="en-US" sz="1400" b="0" dirty="0" smtClean="0">
+              <a:rPr lang="en-US" sz="1400" b="0" dirty="0">
                 <a:latin typeface="Consolas" pitchFamily="49" charset="0"/>
               </a:rPr>
             </a:br>
             <a:r>
-              <a:rPr lang="en-US" sz="1400" b="0" dirty="0" smtClean="0">
+              <a:rPr lang="en-US" sz="1400" b="0" dirty="0">
                 <a:solidFill>
                   <a:srgbClr val="0000FF"/>
                 </a:solidFill>
@@ -11262,7 +11576,7 @@
               <a:t>&lt;</a:t>
             </a:r>
             <a:r>
-              <a:rPr lang="en-US" sz="1400" b="0" dirty="0" smtClean="0">
+              <a:rPr lang="en-US" sz="1400" b="0" dirty="0">
                 <a:solidFill>
                   <a:srgbClr val="800000"/>
                 </a:solidFill>
@@ -11271,7 +11585,7 @@
               <a:t>head</a:t>
             </a:r>
             <a:r>
-              <a:rPr lang="en-US" sz="1400" b="0" dirty="0" smtClean="0">
+              <a:rPr lang="en-US" sz="1400" b="0" dirty="0">
                 <a:solidFill>
                   <a:srgbClr val="0000FF"/>
                 </a:solidFill>
@@ -11279,25 +11593,19 @@
               </a:rPr>
               <a:t>&gt;</a:t>
             </a:r>
-            <a:r>
-              <a:rPr lang="en-US" sz="1400" b="0" dirty="0" smtClean="0">
-                <a:latin typeface="Consolas" pitchFamily="49" charset="0"/>
-              </a:rPr>
-              <a:t/>
-            </a:r>
             <a:br>
-              <a:rPr lang="en-US" sz="1400" b="0" dirty="0" smtClean="0">
+              <a:rPr lang="en-US" sz="1400" b="0" dirty="0">
                 <a:latin typeface="Consolas" pitchFamily="49" charset="0"/>
               </a:rPr>
             </a:br>
             <a:r>
-              <a:rPr lang="en-US" sz="1400" b="0" dirty="0" smtClean="0">
+              <a:rPr lang="en-US" sz="1400" b="0" dirty="0">
                 <a:latin typeface="Consolas" pitchFamily="49" charset="0"/>
               </a:rPr>
               <a:t>    </a:t>
             </a:r>
             <a:r>
-              <a:rPr lang="en-US" sz="1400" b="0" dirty="0" smtClean="0">
+              <a:rPr lang="en-US" sz="1400" b="0" dirty="0">
                 <a:solidFill>
                   <a:srgbClr val="0000FF"/>
                 </a:solidFill>
@@ -11306,7 +11614,7 @@
               <a:t>&lt;</a:t>
             </a:r>
             <a:r>
-              <a:rPr lang="en-US" sz="1400" b="0" dirty="0" smtClean="0">
+              <a:rPr lang="en-US" sz="1400" b="0" dirty="0">
                 <a:solidFill>
                   <a:srgbClr val="800000"/>
                 </a:solidFill>
@@ -11315,7 +11623,7 @@
               <a:t>title</a:t>
             </a:r>
             <a:r>
-              <a:rPr lang="en-US" sz="1400" b="0" dirty="0" smtClean="0">
+              <a:rPr lang="en-US" sz="1400" b="0" dirty="0">
                 <a:solidFill>
                   <a:srgbClr val="0000FF"/>
                 </a:solidFill>
@@ -11324,19 +11632,19 @@
               <a:t>&gt;</a:t>
             </a:r>
             <a:r>
-              <a:rPr lang="en-US" sz="1400" b="0" dirty="0" smtClean="0">
+              <a:rPr lang="en-US" sz="1400" b="0" dirty="0">
                 <a:latin typeface="Consolas" pitchFamily="49" charset="0"/>
               </a:rPr>
               <a:t>@</a:t>
             </a:r>
             <a:r>
-              <a:rPr lang="en-US" sz="1400" b="0" dirty="0" err="1" smtClean="0">
+              <a:rPr lang="en-US" sz="1400" b="0" dirty="0" err="1">
                 <a:latin typeface="Consolas" pitchFamily="49" charset="0"/>
               </a:rPr>
               <a:t>ViewBag.Title</a:t>
             </a:r>
             <a:r>
-              <a:rPr lang="en-US" sz="1400" b="0" dirty="0" smtClean="0">
+              <a:rPr lang="en-US" sz="1400" b="0" dirty="0">
                 <a:solidFill>
                   <a:srgbClr val="0000FF"/>
                 </a:solidFill>
@@ -11345,7 +11653,7 @@
               <a:t>&lt;/</a:t>
             </a:r>
             <a:r>
-              <a:rPr lang="en-US" sz="1400" b="0" dirty="0" smtClean="0">
+              <a:rPr lang="en-US" sz="1400" b="0" dirty="0">
                 <a:solidFill>
                   <a:srgbClr val="800000"/>
                 </a:solidFill>
@@ -11354,7 +11662,7 @@
               <a:t>title</a:t>
             </a:r>
             <a:r>
-              <a:rPr lang="en-US" sz="1400" b="0" dirty="0" smtClean="0">
+              <a:rPr lang="en-US" sz="1400" b="0" dirty="0">
                 <a:solidFill>
                   <a:srgbClr val="0000FF"/>
                 </a:solidFill>
@@ -11362,25 +11670,19 @@
               </a:rPr>
               <a:t>&gt;</a:t>
             </a:r>
-            <a:r>
-              <a:rPr lang="en-US" sz="1400" b="0" dirty="0" smtClean="0">
-                <a:latin typeface="Consolas" pitchFamily="49" charset="0"/>
-              </a:rPr>
-              <a:t/>
-            </a:r>
             <a:br>
-              <a:rPr lang="en-US" sz="1400" b="0" dirty="0" smtClean="0">
+              <a:rPr lang="en-US" sz="1400" b="0" dirty="0">
                 <a:latin typeface="Consolas" pitchFamily="49" charset="0"/>
               </a:rPr>
             </a:br>
             <a:r>
-              <a:rPr lang="en-US" sz="1400" b="0" dirty="0" smtClean="0">
+              <a:rPr lang="en-US" sz="1400" b="0" dirty="0">
                 <a:latin typeface="Consolas" pitchFamily="49" charset="0"/>
               </a:rPr>
               <a:t>    </a:t>
             </a:r>
             <a:r>
-              <a:rPr lang="en-US" sz="1400" b="0" dirty="0" smtClean="0">
+              <a:rPr lang="en-US" sz="1400" b="0" dirty="0">
                 <a:solidFill>
                   <a:srgbClr val="0000FF"/>
                 </a:solidFill>
@@ -11389,7 +11691,7 @@
               <a:t>&lt;</a:t>
             </a:r>
             <a:r>
-              <a:rPr lang="en-US" sz="1400" b="0" dirty="0" smtClean="0">
+              <a:rPr lang="en-US" sz="1400" b="0" dirty="0">
                 <a:solidFill>
                   <a:srgbClr val="800000"/>
                 </a:solidFill>
@@ -11398,13 +11700,13 @@
               <a:t>script</a:t>
             </a:r>
             <a:r>
-              <a:rPr lang="en-US" sz="1400" b="0" dirty="0" smtClean="0">
+              <a:rPr lang="en-US" sz="1400" b="0" dirty="0">
                 <a:latin typeface="Consolas" pitchFamily="49" charset="0"/>
               </a:rPr>
               <a:t> </a:t>
             </a:r>
             <a:r>
-              <a:rPr lang="en-US" sz="1400" b="0" dirty="0" err="1" smtClean="0">
+              <a:rPr lang="en-US" sz="1400" b="0" dirty="0" err="1">
                 <a:solidFill>
                   <a:srgbClr val="FF0000"/>
                 </a:solidFill>
@@ -11413,7 +11715,7 @@
               <a:t>src</a:t>
             </a:r>
             <a:r>
-              <a:rPr lang="en-US" sz="1400" b="0" dirty="0" smtClean="0">
+              <a:rPr lang="en-US" sz="1400" b="0" dirty="0">
                 <a:solidFill>
                   <a:srgbClr val="0000FF"/>
                 </a:solidFill>
@@ -11422,13 +11724,13 @@
               <a:t>="</a:t>
             </a:r>
             <a:r>
-              <a:rPr lang="en-US" sz="1400" b="0" dirty="0" smtClean="0">
+              <a:rPr lang="en-US" sz="1400" b="0" dirty="0">
                 <a:latin typeface="Consolas" pitchFamily="49" charset="0"/>
               </a:rPr>
               <a:t>@</a:t>
             </a:r>
             <a:r>
-              <a:rPr lang="en-US" sz="1400" b="0" dirty="0" err="1" smtClean="0">
+              <a:rPr lang="en-US" sz="1400" b="0" dirty="0" err="1">
                 <a:solidFill>
                   <a:srgbClr val="0000FF"/>
                 </a:solidFill>
@@ -11437,7 +11739,7 @@
               <a:t>Url.Content</a:t>
             </a:r>
             <a:r>
-              <a:rPr lang="en-US" sz="1400" b="0" dirty="0" smtClean="0">
+              <a:rPr lang="en-US" sz="1400" b="0" dirty="0">
                 <a:solidFill>
                   <a:srgbClr val="0000FF"/>
                 </a:solidFill>
@@ -11446,7 +11748,7 @@
               <a:t>(</a:t>
             </a:r>
             <a:r>
-              <a:rPr lang="en-US" sz="1400" b="0" dirty="0" smtClean="0">
+              <a:rPr lang="en-US" sz="1400" b="0" dirty="0">
                 <a:solidFill>
                   <a:srgbClr val="A31515"/>
                 </a:solidFill>
@@ -11455,7 +11757,7 @@
               <a:t>"~/Scripts/jquery-1.4.4.min.js"</a:t>
             </a:r>
             <a:r>
-              <a:rPr lang="en-US" sz="1400" b="0" dirty="0" smtClean="0">
+              <a:rPr lang="en-US" sz="1400" b="0" dirty="0">
                 <a:solidFill>
                   <a:srgbClr val="0000FF"/>
                 </a:solidFill>
@@ -11464,7 +11766,7 @@
               <a:t>)"</a:t>
             </a:r>
             <a:r>
-              <a:rPr lang="en-US" sz="1400" b="0" dirty="0" smtClean="0">
+              <a:rPr lang="en-US" sz="1400" b="0" dirty="0">
                 <a:latin typeface="Consolas" pitchFamily="49" charset="0"/>
               </a:rPr>
               <a:t> </a:t>
@@ -11483,7 +11785,7 @@
               </a:spcAft>
             </a:pPr>
             <a:r>
-              <a:rPr lang="en-US" sz="1400" b="0" dirty="0" smtClean="0">
+              <a:rPr lang="en-US" sz="1400" b="0" dirty="0">
                 <a:solidFill>
                   <a:srgbClr val="FF0000"/>
                 </a:solidFill>
@@ -11492,7 +11794,7 @@
               <a:t>            type</a:t>
             </a:r>
             <a:r>
-              <a:rPr lang="en-US" sz="1400" b="0" dirty="0" smtClean="0">
+              <a:rPr lang="en-US" sz="1400" b="0" dirty="0">
                 <a:solidFill>
                   <a:srgbClr val="0000FF"/>
                 </a:solidFill>
@@ -11501,7 +11803,7 @@
               <a:t>="text/</a:t>
             </a:r>
             <a:r>
-              <a:rPr lang="en-US" sz="1400" b="0" dirty="0" err="1" smtClean="0">
+              <a:rPr lang="en-US" sz="1400" b="0" dirty="0" err="1">
                 <a:solidFill>
                   <a:srgbClr val="0000FF"/>
                 </a:solidFill>
@@ -11510,7 +11812,7 @@
               <a:t>javascript</a:t>
             </a:r>
             <a:r>
-              <a:rPr lang="en-US" sz="1400" b="0" dirty="0" smtClean="0">
+              <a:rPr lang="en-US" sz="1400" b="0" dirty="0">
                 <a:solidFill>
                   <a:srgbClr val="0000FF"/>
                 </a:solidFill>
@@ -11519,7 +11821,7 @@
               <a:t>"&gt;&lt;/</a:t>
             </a:r>
             <a:r>
-              <a:rPr lang="en-US" sz="1400" b="0" dirty="0" smtClean="0">
+              <a:rPr lang="en-US" sz="1400" b="0" dirty="0">
                 <a:solidFill>
                   <a:srgbClr val="800000"/>
                 </a:solidFill>
@@ -11528,7 +11830,7 @@
               <a:t>script</a:t>
             </a:r>
             <a:r>
-              <a:rPr lang="en-US" sz="1400" b="0" dirty="0" smtClean="0">
+              <a:rPr lang="en-US" sz="1400" b="0" dirty="0">
                 <a:solidFill>
                   <a:srgbClr val="0000FF"/>
                 </a:solidFill>
@@ -11536,19 +11838,13 @@
               </a:rPr>
               <a:t>&gt;</a:t>
             </a:r>
-            <a:r>
-              <a:rPr lang="en-US" sz="1400" b="0" dirty="0" smtClean="0">
-                <a:latin typeface="Consolas" pitchFamily="49" charset="0"/>
-              </a:rPr>
-              <a:t/>
-            </a:r>
             <a:br>
-              <a:rPr lang="en-US" sz="1400" b="0" dirty="0" smtClean="0">
+              <a:rPr lang="en-US" sz="1400" b="0" dirty="0">
                 <a:latin typeface="Consolas" pitchFamily="49" charset="0"/>
               </a:rPr>
             </a:br>
             <a:r>
-              <a:rPr lang="en-US" sz="1400" b="0" dirty="0" smtClean="0">
+              <a:rPr lang="en-US" sz="1400" b="0" dirty="0">
                 <a:solidFill>
                   <a:srgbClr val="0000FF"/>
                 </a:solidFill>
@@ -11557,7 +11853,7 @@
               <a:t>&lt;/</a:t>
             </a:r>
             <a:r>
-              <a:rPr lang="en-US" sz="1400" b="0" dirty="0" smtClean="0">
+              <a:rPr lang="en-US" sz="1400" b="0" dirty="0">
                 <a:solidFill>
                   <a:srgbClr val="800000"/>
                 </a:solidFill>
@@ -11566,7 +11862,7 @@
               <a:t>head</a:t>
             </a:r>
             <a:r>
-              <a:rPr lang="en-US" sz="1400" b="0" dirty="0" smtClean="0">
+              <a:rPr lang="en-US" sz="1400" b="0" dirty="0">
                 <a:solidFill>
                   <a:srgbClr val="0000FF"/>
                 </a:solidFill>
@@ -11574,30 +11870,18 @@
               </a:rPr>
               <a:t>&gt;</a:t>
             </a:r>
-            <a:r>
-              <a:rPr lang="en-US" sz="1400" b="0" dirty="0" smtClean="0">
-                <a:latin typeface="Consolas" pitchFamily="49" charset="0"/>
-              </a:rPr>
-              <a:t/>
-            </a:r>
             <a:br>
-              <a:rPr lang="en-US" sz="1400" b="0" dirty="0" smtClean="0">
+              <a:rPr lang="en-US" sz="1400" b="0" dirty="0">
                 <a:latin typeface="Consolas" pitchFamily="49" charset="0"/>
               </a:rPr>
             </a:br>
-            <a:r>
-              <a:rPr lang="en-US" sz="1400" b="0" dirty="0" smtClean="0">
-                <a:latin typeface="Consolas" pitchFamily="49" charset="0"/>
-              </a:rPr>
-              <a:t/>
-            </a:r>
             <a:br>
-              <a:rPr lang="en-US" sz="1400" b="0" dirty="0" smtClean="0">
+              <a:rPr lang="en-US" sz="1400" b="0" dirty="0">
                 <a:latin typeface="Consolas" pitchFamily="49" charset="0"/>
               </a:rPr>
             </a:br>
             <a:r>
-              <a:rPr lang="en-US" sz="1400" b="0" dirty="0" smtClean="0">
+              <a:rPr lang="en-US" sz="1400" b="0" dirty="0">
                 <a:solidFill>
                   <a:srgbClr val="0000FF"/>
                 </a:solidFill>
@@ -11606,7 +11890,7 @@
               <a:t>&lt;</a:t>
             </a:r>
             <a:r>
-              <a:rPr lang="en-US" sz="1400" b="0" dirty="0" smtClean="0">
+              <a:rPr lang="en-US" sz="1400" b="0" dirty="0">
                 <a:solidFill>
                   <a:srgbClr val="800000"/>
                 </a:solidFill>
@@ -11615,7 +11899,7 @@
               <a:t>body</a:t>
             </a:r>
             <a:r>
-              <a:rPr lang="en-US" sz="1400" b="0" dirty="0" smtClean="0">
+              <a:rPr lang="en-US" sz="1400" b="0" dirty="0">
                 <a:solidFill>
                   <a:srgbClr val="0000FF"/>
                 </a:solidFill>
@@ -11623,42 +11907,36 @@
               </a:rPr>
               <a:t>&gt;</a:t>
             </a:r>
-            <a:r>
-              <a:rPr lang="en-US" sz="1400" b="0" dirty="0" smtClean="0">
-                <a:latin typeface="Consolas" pitchFamily="49" charset="0"/>
-              </a:rPr>
-              <a:t/>
-            </a:r>
             <a:br>
-              <a:rPr lang="en-US" sz="1400" b="0" dirty="0" smtClean="0">
+              <a:rPr lang="en-US" sz="1400" b="0" dirty="0">
                 <a:latin typeface="Consolas" pitchFamily="49" charset="0"/>
               </a:rPr>
             </a:br>
             <a:r>
-              <a:rPr lang="en-US" sz="1400" b="0" dirty="0" smtClean="0">
+              <a:rPr lang="en-US" sz="1400" b="0" dirty="0">
                 <a:latin typeface="Consolas" pitchFamily="49" charset="0"/>
               </a:rPr>
               <a:t>    @</a:t>
             </a:r>
             <a:r>
-              <a:rPr lang="en-US" sz="1400" b="0" dirty="0" err="1" smtClean="0">
+              <a:rPr lang="en-US" sz="1400" b="0" dirty="0" err="1">
                 <a:latin typeface="Consolas" pitchFamily="49" charset="0"/>
               </a:rPr>
               <a:t>RenderBody</a:t>
             </a:r>
             <a:r>
-              <a:rPr lang="en-US" sz="1400" b="0" dirty="0" smtClean="0">
+              <a:rPr lang="en-US" sz="1400" b="0" dirty="0">
                 <a:latin typeface="Consolas" pitchFamily="49" charset="0"/>
               </a:rPr>
               <a:t>()</a:t>
             </a:r>
             <a:br>
-              <a:rPr lang="en-US" sz="1400" b="0" dirty="0" smtClean="0">
+              <a:rPr lang="en-US" sz="1400" b="0" dirty="0">
                 <a:latin typeface="Consolas" pitchFamily="49" charset="0"/>
               </a:rPr>
             </a:br>
             <a:r>
-              <a:rPr lang="en-US" sz="1400" b="0" dirty="0" smtClean="0">
+              <a:rPr lang="en-US" sz="1400" b="0" dirty="0">
                 <a:solidFill>
                   <a:srgbClr val="0000FF"/>
                 </a:solidFill>
@@ -11667,7 +11945,7 @@
               <a:t>&lt;/</a:t>
             </a:r>
             <a:r>
-              <a:rPr lang="en-US" sz="1400" b="0" dirty="0" smtClean="0">
+              <a:rPr lang="en-US" sz="1400" b="0" dirty="0">
                 <a:solidFill>
                   <a:srgbClr val="800000"/>
                 </a:solidFill>
@@ -11676,7 +11954,7 @@
               <a:t>body</a:t>
             </a:r>
             <a:r>
-              <a:rPr lang="en-US" sz="1400" b="0" dirty="0" smtClean="0">
+              <a:rPr lang="en-US" sz="1400" b="0" dirty="0">
                 <a:solidFill>
                   <a:srgbClr val="0000FF"/>
                 </a:solidFill>
@@ -11684,19 +11962,13 @@
               </a:rPr>
               <a:t>&gt;</a:t>
             </a:r>
-            <a:r>
-              <a:rPr lang="en-US" sz="1400" b="0" dirty="0" smtClean="0">
-                <a:latin typeface="Consolas" pitchFamily="49" charset="0"/>
-              </a:rPr>
-              <a:t/>
-            </a:r>
             <a:br>
-              <a:rPr lang="en-US" sz="1400" b="0" dirty="0" smtClean="0">
+              <a:rPr lang="en-US" sz="1400" b="0" dirty="0">
                 <a:latin typeface="Consolas" pitchFamily="49" charset="0"/>
               </a:rPr>
             </a:br>
             <a:r>
-              <a:rPr lang="en-US" sz="1400" b="0" dirty="0" smtClean="0">
+              <a:rPr lang="en-US" sz="1400" b="0" dirty="0">
                 <a:solidFill>
                   <a:srgbClr val="0000FF"/>
                 </a:solidFill>
@@ -11705,7 +11977,7 @@
               <a:t>&lt;/</a:t>
             </a:r>
             <a:r>
-              <a:rPr lang="en-US" sz="1400" b="0" dirty="0" smtClean="0">
+              <a:rPr lang="en-US" sz="1400" b="0" dirty="0">
                 <a:solidFill>
                   <a:srgbClr val="800000"/>
                 </a:solidFill>
@@ -11714,7 +11986,7 @@
               <a:t>html</a:t>
             </a:r>
             <a:r>
-              <a:rPr lang="en-US" sz="1400" b="0" dirty="0" smtClean="0">
+              <a:rPr lang="en-US" sz="1400" b="0" dirty="0">
                 <a:solidFill>
                   <a:srgbClr val="0000FF"/>
                 </a:solidFill>
@@ -11722,14 +11994,8 @@
               </a:rPr>
               <a:t>&gt;</a:t>
             </a:r>
-            <a:r>
-              <a:rPr lang="en-US" sz="1400" b="0" dirty="0" smtClean="0">
-                <a:latin typeface="Consolas" pitchFamily="49" charset="0"/>
-              </a:rPr>
-              <a:t/>
-            </a:r>
             <a:br>
-              <a:rPr lang="en-US" sz="1400" b="0" dirty="0" smtClean="0">
+              <a:rPr lang="en-US" sz="1400" b="0" dirty="0">
                 <a:latin typeface="Consolas" pitchFamily="49" charset="0"/>
               </a:rPr>
             </a:br>
@@ -11745,308 +12011,6 @@
     <p:extLst>
       <p:ext uri="{BB962C8B-B14F-4D97-AF65-F5344CB8AC3E}">
         <p14:creationId xmlns:p14="http://schemas.microsoft.com/office/powerpoint/2010/main" val="3157898547"/>
-      </p:ext>
-    </p:extLst>
-  </p:cSld>
-  <p:clrMapOvr>
-    <a:masterClrMapping/>
-  </p:clrMapOvr>
-  <p:transition>
-    <p:fade/>
-  </p:transition>
-  <p:timing>
-    <p:tnLst>
-      <p:par>
-        <p:cTn id="1" dur="indefinite" restart="never" nodeType="tmRoot">
-          <p:childTnLst>
-            <p:seq concurrent="1" nextAc="seek">
-              <p:cTn id="2" dur="indefinite" nodeType="mainSeq">
-                <p:childTnLst>
-                  <p:par>
-                    <p:cTn id="3" fill="hold">
-                      <p:stCondLst>
-                        <p:cond delay="indefinite"/>
-                        <p:cond evt="onBegin" delay="0">
-                          <p:tn val="2"/>
-                        </p:cond>
-                      </p:stCondLst>
-                      <p:childTnLst>
-                        <p:par>
-                          <p:cTn id="4" fill="hold">
-                            <p:stCondLst>
-                              <p:cond delay="0"/>
-                            </p:stCondLst>
-                            <p:childTnLst>
-                              <p:par>
-                                <p:cTn id="5" presetID="9" presetClass="entr" presetSubtype="0" fill="hold" grpId="0" nodeType="withEffect">
-                                  <p:stCondLst>
-                                    <p:cond delay="0"/>
-                                  </p:stCondLst>
-                                  <p:childTnLst>
-                                    <p:set>
-                                      <p:cBhvr>
-                                        <p:cTn id="6" dur="1" fill="hold">
-                                          <p:stCondLst>
-                                            <p:cond delay="0"/>
-                                          </p:stCondLst>
-                                        </p:cTn>
-                                        <p:tgtEl>
-                                          <p:spTgt spid="4"/>
-                                        </p:tgtEl>
-                                        <p:attrNameLst>
-                                          <p:attrName>style.visibility</p:attrName>
-                                        </p:attrNameLst>
-                                      </p:cBhvr>
-                                      <p:to>
-                                        <p:strVal val="visible"/>
-                                      </p:to>
-                                    </p:set>
-                                    <p:animEffect transition="in" filter="dissolve">
-                                      <p:cBhvr>
-                                        <p:cTn id="7" dur="500"/>
-                                        <p:tgtEl>
-                                          <p:spTgt spid="4"/>
-                                        </p:tgtEl>
-                                      </p:cBhvr>
-                                    </p:animEffect>
-                                  </p:childTnLst>
-                                </p:cTn>
-                              </p:par>
-                            </p:childTnLst>
-                          </p:cTn>
-                        </p:par>
-                      </p:childTnLst>
-                    </p:cTn>
-                  </p:par>
-                </p:childTnLst>
-              </p:cTn>
-              <p:prevCondLst>
-                <p:cond evt="onPrev" delay="0">
-                  <p:tgtEl>
-                    <p:sldTgt/>
-                  </p:tgtEl>
-                </p:cond>
-              </p:prevCondLst>
-              <p:nextCondLst>
-                <p:cond evt="onNext" delay="0">
-                  <p:tgtEl>
-                    <p:sldTgt/>
-                  </p:tgtEl>
-                </p:cond>
-              </p:nextCondLst>
-            </p:seq>
-          </p:childTnLst>
-        </p:cTn>
-      </p:par>
-    </p:tnLst>
-    <p:bldLst>
-      <p:bldP spid="4" grpId="0" animBg="1"/>
-    </p:bldLst>
-  </p:timing>
-</p:sld>
-</file>
-
-<file path=ppt/slides/slide6.xml><?xml version="1.0" encoding="utf-8"?>
-<p:sld xmlns:a="http://schemas.openxmlformats.org/drawingml/2006/main" xmlns:r="http://schemas.openxmlformats.org/officeDocument/2006/relationships" xmlns:p="http://schemas.openxmlformats.org/presentationml/2006/main">
-  <p:cSld>
-    <p:spTree>
-      <p:nvGrpSpPr>
-        <p:cNvPr id="1" name=""/>
-        <p:cNvGrpSpPr/>
-        <p:nvPr/>
-      </p:nvGrpSpPr>
-      <p:grpSpPr>
-        <a:xfrm>
-          <a:off x="0" y="0"/>
-          <a:ext cx="0" cy="0"/>
-          <a:chOff x="0" y="0"/>
-          <a:chExt cx="0" cy="0"/>
-        </a:xfrm>
-      </p:grpSpPr>
-      <p:sp>
-        <p:nvSpPr>
-          <p:cNvPr id="2" name="Title 1"/>
-          <p:cNvSpPr>
-            <a:spLocks noGrp="1"/>
-          </p:cNvSpPr>
-          <p:nvPr>
-            <p:ph type="title"/>
-          </p:nvPr>
-        </p:nvSpPr>
-        <p:spPr/>
-        <p:txBody>
-          <a:bodyPr/>
-          <a:lstStyle/>
-          <a:p>
-            <a:r>
-              <a:rPr lang="en-US" dirty="0" smtClean="0"/>
-              <a:t>_</a:t>
-            </a:r>
-            <a:r>
-              <a:rPr lang="en-US" dirty="0" err="1" smtClean="0"/>
-              <a:t>ViewStart</a:t>
-            </a:r>
-            <a:endParaRPr lang="en-US" dirty="0"/>
-          </a:p>
-        </p:txBody>
-      </p:sp>
-      <p:sp>
-        <p:nvSpPr>
-          <p:cNvPr id="3" name="Text Placeholder 2"/>
-          <p:cNvSpPr>
-            <a:spLocks noGrp="1"/>
-          </p:cNvSpPr>
-          <p:nvPr>
-            <p:ph type="body" idx="1"/>
-          </p:nvPr>
-        </p:nvSpPr>
-        <p:spPr/>
-        <p:txBody>
-          <a:bodyPr/>
-          <a:lstStyle/>
-          <a:p>
-            <a:r>
-              <a:rPr lang="en-US" dirty="0" smtClean="0"/>
-              <a:t>Code inside _</a:t>
-            </a:r>
-            <a:r>
-              <a:rPr lang="en-US" dirty="0" err="1" smtClean="0"/>
-              <a:t>ViewStart.cshtml</a:t>
-            </a:r>
-            <a:r>
-              <a:rPr lang="en-US" dirty="0" smtClean="0"/>
-              <a:t> executes before every view renders</a:t>
-            </a:r>
-          </a:p>
-          <a:p>
-            <a:r>
-              <a:rPr lang="en-US" dirty="0" smtClean="0"/>
-              <a:t>Hierarchical (subfolders override parent)</a:t>
-            </a:r>
-            <a:endParaRPr lang="en-US" dirty="0"/>
-          </a:p>
-        </p:txBody>
-      </p:sp>
-      <p:sp>
-        <p:nvSpPr>
-          <p:cNvPr id="4" name="Text Placeholder 2"/>
-          <p:cNvSpPr txBox="1">
-            <a:spLocks/>
-          </p:cNvSpPr>
-          <p:nvPr/>
-        </p:nvSpPr>
-        <p:spPr bwMode="auto">
-          <a:xfrm>
-            <a:off x="1371600" y="3200400"/>
-            <a:ext cx="6172200" cy="1447800"/>
-          </a:xfrm>
-          <a:prstGeom prst="rect">
-            <a:avLst/>
-          </a:prstGeom>
-          <a:solidFill>
-            <a:schemeClr val="accent2"/>
-          </a:solidFill>
-          <a:ln w="9525">
-            <a:solidFill>
-              <a:schemeClr val="tx1"/>
-            </a:solidFill>
-            <a:miter lim="800000"/>
-            <a:headEnd/>
-            <a:tailEnd/>
-          </a:ln>
-        </p:spPr>
-        <p:txBody>
-          <a:bodyPr vert="horz" wrap="square" lIns="91440" tIns="45720" rIns="91440" bIns="45720" numCol="1" anchor="t" anchorCtr="0" compatLnSpc="1">
-            <a:prstTxWarp prst="textNoShape">
-              <a:avLst/>
-            </a:prstTxWarp>
-          </a:bodyPr>
-          <a:lstStyle/>
-          <a:p>
-            <a:pPr marL="0" marR="0" algn="l">
-              <a:lnSpc>
-                <a:spcPct val="115000"/>
-              </a:lnSpc>
-              <a:spcBef>
-                <a:spcPts val="0"/>
-              </a:spcBef>
-              <a:spcAft>
-                <a:spcPts val="0"/>
-              </a:spcAft>
-            </a:pPr>
-            <a:r>
-              <a:rPr lang="en-US" b="0" dirty="0" smtClean="0">
-                <a:latin typeface="Consolas" pitchFamily="49" charset="0"/>
-              </a:rPr>
-              <a:t>@{</a:t>
-            </a:r>
-            <a:br>
-              <a:rPr lang="en-US" b="0" dirty="0" smtClean="0">
-                <a:latin typeface="Consolas" pitchFamily="49" charset="0"/>
-              </a:rPr>
-            </a:br>
-            <a:r>
-              <a:rPr lang="en-US" b="0" dirty="0" smtClean="0">
-                <a:latin typeface="Consolas" pitchFamily="49" charset="0"/>
-              </a:rPr>
-              <a:t>    Layout = </a:t>
-            </a:r>
-            <a:r>
-              <a:rPr lang="en-US" b="0" dirty="0" smtClean="0">
-                <a:solidFill>
-                  <a:srgbClr val="A31515"/>
-                </a:solidFill>
-                <a:latin typeface="Consolas" pitchFamily="49" charset="0"/>
-              </a:rPr>
-              <a:t>"~/Views/Shared/_</a:t>
-            </a:r>
-            <a:r>
-              <a:rPr lang="en-US" b="0" dirty="0" err="1" smtClean="0">
-                <a:solidFill>
-                  <a:srgbClr val="A31515"/>
-                </a:solidFill>
-                <a:latin typeface="Consolas" pitchFamily="49" charset="0"/>
-              </a:rPr>
-              <a:t>Layout.cshtml</a:t>
-            </a:r>
-            <a:r>
-              <a:rPr lang="en-US" b="0" dirty="0" smtClean="0">
-                <a:solidFill>
-                  <a:srgbClr val="A31515"/>
-                </a:solidFill>
-                <a:latin typeface="Consolas" pitchFamily="49" charset="0"/>
-              </a:rPr>
-              <a:t>"</a:t>
-            </a:r>
-            <a:r>
-              <a:rPr lang="en-US" b="0" dirty="0" smtClean="0">
-                <a:latin typeface="Consolas" pitchFamily="49" charset="0"/>
-              </a:rPr>
-              <a:t>;</a:t>
-            </a:r>
-            <a:br>
-              <a:rPr lang="en-US" b="0" dirty="0" smtClean="0">
-                <a:latin typeface="Consolas" pitchFamily="49" charset="0"/>
-              </a:rPr>
-            </a:br>
-            <a:r>
-              <a:rPr lang="en-US" b="0" dirty="0" smtClean="0">
-                <a:latin typeface="Consolas" pitchFamily="49" charset="0"/>
-              </a:rPr>
-              <a:t> }</a:t>
-            </a:r>
-            <a:endParaRPr lang="en-US" b="0" dirty="0">
-              <a:latin typeface="Consolas" pitchFamily="49" charset="0"/>
-              <a:ea typeface="Calibri"/>
-              <a:cs typeface="Consolas" pitchFamily="49" charset="0"/>
-            </a:endParaRPr>
-          </a:p>
-        </p:txBody>
-      </p:sp>
-    </p:spTree>
-    <p:extLst>
-      <p:ext uri="{BB962C8B-B14F-4D97-AF65-F5344CB8AC3E}">
-        <p14:creationId xmlns:p14="http://schemas.microsoft.com/office/powerpoint/2010/main" val="655870190"/>
       </p:ext>
     </p:extLst>
   </p:cSld>
@@ -12181,12 +12145,12 @@
           <a:lstStyle/>
           <a:p>
             <a:r>
-              <a:rPr lang="en-US" dirty="0" smtClean="0"/>
+              <a:rPr lang="en-US" dirty="0"/>
               <a:t>_</a:t>
             </a:r>
             <a:r>
-              <a:rPr lang="en-US" dirty="0" err="1" smtClean="0"/>
-              <a:t>ViewImports</a:t>
+              <a:rPr lang="en-US" dirty="0" err="1"/>
+              <a:t>ViewStart</a:t>
             </a:r>
             <a:endParaRPr lang="en-US" dirty="0"/>
           </a:p>
@@ -12208,41 +12172,146 @@
           <a:lstStyle/>
           <a:p>
             <a:r>
-              <a:rPr lang="en-US" dirty="0" smtClean="0"/>
-              <a:t>Add namespaces and tag helpers</a:t>
-            </a:r>
-            <a:endParaRPr lang="en-US" dirty="0"/>
+              <a:rPr lang="en-US" dirty="0"/>
+              <a:t>Code inside _</a:t>
+            </a:r>
+            <a:r>
+              <a:rPr lang="en-US" dirty="0" err="1"/>
+              <a:t>ViewStart.cshtml</a:t>
+            </a:r>
+            <a:r>
+              <a:rPr lang="en-US" dirty="0"/>
+              <a:t> executes before every view renders</a:t>
+            </a:r>
+          </a:p>
+          <a:p>
+            <a:r>
+              <a:rPr lang="en-US" dirty="0"/>
+              <a:t>Hierarchical (subfolders override parent)</a:t>
+            </a:r>
           </a:p>
         </p:txBody>
       </p:sp>
-      <p:pic>
-        <p:nvPicPr>
-          <p:cNvPr id="4" name="Picture 3"/>
-          <p:cNvPicPr>
-            <a:picLocks noChangeAspect="1"/>
-          </p:cNvPicPr>
+      <p:sp>
+        <p:nvSpPr>
+          <p:cNvPr id="4" name="Text Placeholder 2"/>
+          <p:cNvSpPr txBox="1">
+            <a:spLocks/>
+          </p:cNvSpPr>
           <p:nvPr/>
-        </p:nvPicPr>
-        <p:blipFill>
-          <a:blip r:embed="rId2"/>
-          <a:stretch>
-            <a:fillRect/>
-          </a:stretch>
-        </p:blipFill>
-        <p:spPr>
+        </p:nvSpPr>
+        <p:spPr bwMode="auto">
           <a:xfrm>
-            <a:off x="1733550" y="2967037"/>
-            <a:ext cx="5676900" cy="923925"/>
+            <a:off x="1371600" y="3200400"/>
+            <a:ext cx="6172200" cy="1447800"/>
           </a:xfrm>
           <a:prstGeom prst="rect">
             <a:avLst/>
           </a:prstGeom>
+          <a:solidFill>
+            <a:schemeClr val="accent2"/>
+          </a:solidFill>
+          <a:ln w="9525">
+            <a:solidFill>
+              <a:schemeClr val="tx1"/>
+            </a:solidFill>
+            <a:miter lim="800000"/>
+            <a:headEnd/>
+            <a:tailEnd/>
+          </a:ln>
         </p:spPr>
-      </p:pic>
+        <p:txBody>
+          <a:bodyPr vert="horz" wrap="square" lIns="91440" tIns="45720" rIns="91440" bIns="45720" numCol="1" anchor="t" anchorCtr="0" compatLnSpc="1">
+            <a:prstTxWarp prst="textNoShape">
+              <a:avLst/>
+            </a:prstTxWarp>
+          </a:bodyPr>
+          <a:lstStyle/>
+          <a:p>
+            <a:pPr marL="0" marR="0" algn="l">
+              <a:lnSpc>
+                <a:spcPct val="115000"/>
+              </a:lnSpc>
+              <a:spcBef>
+                <a:spcPts val="0"/>
+              </a:spcBef>
+              <a:spcAft>
+                <a:spcPts val="0"/>
+              </a:spcAft>
+            </a:pPr>
+            <a:r>
+              <a:rPr lang="en-US" b="0" dirty="0">
+                <a:latin typeface="Consolas" pitchFamily="49" charset="0"/>
+              </a:rPr>
+              <a:t>@{</a:t>
+            </a:r>
+            <a:br>
+              <a:rPr lang="en-US" b="0" dirty="0">
+                <a:latin typeface="Consolas" pitchFamily="49" charset="0"/>
+              </a:rPr>
+            </a:br>
+            <a:r>
+              <a:rPr lang="en-US" b="0" dirty="0">
+                <a:latin typeface="Consolas" pitchFamily="49" charset="0"/>
+              </a:rPr>
+              <a:t>    Layout = </a:t>
+            </a:r>
+            <a:r>
+              <a:rPr lang="en-US" b="0" dirty="0">
+                <a:solidFill>
+                  <a:srgbClr val="A31515"/>
+                </a:solidFill>
+                <a:latin typeface="Consolas" pitchFamily="49" charset="0"/>
+              </a:rPr>
+              <a:t>"~/Views/Shared/_</a:t>
+            </a:r>
+            <a:r>
+              <a:rPr lang="en-US" b="0" dirty="0" err="1">
+                <a:solidFill>
+                  <a:srgbClr val="A31515"/>
+                </a:solidFill>
+                <a:latin typeface="Consolas" pitchFamily="49" charset="0"/>
+              </a:rPr>
+              <a:t>Layout.cshtml</a:t>
+            </a:r>
+            <a:r>
+              <a:rPr lang="en-US" b="0" dirty="0">
+                <a:solidFill>
+                  <a:srgbClr val="A31515"/>
+                </a:solidFill>
+                <a:latin typeface="Consolas" pitchFamily="49" charset="0"/>
+              </a:rPr>
+              <a:t>"</a:t>
+            </a:r>
+            <a:r>
+              <a:rPr lang="en-US" b="0" dirty="0">
+                <a:latin typeface="Consolas" pitchFamily="49" charset="0"/>
+              </a:rPr>
+              <a:t>;</a:t>
+            </a:r>
+            <a:br>
+              <a:rPr lang="en-US" b="0" dirty="0">
+                <a:latin typeface="Consolas" pitchFamily="49" charset="0"/>
+              </a:rPr>
+            </a:br>
+            <a:r>
+              <a:rPr lang="en-US" b="0" dirty="0">
+                <a:latin typeface="Consolas" pitchFamily="49" charset="0"/>
+              </a:rPr>
+              <a:t> }</a:t>
+            </a:r>
+            <a:endParaRPr lang="en-US" b="0" dirty="0">
+              <a:latin typeface="Consolas" pitchFamily="49" charset="0"/>
+              <a:ea typeface="Calibri"/>
+              <a:cs typeface="Consolas" pitchFamily="49" charset="0"/>
+            </a:endParaRPr>
+          </a:p>
+        </p:txBody>
+      </p:sp>
     </p:spTree>
     <p:extLst>
       <p:ext uri="{BB962C8B-B14F-4D97-AF65-F5344CB8AC3E}">
-        <p14:creationId xmlns:p14="http://schemas.microsoft.com/office/powerpoint/2010/main" val="3383270577"/>
+        <p14:creationId xmlns:p14="http://schemas.microsoft.com/office/powerpoint/2010/main" val="655870190"/>
       </p:ext>
     </p:extLst>
   </p:cSld>
@@ -12252,6 +12321,95 @@
   <p:transition>
     <p:fade/>
   </p:transition>
+  <p:timing>
+    <p:tnLst>
+      <p:par>
+        <p:cTn id="1" dur="indefinite" restart="never" nodeType="tmRoot">
+          <p:childTnLst>
+            <p:seq concurrent="1" nextAc="seek">
+              <p:cTn id="2" dur="indefinite" nodeType="mainSeq">
+                <p:childTnLst>
+                  <p:par>
+                    <p:cTn id="3" fill="hold">
+                      <p:stCondLst>
+                        <p:cond delay="indefinite"/>
+                        <p:cond evt="onBegin" delay="0">
+                          <p:tn val="2"/>
+                        </p:cond>
+                      </p:stCondLst>
+                      <p:childTnLst>
+                        <p:par>
+                          <p:cTn id="4" fill="hold">
+                            <p:stCondLst>
+                              <p:cond delay="0"/>
+                            </p:stCondLst>
+                            <p:childTnLst>
+                              <p:par>
+                                <p:cTn id="5" presetID="9" presetClass="entr" presetSubtype="0" fill="hold" grpId="0" nodeType="withEffect">
+                                  <p:stCondLst>
+                                    <p:cond delay="0"/>
+                                  </p:stCondLst>
+                                  <p:childTnLst>
+                                    <p:set>
+                                      <p:cBhvr>
+                                        <p:cTn id="6" dur="1" fill="hold">
+                                          <p:stCondLst>
+                                            <p:cond delay="0"/>
+                                          </p:stCondLst>
+                                        </p:cTn>
+                                        <p:tgtEl>
+                                          <p:spTgt spid="4"/>
+                                        </p:tgtEl>
+                                        <p:attrNameLst>
+                                          <p:attrName>style.visibility</p:attrName>
+                                        </p:attrNameLst>
+                                      </p:cBhvr>
+                                      <p:to>
+                                        <p:strVal val="visible"/>
+                                      </p:to>
+                                    </p:set>
+                                    <p:animEffect transition="in" filter="dissolve">
+                                      <p:cBhvr>
+                                        <p:cTn id="7" dur="500"/>
+                                        <p:tgtEl>
+                                          <p:spTgt spid="4"/>
+                                        </p:tgtEl>
+                                      </p:cBhvr>
+                                    </p:animEffect>
+                                  </p:childTnLst>
+                                </p:cTn>
+                              </p:par>
+                            </p:childTnLst>
+                          </p:cTn>
+                        </p:par>
+                      </p:childTnLst>
+                    </p:cTn>
+                  </p:par>
+                </p:childTnLst>
+              </p:cTn>
+              <p:prevCondLst>
+                <p:cond evt="onPrev" delay="0">
+                  <p:tgtEl>
+                    <p:sldTgt/>
+                  </p:tgtEl>
+                </p:cond>
+              </p:prevCondLst>
+              <p:nextCondLst>
+                <p:cond evt="onNext" delay="0">
+                  <p:tgtEl>
+                    <p:sldTgt/>
+                  </p:tgtEl>
+                </p:cond>
+              </p:nextCondLst>
+            </p:seq>
+          </p:childTnLst>
+        </p:cTn>
+      </p:par>
+    </p:tnLst>
+    <p:bldLst>
+      <p:bldP spid="4" grpId="0" animBg="1"/>
+    </p:bldLst>
+  </p:timing>
 </p:sld>
 </file>
 
@@ -12288,8 +12446,12 @@
           <a:lstStyle/>
           <a:p>
             <a:r>
-              <a:rPr lang="en-US" dirty="0" smtClean="0"/>
-              <a:t>Views and Dependency Injection</a:t>
+              <a:rPr lang="en-US" dirty="0"/>
+              <a:t>_</a:t>
+            </a:r>
+            <a:r>
+              <a:rPr lang="en-US" dirty="0" err="1"/>
+              <a:t>ViewImports</a:t>
             </a:r>
             <a:endParaRPr lang="en-US" dirty="0"/>
           </a:p>
@@ -12311,10 +12473,9 @@
           <a:lstStyle/>
           <a:p>
             <a:r>
-              <a:rPr lang="en-US" dirty="0" smtClean="0"/>
-              <a:t>Use @inject</a:t>
-            </a:r>
-            <a:endParaRPr lang="en-US" dirty="0"/>
+              <a:rPr lang="en-US" dirty="0"/>
+              <a:t>Add namespaces and tag helpers</a:t>
+            </a:r>
           </a:p>
         </p:txBody>
       </p:sp>
@@ -12334,28 +12495,18 @@
         </p:blipFill>
         <p:spPr>
           <a:xfrm>
-            <a:off x="1604962" y="3019425"/>
-            <a:ext cx="5934075" cy="819150"/>
+            <a:off x="1733550" y="2967037"/>
+            <a:ext cx="5676900" cy="923925"/>
           </a:xfrm>
           <a:prstGeom prst="rect">
             <a:avLst/>
           </a:prstGeom>
-          <a:ln>
-            <a:noFill/>
-          </a:ln>
-          <a:effectLst>
-            <a:outerShdw blurRad="292100" dist="139700" dir="2700000" algn="tl" rotWithShape="0">
-              <a:srgbClr val="333333">
-                <a:alpha val="65000"/>
-              </a:srgbClr>
-            </a:outerShdw>
-          </a:effectLst>
         </p:spPr>
       </p:pic>
     </p:spTree>
     <p:extLst>
       <p:ext uri="{BB962C8B-B14F-4D97-AF65-F5344CB8AC3E}">
-        <p14:creationId xmlns:p14="http://schemas.microsoft.com/office/powerpoint/2010/main" val="2373310221"/>
+        <p14:creationId xmlns:p14="http://schemas.microsoft.com/office/powerpoint/2010/main" val="3383270577"/>
       </p:ext>
     </p:extLst>
   </p:cSld>
@@ -12401,10 +12552,9 @@
           <a:lstStyle/>
           <a:p>
             <a:r>
-              <a:rPr lang="en-US" dirty="0" smtClean="0"/>
-              <a:t>HTML Helpers</a:t>
-            </a:r>
-            <a:endParaRPr lang="en-US" dirty="0"/>
+              <a:rPr lang="en-US" dirty="0"/>
+              <a:t>Views and Dependency Injection</a:t>
+            </a:r>
           </a:p>
         </p:txBody>
       </p:sp>
@@ -12424,520 +12574,50 @@
           <a:lstStyle/>
           <a:p>
             <a:r>
-              <a:rPr lang="en-US" dirty="0" smtClean="0"/>
-              <a:t>Html is a property of the </a:t>
-            </a:r>
-            <a:r>
-              <a:rPr lang="en-US" dirty="0" err="1" smtClean="0"/>
-              <a:t>ViewPage</a:t>
-            </a:r>
-            <a:r>
-              <a:rPr lang="en-US" dirty="0" smtClean="0"/>
-              <a:t> base class</a:t>
-            </a:r>
-          </a:p>
-          <a:p>
-            <a:r>
-              <a:rPr lang="en-US" dirty="0" smtClean="0"/>
-              <a:t>Many HTML helpers replaced with tag helpers</a:t>
+              <a:rPr lang="en-US" dirty="0"/>
+              <a:t>Use @inject</a:t>
             </a:r>
           </a:p>
         </p:txBody>
       </p:sp>
-      <p:sp>
-        <p:nvSpPr>
-          <p:cNvPr id="4" name="Text Placeholder 2"/>
-          <p:cNvSpPr txBox="1">
-            <a:spLocks/>
-          </p:cNvSpPr>
+      <p:pic>
+        <p:nvPicPr>
+          <p:cNvPr id="4" name="Picture 3"/>
+          <p:cNvPicPr>
+            <a:picLocks noChangeAspect="1"/>
+          </p:cNvPicPr>
           <p:nvPr/>
-        </p:nvSpPr>
-        <p:spPr bwMode="auto">
+        </p:nvPicPr>
+        <p:blipFill>
+          <a:blip r:embed="rId2"/>
+          <a:stretch>
+            <a:fillRect/>
+          </a:stretch>
+        </p:blipFill>
+        <p:spPr>
           <a:xfrm>
-            <a:off x="685800" y="3124200"/>
-            <a:ext cx="7543800" cy="2438400"/>
+            <a:off x="1604962" y="3019425"/>
+            <a:ext cx="5934075" cy="819150"/>
           </a:xfrm>
           <a:prstGeom prst="rect">
             <a:avLst/>
           </a:prstGeom>
-          <a:solidFill>
-            <a:schemeClr val="accent2"/>
-          </a:solidFill>
-          <a:ln w="9525">
-            <a:solidFill>
-              <a:schemeClr val="tx1"/>
-            </a:solidFill>
-            <a:miter lim="800000"/>
-            <a:headEnd/>
-            <a:tailEnd/>
+          <a:ln>
+            <a:noFill/>
           </a:ln>
+          <a:effectLst>
+            <a:outerShdw blurRad="292100" dist="139700" dir="2700000" algn="tl" rotWithShape="0">
+              <a:srgbClr val="333333">
+                <a:alpha val="65000"/>
+              </a:srgbClr>
+            </a:outerShdw>
+          </a:effectLst>
         </p:spPr>
-        <p:txBody>
-          <a:bodyPr vert="horz" wrap="square" lIns="91440" tIns="45720" rIns="91440" bIns="45720" numCol="1" anchor="t" anchorCtr="0" compatLnSpc="1">
-            <a:prstTxWarp prst="textNoShape">
-              <a:avLst/>
-            </a:prstTxWarp>
-          </a:bodyPr>
-          <a:lstStyle/>
-          <a:p>
-            <a:pPr marL="342900" lvl="0" indent="-342900" algn="l" defTabSz="-13873163" eaLnBrk="1" hangingPunct="1">
-              <a:spcBef>
-                <a:spcPct val="20000"/>
-              </a:spcBef>
-              <a:defRPr/>
-            </a:pPr>
-            <a:r>
-              <a:rPr lang="en-US" sz="1400" b="0" dirty="0">
-                <a:latin typeface="Consolas" pitchFamily="49" charset="0"/>
-                <a:cs typeface="Consolas" pitchFamily="49" charset="0"/>
-              </a:rPr>
-              <a:t>@</a:t>
-            </a:r>
-            <a:r>
-              <a:rPr lang="en-US" sz="1400" b="0" dirty="0">
-                <a:solidFill>
-                  <a:srgbClr val="0000FF"/>
-                </a:solidFill>
-                <a:latin typeface="Consolas" pitchFamily="49" charset="0"/>
-                <a:cs typeface="Consolas" pitchFamily="49" charset="0"/>
-              </a:rPr>
-              <a:t>using</a:t>
-            </a:r>
-            <a:r>
-              <a:rPr lang="en-US" sz="1400" b="0" dirty="0">
-                <a:latin typeface="Consolas" pitchFamily="49" charset="0"/>
-                <a:cs typeface="Consolas" pitchFamily="49" charset="0"/>
-              </a:rPr>
-              <a:t> (</a:t>
-            </a:r>
-            <a:r>
-              <a:rPr lang="en-US" sz="1400" b="0" dirty="0" err="1">
-                <a:latin typeface="Consolas" pitchFamily="49" charset="0"/>
-                <a:cs typeface="Consolas" pitchFamily="49" charset="0"/>
-              </a:rPr>
-              <a:t>Html.BeginForm</a:t>
-            </a:r>
-            <a:r>
-              <a:rPr lang="en-US" sz="1400" b="0" dirty="0">
-                <a:latin typeface="Consolas" pitchFamily="49" charset="0"/>
-                <a:cs typeface="Consolas" pitchFamily="49" charset="0"/>
-              </a:rPr>
-              <a:t>()) {</a:t>
-            </a:r>
-            <a:br>
-              <a:rPr lang="en-US" sz="1400" b="0" dirty="0">
-                <a:latin typeface="Consolas" pitchFamily="49" charset="0"/>
-                <a:cs typeface="Consolas" pitchFamily="49" charset="0"/>
-              </a:rPr>
-            </a:br>
-            <a:r>
-              <a:rPr lang="en-US" sz="1400" b="0" dirty="0">
-                <a:latin typeface="Consolas" pitchFamily="49" charset="0"/>
-                <a:cs typeface="Consolas" pitchFamily="49" charset="0"/>
-              </a:rPr>
-              <a:t>    @</a:t>
-            </a:r>
-            <a:r>
-              <a:rPr lang="en-US" sz="1400" b="0" dirty="0" err="1">
-                <a:latin typeface="Consolas" pitchFamily="49" charset="0"/>
-                <a:cs typeface="Consolas" pitchFamily="49" charset="0"/>
-              </a:rPr>
-              <a:t>Html.ValidationSummary</a:t>
-            </a:r>
-            <a:r>
-              <a:rPr lang="en-US" sz="1400" b="0" dirty="0">
-                <a:latin typeface="Consolas" pitchFamily="49" charset="0"/>
-                <a:cs typeface="Consolas" pitchFamily="49" charset="0"/>
-              </a:rPr>
-              <a:t>(</a:t>
-            </a:r>
-            <a:r>
-              <a:rPr lang="en-US" sz="1400" b="0" dirty="0">
-                <a:solidFill>
-                  <a:srgbClr val="0000FF"/>
-                </a:solidFill>
-                <a:latin typeface="Consolas" pitchFamily="49" charset="0"/>
-                <a:cs typeface="Consolas" pitchFamily="49" charset="0"/>
-              </a:rPr>
-              <a:t>true</a:t>
-            </a:r>
-            <a:r>
-              <a:rPr lang="en-US" sz="1400" b="0" dirty="0">
-                <a:latin typeface="Consolas" pitchFamily="49" charset="0"/>
-                <a:cs typeface="Consolas" pitchFamily="49" charset="0"/>
-              </a:rPr>
-              <a:t>)</a:t>
-            </a:r>
-            <a:br>
-              <a:rPr lang="en-US" sz="1400" b="0" dirty="0">
-                <a:latin typeface="Consolas" pitchFamily="49" charset="0"/>
-                <a:cs typeface="Consolas" pitchFamily="49" charset="0"/>
-              </a:rPr>
-            </a:br>
-            <a:r>
-              <a:rPr lang="en-US" sz="1400" b="0" dirty="0">
-                <a:latin typeface="Consolas" pitchFamily="49" charset="0"/>
-                <a:cs typeface="Consolas" pitchFamily="49" charset="0"/>
-              </a:rPr>
-              <a:t>        </a:t>
-            </a:r>
-            <a:r>
-              <a:rPr lang="en-US" sz="1400" b="0" dirty="0">
-                <a:solidFill>
-                  <a:srgbClr val="0000FF"/>
-                </a:solidFill>
-                <a:latin typeface="Consolas" pitchFamily="49" charset="0"/>
-                <a:cs typeface="Consolas" pitchFamily="49" charset="0"/>
-              </a:rPr>
-              <a:t>&lt;</a:t>
-            </a:r>
-            <a:r>
-              <a:rPr lang="en-US" sz="1400" b="0" dirty="0">
-                <a:solidFill>
-                  <a:srgbClr val="800000"/>
-                </a:solidFill>
-                <a:latin typeface="Consolas" pitchFamily="49" charset="0"/>
-                <a:cs typeface="Consolas" pitchFamily="49" charset="0"/>
-              </a:rPr>
-              <a:t>div</a:t>
-            </a:r>
-            <a:r>
-              <a:rPr lang="en-US" sz="1400" b="0" dirty="0">
-                <a:latin typeface="Consolas" pitchFamily="49" charset="0"/>
-                <a:cs typeface="Consolas" pitchFamily="49" charset="0"/>
-              </a:rPr>
-              <a:t> </a:t>
-            </a:r>
-            <a:r>
-              <a:rPr lang="en-US" sz="1400" b="0" dirty="0">
-                <a:solidFill>
-                  <a:srgbClr val="FF0000"/>
-                </a:solidFill>
-                <a:latin typeface="Consolas" pitchFamily="49" charset="0"/>
-                <a:cs typeface="Consolas" pitchFamily="49" charset="0"/>
-              </a:rPr>
-              <a:t>class</a:t>
-            </a:r>
-            <a:r>
-              <a:rPr lang="en-US" sz="1400" b="0" dirty="0">
-                <a:solidFill>
-                  <a:srgbClr val="0000FF"/>
-                </a:solidFill>
-                <a:latin typeface="Consolas" pitchFamily="49" charset="0"/>
-                <a:cs typeface="Consolas" pitchFamily="49" charset="0"/>
-              </a:rPr>
-              <a:t>="editor-label"&gt;</a:t>
-            </a:r>
-            <a:r>
-              <a:rPr lang="en-US" sz="1400" b="0" dirty="0">
-                <a:latin typeface="Consolas" pitchFamily="49" charset="0"/>
-                <a:cs typeface="Consolas" pitchFamily="49" charset="0"/>
-              </a:rPr>
-              <a:t/>
-            </a:r>
-            <a:br>
-              <a:rPr lang="en-US" sz="1400" b="0" dirty="0">
-                <a:latin typeface="Consolas" pitchFamily="49" charset="0"/>
-                <a:cs typeface="Consolas" pitchFamily="49" charset="0"/>
-              </a:rPr>
-            </a:br>
-            <a:r>
-              <a:rPr lang="en-US" sz="1400" b="0" dirty="0">
-                <a:latin typeface="Consolas" pitchFamily="49" charset="0"/>
-                <a:cs typeface="Consolas" pitchFamily="49" charset="0"/>
-              </a:rPr>
-              <a:t>            @</a:t>
-            </a:r>
-            <a:r>
-              <a:rPr lang="en-US" sz="1400" b="0" dirty="0" err="1">
-                <a:latin typeface="Consolas" pitchFamily="49" charset="0"/>
-                <a:cs typeface="Consolas" pitchFamily="49" charset="0"/>
-              </a:rPr>
-              <a:t>Html.LabelFor</a:t>
-            </a:r>
-            <a:r>
-              <a:rPr lang="en-US" sz="1400" b="0" dirty="0">
-                <a:latin typeface="Consolas" pitchFamily="49" charset="0"/>
-                <a:cs typeface="Consolas" pitchFamily="49" charset="0"/>
-              </a:rPr>
-              <a:t>(model =&gt; </a:t>
-            </a:r>
-            <a:r>
-              <a:rPr lang="en-US" sz="1400" b="0" dirty="0" err="1">
-                <a:latin typeface="Consolas" pitchFamily="49" charset="0"/>
-                <a:cs typeface="Consolas" pitchFamily="49" charset="0"/>
-              </a:rPr>
-              <a:t>model.FirstName</a:t>
-            </a:r>
-            <a:r>
-              <a:rPr lang="en-US" sz="1400" b="0" dirty="0">
-                <a:latin typeface="Consolas" pitchFamily="49" charset="0"/>
-                <a:cs typeface="Consolas" pitchFamily="49" charset="0"/>
-              </a:rPr>
-              <a:t>)</a:t>
-            </a:r>
-            <a:br>
-              <a:rPr lang="en-US" sz="1400" b="0" dirty="0">
-                <a:latin typeface="Consolas" pitchFamily="49" charset="0"/>
-                <a:cs typeface="Consolas" pitchFamily="49" charset="0"/>
-              </a:rPr>
-            </a:br>
-            <a:r>
-              <a:rPr lang="en-US" sz="1400" b="0" dirty="0">
-                <a:latin typeface="Consolas" pitchFamily="49" charset="0"/>
-                <a:cs typeface="Consolas" pitchFamily="49" charset="0"/>
-              </a:rPr>
-              <a:t>        </a:t>
-            </a:r>
-            <a:r>
-              <a:rPr lang="en-US" sz="1400" b="0" dirty="0">
-                <a:solidFill>
-                  <a:srgbClr val="0000FF"/>
-                </a:solidFill>
-                <a:latin typeface="Consolas" pitchFamily="49" charset="0"/>
-                <a:cs typeface="Consolas" pitchFamily="49" charset="0"/>
-              </a:rPr>
-              <a:t>&lt;/</a:t>
-            </a:r>
-            <a:r>
-              <a:rPr lang="en-US" sz="1400" b="0" dirty="0">
-                <a:solidFill>
-                  <a:srgbClr val="800000"/>
-                </a:solidFill>
-                <a:latin typeface="Consolas" pitchFamily="49" charset="0"/>
-                <a:cs typeface="Consolas" pitchFamily="49" charset="0"/>
-              </a:rPr>
-              <a:t>div</a:t>
-            </a:r>
-            <a:r>
-              <a:rPr lang="en-US" sz="1400" b="0" dirty="0">
-                <a:solidFill>
-                  <a:srgbClr val="0000FF"/>
-                </a:solidFill>
-                <a:latin typeface="Consolas" pitchFamily="49" charset="0"/>
-                <a:cs typeface="Consolas" pitchFamily="49" charset="0"/>
-              </a:rPr>
-              <a:t>&gt;</a:t>
-            </a:r>
-            <a:r>
-              <a:rPr lang="en-US" sz="1400" b="0" dirty="0">
-                <a:latin typeface="Consolas" pitchFamily="49" charset="0"/>
-                <a:cs typeface="Consolas" pitchFamily="49" charset="0"/>
-              </a:rPr>
-              <a:t/>
-            </a:r>
-            <a:br>
-              <a:rPr lang="en-US" sz="1400" b="0" dirty="0">
-                <a:latin typeface="Consolas" pitchFamily="49" charset="0"/>
-                <a:cs typeface="Consolas" pitchFamily="49" charset="0"/>
-              </a:rPr>
-            </a:br>
-            <a:r>
-              <a:rPr lang="en-US" sz="1400" b="0" dirty="0">
-                <a:latin typeface="Consolas" pitchFamily="49" charset="0"/>
-                <a:cs typeface="Consolas" pitchFamily="49" charset="0"/>
-              </a:rPr>
-              <a:t>        </a:t>
-            </a:r>
-            <a:r>
-              <a:rPr lang="en-US" sz="1400" b="0" dirty="0">
-                <a:solidFill>
-                  <a:srgbClr val="0000FF"/>
-                </a:solidFill>
-                <a:latin typeface="Consolas" pitchFamily="49" charset="0"/>
-                <a:cs typeface="Consolas" pitchFamily="49" charset="0"/>
-              </a:rPr>
-              <a:t>&lt;</a:t>
-            </a:r>
-            <a:r>
-              <a:rPr lang="en-US" sz="1400" b="0" dirty="0">
-                <a:solidFill>
-                  <a:srgbClr val="800000"/>
-                </a:solidFill>
-                <a:latin typeface="Consolas" pitchFamily="49" charset="0"/>
-                <a:cs typeface="Consolas" pitchFamily="49" charset="0"/>
-              </a:rPr>
-              <a:t>div</a:t>
-            </a:r>
-            <a:r>
-              <a:rPr lang="en-US" sz="1400" b="0" dirty="0">
-                <a:latin typeface="Consolas" pitchFamily="49" charset="0"/>
-                <a:cs typeface="Consolas" pitchFamily="49" charset="0"/>
-              </a:rPr>
-              <a:t> </a:t>
-            </a:r>
-            <a:r>
-              <a:rPr lang="en-US" sz="1400" b="0" dirty="0">
-                <a:solidFill>
-                  <a:srgbClr val="FF0000"/>
-                </a:solidFill>
-                <a:latin typeface="Consolas" pitchFamily="49" charset="0"/>
-                <a:cs typeface="Consolas" pitchFamily="49" charset="0"/>
-              </a:rPr>
-              <a:t>class</a:t>
-            </a:r>
-            <a:r>
-              <a:rPr lang="en-US" sz="1400" b="0" dirty="0">
-                <a:solidFill>
-                  <a:srgbClr val="0000FF"/>
-                </a:solidFill>
-                <a:latin typeface="Consolas" pitchFamily="49" charset="0"/>
-                <a:cs typeface="Consolas" pitchFamily="49" charset="0"/>
-              </a:rPr>
-              <a:t>="editor-field"&gt;</a:t>
-            </a:r>
-            <a:r>
-              <a:rPr lang="en-US" sz="1400" b="0" dirty="0">
-                <a:latin typeface="Consolas" pitchFamily="49" charset="0"/>
-                <a:cs typeface="Consolas" pitchFamily="49" charset="0"/>
-              </a:rPr>
-              <a:t/>
-            </a:r>
-            <a:br>
-              <a:rPr lang="en-US" sz="1400" b="0" dirty="0">
-                <a:latin typeface="Consolas" pitchFamily="49" charset="0"/>
-                <a:cs typeface="Consolas" pitchFamily="49" charset="0"/>
-              </a:rPr>
-            </a:br>
-            <a:r>
-              <a:rPr lang="en-US" sz="1400" b="0" dirty="0">
-                <a:latin typeface="Consolas" pitchFamily="49" charset="0"/>
-                <a:cs typeface="Consolas" pitchFamily="49" charset="0"/>
-              </a:rPr>
-              <a:t>            @</a:t>
-            </a:r>
-            <a:r>
-              <a:rPr lang="en-US" sz="1400" b="0" dirty="0" err="1">
-                <a:latin typeface="Consolas" pitchFamily="49" charset="0"/>
-                <a:cs typeface="Consolas" pitchFamily="49" charset="0"/>
-              </a:rPr>
-              <a:t>Html.EditorFor</a:t>
-            </a:r>
-            <a:r>
-              <a:rPr lang="en-US" sz="1400" b="0" dirty="0">
-                <a:latin typeface="Consolas" pitchFamily="49" charset="0"/>
-                <a:cs typeface="Consolas" pitchFamily="49" charset="0"/>
-              </a:rPr>
-              <a:t>(model =&gt; </a:t>
-            </a:r>
-            <a:r>
-              <a:rPr lang="en-US" sz="1400" b="0" dirty="0" err="1">
-                <a:latin typeface="Consolas" pitchFamily="49" charset="0"/>
-                <a:cs typeface="Consolas" pitchFamily="49" charset="0"/>
-              </a:rPr>
-              <a:t>model.FirstName</a:t>
-            </a:r>
-            <a:r>
-              <a:rPr lang="en-US" sz="1400" b="0" dirty="0">
-                <a:latin typeface="Consolas" pitchFamily="49" charset="0"/>
-                <a:cs typeface="Consolas" pitchFamily="49" charset="0"/>
-              </a:rPr>
-              <a:t>)</a:t>
-            </a:r>
-            <a:br>
-              <a:rPr lang="en-US" sz="1400" b="0" dirty="0">
-                <a:latin typeface="Consolas" pitchFamily="49" charset="0"/>
-                <a:cs typeface="Consolas" pitchFamily="49" charset="0"/>
-              </a:rPr>
-            </a:br>
-            <a:r>
-              <a:rPr lang="en-US" sz="1400" b="0" dirty="0">
-                <a:latin typeface="Consolas" pitchFamily="49" charset="0"/>
-                <a:cs typeface="Consolas" pitchFamily="49" charset="0"/>
-              </a:rPr>
-              <a:t>            @</a:t>
-            </a:r>
-            <a:r>
-              <a:rPr lang="en-US" sz="1400" b="0" dirty="0" err="1">
-                <a:latin typeface="Consolas" pitchFamily="49" charset="0"/>
-                <a:cs typeface="Consolas" pitchFamily="49" charset="0"/>
-              </a:rPr>
-              <a:t>Html.ValidationMessageFor</a:t>
-            </a:r>
-            <a:r>
-              <a:rPr lang="en-US" sz="1400" b="0" dirty="0">
-                <a:latin typeface="Consolas" pitchFamily="49" charset="0"/>
-                <a:cs typeface="Consolas" pitchFamily="49" charset="0"/>
-              </a:rPr>
-              <a:t>(model =&gt; </a:t>
-            </a:r>
-            <a:r>
-              <a:rPr lang="en-US" sz="1400" b="0" dirty="0" err="1">
-                <a:latin typeface="Consolas" pitchFamily="49" charset="0"/>
-                <a:cs typeface="Consolas" pitchFamily="49" charset="0"/>
-              </a:rPr>
-              <a:t>model.FirstName</a:t>
-            </a:r>
-            <a:r>
-              <a:rPr lang="en-US" sz="1400" b="0" dirty="0">
-                <a:latin typeface="Consolas" pitchFamily="49" charset="0"/>
-                <a:cs typeface="Consolas" pitchFamily="49" charset="0"/>
-              </a:rPr>
-              <a:t>)</a:t>
-            </a:r>
-            <a:br>
-              <a:rPr lang="en-US" sz="1400" b="0" dirty="0">
-                <a:latin typeface="Consolas" pitchFamily="49" charset="0"/>
-                <a:cs typeface="Consolas" pitchFamily="49" charset="0"/>
-              </a:rPr>
-            </a:br>
-            <a:r>
-              <a:rPr lang="en-US" sz="1400" b="0" dirty="0">
-                <a:latin typeface="Consolas" pitchFamily="49" charset="0"/>
-                <a:cs typeface="Consolas" pitchFamily="49" charset="0"/>
-              </a:rPr>
-              <a:t>        </a:t>
-            </a:r>
-            <a:r>
-              <a:rPr lang="en-US" sz="1400" b="0" dirty="0">
-                <a:solidFill>
-                  <a:srgbClr val="0000FF"/>
-                </a:solidFill>
-                <a:latin typeface="Consolas" pitchFamily="49" charset="0"/>
-                <a:cs typeface="Consolas" pitchFamily="49" charset="0"/>
-              </a:rPr>
-              <a:t>&lt;/</a:t>
-            </a:r>
-            <a:r>
-              <a:rPr lang="en-US" sz="1400" b="0" dirty="0">
-                <a:solidFill>
-                  <a:srgbClr val="800000"/>
-                </a:solidFill>
-                <a:latin typeface="Consolas" pitchFamily="49" charset="0"/>
-                <a:cs typeface="Consolas" pitchFamily="49" charset="0"/>
-              </a:rPr>
-              <a:t>div</a:t>
-            </a:r>
-            <a:r>
-              <a:rPr lang="en-US" sz="1400" b="0" dirty="0">
-                <a:solidFill>
-                  <a:srgbClr val="0000FF"/>
-                </a:solidFill>
-                <a:latin typeface="Consolas" pitchFamily="49" charset="0"/>
-                <a:cs typeface="Consolas" pitchFamily="49" charset="0"/>
-              </a:rPr>
-              <a:t>&gt;</a:t>
-            </a:r>
-            <a:endParaRPr kumimoji="0" lang="en-US" sz="1400" b="0" i="0" u="none" strike="noStrike" kern="0" cap="none" spc="0" normalizeH="0" baseline="0" noProof="0" dirty="0">
-              <a:ln>
-                <a:noFill/>
-              </a:ln>
-              <a:solidFill>
-                <a:schemeClr val="tx1"/>
-              </a:solidFill>
-              <a:effectLst/>
-              <a:uLnTx/>
-              <a:uFillTx/>
-              <a:latin typeface="Consolas" pitchFamily="49" charset="0"/>
-              <a:cs typeface="Consolas" pitchFamily="49" charset="0"/>
-            </a:endParaRPr>
-          </a:p>
-        </p:txBody>
-      </p:sp>
+      </p:pic>
     </p:spTree>
     <p:extLst>
       <p:ext uri="{BB962C8B-B14F-4D97-AF65-F5344CB8AC3E}">
-        <p14:creationId xmlns:p14="http://schemas.microsoft.com/office/powerpoint/2010/main" val="3798270805"/>
+        <p14:creationId xmlns:p14="http://schemas.microsoft.com/office/powerpoint/2010/main" val="2373310221"/>
       </p:ext>
     </p:extLst>
   </p:cSld>
